--- a/App POC/Documentacion/TestingLibrary-Presentacion.pptx
+++ b/App POC/Documentacion/TestingLibrary-Presentacion.pptx
@@ -5,21 +5,24 @@
     <p:sldMasterId id="2147483660" r:id="rId4"/>
   </p:sldMasterIdLst>
   <p:notesMasterIdLst>
-    <p:notesMasterId r:id="rId14"/>
+    <p:notesMasterId r:id="rId17"/>
   </p:notesMasterIdLst>
   <p:handoutMasterIdLst>
-    <p:handoutMasterId r:id="rId15"/>
+    <p:handoutMasterId r:id="rId18"/>
   </p:handoutMasterIdLst>
   <p:sldIdLst>
     <p:sldId id="257" r:id="rId5"/>
     <p:sldId id="268" r:id="rId6"/>
-    <p:sldId id="261" r:id="rId7"/>
-    <p:sldId id="262" r:id="rId8"/>
-    <p:sldId id="263" r:id="rId9"/>
-    <p:sldId id="269" r:id="rId10"/>
-    <p:sldId id="270" r:id="rId11"/>
-    <p:sldId id="271" r:id="rId12"/>
-    <p:sldId id="272" r:id="rId13"/>
+    <p:sldId id="275" r:id="rId7"/>
+    <p:sldId id="273" r:id="rId8"/>
+    <p:sldId id="274" r:id="rId9"/>
+    <p:sldId id="261" r:id="rId10"/>
+    <p:sldId id="262" r:id="rId11"/>
+    <p:sldId id="263" r:id="rId12"/>
+    <p:sldId id="269" r:id="rId13"/>
+    <p:sldId id="270" r:id="rId14"/>
+    <p:sldId id="271" r:id="rId15"/>
+    <p:sldId id="272" r:id="rId16"/>
   </p:sldIdLst>
   <p:sldSz cx="12188825" cy="6858000"/>
   <p:notesSz cx="6858000" cy="9144000"/>
@@ -235,7 +238,7 @@
             <a:pPr algn="r" rtl="0"/>
             <a:fld id="{C8F1D84B-F747-4821-8617-FBD61E8F4308}" type="datetime1">
               <a:rPr lang="es-ES" smtClean="0"/>
-              <a:t>25/09/2024</a:t>
+              <a:t>02/10/2024</a:t>
             </a:fld>
             <a:endParaRPr lang="es-ES" dirty="0"/>
           </a:p>
@@ -405,7 +408,7 @@
             <a:fld id="{DA87C823-BB9F-45DA-99AB-416A32E1B948}" type="datetime1">
               <a:rPr lang="es-ES" noProof="0" smtClean="0"/>
               <a:pPr/>
-              <a:t>25/09/2024</a:t>
+              <a:t>02/10/2024</a:t>
             </a:fld>
             <a:endParaRPr lang="es-ES" noProof="0" dirty="0"/>
           </a:p>
@@ -760,6 +763,176 @@
 </p:notes>
 </file>
 
+<file path=ppt/notesSlides/notesSlide10.xml><?xml version="1.0" encoding="utf-8"?>
+<p:notes xmlns:a="http://schemas.openxmlformats.org/drawingml/2006/main" xmlns:r="http://schemas.openxmlformats.org/officeDocument/2006/relationships" xmlns:p="http://schemas.openxmlformats.org/presentationml/2006/main">
+  <p:cSld>
+    <p:spTree>
+      <p:nvGrpSpPr>
+        <p:cNvPr id="1" name=""/>
+        <p:cNvGrpSpPr/>
+        <p:nvPr/>
+      </p:nvGrpSpPr>
+      <p:grpSpPr>
+        <a:xfrm>
+          <a:off x="0" y="0"/>
+          <a:ext cx="0" cy="0"/>
+          <a:chOff x="0" y="0"/>
+          <a:chExt cx="0" cy="0"/>
+        </a:xfrm>
+      </p:grpSpPr>
+      <p:sp>
+        <p:nvSpPr>
+          <p:cNvPr id="2" name="Marcador de imagen de diapositiva 1"/>
+          <p:cNvSpPr>
+            <a:spLocks noGrp="1" noRot="1" noChangeAspect="1"/>
+          </p:cNvSpPr>
+          <p:nvPr>
+            <p:ph type="sldImg"/>
+          </p:nvPr>
+        </p:nvSpPr>
+        <p:spPr/>
+      </p:sp>
+      <p:sp>
+        <p:nvSpPr>
+          <p:cNvPr id="3" name="Marcador de notas 2"/>
+          <p:cNvSpPr>
+            <a:spLocks noGrp="1"/>
+          </p:cNvSpPr>
+          <p:nvPr>
+            <p:ph type="body" idx="1"/>
+          </p:nvPr>
+        </p:nvSpPr>
+        <p:spPr/>
+        <p:txBody>
+          <a:bodyPr/>
+          <a:lstStyle/>
+          <a:p>
+            <a:endParaRPr lang="es-ES" dirty="0"/>
+          </a:p>
+        </p:txBody>
+      </p:sp>
+      <p:sp>
+        <p:nvSpPr>
+          <p:cNvPr id="4" name="Marcador de número de diapositiva 3"/>
+          <p:cNvSpPr>
+            <a:spLocks noGrp="1"/>
+          </p:cNvSpPr>
+          <p:nvPr>
+            <p:ph type="sldNum" sz="quarter" idx="10"/>
+          </p:nvPr>
+        </p:nvSpPr>
+        <p:spPr/>
+        <p:txBody>
+          <a:bodyPr/>
+          <a:lstStyle/>
+          <a:p>
+            <a:fld id="{3EBA5BD7-F043-4D1B-AA17-CD412FC534DE}" type="slidenum">
+              <a:rPr lang="es-ES" noProof="0" smtClean="0"/>
+              <a:pPr/>
+              <a:t>11</a:t>
+            </a:fld>
+            <a:endParaRPr lang="es-ES" noProof="0" dirty="0"/>
+          </a:p>
+        </p:txBody>
+      </p:sp>
+    </p:spTree>
+    <p:extLst>
+      <p:ext uri="{BB962C8B-B14F-4D97-AF65-F5344CB8AC3E}">
+        <p14:creationId xmlns:p14="http://schemas.microsoft.com/office/powerpoint/2010/main" val="1510884271"/>
+      </p:ext>
+    </p:extLst>
+  </p:cSld>
+  <p:clrMapOvr>
+    <a:masterClrMapping/>
+  </p:clrMapOvr>
+</p:notes>
+</file>
+
+<file path=ppt/notesSlides/notesSlide11.xml><?xml version="1.0" encoding="utf-8"?>
+<p:notes xmlns:a="http://schemas.openxmlformats.org/drawingml/2006/main" xmlns:r="http://schemas.openxmlformats.org/officeDocument/2006/relationships" xmlns:p="http://schemas.openxmlformats.org/presentationml/2006/main">
+  <p:cSld>
+    <p:spTree>
+      <p:nvGrpSpPr>
+        <p:cNvPr id="1" name=""/>
+        <p:cNvGrpSpPr/>
+        <p:nvPr/>
+      </p:nvGrpSpPr>
+      <p:grpSpPr>
+        <a:xfrm>
+          <a:off x="0" y="0"/>
+          <a:ext cx="0" cy="0"/>
+          <a:chOff x="0" y="0"/>
+          <a:chExt cx="0" cy="0"/>
+        </a:xfrm>
+      </p:grpSpPr>
+      <p:sp>
+        <p:nvSpPr>
+          <p:cNvPr id="2" name="Marcador de imagen de diapositiva 1"/>
+          <p:cNvSpPr>
+            <a:spLocks noGrp="1" noRot="1" noChangeAspect="1"/>
+          </p:cNvSpPr>
+          <p:nvPr>
+            <p:ph type="sldImg"/>
+          </p:nvPr>
+        </p:nvSpPr>
+        <p:spPr/>
+      </p:sp>
+      <p:sp>
+        <p:nvSpPr>
+          <p:cNvPr id="3" name="Marcador de notas 2"/>
+          <p:cNvSpPr>
+            <a:spLocks noGrp="1"/>
+          </p:cNvSpPr>
+          <p:nvPr>
+            <p:ph type="body" idx="1"/>
+          </p:nvPr>
+        </p:nvSpPr>
+        <p:spPr/>
+        <p:txBody>
+          <a:bodyPr/>
+          <a:lstStyle/>
+          <a:p>
+            <a:endParaRPr lang="es-ES" dirty="0"/>
+          </a:p>
+        </p:txBody>
+      </p:sp>
+      <p:sp>
+        <p:nvSpPr>
+          <p:cNvPr id="4" name="Marcador de número de diapositiva 3"/>
+          <p:cNvSpPr>
+            <a:spLocks noGrp="1"/>
+          </p:cNvSpPr>
+          <p:nvPr>
+            <p:ph type="sldNum" sz="quarter" idx="10"/>
+          </p:nvPr>
+        </p:nvSpPr>
+        <p:spPr/>
+        <p:txBody>
+          <a:bodyPr/>
+          <a:lstStyle/>
+          <a:p>
+            <a:fld id="{3EBA5BD7-F043-4D1B-AA17-CD412FC534DE}" type="slidenum">
+              <a:rPr lang="es-ES" noProof="0" smtClean="0"/>
+              <a:pPr/>
+              <a:t>12</a:t>
+            </a:fld>
+            <a:endParaRPr lang="es-ES" noProof="0" dirty="0"/>
+          </a:p>
+        </p:txBody>
+      </p:sp>
+    </p:spTree>
+    <p:extLst>
+      <p:ext uri="{BB962C8B-B14F-4D97-AF65-F5344CB8AC3E}">
+        <p14:creationId xmlns:p14="http://schemas.microsoft.com/office/powerpoint/2010/main" val="1801044928"/>
+      </p:ext>
+    </p:extLst>
+  </p:cSld>
+  <p:clrMapOvr>
+    <a:masterClrMapping/>
+  </p:clrMapOvr>
+</p:notes>
+</file>
+
 <file path=ppt/notesSlides/notesSlide2.xml><?xml version="1.0" encoding="utf-8"?>
 <p:notes xmlns:a="http://schemas.openxmlformats.org/drawingml/2006/main" xmlns:r="http://schemas.openxmlformats.org/officeDocument/2006/relationships" xmlns:p="http://schemas.openxmlformats.org/presentationml/2006/main">
   <p:cSld>
@@ -803,6 +976,66 @@
         <p:txBody>
           <a:bodyPr/>
           <a:lstStyle/>
+          <a:p>
+            <a:pPr marL="0" marR="0" lvl="0" indent="0" algn="l" defTabSz="1218987" rtl="0" eaLnBrk="1" fontAlgn="auto" latinLnBrk="0" hangingPunct="1">
+              <a:lnSpc>
+                <a:spcPct val="100000"/>
+              </a:lnSpc>
+              <a:spcBef>
+                <a:spcPts val="0"/>
+              </a:spcBef>
+              <a:spcAft>
+                <a:spcPts val="0"/>
+              </a:spcAft>
+              <a:buClrTx/>
+              <a:buSzTx/>
+              <a:buFontTx/>
+              <a:buNone/>
+              <a:tabLst/>
+              <a:defRPr/>
+            </a:pPr>
+            <a:r>
+              <a:rPr lang="es-MX" dirty="0" err="1"/>
+              <a:t>Testing</a:t>
+            </a:r>
+            <a:r>
+              <a:rPr lang="es-MX" dirty="0"/>
+              <a:t> Library es una herramienta para probar aplicaciones web, enfocándose en cómo los usuarios interactúan con la interfaz. Promueve buenas prácticas al utilizar consultas que simulan la experiencia del usuario. Compatible con </a:t>
+            </a:r>
+            <a:r>
+              <a:rPr lang="es-MX" dirty="0" err="1"/>
+              <a:t>frameworks</a:t>
+            </a:r>
+            <a:r>
+              <a:rPr lang="es-MX" dirty="0"/>
+              <a:t> como </a:t>
+            </a:r>
+            <a:r>
+              <a:rPr lang="es-MX" dirty="0" err="1"/>
+              <a:t>React</a:t>
+            </a:r>
+            <a:r>
+              <a:rPr lang="es-MX" dirty="0"/>
+              <a:t> y </a:t>
+            </a:r>
+            <a:r>
+              <a:rPr lang="es-MX" dirty="0" err="1"/>
+              <a:t>Vue</a:t>
+            </a:r>
+            <a:r>
+              <a:rPr lang="es-MX" dirty="0"/>
+              <a:t>, se integra bien con </a:t>
+            </a:r>
+            <a:r>
+              <a:rPr lang="es-MX" dirty="0" err="1"/>
+              <a:t>Jest</a:t>
+            </a:r>
+            <a:r>
+              <a:rPr lang="es-MX" dirty="0"/>
+              <a:t> y otras herramientas de pruebas, garantizando así una mejor calidad en tus aplicaciones.</a:t>
+            </a:r>
+            <a:endParaRPr lang="es-ES" dirty="0"/>
+          </a:p>
           <a:p>
             <a:endParaRPr lang="es-ES" dirty="0"/>
           </a:p>
@@ -889,8 +1122,111 @@
           <a:bodyPr/>
           <a:lstStyle/>
           <a:p>
+            <a:r>
+              <a:rPr lang="es-ES" dirty="0"/>
+              <a:t>Ventajas </a:t>
+            </a:r>
+          </a:p>
+          <a:p>
+            <a:r>
+              <a:rPr lang="es-ES" dirty="0"/>
+              <a:t>Es decir, como los usuarios interactúan con la aplicación</a:t>
+            </a:r>
+          </a:p>
+          <a:p>
+            <a:r>
+              <a:rPr lang="es-ES" dirty="0"/>
+              <a:t>Framework Principal: </a:t>
+            </a:r>
+            <a:r>
+              <a:rPr lang="es-ES" dirty="0" err="1"/>
+              <a:t>React</a:t>
+            </a:r>
+            <a:r>
+              <a:rPr lang="es-ES" dirty="0"/>
+              <a:t> ,  también se utiliza en otros como Angular o </a:t>
+            </a:r>
+            <a:r>
+              <a:rPr lang="es-ES" dirty="0" err="1"/>
+              <a:t>Vue</a:t>
+            </a:r>
+            <a:r>
+              <a:rPr lang="es-ES" dirty="0"/>
+              <a:t>.</a:t>
+            </a:r>
+          </a:p>
+          <a:p>
+            <a:r>
+              <a:rPr lang="es-ES" dirty="0"/>
+              <a:t>Ya que prioriza el uso de selectores que reflejan cómo los usuarios interactúan realmente con la aplicación.</a:t>
+            </a:r>
+          </a:p>
+          <a:p>
+            <a:r>
+              <a:rPr lang="es-ES" dirty="0"/>
+              <a:t>Utiliza funciones claras como render, </a:t>
+            </a:r>
+            <a:r>
+              <a:rPr lang="es-ES" dirty="0" err="1"/>
+              <a:t>fireEvent</a:t>
+            </a:r>
+            <a:r>
+              <a:rPr lang="es-ES" dirty="0"/>
+              <a:t>, y </a:t>
+            </a:r>
+            <a:r>
+              <a:rPr lang="es-ES" dirty="0" err="1"/>
+              <a:t>screen</a:t>
+            </a:r>
             <a:endParaRPr lang="es-ES" dirty="0"/>
           </a:p>
+          <a:p>
+            <a:endParaRPr lang="es-ES" dirty="0"/>
+          </a:p>
+          <a:p>
+            <a:r>
+              <a:rPr lang="es-ES" dirty="0"/>
+              <a:t>Desventajas</a:t>
+            </a:r>
+          </a:p>
+          <a:p>
+            <a:r>
+              <a:rPr lang="es-ES" dirty="0"/>
+              <a:t>Evita pruebas que dependan de la implementación interna es decir, de detalles específicos del DOM</a:t>
+            </a:r>
+          </a:p>
+          <a:p>
+            <a:r>
+              <a:rPr lang="es-ES" dirty="0"/>
+              <a:t>No esta desarrollado para la simulación de eventos más complejos (como interacciones de arrastrar y soltar)</a:t>
+            </a:r>
+          </a:p>
+          <a:p>
+            <a:pPr marL="0" marR="0" lvl="0" indent="0" algn="l" defTabSz="1218987" rtl="0" eaLnBrk="1" fontAlgn="auto" latinLnBrk="0" hangingPunct="1">
+              <a:lnSpc>
+                <a:spcPct val="100000"/>
+              </a:lnSpc>
+              <a:spcBef>
+                <a:spcPts val="0"/>
+              </a:spcBef>
+              <a:spcAft>
+                <a:spcPts val="0"/>
+              </a:spcAft>
+              <a:buClrTx/>
+              <a:buSzTx/>
+              <a:buFontTx/>
+              <a:buNone/>
+              <a:tabLst/>
+              <a:defRPr/>
+            </a:pPr>
+            <a:r>
+              <a:rPr lang="es-ES" dirty="0"/>
+              <a:t>Ya que están enfocadas en simular la interacción del usuario en comparación con otras librerías que prueban directamente la lógica o el DOM.</a:t>
+            </a:r>
+          </a:p>
+          <a:p>
+            <a:endParaRPr lang="es-AR" dirty="0"/>
+          </a:p>
         </p:txBody>
       </p:sp>
       <p:sp>
@@ -900,7 +1236,7 @@
             <a:spLocks noGrp="1"/>
           </p:cNvSpPr>
           <p:nvPr>
-            <p:ph type="sldNum" sz="quarter" idx="10"/>
+            <p:ph type="sldNum" sz="quarter" idx="5"/>
           </p:nvPr>
         </p:nvSpPr>
         <p:spPr/>
@@ -920,7 +1256,7 @@
     </p:spTree>
     <p:extLst>
       <p:ext uri="{BB962C8B-B14F-4D97-AF65-F5344CB8AC3E}">
-        <p14:creationId xmlns:p14="http://schemas.microsoft.com/office/powerpoint/2010/main" val="13358915"/>
+        <p14:creationId xmlns:p14="http://schemas.microsoft.com/office/powerpoint/2010/main" val="1006239013"/>
       </p:ext>
     </p:extLst>
   </p:cSld>
@@ -974,7 +1310,44 @@
           <a:bodyPr/>
           <a:lstStyle/>
           <a:p>
-            <a:endParaRPr lang="es-ES" dirty="0"/>
+            <a:r>
+              <a:rPr lang="es-ES" sz="1600" dirty="0"/>
+              <a:t>render :  monta el componente para poder interactuar con él</a:t>
+            </a:r>
+          </a:p>
+          <a:p>
+            <a:r>
+              <a:rPr lang="es-ES" sz="1600" dirty="0" err="1"/>
+              <a:t>getByLabelText</a:t>
+            </a:r>
+            <a:r>
+              <a:rPr lang="es-ES" sz="1600" dirty="0"/>
+              <a:t>: verifica si el elemento está presente y si contiene el texto correcto</a:t>
+            </a:r>
+          </a:p>
+          <a:p>
+            <a:r>
+              <a:rPr lang="es-ES" sz="1600" dirty="0" err="1"/>
+              <a:t>fireEvent</a:t>
+            </a:r>
+            <a:r>
+              <a:rPr lang="es-ES" sz="1600" dirty="0"/>
+              <a:t>: permite simular el uso real de la interfaz.</a:t>
+            </a:r>
+          </a:p>
+          <a:p>
+            <a:r>
+              <a:rPr lang="es-ES" sz="1600" dirty="0" err="1"/>
+              <a:t>expect</a:t>
+            </a:r>
+            <a:r>
+              <a:rPr lang="es-ES" sz="1600" dirty="0"/>
+              <a:t> : verificas que el componente se comporte correctamente después de las interacciones</a:t>
+            </a:r>
+            <a:endParaRPr lang="es-AR" sz="1600" dirty="0"/>
+          </a:p>
+          <a:p>
+            <a:endParaRPr lang="es-AR" dirty="0"/>
           </a:p>
         </p:txBody>
       </p:sp>
@@ -985,7 +1358,7 @@
             <a:spLocks noGrp="1"/>
           </p:cNvSpPr>
           <p:nvPr>
-            <p:ph type="sldNum" sz="quarter" idx="10"/>
+            <p:ph type="sldNum" sz="quarter" idx="5"/>
           </p:nvPr>
         </p:nvSpPr>
         <p:spPr/>
@@ -996,7 +1369,7 @@
             <a:fld id="{3EBA5BD7-F043-4D1B-AA17-CD412FC534DE}" type="slidenum">
               <a:rPr lang="es-ES" noProof="0" smtClean="0"/>
               <a:pPr/>
-              <a:t>4</a:t>
+              <a:t>5</a:t>
             </a:fld>
             <a:endParaRPr lang="es-ES" noProof="0" dirty="0"/>
           </a:p>
@@ -1005,7 +1378,7 @@
     </p:spTree>
     <p:extLst>
       <p:ext uri="{BB962C8B-B14F-4D97-AF65-F5344CB8AC3E}">
-        <p14:creationId xmlns:p14="http://schemas.microsoft.com/office/powerpoint/2010/main" val="2672739060"/>
+        <p14:creationId xmlns:p14="http://schemas.microsoft.com/office/powerpoint/2010/main" val="1625940266"/>
       </p:ext>
     </p:extLst>
   </p:cSld>
@@ -1081,7 +1454,7 @@
             <a:fld id="{3EBA5BD7-F043-4D1B-AA17-CD412FC534DE}" type="slidenum">
               <a:rPr lang="es-ES" noProof="0" smtClean="0"/>
               <a:pPr/>
-              <a:t>5</a:t>
+              <a:t>6</a:t>
             </a:fld>
             <a:endParaRPr lang="es-ES" noProof="0" dirty="0"/>
           </a:p>
@@ -1090,7 +1463,7 @@
     </p:spTree>
     <p:extLst>
       <p:ext uri="{BB962C8B-B14F-4D97-AF65-F5344CB8AC3E}">
-        <p14:creationId xmlns:p14="http://schemas.microsoft.com/office/powerpoint/2010/main" val="837636764"/>
+        <p14:creationId xmlns:p14="http://schemas.microsoft.com/office/powerpoint/2010/main" val="13358915"/>
       </p:ext>
     </p:extLst>
   </p:cSld>
@@ -1166,7 +1539,7 @@
             <a:fld id="{3EBA5BD7-F043-4D1B-AA17-CD412FC534DE}" type="slidenum">
               <a:rPr lang="es-ES" noProof="0" smtClean="0"/>
               <a:pPr/>
-              <a:t>6</a:t>
+              <a:t>7</a:t>
             </a:fld>
             <a:endParaRPr lang="es-ES" noProof="0" dirty="0"/>
           </a:p>
@@ -1175,7 +1548,7 @@
     </p:spTree>
     <p:extLst>
       <p:ext uri="{BB962C8B-B14F-4D97-AF65-F5344CB8AC3E}">
-        <p14:creationId xmlns:p14="http://schemas.microsoft.com/office/powerpoint/2010/main" val="663388844"/>
+        <p14:creationId xmlns:p14="http://schemas.microsoft.com/office/powerpoint/2010/main" val="2672739060"/>
       </p:ext>
     </p:extLst>
   </p:cSld>
@@ -1251,7 +1624,7 @@
             <a:fld id="{3EBA5BD7-F043-4D1B-AA17-CD412FC534DE}" type="slidenum">
               <a:rPr lang="es-ES" noProof="0" smtClean="0"/>
               <a:pPr/>
-              <a:t>7</a:t>
+              <a:t>8</a:t>
             </a:fld>
             <a:endParaRPr lang="es-ES" noProof="0" dirty="0"/>
           </a:p>
@@ -1260,7 +1633,7 @@
     </p:spTree>
     <p:extLst>
       <p:ext uri="{BB962C8B-B14F-4D97-AF65-F5344CB8AC3E}">
-        <p14:creationId xmlns:p14="http://schemas.microsoft.com/office/powerpoint/2010/main" val="245960721"/>
+        <p14:creationId xmlns:p14="http://schemas.microsoft.com/office/powerpoint/2010/main" val="837636764"/>
       </p:ext>
     </p:extLst>
   </p:cSld>
@@ -1336,7 +1709,7 @@
             <a:fld id="{3EBA5BD7-F043-4D1B-AA17-CD412FC534DE}" type="slidenum">
               <a:rPr lang="es-ES" noProof="0" smtClean="0"/>
               <a:pPr/>
-              <a:t>8</a:t>
+              <a:t>9</a:t>
             </a:fld>
             <a:endParaRPr lang="es-ES" noProof="0" dirty="0"/>
           </a:p>
@@ -1345,7 +1718,7 @@
     </p:spTree>
     <p:extLst>
       <p:ext uri="{BB962C8B-B14F-4D97-AF65-F5344CB8AC3E}">
-        <p14:creationId xmlns:p14="http://schemas.microsoft.com/office/powerpoint/2010/main" val="1510884271"/>
+        <p14:creationId xmlns:p14="http://schemas.microsoft.com/office/powerpoint/2010/main" val="663388844"/>
       </p:ext>
     </p:extLst>
   </p:cSld>
@@ -1421,7 +1794,7 @@
             <a:fld id="{3EBA5BD7-F043-4D1B-AA17-CD412FC534DE}" type="slidenum">
               <a:rPr lang="es-ES" noProof="0" smtClean="0"/>
               <a:pPr/>
-              <a:t>9</a:t>
+              <a:t>10</a:t>
             </a:fld>
             <a:endParaRPr lang="es-ES" noProof="0" dirty="0"/>
           </a:p>
@@ -1430,7 +1803,7 @@
     </p:spTree>
     <p:extLst>
       <p:ext uri="{BB962C8B-B14F-4D97-AF65-F5344CB8AC3E}">
-        <p14:creationId xmlns:p14="http://schemas.microsoft.com/office/powerpoint/2010/main" val="1801044928"/>
+        <p14:creationId xmlns:p14="http://schemas.microsoft.com/office/powerpoint/2010/main" val="245960721"/>
       </p:ext>
     </p:extLst>
   </p:cSld>
@@ -2203,7 +2576,7 @@
             <a:fld id="{A042E67D-14C0-4ED9-A218-9C14494A6A84}" type="datetime1">
               <a:rPr lang="es-ES" noProof="0" smtClean="0"/>
               <a:pPr/>
-              <a:t>25/09/2024</a:t>
+              <a:t>02/10/2024</a:t>
             </a:fld>
             <a:endParaRPr lang="es-ES" noProof="0" dirty="0"/>
           </a:p>
@@ -2413,7 +2786,7 @@
             <a:fld id="{40A1DB83-C382-4684-8887-65A03EA4FFF0}" type="datetime1">
               <a:rPr lang="es-ES" noProof="0" smtClean="0"/>
               <a:pPr/>
-              <a:t>25/09/2024</a:t>
+              <a:t>02/10/2024</a:t>
             </a:fld>
             <a:endParaRPr lang="es-ES" noProof="0" dirty="0"/>
           </a:p>
@@ -2629,7 +3002,7 @@
             <a:fld id="{C60E81D3-9B82-44CA-B1F9-FCEFDC87935B}" type="datetime1">
               <a:rPr lang="es-ES" noProof="0" smtClean="0"/>
               <a:pPr/>
-              <a:t>25/09/2024</a:t>
+              <a:t>02/10/2024</a:t>
             </a:fld>
             <a:endParaRPr lang="es-ES" noProof="0" dirty="0"/>
           </a:p>
@@ -2835,7 +3208,7 @@
             <a:fld id="{82E48AAE-5AE8-418A-A225-B506C222F2F9}" type="datetime1">
               <a:rPr lang="es-ES" noProof="0" smtClean="0"/>
               <a:pPr/>
-              <a:t>25/09/2024</a:t>
+              <a:t>02/10/2024</a:t>
             </a:fld>
             <a:endParaRPr lang="es-ES" noProof="0" dirty="0"/>
           </a:p>
@@ -3275,7 +3648,7 @@
             <a:fld id="{AA1D35CA-82F5-4AD4-B9EC-66E805B73542}" type="datetime1">
               <a:rPr lang="es-ES" noProof="0" smtClean="0"/>
               <a:pPr/>
-              <a:t>25/09/2024</a:t>
+              <a:t>02/10/2024</a:t>
             </a:fld>
             <a:endParaRPr lang="es-ES" noProof="0" dirty="0"/>
           </a:p>
@@ -3587,7 +3960,7 @@
             <a:fld id="{834CCE92-710B-4678-B1B1-EFCAA5CDF075}" type="datetime1">
               <a:rPr lang="es-ES" noProof="0" smtClean="0"/>
               <a:pPr/>
-              <a:t>25/09/2024</a:t>
+              <a:t>02/10/2024</a:t>
             </a:fld>
             <a:endParaRPr lang="es-ES" noProof="0" dirty="0"/>
           </a:p>
@@ -4051,7 +4424,7 @@
             <a:fld id="{83FB0F2C-25D9-4D7E-B43A-29A2E16C960D}" type="datetime1">
               <a:rPr lang="es-ES" noProof="0" smtClean="0"/>
               <a:pPr/>
-              <a:t>25/09/2024</a:t>
+              <a:t>02/10/2024</a:t>
             </a:fld>
             <a:endParaRPr lang="es-ES" noProof="0" dirty="0"/>
           </a:p>
@@ -4189,7 +4562,7 @@
             <a:fld id="{FD34687D-B11B-47A5-95F6-B79DA932A6DF}" type="datetime1">
               <a:rPr lang="es-ES" noProof="0" smtClean="0"/>
               <a:pPr/>
-              <a:t>25/09/2024</a:t>
+              <a:t>02/10/2024</a:t>
             </a:fld>
             <a:endParaRPr lang="es-ES" noProof="0" dirty="0"/>
           </a:p>
@@ -4303,7 +4676,7 @@
             <a:fld id="{93C656DE-1E46-4450-9484-A739B4FADFBC}" type="datetime1">
               <a:rPr lang="es-ES" noProof="0" smtClean="0"/>
               <a:pPr/>
-              <a:t>25/09/2024</a:t>
+              <a:t>02/10/2024</a:t>
             </a:fld>
             <a:endParaRPr lang="es-ES" noProof="0" dirty="0"/>
           </a:p>
@@ -4610,7 +4983,7 @@
             <a:fld id="{EEA77F8B-D469-4ECD-B91E-3B01AD692331}" type="datetime1">
               <a:rPr lang="es-ES" noProof="0" smtClean="0"/>
               <a:pPr/>
-              <a:t>25/09/2024</a:t>
+              <a:t>02/10/2024</a:t>
             </a:fld>
             <a:endParaRPr lang="es-ES" noProof="0" dirty="0"/>
           </a:p>
@@ -4906,7 +5279,7 @@
             <a:fld id="{49BA7B1C-709E-4257-93A5-EC2F0807D42F}" type="datetime1">
               <a:rPr lang="es-ES" noProof="0" smtClean="0"/>
               <a:pPr/>
-              <a:t>25/09/2024</a:t>
+              <a:t>02/10/2024</a:t>
             </a:fld>
             <a:endParaRPr lang="es-ES" noProof="0" dirty="0"/>
           </a:p>
@@ -5530,7 +5903,7 @@
             <a:fld id="{35C83AD5-F5AF-4BDC-901E-85A05CCFFAAA}" type="datetime1">
               <a:rPr lang="es-ES" noProof="0" smtClean="0"/>
               <a:pPr/>
-              <a:t>25/09/2024</a:t>
+              <a:t>02/10/2024</a:t>
             </a:fld>
             <a:endParaRPr lang="es-ES" noProof="0" dirty="0"/>
           </a:p>
@@ -6073,7 +6446,7 @@
 </p:sld>
 </file>
 
-<file path=ppt/slides/slide2.xml><?xml version="1.0" encoding="utf-8"?>
+<file path=ppt/slides/slide10.xml><?xml version="1.0" encoding="utf-8"?>
 <p:sld xmlns:a="http://schemas.openxmlformats.org/drawingml/2006/main" xmlns:r="http://schemas.openxmlformats.org/officeDocument/2006/relationships" xmlns:p="http://schemas.openxmlformats.org/presentationml/2006/main">
   <p:cSld>
     <p:spTree>
@@ -6092,57 +6465,44 @@
       </p:grpSpPr>
       <p:sp>
         <p:nvSpPr>
-          <p:cNvPr id="13" name="Título 12"/>
-          <p:cNvSpPr>
-            <a:spLocks noGrp="1"/>
-          </p:cNvSpPr>
-          <p:nvPr>
-            <p:ph type="title"/>
-          </p:nvPr>
-        </p:nvSpPr>
-        <p:spPr/>
-        <p:txBody>
-          <a:bodyPr rtlCol="0"/>
+          <p:cNvPr id="2" name="CuadroTexto 1">
+            <a:extLst>
+              <a:ext uri="{FF2B5EF4-FFF2-40B4-BE49-F238E27FC236}">
+                <a16:creationId xmlns:a16="http://schemas.microsoft.com/office/drawing/2014/main" id="{B6B13715-EEC1-4D45-B91A-B04766E43A98}"/>
+              </a:ext>
+            </a:extLst>
+          </p:cNvPr>
+          <p:cNvSpPr txBox="1"/>
+          <p:nvPr/>
+        </p:nvSpPr>
+        <p:spPr>
+          <a:xfrm>
+            <a:off x="1125860" y="2274838"/>
+            <a:ext cx="10441160" cy="1754326"/>
+          </a:xfrm>
+          <a:prstGeom prst="rect">
+            <a:avLst/>
+          </a:prstGeom>
+          <a:noFill/>
+        </p:spPr>
+        <p:txBody>
+          <a:bodyPr wrap="square" rtlCol="0">
+            <a:spAutoFit/>
+          </a:bodyPr>
           <a:lstStyle/>
           <a:p>
-            <a:pPr rtl="0"/>
-            <a:r>
-              <a:rPr lang="es-ES" dirty="0"/>
-              <a:t>¿Qué es Testing Library?</a:t>
-            </a:r>
-          </a:p>
-        </p:txBody>
-      </p:sp>
-      <p:sp>
-        <p:nvSpPr>
-          <p:cNvPr id="14" name="Marcador de posición de contenido 13"/>
-          <p:cNvSpPr>
-            <a:spLocks noGrp="1"/>
-          </p:cNvSpPr>
-          <p:nvPr>
-            <p:ph idx="1"/>
-          </p:nvPr>
-        </p:nvSpPr>
-        <p:spPr/>
-        <p:txBody>
-          <a:bodyPr rtlCol="0"/>
-          <a:lstStyle/>
-          <a:p>
-            <a:pPr marL="0" indent="0" rtl="0">
-              <a:buNone/>
-            </a:pPr>
-            <a:r>
-              <a:rPr lang="es-MX" dirty="0"/>
-              <a:t>Testing Library es una herramienta para probar aplicaciones web, enfocándose en cómo los usuarios interactúan con la interfaz. Promueve buenas prácticas al utilizar consultas que simulan la experiencia del usuario. Compatible con frameworks como React y Vue, se integra bien con Jest y otras herramientas de pruebas, garantizando así una mejor calidad en tus aplicaciones.</a:t>
-            </a:r>
-            <a:endParaRPr lang="es-ES" dirty="0"/>
+            <a:pPr algn="just"/>
+            <a:r>
+              <a:rPr lang="es-ES" sz="3600" dirty="0"/>
+              <a:t>Vemos que la prueba “Button is disabled when input is empty” pasó correctamente y ya no devuelve un error, por lo tanto el test suite y sus 10 pruebas pasan el test. </a:t>
+            </a:r>
           </a:p>
         </p:txBody>
       </p:sp>
     </p:spTree>
     <p:extLst>
       <p:ext uri="{BB962C8B-B14F-4D97-AF65-F5344CB8AC3E}">
-        <p14:creationId xmlns:p14="http://schemas.microsoft.com/office/powerpoint/2010/main" val="3529114326"/>
+        <p14:creationId xmlns:p14="http://schemas.microsoft.com/office/powerpoint/2010/main" val="3143847741"/>
       </p:ext>
     </p:extLst>
   </p:cSld>
@@ -6164,182 +6524,7 @@
 </p:sld>
 </file>
 
-<file path=ppt/slides/slide3.xml><?xml version="1.0" encoding="utf-8"?>
-<p:sld xmlns:a="http://schemas.openxmlformats.org/drawingml/2006/main" xmlns:r="http://schemas.openxmlformats.org/officeDocument/2006/relationships" xmlns:p="http://schemas.openxmlformats.org/presentationml/2006/main">
-  <p:cSld>
-    <p:spTree>
-      <p:nvGrpSpPr>
-        <p:cNvPr id="1" name=""/>
-        <p:cNvGrpSpPr/>
-        <p:nvPr/>
-      </p:nvGrpSpPr>
-      <p:grpSpPr>
-        <a:xfrm>
-          <a:off x="0" y="0"/>
-          <a:ext cx="0" cy="0"/>
-          <a:chOff x="0" y="0"/>
-          <a:chExt cx="0" cy="0"/>
-        </a:xfrm>
-      </p:grpSpPr>
-      <p:sp>
-        <p:nvSpPr>
-          <p:cNvPr id="7" name="Título 6"/>
-          <p:cNvSpPr>
-            <a:spLocks noGrp="1"/>
-          </p:cNvSpPr>
-          <p:nvPr>
-            <p:ph type="title"/>
-          </p:nvPr>
-        </p:nvSpPr>
-        <p:spPr/>
-        <p:txBody>
-          <a:bodyPr rtlCol="0"/>
-          <a:lstStyle/>
-          <a:p>
-            <a:pPr rtl="0"/>
-            <a:r>
-              <a:rPr lang="es-ES" dirty="0"/>
-              <a:t>Error al momento de realizar la prueba</a:t>
-            </a:r>
-          </a:p>
-        </p:txBody>
-      </p:sp>
-      <p:pic>
-        <p:nvPicPr>
-          <p:cNvPr id="2" name="Marcador de contenido 1">
-            <a:extLst>
-              <a:ext uri="{FF2B5EF4-FFF2-40B4-BE49-F238E27FC236}">
-                <a16:creationId xmlns:a16="http://schemas.microsoft.com/office/drawing/2014/main" id="{F41A4891-2532-47DA-9CE9-3783C3A07863}"/>
-              </a:ext>
-            </a:extLst>
-          </p:cNvPr>
-          <p:cNvPicPr>
-            <a:picLocks noGrp="1" noChangeAspect="1"/>
-          </p:cNvPicPr>
-          <p:nvPr>
-            <p:ph sz="half" idx="2"/>
-          </p:nvPr>
-        </p:nvPicPr>
-        <p:blipFill>
-          <a:blip r:embed="rId3"/>
-          <a:stretch>
-            <a:fillRect/>
-          </a:stretch>
-        </p:blipFill>
-        <p:spPr>
-          <a:xfrm>
-            <a:off x="1218883" y="1498600"/>
-            <a:ext cx="10360501" cy="4810720"/>
-          </a:xfrm>
-          <a:prstGeom prst="rect">
-            <a:avLst/>
-          </a:prstGeom>
-        </p:spPr>
-      </p:pic>
-    </p:spTree>
-    <p:extLst>
-      <p:ext uri="{BB962C8B-B14F-4D97-AF65-F5344CB8AC3E}">
-        <p14:creationId xmlns:p14="http://schemas.microsoft.com/office/powerpoint/2010/main" val="2672039197"/>
-      </p:ext>
-    </p:extLst>
-  </p:cSld>
-  <p:clrMapOvr>
-    <a:masterClrMapping/>
-  </p:clrMapOvr>
-  <mc:AlternateContent xmlns:mc="http://schemas.openxmlformats.org/markup-compatibility/2006" xmlns:p14="http://schemas.microsoft.com/office/powerpoint/2010/main">
-    <mc:Choice Requires="p14">
-      <p:transition spd="med" p14:dur="700">
-        <p:fade/>
-      </p:transition>
-    </mc:Choice>
-    <mc:Fallback xmlns="">
-      <p:transition spd="med">
-        <p:fade/>
-      </p:transition>
-    </mc:Fallback>
-  </mc:AlternateContent>
-</p:sld>
-</file>
-
-<file path=ppt/slides/slide4.xml><?xml version="1.0" encoding="utf-8"?>
-<p:sld xmlns:a="http://schemas.openxmlformats.org/drawingml/2006/main" xmlns:r="http://schemas.openxmlformats.org/officeDocument/2006/relationships" xmlns:p="http://schemas.openxmlformats.org/presentationml/2006/main">
-  <p:cSld>
-    <p:spTree>
-      <p:nvGrpSpPr>
-        <p:cNvPr id="1" name=""/>
-        <p:cNvGrpSpPr/>
-        <p:nvPr/>
-      </p:nvGrpSpPr>
-      <p:grpSpPr>
-        <a:xfrm>
-          <a:off x="0" y="0"/>
-          <a:ext cx="0" cy="0"/>
-          <a:chOff x="0" y="0"/>
-          <a:chExt cx="0" cy="0"/>
-        </a:xfrm>
-      </p:grpSpPr>
-      <p:sp>
-        <p:nvSpPr>
-          <p:cNvPr id="2" name="CuadroTexto 1">
-            <a:extLst>
-              <a:ext uri="{FF2B5EF4-FFF2-40B4-BE49-F238E27FC236}">
-                <a16:creationId xmlns:a16="http://schemas.microsoft.com/office/drawing/2014/main" id="{B6B13715-EEC1-4D45-B91A-B04766E43A98}"/>
-              </a:ext>
-            </a:extLst>
-          </p:cNvPr>
-          <p:cNvSpPr txBox="1"/>
-          <p:nvPr/>
-        </p:nvSpPr>
-        <p:spPr>
-          <a:xfrm>
-            <a:off x="1125860" y="2274838"/>
-            <a:ext cx="10441160" cy="2308324"/>
-          </a:xfrm>
-          <a:prstGeom prst="rect">
-            <a:avLst/>
-          </a:prstGeom>
-          <a:noFill/>
-        </p:spPr>
-        <p:txBody>
-          <a:bodyPr wrap="square" rtlCol="0">
-            <a:spAutoFit/>
-          </a:bodyPr>
-          <a:lstStyle/>
-          <a:p>
-            <a:pPr algn="just"/>
-            <a:r>
-              <a:rPr lang="es-ES" sz="3600" dirty="0"/>
-              <a:t>La librería nos indica con el mensaje que el formulario no cumple que el botón este deshabilitado cuando el input este vacío. Esto genera que el usuario pueda enviar un campo vacío.</a:t>
-            </a:r>
-          </a:p>
-        </p:txBody>
-      </p:sp>
-    </p:spTree>
-    <p:extLst>
-      <p:ext uri="{BB962C8B-B14F-4D97-AF65-F5344CB8AC3E}">
-        <p14:creationId xmlns:p14="http://schemas.microsoft.com/office/powerpoint/2010/main" val="397710800"/>
-      </p:ext>
-    </p:extLst>
-  </p:cSld>
-  <p:clrMapOvr>
-    <a:masterClrMapping/>
-  </p:clrMapOvr>
-  <mc:AlternateContent xmlns:mc="http://schemas.openxmlformats.org/markup-compatibility/2006" xmlns:p14="http://schemas.microsoft.com/office/powerpoint/2010/main">
-    <mc:Choice Requires="p14">
-      <p:transition spd="med" p14:dur="700">
-        <p:fade/>
-      </p:transition>
-    </mc:Choice>
-    <mc:Fallback xmlns="">
-      <p:transition spd="med">
-        <p:fade/>
-      </p:transition>
-    </mc:Fallback>
-  </mc:AlternateContent>
-</p:sld>
-</file>
-
-<file path=ppt/slides/slide5.xml><?xml version="1.0" encoding="utf-8"?>
+<file path=ppt/slides/slide11.xml><?xml version="1.0" encoding="utf-8"?>
 <p:sld xmlns:a="http://schemas.openxmlformats.org/drawingml/2006/main" xmlns:r="http://schemas.openxmlformats.org/officeDocument/2006/relationships" xmlns:p="http://schemas.openxmlformats.org/presentationml/2006/main">
   <p:cSld>
     <p:spTree>
@@ -6438,303 +6623,6 @@
           </a:p>
         </p:txBody>
       </p:sp>
-    </p:spTree>
-    <p:extLst>
-      <p:ext uri="{BB962C8B-B14F-4D97-AF65-F5344CB8AC3E}">
-        <p14:creationId xmlns:p14="http://schemas.microsoft.com/office/powerpoint/2010/main" val="1405850135"/>
-      </p:ext>
-    </p:extLst>
-  </p:cSld>
-  <p:clrMapOvr>
-    <a:masterClrMapping/>
-  </p:clrMapOvr>
-  <mc:AlternateContent xmlns:mc="http://schemas.openxmlformats.org/markup-compatibility/2006" xmlns:p14="http://schemas.microsoft.com/office/powerpoint/2010/main">
-    <mc:Choice Requires="p14">
-      <p:transition spd="med" p14:dur="700">
-        <p:fade/>
-      </p:transition>
-    </mc:Choice>
-    <mc:Fallback xmlns="">
-      <p:transition spd="med">
-        <p:fade/>
-      </p:transition>
-    </mc:Fallback>
-  </mc:AlternateContent>
-</p:sld>
-</file>
-
-<file path=ppt/slides/slide6.xml><?xml version="1.0" encoding="utf-8"?>
-<p:sld xmlns:a="http://schemas.openxmlformats.org/drawingml/2006/main" xmlns:r="http://schemas.openxmlformats.org/officeDocument/2006/relationships" xmlns:p="http://schemas.openxmlformats.org/presentationml/2006/main">
-  <p:cSld>
-    <p:spTree>
-      <p:nvGrpSpPr>
-        <p:cNvPr id="1" name=""/>
-        <p:cNvGrpSpPr/>
-        <p:nvPr/>
-      </p:nvGrpSpPr>
-      <p:grpSpPr>
-        <a:xfrm>
-          <a:off x="0" y="0"/>
-          <a:ext cx="0" cy="0"/>
-          <a:chOff x="0" y="0"/>
-          <a:chExt cx="0" cy="0"/>
-        </a:xfrm>
-      </p:grpSpPr>
-      <p:sp>
-        <p:nvSpPr>
-          <p:cNvPr id="7" name="Título 6"/>
-          <p:cNvSpPr>
-            <a:spLocks noGrp="1"/>
-          </p:cNvSpPr>
-          <p:nvPr>
-            <p:ph type="title"/>
-          </p:nvPr>
-        </p:nvSpPr>
-        <p:spPr/>
-        <p:txBody>
-          <a:bodyPr rtlCol="0"/>
-          <a:lstStyle/>
-          <a:p>
-            <a:pPr rtl="0"/>
-            <a:r>
-              <a:rPr lang="es-ES" dirty="0"/>
-              <a:t>Una vez modificado el código</a:t>
-            </a:r>
-          </a:p>
-        </p:txBody>
-      </p:sp>
-      <p:pic>
-        <p:nvPicPr>
-          <p:cNvPr id="5" name="Imagen 4">
-            <a:extLst>
-              <a:ext uri="{FF2B5EF4-FFF2-40B4-BE49-F238E27FC236}">
-                <a16:creationId xmlns:a16="http://schemas.microsoft.com/office/drawing/2014/main" id="{BC764B28-6B12-470A-8C27-6B1A515094A2}"/>
-              </a:ext>
-            </a:extLst>
-          </p:cNvPr>
-          <p:cNvPicPr>
-            <a:picLocks noChangeAspect="1"/>
-          </p:cNvPicPr>
-          <p:nvPr/>
-        </p:nvPicPr>
-        <p:blipFill>
-          <a:blip r:embed="rId3"/>
-          <a:stretch>
-            <a:fillRect/>
-          </a:stretch>
-        </p:blipFill>
-        <p:spPr>
-          <a:xfrm>
-            <a:off x="1218883" y="1498601"/>
-            <a:ext cx="10360501" cy="4738711"/>
-          </a:xfrm>
-          <a:prstGeom prst="rect">
-            <a:avLst/>
-          </a:prstGeom>
-        </p:spPr>
-      </p:pic>
-    </p:spTree>
-    <p:extLst>
-      <p:ext uri="{BB962C8B-B14F-4D97-AF65-F5344CB8AC3E}">
-        <p14:creationId xmlns:p14="http://schemas.microsoft.com/office/powerpoint/2010/main" val="2645386564"/>
-      </p:ext>
-    </p:extLst>
-  </p:cSld>
-  <p:clrMapOvr>
-    <a:masterClrMapping/>
-  </p:clrMapOvr>
-  <mc:AlternateContent xmlns:mc="http://schemas.openxmlformats.org/markup-compatibility/2006" xmlns:p14="http://schemas.microsoft.com/office/powerpoint/2010/main">
-    <mc:Choice Requires="p14">
-      <p:transition spd="med" p14:dur="700">
-        <p:fade/>
-      </p:transition>
-    </mc:Choice>
-    <mc:Fallback xmlns="">
-      <p:transition spd="med">
-        <p:fade/>
-      </p:transition>
-    </mc:Fallback>
-  </mc:AlternateContent>
-</p:sld>
-</file>
-
-<file path=ppt/slides/slide7.xml><?xml version="1.0" encoding="utf-8"?>
-<p:sld xmlns:a="http://schemas.openxmlformats.org/drawingml/2006/main" xmlns:r="http://schemas.openxmlformats.org/officeDocument/2006/relationships" xmlns:p="http://schemas.openxmlformats.org/presentationml/2006/main">
-  <p:cSld>
-    <p:spTree>
-      <p:nvGrpSpPr>
-        <p:cNvPr id="1" name=""/>
-        <p:cNvGrpSpPr/>
-        <p:nvPr/>
-      </p:nvGrpSpPr>
-      <p:grpSpPr>
-        <a:xfrm>
-          <a:off x="0" y="0"/>
-          <a:ext cx="0" cy="0"/>
-          <a:chOff x="0" y="0"/>
-          <a:chExt cx="0" cy="0"/>
-        </a:xfrm>
-      </p:grpSpPr>
-      <p:sp>
-        <p:nvSpPr>
-          <p:cNvPr id="2" name="CuadroTexto 1">
-            <a:extLst>
-              <a:ext uri="{FF2B5EF4-FFF2-40B4-BE49-F238E27FC236}">
-                <a16:creationId xmlns:a16="http://schemas.microsoft.com/office/drawing/2014/main" id="{B6B13715-EEC1-4D45-B91A-B04766E43A98}"/>
-              </a:ext>
-            </a:extLst>
-          </p:cNvPr>
-          <p:cNvSpPr txBox="1"/>
-          <p:nvPr/>
-        </p:nvSpPr>
-        <p:spPr>
-          <a:xfrm>
-            <a:off x="1125860" y="2274838"/>
-            <a:ext cx="10441160" cy="1754326"/>
-          </a:xfrm>
-          <a:prstGeom prst="rect">
-            <a:avLst/>
-          </a:prstGeom>
-          <a:noFill/>
-        </p:spPr>
-        <p:txBody>
-          <a:bodyPr wrap="square" rtlCol="0">
-            <a:spAutoFit/>
-          </a:bodyPr>
-          <a:lstStyle/>
-          <a:p>
-            <a:pPr algn="just"/>
-            <a:r>
-              <a:rPr lang="es-ES" sz="3600" dirty="0"/>
-              <a:t>Vemos que la prueba “Button is disabled when input is empty” pasó correctamente y ya no devuelve un error, por lo tanto el test suite y sus 10 pruebas pasan el test. </a:t>
-            </a:r>
-          </a:p>
-        </p:txBody>
-      </p:sp>
-    </p:spTree>
-    <p:extLst>
-      <p:ext uri="{BB962C8B-B14F-4D97-AF65-F5344CB8AC3E}">
-        <p14:creationId xmlns:p14="http://schemas.microsoft.com/office/powerpoint/2010/main" val="3143847741"/>
-      </p:ext>
-    </p:extLst>
-  </p:cSld>
-  <p:clrMapOvr>
-    <a:masterClrMapping/>
-  </p:clrMapOvr>
-  <mc:AlternateContent xmlns:mc="http://schemas.openxmlformats.org/markup-compatibility/2006" xmlns:p14="http://schemas.microsoft.com/office/powerpoint/2010/main">
-    <mc:Choice Requires="p14">
-      <p:transition spd="med" p14:dur="700">
-        <p:fade/>
-      </p:transition>
-    </mc:Choice>
-    <mc:Fallback xmlns="">
-      <p:transition spd="med">
-        <p:fade/>
-      </p:transition>
-    </mc:Fallback>
-  </mc:AlternateContent>
-</p:sld>
-</file>
-
-<file path=ppt/slides/slide8.xml><?xml version="1.0" encoding="utf-8"?>
-<p:sld xmlns:a="http://schemas.openxmlformats.org/drawingml/2006/main" xmlns:r="http://schemas.openxmlformats.org/officeDocument/2006/relationships" xmlns:p="http://schemas.openxmlformats.org/presentationml/2006/main">
-  <p:cSld>
-    <p:spTree>
-      <p:nvGrpSpPr>
-        <p:cNvPr id="1" name=""/>
-        <p:cNvGrpSpPr/>
-        <p:nvPr/>
-      </p:nvGrpSpPr>
-      <p:grpSpPr>
-        <a:xfrm>
-          <a:off x="0" y="0"/>
-          <a:ext cx="0" cy="0"/>
-          <a:chOff x="0" y="0"/>
-          <a:chExt cx="0" cy="0"/>
-        </a:xfrm>
-      </p:grpSpPr>
-      <p:pic>
-        <p:nvPicPr>
-          <p:cNvPr id="2" name="Imagen 1">
-            <a:extLst>
-              <a:ext uri="{FF2B5EF4-FFF2-40B4-BE49-F238E27FC236}">
-                <a16:creationId xmlns:a16="http://schemas.microsoft.com/office/drawing/2014/main" id="{34D2DC3C-43BB-4DFD-991A-8FFD1F41749C}"/>
-              </a:ext>
-            </a:extLst>
-          </p:cNvPr>
-          <p:cNvPicPr>
-            <a:picLocks noChangeAspect="1"/>
-          </p:cNvPicPr>
-          <p:nvPr/>
-        </p:nvPicPr>
-        <p:blipFill>
-          <a:blip r:embed="rId3"/>
-          <a:stretch>
-            <a:fillRect/>
-          </a:stretch>
-        </p:blipFill>
-        <p:spPr>
-          <a:xfrm>
-            <a:off x="3365499" y="619125"/>
-            <a:ext cx="5457825" cy="5619750"/>
-          </a:xfrm>
-          <a:prstGeom prst="rect">
-            <a:avLst/>
-          </a:prstGeom>
-        </p:spPr>
-      </p:pic>
-      <p:sp>
-        <p:nvSpPr>
-          <p:cNvPr id="3" name="Rectángulo 2">
-            <a:extLst>
-              <a:ext uri="{FF2B5EF4-FFF2-40B4-BE49-F238E27FC236}">
-                <a16:creationId xmlns:a16="http://schemas.microsoft.com/office/drawing/2014/main" id="{9824C711-963C-4360-88EF-913D8CCE4DE1}"/>
-              </a:ext>
-            </a:extLst>
-          </p:cNvPr>
-          <p:cNvSpPr/>
-          <p:nvPr/>
-        </p:nvSpPr>
-        <p:spPr>
-          <a:xfrm>
-            <a:off x="4294212" y="3789040"/>
-            <a:ext cx="3528392" cy="360040"/>
-          </a:xfrm>
-          <a:prstGeom prst="rect">
-            <a:avLst/>
-          </a:prstGeom>
-          <a:noFill/>
-          <a:ln w="28575">
-            <a:solidFill>
-              <a:srgbClr val="FF0000"/>
-            </a:solidFill>
-          </a:ln>
-        </p:spPr>
-        <p:style>
-          <a:lnRef idx="2">
-            <a:schemeClr val="accent1">
-              <a:shade val="50000"/>
-            </a:schemeClr>
-          </a:lnRef>
-          <a:fillRef idx="1">
-            <a:schemeClr val="accent1"/>
-          </a:fillRef>
-          <a:effectRef idx="0">
-            <a:schemeClr val="accent1"/>
-          </a:effectRef>
-          <a:fontRef idx="minor">
-            <a:schemeClr val="lt1"/>
-          </a:fontRef>
-        </p:style>
-        <p:txBody>
-          <a:bodyPr rtlCol="0" anchor="ctr"/>
-          <a:lstStyle/>
-          <a:p>
-            <a:pPr algn="ctr"/>
-            <a:endParaRPr lang="es-ES" sz="2800" dirty="0"/>
-          </a:p>
-        </p:txBody>
-      </p:sp>
       <p:pic>
         <p:nvPicPr>
           <p:cNvPr id="4" name="Imagen 3">
@@ -6842,7 +6730,7 @@
 </p:sld>
 </file>
 
-<file path=ppt/slides/slide9.xml><?xml version="1.0" encoding="utf-8"?>
+<file path=ppt/slides/slide12.xml><?xml version="1.0" encoding="utf-8"?>
 <p:sld xmlns:a="http://schemas.openxmlformats.org/drawingml/2006/main" xmlns:r="http://schemas.openxmlformats.org/officeDocument/2006/relationships" xmlns:p="http://schemas.openxmlformats.org/presentationml/2006/main">
   <p:cSld>
     <p:spTree>
@@ -6976,6 +6864,1652 @@
     <p:extLst>
       <p:ext uri="{BB962C8B-B14F-4D97-AF65-F5344CB8AC3E}">
         <p14:creationId xmlns:p14="http://schemas.microsoft.com/office/powerpoint/2010/main" val="1770129109"/>
+      </p:ext>
+    </p:extLst>
+  </p:cSld>
+  <p:clrMapOvr>
+    <a:masterClrMapping/>
+  </p:clrMapOvr>
+  <mc:AlternateContent xmlns:mc="http://schemas.openxmlformats.org/markup-compatibility/2006" xmlns:p14="http://schemas.microsoft.com/office/powerpoint/2010/main">
+    <mc:Choice Requires="p14">
+      <p:transition spd="med" p14:dur="700">
+        <p:fade/>
+      </p:transition>
+    </mc:Choice>
+    <mc:Fallback xmlns="">
+      <p:transition spd="med">
+        <p:fade/>
+      </p:transition>
+    </mc:Fallback>
+  </mc:AlternateContent>
+</p:sld>
+</file>
+
+<file path=ppt/slides/slide2.xml><?xml version="1.0" encoding="utf-8"?>
+<p:sld xmlns:a="http://schemas.openxmlformats.org/drawingml/2006/main" xmlns:r="http://schemas.openxmlformats.org/officeDocument/2006/relationships" xmlns:p="http://schemas.openxmlformats.org/presentationml/2006/main">
+  <p:cSld>
+    <p:spTree>
+      <p:nvGrpSpPr>
+        <p:cNvPr id="1" name=""/>
+        <p:cNvGrpSpPr/>
+        <p:nvPr/>
+      </p:nvGrpSpPr>
+      <p:grpSpPr>
+        <a:xfrm>
+          <a:off x="0" y="0"/>
+          <a:ext cx="0" cy="0"/>
+          <a:chOff x="0" y="0"/>
+          <a:chExt cx="0" cy="0"/>
+        </a:xfrm>
+      </p:grpSpPr>
+      <p:sp>
+        <p:nvSpPr>
+          <p:cNvPr id="13" name="Título 12"/>
+          <p:cNvSpPr>
+            <a:spLocks noGrp="1"/>
+          </p:cNvSpPr>
+          <p:nvPr>
+            <p:ph type="title"/>
+          </p:nvPr>
+        </p:nvSpPr>
+        <p:spPr>
+          <a:xfrm>
+            <a:off x="1218883" y="548680"/>
+            <a:ext cx="10360501" cy="949920"/>
+          </a:xfrm>
+        </p:spPr>
+        <p:txBody>
+          <a:bodyPr vert="horz" lIns="121899" tIns="60949" rIns="121899" bIns="60949" rtlCol="0" anchor="b">
+            <a:normAutofit/>
+          </a:bodyPr>
+          <a:lstStyle/>
+          <a:p>
+            <a:r>
+              <a:rPr lang="es-ES" kern="1200" dirty="0">
+                <a:latin typeface="+mj-lt"/>
+                <a:ea typeface="+mj-ea"/>
+                <a:cs typeface="+mj-cs"/>
+              </a:rPr>
+              <a:t>¿Qué es </a:t>
+            </a:r>
+            <a:r>
+              <a:rPr lang="es-ES" kern="1200" dirty="0" err="1">
+                <a:latin typeface="+mj-lt"/>
+                <a:ea typeface="+mj-ea"/>
+                <a:cs typeface="+mj-cs"/>
+              </a:rPr>
+              <a:t>Testing</a:t>
+            </a:r>
+            <a:r>
+              <a:rPr lang="es-ES" kern="1200" dirty="0">
+                <a:latin typeface="+mj-lt"/>
+                <a:ea typeface="+mj-ea"/>
+                <a:cs typeface="+mj-cs"/>
+              </a:rPr>
+              <a:t> Library?</a:t>
+            </a:r>
+          </a:p>
+        </p:txBody>
+      </p:sp>
+      <p:sp>
+        <p:nvSpPr>
+          <p:cNvPr id="2" name="CuadroTexto 1">
+            <a:extLst>
+              <a:ext uri="{FF2B5EF4-FFF2-40B4-BE49-F238E27FC236}">
+                <a16:creationId xmlns:a16="http://schemas.microsoft.com/office/drawing/2014/main" id="{3DE8CB48-386D-8F93-786E-24626F334832}"/>
+              </a:ext>
+            </a:extLst>
+          </p:cNvPr>
+          <p:cNvSpPr txBox="1"/>
+          <p:nvPr/>
+        </p:nvSpPr>
+        <p:spPr>
+          <a:xfrm>
+            <a:off x="6500707" y="1706880"/>
+            <a:ext cx="5078677" cy="4314408"/>
+          </a:xfrm>
+          <a:prstGeom prst="rect">
+            <a:avLst/>
+          </a:prstGeom>
+        </p:spPr>
+        <p:txBody>
+          <a:bodyPr vert="horz" lIns="121899" tIns="60949" rIns="121899" bIns="60949" rtlCol="0">
+            <a:normAutofit/>
+          </a:bodyPr>
+          <a:lstStyle/>
+          <a:p>
+            <a:pPr>
+              <a:lnSpc>
+                <a:spcPct val="90000"/>
+              </a:lnSpc>
+              <a:spcBef>
+                <a:spcPts val="1600"/>
+              </a:spcBef>
+              <a:buClr>
+                <a:schemeClr val="accent1"/>
+              </a:buClr>
+              <a:buSzPct val="100000"/>
+            </a:pPr>
+            <a:r>
+              <a:rPr lang="es-ES" sz="2800" dirty="0"/>
+              <a:t>Conjunto de herramientas para probar aplicaciones web que simula la interacción del usuario con la interfaz</a:t>
+            </a:r>
+          </a:p>
+          <a:p>
+            <a:pPr>
+              <a:lnSpc>
+                <a:spcPct val="90000"/>
+              </a:lnSpc>
+              <a:spcBef>
+                <a:spcPts val="1600"/>
+              </a:spcBef>
+              <a:buClr>
+                <a:schemeClr val="accent1"/>
+              </a:buClr>
+              <a:buSzPct val="100000"/>
+            </a:pPr>
+            <a:endParaRPr lang="es-ES" sz="2800" dirty="0"/>
+          </a:p>
+          <a:p>
+            <a:pPr>
+              <a:lnSpc>
+                <a:spcPct val="90000"/>
+              </a:lnSpc>
+              <a:spcBef>
+                <a:spcPts val="1600"/>
+              </a:spcBef>
+              <a:buClr>
+                <a:schemeClr val="accent1"/>
+              </a:buClr>
+              <a:buSzPct val="100000"/>
+            </a:pPr>
+            <a:r>
+              <a:rPr lang="es-ES" sz="2800" dirty="0"/>
+              <a:t>Se usa comúnmente con </a:t>
+            </a:r>
+            <a:r>
+              <a:rPr lang="es-ES" sz="2800" dirty="0" err="1"/>
+              <a:t>React</a:t>
+            </a:r>
+            <a:r>
+              <a:rPr lang="es-ES" sz="2800" dirty="0"/>
+              <a:t>, pero también tiene soporte para otras bibliotecas y marcos.</a:t>
+            </a:r>
+          </a:p>
+          <a:p>
+            <a:pPr>
+              <a:lnSpc>
+                <a:spcPct val="90000"/>
+              </a:lnSpc>
+              <a:spcBef>
+                <a:spcPts val="1600"/>
+              </a:spcBef>
+              <a:buClr>
+                <a:schemeClr val="accent1"/>
+              </a:buClr>
+              <a:buSzPct val="100000"/>
+            </a:pPr>
+            <a:endParaRPr lang="es-ES" sz="2800" dirty="0"/>
+          </a:p>
+          <a:p>
+            <a:pPr marL="304747" indent="-304747">
+              <a:lnSpc>
+                <a:spcPct val="90000"/>
+              </a:lnSpc>
+              <a:spcBef>
+                <a:spcPts val="1600"/>
+              </a:spcBef>
+              <a:buClr>
+                <a:schemeClr val="accent1"/>
+              </a:buClr>
+              <a:buSzPct val="100000"/>
+              <a:buFont typeface="Arial" pitchFamily="34" charset="0"/>
+              <a:buChar char="•"/>
+            </a:pPr>
+            <a:endParaRPr lang="es-ES" sz="2800" dirty="0"/>
+          </a:p>
+        </p:txBody>
+      </p:sp>
+      <p:pic>
+        <p:nvPicPr>
+          <p:cNvPr id="6" name="Marcador de contenido 5" descr="Dibujo en blanco y negro&#10;&#10;Descripción generada automáticamente con confianza media">
+            <a:extLst>
+              <a:ext uri="{FF2B5EF4-FFF2-40B4-BE49-F238E27FC236}">
+                <a16:creationId xmlns:a16="http://schemas.microsoft.com/office/drawing/2014/main" id="{01A457A9-AF19-32A1-8E1D-B023D3714A69}"/>
+              </a:ext>
+            </a:extLst>
+          </p:cNvPr>
+          <p:cNvPicPr>
+            <a:picLocks noGrp="1" noChangeAspect="1"/>
+          </p:cNvPicPr>
+          <p:nvPr>
+            <p:ph sz="half" idx="1"/>
+          </p:nvPr>
+        </p:nvPicPr>
+        <p:blipFill>
+          <a:blip r:embed="rId3">
+            <a:extLst>
+              <a:ext uri="{28A0092B-C50C-407E-A947-70E740481C1C}">
+                <a14:useLocalDpi xmlns:a14="http://schemas.microsoft.com/office/drawing/2010/main" val="0"/>
+              </a:ext>
+            </a:extLst>
+          </a:blip>
+          <a:stretch>
+            <a:fillRect/>
+          </a:stretch>
+        </p:blipFill>
+        <p:spPr>
+          <a:xfrm>
+            <a:off x="1629916" y="1706963"/>
+            <a:ext cx="3888432" cy="3888432"/>
+          </a:xfrm>
+        </p:spPr>
+      </p:pic>
+    </p:spTree>
+    <p:extLst>
+      <p:ext uri="{BB962C8B-B14F-4D97-AF65-F5344CB8AC3E}">
+        <p14:creationId xmlns:p14="http://schemas.microsoft.com/office/powerpoint/2010/main" val="3529114326"/>
+      </p:ext>
+    </p:extLst>
+  </p:cSld>
+  <p:clrMapOvr>
+    <a:masterClrMapping/>
+  </p:clrMapOvr>
+  <mc:AlternateContent xmlns:mc="http://schemas.openxmlformats.org/markup-compatibility/2006" xmlns:p14="http://schemas.microsoft.com/office/powerpoint/2010/main">
+    <mc:Choice Requires="p14">
+      <p:transition spd="med" p14:dur="700">
+        <p:fade/>
+      </p:transition>
+    </mc:Choice>
+    <mc:Fallback xmlns="">
+      <p:transition spd="med">
+        <p:fade/>
+      </p:transition>
+    </mc:Fallback>
+  </mc:AlternateContent>
+</p:sld>
+</file>
+
+<file path=ppt/slides/slide3.xml><?xml version="1.0" encoding="utf-8"?>
+<p:sld xmlns:a="http://schemas.openxmlformats.org/drawingml/2006/main" xmlns:r="http://schemas.openxmlformats.org/officeDocument/2006/relationships" xmlns:p="http://schemas.openxmlformats.org/presentationml/2006/main">
+  <p:cSld>
+    <p:spTree>
+      <p:nvGrpSpPr>
+        <p:cNvPr id="1" name=""/>
+        <p:cNvGrpSpPr/>
+        <p:nvPr/>
+      </p:nvGrpSpPr>
+      <p:grpSpPr>
+        <a:xfrm>
+          <a:off x="0" y="0"/>
+          <a:ext cx="0" cy="0"/>
+          <a:chOff x="0" y="0"/>
+          <a:chExt cx="0" cy="0"/>
+        </a:xfrm>
+      </p:grpSpPr>
+      <p:sp>
+        <p:nvSpPr>
+          <p:cNvPr id="2" name="Título 1">
+            <a:extLst>
+              <a:ext uri="{FF2B5EF4-FFF2-40B4-BE49-F238E27FC236}">
+                <a16:creationId xmlns:a16="http://schemas.microsoft.com/office/drawing/2014/main" id="{A01AC393-36F2-2704-3150-48B52C6AB9F4}"/>
+              </a:ext>
+            </a:extLst>
+          </p:cNvPr>
+          <p:cNvSpPr>
+            <a:spLocks noGrp="1"/>
+          </p:cNvSpPr>
+          <p:nvPr>
+            <p:ph type="title"/>
+          </p:nvPr>
+        </p:nvSpPr>
+        <p:spPr/>
+        <p:txBody>
+          <a:bodyPr/>
+          <a:lstStyle/>
+          <a:p>
+            <a:r>
+              <a:rPr lang="es-AR" dirty="0"/>
+              <a:t>Ventajas			   	Desventajas</a:t>
+            </a:r>
+          </a:p>
+        </p:txBody>
+      </p:sp>
+      <p:sp>
+        <p:nvSpPr>
+          <p:cNvPr id="3" name="Marcador de contenido 2">
+            <a:extLst>
+              <a:ext uri="{FF2B5EF4-FFF2-40B4-BE49-F238E27FC236}">
+                <a16:creationId xmlns:a16="http://schemas.microsoft.com/office/drawing/2014/main" id="{8406340A-FAB4-346C-174E-6716AEA2A560}"/>
+              </a:ext>
+            </a:extLst>
+          </p:cNvPr>
+          <p:cNvSpPr>
+            <a:spLocks noGrp="1"/>
+          </p:cNvSpPr>
+          <p:nvPr>
+            <p:ph sz="half" idx="1"/>
+          </p:nvPr>
+        </p:nvSpPr>
+        <p:spPr>
+          <a:xfrm>
+            <a:off x="952848" y="1706880"/>
+            <a:ext cx="5451593" cy="4170392"/>
+          </a:xfrm>
+        </p:spPr>
+        <p:txBody>
+          <a:bodyPr/>
+          <a:lstStyle/>
+          <a:p>
+            <a:r>
+              <a:rPr lang="es-ES" dirty="0"/>
+              <a:t>Pruebas centradas en el usuario</a:t>
+            </a:r>
+          </a:p>
+          <a:p>
+            <a:r>
+              <a:rPr lang="es-AR" dirty="0"/>
+              <a:t>Es independiente del </a:t>
+            </a:r>
+            <a:r>
+              <a:rPr lang="es-AR" dirty="0" err="1"/>
+              <a:t>framework</a:t>
+            </a:r>
+            <a:r>
+              <a:rPr lang="es-AR" dirty="0"/>
+              <a:t> (</a:t>
+            </a:r>
+            <a:r>
+              <a:rPr lang="es-AR" dirty="0" err="1"/>
+              <a:t>Princialmente</a:t>
+            </a:r>
+            <a:r>
+              <a:rPr lang="es-AR" dirty="0"/>
+              <a:t> con </a:t>
+            </a:r>
+            <a:r>
+              <a:rPr lang="es-AR" dirty="0" err="1"/>
+              <a:t>React</a:t>
+            </a:r>
+            <a:r>
+              <a:rPr lang="es-AR" dirty="0"/>
+              <a:t>)</a:t>
+            </a:r>
+            <a:endParaRPr lang="es-ES" dirty="0"/>
+          </a:p>
+          <a:p>
+            <a:r>
+              <a:rPr lang="es-ES" sz="2800" dirty="0"/>
+              <a:t>Promueve buenas practicas</a:t>
+            </a:r>
+            <a:endParaRPr lang="es-ES" dirty="0"/>
+          </a:p>
+          <a:p>
+            <a:r>
+              <a:rPr lang="es-ES" dirty="0"/>
+              <a:t>Fácil de aprender y usar</a:t>
+            </a:r>
+            <a:endParaRPr lang="es-AR" dirty="0"/>
+          </a:p>
+        </p:txBody>
+      </p:sp>
+      <p:sp>
+        <p:nvSpPr>
+          <p:cNvPr id="4" name="Marcador de contenido 3">
+            <a:extLst>
+              <a:ext uri="{FF2B5EF4-FFF2-40B4-BE49-F238E27FC236}">
+                <a16:creationId xmlns:a16="http://schemas.microsoft.com/office/drawing/2014/main" id="{A2F7D821-4DBB-492A-E7B9-E420B1286320}"/>
+              </a:ext>
+            </a:extLst>
+          </p:cNvPr>
+          <p:cNvSpPr>
+            <a:spLocks noGrp="1"/>
+          </p:cNvSpPr>
+          <p:nvPr>
+            <p:ph sz="half" idx="2"/>
+          </p:nvPr>
+        </p:nvSpPr>
+        <p:spPr>
+          <a:xfrm>
+            <a:off x="6886500" y="1754293"/>
+            <a:ext cx="5078677" cy="3658592"/>
+          </a:xfrm>
+        </p:spPr>
+        <p:txBody>
+          <a:bodyPr/>
+          <a:lstStyle/>
+          <a:p>
+            <a:r>
+              <a:rPr lang="es-ES" dirty="0"/>
+              <a:t>Falta de control sobre detalles del DOM</a:t>
+            </a:r>
+          </a:p>
+          <a:p>
+            <a:r>
+              <a:rPr lang="es-ES" dirty="0"/>
+              <a:t>Simulación limitada de eventos complejos</a:t>
+            </a:r>
+          </a:p>
+          <a:p>
+            <a:r>
+              <a:rPr lang="es-AR" dirty="0"/>
+              <a:t>Pruebas más lentas</a:t>
+            </a:r>
+          </a:p>
+        </p:txBody>
+      </p:sp>
+    </p:spTree>
+    <p:extLst>
+      <p:ext uri="{BB962C8B-B14F-4D97-AF65-F5344CB8AC3E}">
+        <p14:creationId xmlns:p14="http://schemas.microsoft.com/office/powerpoint/2010/main" val="728598796"/>
+      </p:ext>
+    </p:extLst>
+  </p:cSld>
+  <p:clrMapOvr>
+    <a:masterClrMapping/>
+  </p:clrMapOvr>
+  <mc:AlternateContent xmlns:mc="http://schemas.openxmlformats.org/markup-compatibility/2006" xmlns:p14="http://schemas.microsoft.com/office/powerpoint/2010/main">
+    <mc:Choice Requires="p14">
+      <p:transition spd="med" p14:dur="700">
+        <p:fade/>
+      </p:transition>
+    </mc:Choice>
+    <mc:Fallback xmlns="">
+      <p:transition spd="med">
+        <p:fade/>
+      </p:transition>
+    </mc:Fallback>
+  </mc:AlternateContent>
+</p:sld>
+</file>
+
+<file path=ppt/slides/slide4.xml><?xml version="1.0" encoding="utf-8"?>
+<p:sld xmlns:a="http://schemas.openxmlformats.org/drawingml/2006/main" xmlns:r="http://schemas.openxmlformats.org/officeDocument/2006/relationships" xmlns:p="http://schemas.openxmlformats.org/presentationml/2006/main">
+  <p:cSld>
+    <p:spTree>
+      <p:nvGrpSpPr>
+        <p:cNvPr id="1" name=""/>
+        <p:cNvGrpSpPr/>
+        <p:nvPr/>
+      </p:nvGrpSpPr>
+      <p:grpSpPr>
+        <a:xfrm>
+          <a:off x="0" y="0"/>
+          <a:ext cx="0" cy="0"/>
+          <a:chOff x="0" y="0"/>
+          <a:chExt cx="0" cy="0"/>
+        </a:xfrm>
+      </p:grpSpPr>
+      <p:sp>
+        <p:nvSpPr>
+          <p:cNvPr id="2" name="Título 1">
+            <a:extLst>
+              <a:ext uri="{FF2B5EF4-FFF2-40B4-BE49-F238E27FC236}">
+                <a16:creationId xmlns:a16="http://schemas.microsoft.com/office/drawing/2014/main" id="{8CDC4B96-3D2D-6FD0-7B82-DA229F2D83D2}"/>
+              </a:ext>
+            </a:extLst>
+          </p:cNvPr>
+          <p:cNvSpPr>
+            <a:spLocks noGrp="1"/>
+          </p:cNvSpPr>
+          <p:nvPr>
+            <p:ph type="title"/>
+          </p:nvPr>
+        </p:nvSpPr>
+        <p:spPr>
+          <a:xfrm>
+            <a:off x="981844" y="0"/>
+            <a:ext cx="7035769" cy="828006"/>
+          </a:xfrm>
+        </p:spPr>
+        <p:txBody>
+          <a:bodyPr/>
+          <a:lstStyle/>
+          <a:p>
+            <a:r>
+              <a:rPr lang="es-ES" dirty="0">
+                <a:solidFill>
+                  <a:schemeClr val="tx2"/>
+                </a:solidFill>
+              </a:rPr>
+              <a:t>Pasos que realiza </a:t>
+            </a:r>
+            <a:r>
+              <a:rPr lang="es-ES" dirty="0" err="1">
+                <a:solidFill>
+                  <a:schemeClr val="tx2"/>
+                </a:solidFill>
+              </a:rPr>
+              <a:t>Testing</a:t>
+            </a:r>
+            <a:r>
+              <a:rPr lang="es-ES" dirty="0">
+                <a:solidFill>
+                  <a:schemeClr val="tx2"/>
+                </a:solidFill>
+              </a:rPr>
+              <a:t> Library </a:t>
+            </a:r>
+            <a:endParaRPr lang="es-AR" dirty="0">
+              <a:solidFill>
+                <a:schemeClr val="tx2"/>
+              </a:solidFill>
+            </a:endParaRPr>
+          </a:p>
+        </p:txBody>
+      </p:sp>
+      <p:sp>
+        <p:nvSpPr>
+          <p:cNvPr id="3" name="Marcador de contenido 2">
+            <a:extLst>
+              <a:ext uri="{FF2B5EF4-FFF2-40B4-BE49-F238E27FC236}">
+                <a16:creationId xmlns:a16="http://schemas.microsoft.com/office/drawing/2014/main" id="{57436204-E7CF-1976-B8D6-BC861D94A6E3}"/>
+              </a:ext>
+            </a:extLst>
+          </p:cNvPr>
+          <p:cNvSpPr>
+            <a:spLocks noGrp="1"/>
+          </p:cNvSpPr>
+          <p:nvPr>
+            <p:ph idx="1"/>
+          </p:nvPr>
+        </p:nvSpPr>
+        <p:spPr>
+          <a:xfrm>
+            <a:off x="1125860" y="1125238"/>
+            <a:ext cx="10360501" cy="5184082"/>
+          </a:xfrm>
+        </p:spPr>
+        <p:txBody>
+          <a:bodyPr>
+            <a:noAutofit/>
+          </a:bodyPr>
+          <a:lstStyle/>
+          <a:p>
+            <a:pPr marL="514350" indent="-514350">
+              <a:buFont typeface="+mj-lt"/>
+              <a:buAutoNum type="arabicPeriod"/>
+            </a:pPr>
+            <a:r>
+              <a:rPr lang="es-AR" sz="2200" b="1" dirty="0">
+                <a:solidFill>
+                  <a:schemeClr val="tx2"/>
+                </a:solidFill>
+                <a:effectLst>
+                  <a:outerShdw blurRad="38100" dist="38100" dir="2700000" algn="tl">
+                    <a:srgbClr val="000000">
+                      <a:alpha val="43137"/>
+                    </a:srgbClr>
+                  </a:outerShdw>
+                </a:effectLst>
+              </a:rPr>
+              <a:t>Renderizado del componente </a:t>
+            </a:r>
+          </a:p>
+          <a:p>
+            <a:pPr lvl="1">
+              <a:buFont typeface="Wingdings" panose="05000000000000000000" pitchFamily="2" charset="2"/>
+              <a:buChar char="Ø"/>
+            </a:pPr>
+            <a:r>
+              <a:rPr lang="es-AR" sz="2200" b="1" dirty="0">
+                <a:solidFill>
+                  <a:schemeClr val="tx2"/>
+                </a:solidFill>
+                <a:effectLst>
+                  <a:outerShdw blurRad="38100" dist="38100" dir="2700000" algn="tl">
+                    <a:srgbClr val="000000">
+                      <a:alpha val="43137"/>
+                    </a:srgbClr>
+                  </a:outerShdw>
+                </a:effectLst>
+              </a:rPr>
+              <a:t>render()</a:t>
+            </a:r>
+            <a:endParaRPr lang="es-ES" sz="2200" b="1" dirty="0">
+              <a:solidFill>
+                <a:schemeClr val="tx2"/>
+              </a:solidFill>
+              <a:effectLst>
+                <a:outerShdw blurRad="38100" dist="38100" dir="2700000" algn="tl">
+                  <a:srgbClr val="000000">
+                    <a:alpha val="43137"/>
+                  </a:srgbClr>
+                </a:outerShdw>
+              </a:effectLst>
+            </a:endParaRPr>
+          </a:p>
+          <a:p>
+            <a:pPr marL="514350" indent="-514350">
+              <a:buFont typeface="+mj-lt"/>
+              <a:buAutoNum type="arabicPeriod"/>
+            </a:pPr>
+            <a:r>
+              <a:rPr lang="es-AR" sz="2200" b="1" dirty="0">
+                <a:solidFill>
+                  <a:schemeClr val="tx2"/>
+                </a:solidFill>
+                <a:effectLst>
+                  <a:outerShdw blurRad="38100" dist="38100" dir="2700000" algn="tl">
+                    <a:srgbClr val="000000">
+                      <a:alpha val="43137"/>
+                    </a:srgbClr>
+                  </a:outerShdw>
+                </a:effectLst>
+                <a:ea typeface="Calibri" panose="020F0502020204030204" pitchFamily="34" charset="0"/>
+                <a:cs typeface="Times New Roman" panose="02020603050405020304" pitchFamily="18" charset="0"/>
+              </a:rPr>
+              <a:t>Búsqueda de </a:t>
+            </a:r>
+            <a:r>
+              <a:rPr lang="es-AR" sz="2200" b="1" dirty="0">
+                <a:solidFill>
+                  <a:schemeClr val="tx2"/>
+                </a:solidFill>
+                <a:effectLst>
+                  <a:outerShdw blurRad="38100" dist="38100" dir="2700000" algn="tl">
+                    <a:srgbClr val="000000">
+                      <a:alpha val="43137"/>
+                    </a:srgbClr>
+                  </a:outerShdw>
+                </a:effectLst>
+              </a:rPr>
+              <a:t>elementos del DOM</a:t>
+            </a:r>
+          </a:p>
+          <a:p>
+            <a:pPr marL="819096" lvl="1" indent="-514350">
+              <a:buFont typeface="Wingdings" panose="05000000000000000000" pitchFamily="2" charset="2"/>
+              <a:buChar char="Ø"/>
+            </a:pPr>
+            <a:r>
+              <a:rPr lang="es-AR" sz="2200" b="1" dirty="0" err="1">
+                <a:solidFill>
+                  <a:schemeClr val="tx2"/>
+                </a:solidFill>
+                <a:effectLst>
+                  <a:outerShdw blurRad="38100" dist="38100" dir="2700000" algn="tl">
+                    <a:srgbClr val="000000">
+                      <a:alpha val="43137"/>
+                    </a:srgbClr>
+                  </a:outerShdw>
+                </a:effectLst>
+              </a:rPr>
+              <a:t>getByText</a:t>
+            </a:r>
+            <a:r>
+              <a:rPr lang="es-AR" sz="2200" b="1" dirty="0">
+                <a:solidFill>
+                  <a:schemeClr val="tx2"/>
+                </a:solidFill>
+                <a:effectLst>
+                  <a:outerShdw blurRad="38100" dist="38100" dir="2700000" algn="tl">
+                    <a:srgbClr val="000000">
+                      <a:alpha val="43137"/>
+                    </a:srgbClr>
+                  </a:outerShdw>
+                </a:effectLst>
+              </a:rPr>
+              <a:t>()</a:t>
+            </a:r>
+          </a:p>
+          <a:p>
+            <a:pPr marL="819096" lvl="1" indent="-514350">
+              <a:buFont typeface="Wingdings" panose="05000000000000000000" pitchFamily="2" charset="2"/>
+              <a:buChar char="Ø"/>
+            </a:pPr>
+            <a:r>
+              <a:rPr lang="es-AR" sz="2200" b="1" dirty="0" err="1">
+                <a:solidFill>
+                  <a:schemeClr val="tx2"/>
+                </a:solidFill>
+                <a:effectLst>
+                  <a:outerShdw blurRad="38100" dist="38100" dir="2700000" algn="tl">
+                    <a:srgbClr val="000000">
+                      <a:alpha val="43137"/>
+                    </a:srgbClr>
+                  </a:outerShdw>
+                </a:effectLst>
+              </a:rPr>
+              <a:t>getByRole</a:t>
+            </a:r>
+            <a:r>
+              <a:rPr lang="es-AR" sz="2200" b="1" dirty="0">
+                <a:solidFill>
+                  <a:schemeClr val="tx2"/>
+                </a:solidFill>
+                <a:effectLst>
+                  <a:outerShdw blurRad="38100" dist="38100" dir="2700000" algn="tl">
+                    <a:srgbClr val="000000">
+                      <a:alpha val="43137"/>
+                    </a:srgbClr>
+                  </a:outerShdw>
+                </a:effectLst>
+              </a:rPr>
+              <a:t>()</a:t>
+            </a:r>
+          </a:p>
+          <a:p>
+            <a:pPr marL="819096" lvl="1" indent="-514350">
+              <a:buFont typeface="Wingdings" panose="05000000000000000000" pitchFamily="2" charset="2"/>
+              <a:buChar char="Ø"/>
+            </a:pPr>
+            <a:r>
+              <a:rPr lang="es-AR" sz="2200" b="1" dirty="0" err="1">
+                <a:solidFill>
+                  <a:schemeClr val="tx2"/>
+                </a:solidFill>
+                <a:effectLst>
+                  <a:outerShdw blurRad="38100" dist="38100" dir="2700000" algn="tl">
+                    <a:srgbClr val="000000">
+                      <a:alpha val="43137"/>
+                    </a:srgbClr>
+                  </a:outerShdw>
+                </a:effectLst>
+              </a:rPr>
+              <a:t>getByTestId</a:t>
+            </a:r>
+            <a:r>
+              <a:rPr lang="es-AR" sz="2200" b="1" dirty="0">
+                <a:solidFill>
+                  <a:schemeClr val="tx2"/>
+                </a:solidFill>
+                <a:effectLst>
+                  <a:outerShdw blurRad="38100" dist="38100" dir="2700000" algn="tl">
+                    <a:srgbClr val="000000">
+                      <a:alpha val="43137"/>
+                    </a:srgbClr>
+                  </a:outerShdw>
+                </a:effectLst>
+              </a:rPr>
+              <a:t>()</a:t>
+            </a:r>
+          </a:p>
+          <a:p>
+            <a:pPr marL="819096" lvl="1" indent="-514350">
+              <a:buFont typeface="Wingdings" panose="05000000000000000000" pitchFamily="2" charset="2"/>
+              <a:buChar char="Ø"/>
+            </a:pPr>
+            <a:r>
+              <a:rPr lang="es-ES" sz="2200" b="1" dirty="0">
+                <a:solidFill>
+                  <a:schemeClr val="tx2"/>
+                </a:solidFill>
+                <a:effectLst>
+                  <a:outerShdw blurRad="38100" dist="38100" dir="2700000" algn="tl">
+                    <a:srgbClr val="000000">
+                      <a:alpha val="43137"/>
+                    </a:srgbClr>
+                  </a:outerShdw>
+                </a:effectLst>
+              </a:rPr>
+              <a:t>…..</a:t>
+            </a:r>
+          </a:p>
+          <a:p>
+            <a:pPr marL="514350" indent="-514350">
+              <a:buFont typeface="+mj-lt"/>
+              <a:buAutoNum type="arabicPeriod"/>
+            </a:pPr>
+            <a:r>
+              <a:rPr lang="es-AR" sz="2200" b="1" dirty="0">
+                <a:solidFill>
+                  <a:schemeClr val="tx2"/>
+                </a:solidFill>
+                <a:effectLst>
+                  <a:outerShdw blurRad="38100" dist="38100" dir="2700000" algn="tl">
+                    <a:srgbClr val="000000">
+                      <a:alpha val="43137"/>
+                    </a:srgbClr>
+                  </a:outerShdw>
+                </a:effectLst>
+              </a:rPr>
+              <a:t>Simulación de interacciones</a:t>
+            </a:r>
+          </a:p>
+          <a:p>
+            <a:pPr marL="819096" lvl="1" indent="-514350">
+              <a:buFont typeface="Wingdings" panose="05000000000000000000" pitchFamily="2" charset="2"/>
+              <a:buChar char="Ø"/>
+            </a:pPr>
+            <a:r>
+              <a:rPr lang="es-AR" sz="2200" b="1" dirty="0" err="1">
+                <a:solidFill>
+                  <a:schemeClr val="tx2"/>
+                </a:solidFill>
+                <a:effectLst>
+                  <a:outerShdw blurRad="38100" dist="38100" dir="2700000" algn="tl">
+                    <a:srgbClr val="000000">
+                      <a:alpha val="43137"/>
+                    </a:srgbClr>
+                  </a:outerShdw>
+                </a:effectLst>
+              </a:rPr>
+              <a:t>fireEvent</a:t>
+            </a:r>
+            <a:endParaRPr lang="es-AR" sz="2200" b="1" dirty="0">
+              <a:solidFill>
+                <a:schemeClr val="tx2"/>
+              </a:solidFill>
+              <a:effectLst>
+                <a:outerShdw blurRad="38100" dist="38100" dir="2700000" algn="tl">
+                  <a:srgbClr val="000000">
+                    <a:alpha val="43137"/>
+                  </a:srgbClr>
+                </a:outerShdw>
+              </a:effectLst>
+            </a:endParaRPr>
+          </a:p>
+          <a:p>
+            <a:pPr marL="819096" lvl="1" indent="-514350">
+              <a:buFont typeface="Wingdings" panose="05000000000000000000" pitchFamily="2" charset="2"/>
+              <a:buChar char="Ø"/>
+            </a:pPr>
+            <a:r>
+              <a:rPr lang="es-AR" sz="2200" b="1" dirty="0" err="1">
+                <a:solidFill>
+                  <a:schemeClr val="tx2"/>
+                </a:solidFill>
+                <a:effectLst>
+                  <a:outerShdw blurRad="38100" dist="38100" dir="2700000" algn="tl">
+                    <a:srgbClr val="000000">
+                      <a:alpha val="43137"/>
+                    </a:srgbClr>
+                  </a:outerShdw>
+                </a:effectLst>
+              </a:rPr>
+              <a:t>userEvent</a:t>
+            </a:r>
+            <a:endParaRPr lang="es-AR" sz="2200" b="1" dirty="0">
+              <a:solidFill>
+                <a:schemeClr val="tx2"/>
+              </a:solidFill>
+              <a:effectLst>
+                <a:outerShdw blurRad="38100" dist="38100" dir="2700000" algn="tl">
+                  <a:srgbClr val="000000">
+                    <a:alpha val="43137"/>
+                  </a:srgbClr>
+                </a:outerShdw>
+              </a:effectLst>
+            </a:endParaRPr>
+          </a:p>
+          <a:p>
+            <a:pPr marL="514350" indent="-514350">
+              <a:buFont typeface="+mj-lt"/>
+              <a:buAutoNum type="arabicPeriod"/>
+            </a:pPr>
+            <a:r>
+              <a:rPr lang="es-AR" sz="2200" b="1" dirty="0">
+                <a:solidFill>
+                  <a:schemeClr val="tx2"/>
+                </a:solidFill>
+                <a:effectLst>
+                  <a:outerShdw blurRad="38100" dist="38100" dir="2700000" algn="tl">
+                    <a:srgbClr val="000000">
+                      <a:alpha val="43137"/>
+                    </a:srgbClr>
+                  </a:outerShdw>
+                </a:effectLst>
+              </a:rPr>
+              <a:t>Aserciones (</a:t>
+            </a:r>
+            <a:r>
+              <a:rPr lang="es-AR" sz="2200" b="1" dirty="0" err="1">
+                <a:solidFill>
+                  <a:schemeClr val="tx2"/>
+                </a:solidFill>
+                <a:effectLst>
+                  <a:outerShdw blurRad="38100" dist="38100" dir="2700000" algn="tl">
+                    <a:srgbClr val="000000">
+                      <a:alpha val="43137"/>
+                    </a:srgbClr>
+                  </a:outerShdw>
+                </a:effectLst>
+              </a:rPr>
+              <a:t>Assertions</a:t>
+            </a:r>
+            <a:r>
+              <a:rPr lang="es-AR" sz="2200" b="1" dirty="0">
+                <a:solidFill>
+                  <a:schemeClr val="tx2"/>
+                </a:solidFill>
+                <a:effectLst>
+                  <a:outerShdw blurRad="38100" dist="38100" dir="2700000" algn="tl">
+                    <a:srgbClr val="000000">
+                      <a:alpha val="43137"/>
+                    </a:srgbClr>
+                  </a:outerShdw>
+                </a:effectLst>
+              </a:rPr>
+              <a:t>)</a:t>
+            </a:r>
+          </a:p>
+          <a:p>
+            <a:pPr marL="819096" lvl="1" indent="-514350">
+              <a:buFont typeface="Wingdings" panose="05000000000000000000" pitchFamily="2" charset="2"/>
+              <a:buChar char="Ø"/>
+            </a:pPr>
+            <a:r>
+              <a:rPr lang="es-AR" sz="2200" b="1" dirty="0" err="1">
+                <a:solidFill>
+                  <a:schemeClr val="tx2"/>
+                </a:solidFill>
+                <a:effectLst>
+                  <a:outerShdw blurRad="38100" dist="38100" dir="2700000" algn="tl">
+                    <a:srgbClr val="000000">
+                      <a:alpha val="43137"/>
+                    </a:srgbClr>
+                  </a:outerShdw>
+                </a:effectLst>
+              </a:rPr>
+              <a:t>expect</a:t>
+            </a:r>
+            <a:endParaRPr lang="es-AR" sz="2200" b="1" dirty="0">
+              <a:solidFill>
+                <a:schemeClr val="tx2"/>
+              </a:solidFill>
+              <a:effectLst>
+                <a:outerShdw blurRad="38100" dist="38100" dir="2700000" algn="tl">
+                  <a:srgbClr val="000000">
+                    <a:alpha val="43137"/>
+                  </a:srgbClr>
+                </a:outerShdw>
+              </a:effectLst>
+            </a:endParaRPr>
+          </a:p>
+        </p:txBody>
+      </p:sp>
+    </p:spTree>
+    <p:extLst>
+      <p:ext uri="{BB962C8B-B14F-4D97-AF65-F5344CB8AC3E}">
+        <p14:creationId xmlns:p14="http://schemas.microsoft.com/office/powerpoint/2010/main" val="1992651492"/>
+      </p:ext>
+    </p:extLst>
+  </p:cSld>
+  <p:clrMapOvr>
+    <a:masterClrMapping/>
+  </p:clrMapOvr>
+  <mc:AlternateContent xmlns:mc="http://schemas.openxmlformats.org/markup-compatibility/2006" xmlns:p14="http://schemas.microsoft.com/office/powerpoint/2010/main">
+    <mc:Choice Requires="p14">
+      <p:transition spd="med" p14:dur="700">
+        <p:fade/>
+      </p:transition>
+    </mc:Choice>
+    <mc:Fallback xmlns="">
+      <p:transition spd="med">
+        <p:fade/>
+      </p:transition>
+    </mc:Fallback>
+  </mc:AlternateContent>
+</p:sld>
+</file>
+
+<file path=ppt/slides/slide5.xml><?xml version="1.0" encoding="utf-8"?>
+<p:sld xmlns:a="http://schemas.openxmlformats.org/drawingml/2006/main" xmlns:r="http://schemas.openxmlformats.org/officeDocument/2006/relationships" xmlns:p="http://schemas.openxmlformats.org/presentationml/2006/main">
+  <p:cSld>
+    <p:spTree>
+      <p:nvGrpSpPr>
+        <p:cNvPr id="1" name=""/>
+        <p:cNvGrpSpPr/>
+        <p:nvPr/>
+      </p:nvGrpSpPr>
+      <p:grpSpPr>
+        <a:xfrm>
+          <a:off x="0" y="0"/>
+          <a:ext cx="0" cy="0"/>
+          <a:chOff x="0" y="0"/>
+          <a:chExt cx="0" cy="0"/>
+        </a:xfrm>
+      </p:grpSpPr>
+      <p:sp>
+        <p:nvSpPr>
+          <p:cNvPr id="2" name="Título 1">
+            <a:extLst>
+              <a:ext uri="{FF2B5EF4-FFF2-40B4-BE49-F238E27FC236}">
+                <a16:creationId xmlns:a16="http://schemas.microsoft.com/office/drawing/2014/main" id="{17DC4C4B-5839-93E1-4DB0-A9DB2DB230AF}"/>
+              </a:ext>
+            </a:extLst>
+          </p:cNvPr>
+          <p:cNvSpPr>
+            <a:spLocks noGrp="1"/>
+          </p:cNvSpPr>
+          <p:nvPr>
+            <p:ph type="title"/>
+          </p:nvPr>
+        </p:nvSpPr>
+        <p:spPr>
+          <a:xfrm>
+            <a:off x="1218883" y="133446"/>
+            <a:ext cx="2139225" cy="706091"/>
+          </a:xfrm>
+        </p:spPr>
+        <p:txBody>
+          <a:bodyPr/>
+          <a:lstStyle/>
+          <a:p>
+            <a:r>
+              <a:rPr lang="es-ES" dirty="0"/>
+              <a:t>Ejemplo</a:t>
+            </a:r>
+            <a:endParaRPr lang="es-AR" dirty="0"/>
+          </a:p>
+        </p:txBody>
+      </p:sp>
+      <p:sp>
+        <p:nvSpPr>
+          <p:cNvPr id="11" name="CuadroTexto 10">
+            <a:extLst>
+              <a:ext uri="{FF2B5EF4-FFF2-40B4-BE49-F238E27FC236}">
+                <a16:creationId xmlns:a16="http://schemas.microsoft.com/office/drawing/2014/main" id="{53B96C98-FBCB-5BB0-B865-07E10E4E10D9}"/>
+              </a:ext>
+            </a:extLst>
+          </p:cNvPr>
+          <p:cNvSpPr txBox="1"/>
+          <p:nvPr/>
+        </p:nvSpPr>
+        <p:spPr>
+          <a:xfrm>
+            <a:off x="1304914" y="4725144"/>
+            <a:ext cx="3493354" cy="1569660"/>
+          </a:xfrm>
+          <a:prstGeom prst="rect">
+            <a:avLst/>
+          </a:prstGeom>
+          <a:noFill/>
+          <a:ln>
+            <a:noFill/>
+          </a:ln>
+        </p:spPr>
+        <p:style>
+          <a:lnRef idx="0">
+            <a:scrgbClr r="0" g="0" b="0"/>
+          </a:lnRef>
+          <a:fillRef idx="0">
+            <a:scrgbClr r="0" g="0" b="0"/>
+          </a:fillRef>
+          <a:effectRef idx="0">
+            <a:scrgbClr r="0" g="0" b="0"/>
+          </a:effectRef>
+          <a:fontRef idx="minor">
+            <a:schemeClr val="accent1"/>
+          </a:fontRef>
+        </p:style>
+        <p:txBody>
+          <a:bodyPr wrap="square">
+            <a:spAutoFit/>
+          </a:bodyPr>
+          <a:lstStyle/>
+          <a:p>
+            <a:pPr marL="342900" indent="-342900">
+              <a:buFont typeface="Wingdings" panose="05000000000000000000" pitchFamily="2" charset="2"/>
+              <a:buChar char="Ø"/>
+            </a:pPr>
+            <a:r>
+              <a:rPr lang="es-ES" b="1" i="1" spc="300" dirty="0">
+                <a:solidFill>
+                  <a:schemeClr val="tx2"/>
+                </a:solidFill>
+                <a:effectLst>
+                  <a:outerShdw blurRad="38100" dist="38100" dir="2700000" algn="tl">
+                    <a:srgbClr val="000000">
+                      <a:alpha val="43137"/>
+                    </a:srgbClr>
+                  </a:outerShdw>
+                </a:effectLst>
+                <a:latin typeface="+mj-lt"/>
+                <a:ea typeface="ADLaM Display" panose="020F0502020204030204" pitchFamily="2" charset="0"/>
+                <a:cs typeface="ADLaM Display" panose="020F0502020204030204" pitchFamily="2" charset="0"/>
+              </a:rPr>
+              <a:t>render </a:t>
+            </a:r>
+          </a:p>
+          <a:p>
+            <a:pPr marL="342900" indent="-342900">
+              <a:buFont typeface="Wingdings" panose="05000000000000000000" pitchFamily="2" charset="2"/>
+              <a:buChar char="Ø"/>
+            </a:pPr>
+            <a:r>
+              <a:rPr lang="es-ES" b="1" i="1" spc="300" dirty="0" err="1">
+                <a:solidFill>
+                  <a:schemeClr val="tx2"/>
+                </a:solidFill>
+                <a:effectLst>
+                  <a:outerShdw blurRad="38100" dist="38100" dir="2700000" algn="tl">
+                    <a:srgbClr val="000000">
+                      <a:alpha val="43137"/>
+                    </a:srgbClr>
+                  </a:outerShdw>
+                </a:effectLst>
+                <a:latin typeface="+mj-lt"/>
+                <a:ea typeface="ADLaM Display" panose="020F0502020204030204" pitchFamily="2" charset="0"/>
+                <a:cs typeface="ADLaM Display" panose="020F0502020204030204" pitchFamily="2" charset="0"/>
+              </a:rPr>
+              <a:t>getByLabelText</a:t>
+            </a:r>
+            <a:endParaRPr lang="es-ES" b="1" i="1" spc="300" dirty="0">
+              <a:solidFill>
+                <a:schemeClr val="tx2"/>
+              </a:solidFill>
+              <a:effectLst>
+                <a:outerShdw blurRad="38100" dist="38100" dir="2700000" algn="tl">
+                  <a:srgbClr val="000000">
+                    <a:alpha val="43137"/>
+                  </a:srgbClr>
+                </a:outerShdw>
+              </a:effectLst>
+              <a:latin typeface="+mj-lt"/>
+              <a:ea typeface="ADLaM Display" panose="020F0502020204030204" pitchFamily="2" charset="0"/>
+              <a:cs typeface="ADLaM Display" panose="020F0502020204030204" pitchFamily="2" charset="0"/>
+            </a:endParaRPr>
+          </a:p>
+          <a:p>
+            <a:pPr marL="342900" indent="-342900">
+              <a:buFont typeface="Wingdings" panose="05000000000000000000" pitchFamily="2" charset="2"/>
+              <a:buChar char="Ø"/>
+            </a:pPr>
+            <a:r>
+              <a:rPr lang="es-ES" b="1" i="1" spc="300" dirty="0" err="1">
+                <a:solidFill>
+                  <a:schemeClr val="tx2"/>
+                </a:solidFill>
+                <a:effectLst>
+                  <a:outerShdw blurRad="38100" dist="38100" dir="2700000" algn="tl">
+                    <a:srgbClr val="000000">
+                      <a:alpha val="43137"/>
+                    </a:srgbClr>
+                  </a:outerShdw>
+                </a:effectLst>
+                <a:latin typeface="+mj-lt"/>
+                <a:ea typeface="ADLaM Display" panose="020F0502020204030204" pitchFamily="2" charset="0"/>
+                <a:cs typeface="ADLaM Display" panose="020F0502020204030204" pitchFamily="2" charset="0"/>
+              </a:rPr>
+              <a:t>fireEvent</a:t>
+            </a:r>
+            <a:endParaRPr lang="es-ES" b="1" i="1" spc="300" dirty="0">
+              <a:solidFill>
+                <a:schemeClr val="tx2"/>
+              </a:solidFill>
+              <a:effectLst>
+                <a:outerShdw blurRad="38100" dist="38100" dir="2700000" algn="tl">
+                  <a:srgbClr val="000000">
+                    <a:alpha val="43137"/>
+                  </a:srgbClr>
+                </a:outerShdw>
+              </a:effectLst>
+              <a:latin typeface="+mj-lt"/>
+              <a:ea typeface="ADLaM Display" panose="020F0502020204030204" pitchFamily="2" charset="0"/>
+              <a:cs typeface="ADLaM Display" panose="020F0502020204030204" pitchFamily="2" charset="0"/>
+            </a:endParaRPr>
+          </a:p>
+          <a:p>
+            <a:pPr marL="342900" indent="-342900">
+              <a:buFont typeface="Wingdings" panose="05000000000000000000" pitchFamily="2" charset="2"/>
+              <a:buChar char="Ø"/>
+            </a:pPr>
+            <a:r>
+              <a:rPr lang="es-ES" b="1" i="1" spc="300" dirty="0" err="1">
+                <a:solidFill>
+                  <a:schemeClr val="tx2"/>
+                </a:solidFill>
+                <a:effectLst>
+                  <a:outerShdw blurRad="38100" dist="38100" dir="2700000" algn="tl">
+                    <a:srgbClr val="000000">
+                      <a:alpha val="43137"/>
+                    </a:srgbClr>
+                  </a:outerShdw>
+                </a:effectLst>
+                <a:latin typeface="+mj-lt"/>
+                <a:ea typeface="ADLaM Display" panose="020F0502020204030204" pitchFamily="2" charset="0"/>
+                <a:cs typeface="ADLaM Display" panose="020F0502020204030204" pitchFamily="2" charset="0"/>
+              </a:rPr>
+              <a:t>expect</a:t>
+            </a:r>
+            <a:endParaRPr lang="es-AR" b="1" i="1" spc="300" dirty="0">
+              <a:solidFill>
+                <a:schemeClr val="tx2"/>
+              </a:solidFill>
+              <a:effectLst>
+                <a:outerShdw blurRad="38100" dist="38100" dir="2700000" algn="tl">
+                  <a:srgbClr val="000000">
+                    <a:alpha val="43137"/>
+                  </a:srgbClr>
+                </a:outerShdw>
+              </a:effectLst>
+              <a:latin typeface="+mj-lt"/>
+              <a:ea typeface="ADLaM Display" panose="020F0502020204030204" pitchFamily="2" charset="0"/>
+              <a:cs typeface="ADLaM Display" panose="020F0502020204030204" pitchFamily="2" charset="0"/>
+            </a:endParaRPr>
+          </a:p>
+        </p:txBody>
+      </p:sp>
+      <p:pic>
+        <p:nvPicPr>
+          <p:cNvPr id="15" name="Imagen 14">
+            <a:extLst>
+              <a:ext uri="{FF2B5EF4-FFF2-40B4-BE49-F238E27FC236}">
+                <a16:creationId xmlns:a16="http://schemas.microsoft.com/office/drawing/2014/main" id="{854908D9-B140-BCA2-DC55-789F8E06318A}"/>
+              </a:ext>
+            </a:extLst>
+          </p:cNvPr>
+          <p:cNvPicPr>
+            <a:picLocks noChangeAspect="1"/>
+          </p:cNvPicPr>
+          <p:nvPr/>
+        </p:nvPicPr>
+        <p:blipFill>
+          <a:blip r:embed="rId3"/>
+          <a:stretch>
+            <a:fillRect/>
+          </a:stretch>
+        </p:blipFill>
+        <p:spPr>
+          <a:xfrm>
+            <a:off x="1304914" y="839537"/>
+            <a:ext cx="9578995" cy="3538212"/>
+          </a:xfrm>
+          <a:prstGeom prst="rect">
+            <a:avLst/>
+          </a:prstGeom>
+        </p:spPr>
+      </p:pic>
+    </p:spTree>
+    <p:extLst>
+      <p:ext uri="{BB962C8B-B14F-4D97-AF65-F5344CB8AC3E}">
+        <p14:creationId xmlns:p14="http://schemas.microsoft.com/office/powerpoint/2010/main" val="2193497216"/>
+      </p:ext>
+    </p:extLst>
+  </p:cSld>
+  <p:clrMapOvr>
+    <a:masterClrMapping/>
+  </p:clrMapOvr>
+  <mc:AlternateContent xmlns:mc="http://schemas.openxmlformats.org/markup-compatibility/2006" xmlns:p14="http://schemas.microsoft.com/office/powerpoint/2010/main">
+    <mc:Choice Requires="p14">
+      <p:transition spd="med" p14:dur="700">
+        <p:fade/>
+      </p:transition>
+    </mc:Choice>
+    <mc:Fallback xmlns="">
+      <p:transition spd="med">
+        <p:fade/>
+      </p:transition>
+    </mc:Fallback>
+  </mc:AlternateContent>
+</p:sld>
+</file>
+
+<file path=ppt/slides/slide6.xml><?xml version="1.0" encoding="utf-8"?>
+<p:sld xmlns:a="http://schemas.openxmlformats.org/drawingml/2006/main" xmlns:r="http://schemas.openxmlformats.org/officeDocument/2006/relationships" xmlns:p="http://schemas.openxmlformats.org/presentationml/2006/main">
+  <p:cSld>
+    <p:spTree>
+      <p:nvGrpSpPr>
+        <p:cNvPr id="1" name=""/>
+        <p:cNvGrpSpPr/>
+        <p:nvPr/>
+      </p:nvGrpSpPr>
+      <p:grpSpPr>
+        <a:xfrm>
+          <a:off x="0" y="0"/>
+          <a:ext cx="0" cy="0"/>
+          <a:chOff x="0" y="0"/>
+          <a:chExt cx="0" cy="0"/>
+        </a:xfrm>
+      </p:grpSpPr>
+      <p:sp>
+        <p:nvSpPr>
+          <p:cNvPr id="7" name="Título 6"/>
+          <p:cNvSpPr>
+            <a:spLocks noGrp="1"/>
+          </p:cNvSpPr>
+          <p:nvPr>
+            <p:ph type="title"/>
+          </p:nvPr>
+        </p:nvSpPr>
+        <p:spPr/>
+        <p:txBody>
+          <a:bodyPr rtlCol="0"/>
+          <a:lstStyle/>
+          <a:p>
+            <a:pPr rtl="0"/>
+            <a:r>
+              <a:rPr lang="es-ES" dirty="0"/>
+              <a:t>Error al momento de realizar la prueba</a:t>
+            </a:r>
+          </a:p>
+        </p:txBody>
+      </p:sp>
+      <p:pic>
+        <p:nvPicPr>
+          <p:cNvPr id="2" name="Marcador de contenido 1">
+            <a:extLst>
+              <a:ext uri="{FF2B5EF4-FFF2-40B4-BE49-F238E27FC236}">
+                <a16:creationId xmlns:a16="http://schemas.microsoft.com/office/drawing/2014/main" id="{F41A4891-2532-47DA-9CE9-3783C3A07863}"/>
+              </a:ext>
+            </a:extLst>
+          </p:cNvPr>
+          <p:cNvPicPr>
+            <a:picLocks noGrp="1" noChangeAspect="1"/>
+          </p:cNvPicPr>
+          <p:nvPr>
+            <p:ph sz="half" idx="2"/>
+          </p:nvPr>
+        </p:nvPicPr>
+        <p:blipFill>
+          <a:blip r:embed="rId3"/>
+          <a:stretch>
+            <a:fillRect/>
+          </a:stretch>
+        </p:blipFill>
+        <p:spPr>
+          <a:xfrm>
+            <a:off x="1218883" y="1498600"/>
+            <a:ext cx="10360501" cy="4810720"/>
+          </a:xfrm>
+          <a:prstGeom prst="rect">
+            <a:avLst/>
+          </a:prstGeom>
+        </p:spPr>
+      </p:pic>
+    </p:spTree>
+    <p:extLst>
+      <p:ext uri="{BB962C8B-B14F-4D97-AF65-F5344CB8AC3E}">
+        <p14:creationId xmlns:p14="http://schemas.microsoft.com/office/powerpoint/2010/main" val="2672039197"/>
+      </p:ext>
+    </p:extLst>
+  </p:cSld>
+  <p:clrMapOvr>
+    <a:masterClrMapping/>
+  </p:clrMapOvr>
+  <mc:AlternateContent xmlns:mc="http://schemas.openxmlformats.org/markup-compatibility/2006" xmlns:p14="http://schemas.microsoft.com/office/powerpoint/2010/main">
+    <mc:Choice Requires="p14">
+      <p:transition spd="med" p14:dur="700">
+        <p:fade/>
+      </p:transition>
+    </mc:Choice>
+    <mc:Fallback xmlns="">
+      <p:transition spd="med">
+        <p:fade/>
+      </p:transition>
+    </mc:Fallback>
+  </mc:AlternateContent>
+</p:sld>
+</file>
+
+<file path=ppt/slides/slide7.xml><?xml version="1.0" encoding="utf-8"?>
+<p:sld xmlns:a="http://schemas.openxmlformats.org/drawingml/2006/main" xmlns:r="http://schemas.openxmlformats.org/officeDocument/2006/relationships" xmlns:p="http://schemas.openxmlformats.org/presentationml/2006/main">
+  <p:cSld>
+    <p:spTree>
+      <p:nvGrpSpPr>
+        <p:cNvPr id="1" name=""/>
+        <p:cNvGrpSpPr/>
+        <p:nvPr/>
+      </p:nvGrpSpPr>
+      <p:grpSpPr>
+        <a:xfrm>
+          <a:off x="0" y="0"/>
+          <a:ext cx="0" cy="0"/>
+          <a:chOff x="0" y="0"/>
+          <a:chExt cx="0" cy="0"/>
+        </a:xfrm>
+      </p:grpSpPr>
+      <p:sp>
+        <p:nvSpPr>
+          <p:cNvPr id="2" name="CuadroTexto 1">
+            <a:extLst>
+              <a:ext uri="{FF2B5EF4-FFF2-40B4-BE49-F238E27FC236}">
+                <a16:creationId xmlns:a16="http://schemas.microsoft.com/office/drawing/2014/main" id="{B6B13715-EEC1-4D45-B91A-B04766E43A98}"/>
+              </a:ext>
+            </a:extLst>
+          </p:cNvPr>
+          <p:cNvSpPr txBox="1"/>
+          <p:nvPr/>
+        </p:nvSpPr>
+        <p:spPr>
+          <a:xfrm>
+            <a:off x="1125860" y="2274838"/>
+            <a:ext cx="10441160" cy="2308324"/>
+          </a:xfrm>
+          <a:prstGeom prst="rect">
+            <a:avLst/>
+          </a:prstGeom>
+          <a:noFill/>
+        </p:spPr>
+        <p:txBody>
+          <a:bodyPr wrap="square" rtlCol="0">
+            <a:spAutoFit/>
+          </a:bodyPr>
+          <a:lstStyle/>
+          <a:p>
+            <a:pPr algn="just"/>
+            <a:r>
+              <a:rPr lang="es-ES" sz="3600" dirty="0"/>
+              <a:t>La librería nos indica con el mensaje que el formulario no cumple que el botón este deshabilitado cuando el input este vacío. Esto genera que el usuario pueda enviar un campo vacío.</a:t>
+            </a:r>
+          </a:p>
+        </p:txBody>
+      </p:sp>
+    </p:spTree>
+    <p:extLst>
+      <p:ext uri="{BB962C8B-B14F-4D97-AF65-F5344CB8AC3E}">
+        <p14:creationId xmlns:p14="http://schemas.microsoft.com/office/powerpoint/2010/main" val="397710800"/>
+      </p:ext>
+    </p:extLst>
+  </p:cSld>
+  <p:clrMapOvr>
+    <a:masterClrMapping/>
+  </p:clrMapOvr>
+  <mc:AlternateContent xmlns:mc="http://schemas.openxmlformats.org/markup-compatibility/2006" xmlns:p14="http://schemas.microsoft.com/office/powerpoint/2010/main">
+    <mc:Choice Requires="p14">
+      <p:transition spd="med" p14:dur="700">
+        <p:fade/>
+      </p:transition>
+    </mc:Choice>
+    <mc:Fallback xmlns="">
+      <p:transition spd="med">
+        <p:fade/>
+      </p:transition>
+    </mc:Fallback>
+  </mc:AlternateContent>
+</p:sld>
+</file>
+
+<file path=ppt/slides/slide8.xml><?xml version="1.0" encoding="utf-8"?>
+<p:sld xmlns:a="http://schemas.openxmlformats.org/drawingml/2006/main" xmlns:r="http://schemas.openxmlformats.org/officeDocument/2006/relationships" xmlns:p="http://schemas.openxmlformats.org/presentationml/2006/main">
+  <p:cSld>
+    <p:spTree>
+      <p:nvGrpSpPr>
+        <p:cNvPr id="1" name=""/>
+        <p:cNvGrpSpPr/>
+        <p:nvPr/>
+      </p:nvGrpSpPr>
+      <p:grpSpPr>
+        <a:xfrm>
+          <a:off x="0" y="0"/>
+          <a:ext cx="0" cy="0"/>
+          <a:chOff x="0" y="0"/>
+          <a:chExt cx="0" cy="0"/>
+        </a:xfrm>
+      </p:grpSpPr>
+      <p:pic>
+        <p:nvPicPr>
+          <p:cNvPr id="2" name="Imagen 1">
+            <a:extLst>
+              <a:ext uri="{FF2B5EF4-FFF2-40B4-BE49-F238E27FC236}">
+                <a16:creationId xmlns:a16="http://schemas.microsoft.com/office/drawing/2014/main" id="{34D2DC3C-43BB-4DFD-991A-8FFD1F41749C}"/>
+              </a:ext>
+            </a:extLst>
+          </p:cNvPr>
+          <p:cNvPicPr>
+            <a:picLocks noChangeAspect="1"/>
+          </p:cNvPicPr>
+          <p:nvPr/>
+        </p:nvPicPr>
+        <p:blipFill>
+          <a:blip r:embed="rId3"/>
+          <a:stretch>
+            <a:fillRect/>
+          </a:stretch>
+        </p:blipFill>
+        <p:spPr>
+          <a:xfrm>
+            <a:off x="3365499" y="619125"/>
+            <a:ext cx="5457825" cy="5619750"/>
+          </a:xfrm>
+          <a:prstGeom prst="rect">
+            <a:avLst/>
+          </a:prstGeom>
+        </p:spPr>
+      </p:pic>
+      <p:sp>
+        <p:nvSpPr>
+          <p:cNvPr id="3" name="Rectángulo 2">
+            <a:extLst>
+              <a:ext uri="{FF2B5EF4-FFF2-40B4-BE49-F238E27FC236}">
+                <a16:creationId xmlns:a16="http://schemas.microsoft.com/office/drawing/2014/main" id="{9824C711-963C-4360-88EF-913D8CCE4DE1}"/>
+              </a:ext>
+            </a:extLst>
+          </p:cNvPr>
+          <p:cNvSpPr/>
+          <p:nvPr/>
+        </p:nvSpPr>
+        <p:spPr>
+          <a:xfrm>
+            <a:off x="4294212" y="3789040"/>
+            <a:ext cx="3528392" cy="360040"/>
+          </a:xfrm>
+          <a:prstGeom prst="rect">
+            <a:avLst/>
+          </a:prstGeom>
+          <a:noFill/>
+          <a:ln w="28575">
+            <a:solidFill>
+              <a:srgbClr val="FF0000"/>
+            </a:solidFill>
+          </a:ln>
+        </p:spPr>
+        <p:style>
+          <a:lnRef idx="2">
+            <a:schemeClr val="accent1">
+              <a:shade val="50000"/>
+            </a:schemeClr>
+          </a:lnRef>
+          <a:fillRef idx="1">
+            <a:schemeClr val="accent1"/>
+          </a:fillRef>
+          <a:effectRef idx="0">
+            <a:schemeClr val="accent1"/>
+          </a:effectRef>
+          <a:fontRef idx="minor">
+            <a:schemeClr val="lt1"/>
+          </a:fontRef>
+        </p:style>
+        <p:txBody>
+          <a:bodyPr rtlCol="0" anchor="ctr"/>
+          <a:lstStyle/>
+          <a:p>
+            <a:pPr algn="ctr"/>
+            <a:endParaRPr lang="es-ES" sz="2800" dirty="0"/>
+          </a:p>
+        </p:txBody>
+      </p:sp>
+    </p:spTree>
+    <p:extLst>
+      <p:ext uri="{BB962C8B-B14F-4D97-AF65-F5344CB8AC3E}">
+        <p14:creationId xmlns:p14="http://schemas.microsoft.com/office/powerpoint/2010/main" val="1405850135"/>
+      </p:ext>
+    </p:extLst>
+  </p:cSld>
+  <p:clrMapOvr>
+    <a:masterClrMapping/>
+  </p:clrMapOvr>
+  <mc:AlternateContent xmlns:mc="http://schemas.openxmlformats.org/markup-compatibility/2006" xmlns:p14="http://schemas.microsoft.com/office/powerpoint/2010/main">
+    <mc:Choice Requires="p14">
+      <p:transition spd="med" p14:dur="700">
+        <p:fade/>
+      </p:transition>
+    </mc:Choice>
+    <mc:Fallback xmlns="">
+      <p:transition spd="med">
+        <p:fade/>
+      </p:transition>
+    </mc:Fallback>
+  </mc:AlternateContent>
+</p:sld>
+</file>
+
+<file path=ppt/slides/slide9.xml><?xml version="1.0" encoding="utf-8"?>
+<p:sld xmlns:a="http://schemas.openxmlformats.org/drawingml/2006/main" xmlns:r="http://schemas.openxmlformats.org/officeDocument/2006/relationships" xmlns:p="http://schemas.openxmlformats.org/presentationml/2006/main">
+  <p:cSld>
+    <p:spTree>
+      <p:nvGrpSpPr>
+        <p:cNvPr id="1" name=""/>
+        <p:cNvGrpSpPr/>
+        <p:nvPr/>
+      </p:nvGrpSpPr>
+      <p:grpSpPr>
+        <a:xfrm>
+          <a:off x="0" y="0"/>
+          <a:ext cx="0" cy="0"/>
+          <a:chOff x="0" y="0"/>
+          <a:chExt cx="0" cy="0"/>
+        </a:xfrm>
+      </p:grpSpPr>
+      <p:sp>
+        <p:nvSpPr>
+          <p:cNvPr id="7" name="Título 6"/>
+          <p:cNvSpPr>
+            <a:spLocks noGrp="1"/>
+          </p:cNvSpPr>
+          <p:nvPr>
+            <p:ph type="title"/>
+          </p:nvPr>
+        </p:nvSpPr>
+        <p:spPr/>
+        <p:txBody>
+          <a:bodyPr rtlCol="0"/>
+          <a:lstStyle/>
+          <a:p>
+            <a:pPr rtl="0"/>
+            <a:r>
+              <a:rPr lang="es-ES" dirty="0"/>
+              <a:t>Una vez modificado el código</a:t>
+            </a:r>
+          </a:p>
+        </p:txBody>
+      </p:sp>
+      <p:pic>
+        <p:nvPicPr>
+          <p:cNvPr id="5" name="Imagen 4">
+            <a:extLst>
+              <a:ext uri="{FF2B5EF4-FFF2-40B4-BE49-F238E27FC236}">
+                <a16:creationId xmlns:a16="http://schemas.microsoft.com/office/drawing/2014/main" id="{BC764B28-6B12-470A-8C27-6B1A515094A2}"/>
+              </a:ext>
+            </a:extLst>
+          </p:cNvPr>
+          <p:cNvPicPr>
+            <a:picLocks noChangeAspect="1"/>
+          </p:cNvPicPr>
+          <p:nvPr/>
+        </p:nvPicPr>
+        <p:blipFill>
+          <a:blip r:embed="rId3"/>
+          <a:stretch>
+            <a:fillRect/>
+          </a:stretch>
+        </p:blipFill>
+        <p:spPr>
+          <a:xfrm>
+            <a:off x="1218883" y="1498601"/>
+            <a:ext cx="10360501" cy="4738711"/>
+          </a:xfrm>
+          <a:prstGeom prst="rect">
+            <a:avLst/>
+          </a:prstGeom>
+        </p:spPr>
+      </p:pic>
+    </p:spTree>
+    <p:extLst>
+      <p:ext uri="{BB962C8B-B14F-4D97-AF65-F5344CB8AC3E}">
+        <p14:creationId xmlns:p14="http://schemas.microsoft.com/office/powerpoint/2010/main" val="2645386564"/>
       </p:ext>
     </p:extLst>
   </p:cSld>
@@ -7948,6 +9482,151 @@
 </file>
 
 <file path=customXml/item1.xml><?xml version="1.0" encoding="utf-8"?>
+<p:properties xmlns:p="http://schemas.microsoft.com/office/2006/metadata/properties" xmlns:xsi="http://www.w3.org/2001/XMLSchema-instance" xmlns:pc="http://schemas.microsoft.com/office/infopath/2007/PartnerControls">
+  <documentManagement>
+    <LocPublishedLinkedAssetsLookup xmlns="4873beb7-5857-4685-be1f-d57550cc96cc" xsi:nil="true"/>
+    <ApprovalStatus xmlns="4873beb7-5857-4685-be1f-d57550cc96cc">InProgress</ApprovalStatus>
+    <MarketSpecific xmlns="4873beb7-5857-4685-be1f-d57550cc96cc">false</MarketSpecific>
+    <LocComments xmlns="4873beb7-5857-4685-be1f-d57550cc96cc" xsi:nil="true"/>
+    <LocLastLocAttemptVersionTypeLookup xmlns="4873beb7-5857-4685-be1f-d57550cc96cc" xsi:nil="true"/>
+    <DirectSourceMarket xmlns="4873beb7-5857-4685-be1f-d57550cc96cc" xsi:nil="true"/>
+    <ThumbnailAssetId xmlns="4873beb7-5857-4685-be1f-d57550cc96cc" xsi:nil="true"/>
+    <PrimaryImageGen xmlns="4873beb7-5857-4685-be1f-d57550cc96cc">false</PrimaryImageGen>
+    <LocNewPublishedVersionLookup xmlns="4873beb7-5857-4685-be1f-d57550cc96cc" xsi:nil="true"/>
+    <LegacyData xmlns="4873beb7-5857-4685-be1f-d57550cc96cc" xsi:nil="true"/>
+    <LocRecommendedHandoff xmlns="4873beb7-5857-4685-be1f-d57550cc96cc" xsi:nil="true"/>
+    <BusinessGroup xmlns="4873beb7-5857-4685-be1f-d57550cc96cc" xsi:nil="true"/>
+    <BlockPublish xmlns="4873beb7-5857-4685-be1f-d57550cc96cc">false</BlockPublish>
+    <TPFriendlyName xmlns="4873beb7-5857-4685-be1f-d57550cc96cc" xsi:nil="true"/>
+    <LocOverallPublishStatusLookup xmlns="4873beb7-5857-4685-be1f-d57550cc96cc" xsi:nil="true"/>
+    <NumericId xmlns="4873beb7-5857-4685-be1f-d57550cc96cc" xsi:nil="true"/>
+    <APEditor xmlns="4873beb7-5857-4685-be1f-d57550cc96cc">
+      <UserInfo>
+        <DisplayName/>
+        <AccountId xsi:nil="true"/>
+        <AccountType/>
+      </UserInfo>
+    </APEditor>
+    <SourceTitle xmlns="4873beb7-5857-4685-be1f-d57550cc96cc" xsi:nil="true"/>
+    <OpenTemplate xmlns="4873beb7-5857-4685-be1f-d57550cc96cc">true</OpenTemplate>
+    <LocOverallLocStatusLookup xmlns="4873beb7-5857-4685-be1f-d57550cc96cc" xsi:nil="true"/>
+    <UALocComments xmlns="4873beb7-5857-4685-be1f-d57550cc96cc" xsi:nil="true"/>
+    <ParentAssetId xmlns="4873beb7-5857-4685-be1f-d57550cc96cc" xsi:nil="true"/>
+    <IntlLangReviewDate xmlns="4873beb7-5857-4685-be1f-d57550cc96cc" xsi:nil="true"/>
+    <FeatureTagsTaxHTField0 xmlns="4873beb7-5857-4685-be1f-d57550cc96cc">
+      <Terms xmlns="http://schemas.microsoft.com/office/infopath/2007/PartnerControls"/>
+    </FeatureTagsTaxHTField0>
+    <PublishStatusLookup xmlns="4873beb7-5857-4685-be1f-d57550cc96cc">
+      <Value>1345093</Value>
+    </PublishStatusLookup>
+    <Providers xmlns="4873beb7-5857-4685-be1f-d57550cc96cc" xsi:nil="true"/>
+    <MachineTranslated xmlns="4873beb7-5857-4685-be1f-d57550cc96cc">false</MachineTranslated>
+    <OriginalSourceMarket xmlns="4873beb7-5857-4685-be1f-d57550cc96cc" xsi:nil="true"/>
+    <APDescription xmlns="4873beb7-5857-4685-be1f-d57550cc96cc">This simple template design works for technology and  businesses, but it's versatile enough to use in other contexts.  It features multiple slide layouts designed for widescreen (16x9 resolution) and includes a sample SmartArt list and chart that are easily editable.</APDescription>
+    <ClipArtFilename xmlns="4873beb7-5857-4685-be1f-d57550cc96cc" xsi:nil="true"/>
+    <ContentItem xmlns="4873beb7-5857-4685-be1f-d57550cc96cc" xsi:nil="true"/>
+    <TPInstallLocation xmlns="4873beb7-5857-4685-be1f-d57550cc96cc" xsi:nil="true"/>
+    <PublishTargets xmlns="4873beb7-5857-4685-be1f-d57550cc96cc">OfficeOnlineVNext</PublishTargets>
+    <TimesCloned xmlns="4873beb7-5857-4685-be1f-d57550cc96cc" xsi:nil="true"/>
+    <AssetStart xmlns="4873beb7-5857-4685-be1f-d57550cc96cc">2011-11-26T00:30:00+00:00</AssetStart>
+    <Provider xmlns="4873beb7-5857-4685-be1f-d57550cc96cc" xsi:nil="true"/>
+    <AcquiredFrom xmlns="4873beb7-5857-4685-be1f-d57550cc96cc">Internal MS</AcquiredFrom>
+    <FriendlyTitle xmlns="4873beb7-5857-4685-be1f-d57550cc96cc" xsi:nil="true"/>
+    <LastHandOff xmlns="4873beb7-5857-4685-be1f-d57550cc96cc" xsi:nil="true"/>
+    <TPClientViewer xmlns="4873beb7-5857-4685-be1f-d57550cc96cc" xsi:nil="true"/>
+    <TemplateStatus xmlns="4873beb7-5857-4685-be1f-d57550cc96cc">Complete</TemplateStatus>
+    <Downloads xmlns="4873beb7-5857-4685-be1f-d57550cc96cc">0</Downloads>
+    <OOCacheId xmlns="4873beb7-5857-4685-be1f-d57550cc96cc" xsi:nil="true"/>
+    <IsDeleted xmlns="4873beb7-5857-4685-be1f-d57550cc96cc">false</IsDeleted>
+    <LocPublishedDependentAssetsLookup xmlns="4873beb7-5857-4685-be1f-d57550cc96cc" xsi:nil="true"/>
+    <TPExecutable xmlns="4873beb7-5857-4685-be1f-d57550cc96cc" xsi:nil="true"/>
+    <EditorialTags xmlns="4873beb7-5857-4685-be1f-d57550cc96cc" xsi:nil="true"/>
+    <SubmitterId xmlns="4873beb7-5857-4685-be1f-d57550cc96cc" xsi:nil="true"/>
+    <ApprovalLog xmlns="4873beb7-5857-4685-be1f-d57550cc96cc" xsi:nil="true"/>
+    <AssetType xmlns="4873beb7-5857-4685-be1f-d57550cc96cc">TP</AssetType>
+    <BugNumber xmlns="4873beb7-5857-4685-be1f-d57550cc96cc" xsi:nil="true"/>
+    <CSXSubmissionDate xmlns="4873beb7-5857-4685-be1f-d57550cc96cc" xsi:nil="true"/>
+    <CSXUpdate xmlns="4873beb7-5857-4685-be1f-d57550cc96cc">false</CSXUpdate>
+    <Milestone xmlns="4873beb7-5857-4685-be1f-d57550cc96cc" xsi:nil="true"/>
+    <RecommendationsModifier xmlns="4873beb7-5857-4685-be1f-d57550cc96cc" xsi:nil="true"/>
+    <OriginAsset xmlns="4873beb7-5857-4685-be1f-d57550cc96cc" xsi:nil="true"/>
+    <TPComponent xmlns="4873beb7-5857-4685-be1f-d57550cc96cc" xsi:nil="true"/>
+    <AssetId xmlns="4873beb7-5857-4685-be1f-d57550cc96cc">TP102787989</AssetId>
+    <IntlLocPriority xmlns="4873beb7-5857-4685-be1f-d57550cc96cc" xsi:nil="true"/>
+    <PolicheckWords xmlns="4873beb7-5857-4685-be1f-d57550cc96cc" xsi:nil="true"/>
+    <TPLaunchHelpLink xmlns="4873beb7-5857-4685-be1f-d57550cc96cc" xsi:nil="true"/>
+    <TPApplication xmlns="4873beb7-5857-4685-be1f-d57550cc96cc" xsi:nil="true"/>
+    <CrawlForDependencies xmlns="4873beb7-5857-4685-be1f-d57550cc96cc">false</CrawlForDependencies>
+    <HandoffToMSDN xmlns="4873beb7-5857-4685-be1f-d57550cc96cc" xsi:nil="true"/>
+    <PlannedPubDate xmlns="4873beb7-5857-4685-be1f-d57550cc96cc" xsi:nil="true"/>
+    <IntlLangReviewer xmlns="4873beb7-5857-4685-be1f-d57550cc96cc" xsi:nil="true"/>
+    <TrustLevel xmlns="4873beb7-5857-4685-be1f-d57550cc96cc">1 Microsoft Managed Content</TrustLevel>
+    <LocLastLocAttemptVersionLookup xmlns="4873beb7-5857-4685-be1f-d57550cc96cc">694266</LocLastLocAttemptVersionLookup>
+    <LocProcessedForHandoffsLookup xmlns="4873beb7-5857-4685-be1f-d57550cc96cc" xsi:nil="true"/>
+    <IsSearchable xmlns="4873beb7-5857-4685-be1f-d57550cc96cc">true</IsSearchable>
+    <TemplateTemplateType xmlns="4873beb7-5857-4685-be1f-d57550cc96cc">PowerPoint Presentation Template</TemplateTemplateType>
+    <CampaignTagsTaxHTField0 xmlns="4873beb7-5857-4685-be1f-d57550cc96cc">
+      <Terms xmlns="http://schemas.microsoft.com/office/infopath/2007/PartnerControls"/>
+    </CampaignTagsTaxHTField0>
+    <TPNamespace xmlns="4873beb7-5857-4685-be1f-d57550cc96cc" xsi:nil="true"/>
+    <LocOverallPreviewStatusLookup xmlns="4873beb7-5857-4685-be1f-d57550cc96cc" xsi:nil="true"/>
+    <TaxCatchAll xmlns="4873beb7-5857-4685-be1f-d57550cc96cc"/>
+    <Markets xmlns="4873beb7-5857-4685-be1f-d57550cc96cc"/>
+    <UAProjectedTotalWords xmlns="4873beb7-5857-4685-be1f-d57550cc96cc" xsi:nil="true"/>
+    <IntlLangReview xmlns="4873beb7-5857-4685-be1f-d57550cc96cc" xsi:nil="true"/>
+    <OutputCachingOn xmlns="4873beb7-5857-4685-be1f-d57550cc96cc">false</OutputCachingOn>
+    <AverageRating xmlns="4873beb7-5857-4685-be1f-d57550cc96cc" xsi:nil="true"/>
+    <APAuthor xmlns="4873beb7-5857-4685-be1f-d57550cc96cc">
+      <UserInfo>
+        <DisplayName>REDMOND\kristaa</DisplayName>
+        <AccountId>136</AccountId>
+        <AccountType/>
+      </UserInfo>
+    </APAuthor>
+    <LocManualTestRequired xmlns="4873beb7-5857-4685-be1f-d57550cc96cc">false</LocManualTestRequired>
+    <TPCommandLine xmlns="4873beb7-5857-4685-be1f-d57550cc96cc" xsi:nil="true"/>
+    <TPAppVersion xmlns="4873beb7-5857-4685-be1f-d57550cc96cc" xsi:nil="true"/>
+    <EditorialStatus xmlns="4873beb7-5857-4685-be1f-d57550cc96cc">Complete</EditorialStatus>
+    <LastModifiedDateTime xmlns="4873beb7-5857-4685-be1f-d57550cc96cc" xsi:nil="true"/>
+    <ScenarioTagsTaxHTField0 xmlns="4873beb7-5857-4685-be1f-d57550cc96cc">
+      <Terms xmlns="http://schemas.microsoft.com/office/infopath/2007/PartnerControls"/>
+    </ScenarioTagsTaxHTField0>
+    <LocProcessedForMarketsLookup xmlns="4873beb7-5857-4685-be1f-d57550cc96cc" xsi:nil="true"/>
+    <TPLaunchHelpLinkType xmlns="4873beb7-5857-4685-be1f-d57550cc96cc">Template</TPLaunchHelpLinkType>
+    <OriginalRelease xmlns="4873beb7-5857-4685-be1f-d57550cc96cc">15</OriginalRelease>
+    <LocalizationTagsTaxHTField0 xmlns="4873beb7-5857-4685-be1f-d57550cc96cc">
+      <Terms xmlns="http://schemas.microsoft.com/office/infopath/2007/PartnerControls"/>
+    </LocalizationTagsTaxHTField0>
+    <UACurrentWords xmlns="4873beb7-5857-4685-be1f-d57550cc96cc" xsi:nil="true"/>
+    <ArtSampleDocs xmlns="4873beb7-5857-4685-be1f-d57550cc96cc" xsi:nil="true"/>
+    <UALocRecommendation xmlns="4873beb7-5857-4685-be1f-d57550cc96cc">Localize</UALocRecommendation>
+    <Manager xmlns="4873beb7-5857-4685-be1f-d57550cc96cc" xsi:nil="true"/>
+    <LocOverallHandbackStatusLookup xmlns="4873beb7-5857-4685-be1f-d57550cc96cc" xsi:nil="true"/>
+    <ShowIn xmlns="4873beb7-5857-4685-be1f-d57550cc96cc">Show everywhere</ShowIn>
+    <UANotes xmlns="4873beb7-5857-4685-be1f-d57550cc96cc" xsi:nil="true"/>
+    <InternalTagsTaxHTField0 xmlns="4873beb7-5857-4685-be1f-d57550cc96cc">
+      <Terms xmlns="http://schemas.microsoft.com/office/infopath/2007/PartnerControls"/>
+    </InternalTagsTaxHTField0>
+    <CSXHash xmlns="4873beb7-5857-4685-be1f-d57550cc96cc" xsi:nil="true"/>
+    <VoteCount xmlns="4873beb7-5857-4685-be1f-d57550cc96cc" xsi:nil="true"/>
+    <AssetExpire xmlns="4873beb7-5857-4685-be1f-d57550cc96cc">2029-05-12T07:00:00+00:00</AssetExpire>
+    <DSATActionTaken xmlns="4873beb7-5857-4685-be1f-d57550cc96cc" xsi:nil="true"/>
+    <CSXSubmissionMarket xmlns="4873beb7-5857-4685-be1f-d57550cc96cc" xsi:nil="true"/>
+    <LocMarketGroupTiers2 xmlns="4873beb7-5857-4685-be1f-d57550cc96cc" xsi:nil="true"/>
+  </documentManagement>
+</p:properties>
+</file>
+
+<file path=customXml/item2.xml><?xml version="1.0" encoding="utf-8"?>
+<?mso-contentType ?>
+<FormTemplates xmlns="http://schemas.microsoft.com/sharepoint/v3/contenttype/forms">
+  <Display>DocumentLibraryForm</Display>
+  <Edit>AssetEditForm</Edit>
+  <New>DocumentLibraryForm</New>
+</FormTemplates>
+</file>
+
+<file path=customXml/item3.xml><?xml version="1.0" encoding="utf-8"?>
 <ct:contentTypeSchema xmlns:ct="http://schemas.microsoft.com/office/2006/metadata/contentType" xmlns:ma="http://schemas.microsoft.com/office/2006/metadata/properties/metaAttributes" ct:_="" ma:_="" ma:contentTypeName="TemplateFile" ma:contentTypeID="0x0101006EDDDB5EE6D98C44930B742096920B300400F5B6D36B3EF94B4E9A635CDF2A18F5B8" ma:contentTypeVersion="72" ma:contentTypeDescription="Create a new document." ma:contentTypeScope="" ma:versionID="a23e56308344d904b51738559c3d67c9">
   <xsd:schema xmlns:xsd="http://www.w3.org/2001/XMLSchema" xmlns:xs="http://www.w3.org/2001/XMLSchema" xmlns:p="http://schemas.microsoft.com/office/2006/metadata/properties" xmlns:ns2="4873beb7-5857-4685-be1f-d57550cc96cc" targetNamespace="http://schemas.microsoft.com/office/2006/metadata/properties" ma:root="true" ma:fieldsID="cd0908cc4600e77bf5da051303e00c8d" ns2:_="">
     <xsd:import namespace="4873beb7-5857-4685-be1f-d57550cc96cc"/>
@@ -8987,152 +10666,31 @@
 </ct:contentTypeSchema>
 </file>
 
-<file path=customXml/item2.xml><?xml version="1.0" encoding="utf-8"?>
-<?mso-contentType ?>
-<FormTemplates xmlns="http://schemas.microsoft.com/sharepoint/v3/contenttype/forms">
-  <Display>DocumentLibraryForm</Display>
-  <Edit>AssetEditForm</Edit>
-  <New>DocumentLibraryForm</New>
-</FormTemplates>
+<file path=customXml/itemProps1.xml><?xml version="1.0" encoding="utf-8"?>
+<ds:datastoreItem xmlns:ds="http://schemas.openxmlformats.org/officeDocument/2006/customXml" ds:itemID="{60C67BEE-D13F-4BD2-98A5-34D8A0977F68}">
+  <ds:schemaRefs>
+    <ds:schemaRef ds:uri="4873beb7-5857-4685-be1f-d57550cc96cc"/>
+    <ds:schemaRef ds:uri="http://schemas.openxmlformats.org/package/2006/metadata/core-properties"/>
+    <ds:schemaRef ds:uri="http://purl.org/dc/terms/"/>
+    <ds:schemaRef ds:uri="http://schemas.microsoft.com/office/2006/documentManagement/types"/>
+    <ds:schemaRef ds:uri="http://purl.org/dc/elements/1.1/"/>
+    <ds:schemaRef ds:uri="http://schemas.microsoft.com/office/2006/metadata/properties"/>
+    <ds:schemaRef ds:uri="http://schemas.microsoft.com/office/infopath/2007/PartnerControls"/>
+    <ds:schemaRef ds:uri="http://www.w3.org/XML/1998/namespace"/>
+    <ds:schemaRef ds:uri="http://purl.org/dc/dcmitype/"/>
+  </ds:schemaRefs>
+</ds:datastoreItem>
 </file>
 
-<file path=customXml/item3.xml><?xml version="1.0" encoding="utf-8"?>
-<p:properties xmlns:p="http://schemas.microsoft.com/office/2006/metadata/properties" xmlns:xsi="http://www.w3.org/2001/XMLSchema-instance" xmlns:pc="http://schemas.microsoft.com/office/infopath/2007/PartnerControls">
-  <documentManagement>
-    <LocPublishedLinkedAssetsLookup xmlns="4873beb7-5857-4685-be1f-d57550cc96cc" xsi:nil="true"/>
-    <ApprovalStatus xmlns="4873beb7-5857-4685-be1f-d57550cc96cc">InProgress</ApprovalStatus>
-    <MarketSpecific xmlns="4873beb7-5857-4685-be1f-d57550cc96cc">false</MarketSpecific>
-    <LocComments xmlns="4873beb7-5857-4685-be1f-d57550cc96cc" xsi:nil="true"/>
-    <LocLastLocAttemptVersionTypeLookup xmlns="4873beb7-5857-4685-be1f-d57550cc96cc" xsi:nil="true"/>
-    <DirectSourceMarket xmlns="4873beb7-5857-4685-be1f-d57550cc96cc" xsi:nil="true"/>
-    <ThumbnailAssetId xmlns="4873beb7-5857-4685-be1f-d57550cc96cc" xsi:nil="true"/>
-    <PrimaryImageGen xmlns="4873beb7-5857-4685-be1f-d57550cc96cc">false</PrimaryImageGen>
-    <LocNewPublishedVersionLookup xmlns="4873beb7-5857-4685-be1f-d57550cc96cc" xsi:nil="true"/>
-    <LegacyData xmlns="4873beb7-5857-4685-be1f-d57550cc96cc" xsi:nil="true"/>
-    <LocRecommendedHandoff xmlns="4873beb7-5857-4685-be1f-d57550cc96cc" xsi:nil="true"/>
-    <BusinessGroup xmlns="4873beb7-5857-4685-be1f-d57550cc96cc" xsi:nil="true"/>
-    <BlockPublish xmlns="4873beb7-5857-4685-be1f-d57550cc96cc">false</BlockPublish>
-    <TPFriendlyName xmlns="4873beb7-5857-4685-be1f-d57550cc96cc" xsi:nil="true"/>
-    <LocOverallPublishStatusLookup xmlns="4873beb7-5857-4685-be1f-d57550cc96cc" xsi:nil="true"/>
-    <NumericId xmlns="4873beb7-5857-4685-be1f-d57550cc96cc" xsi:nil="true"/>
-    <APEditor xmlns="4873beb7-5857-4685-be1f-d57550cc96cc">
-      <UserInfo>
-        <DisplayName/>
-        <AccountId xsi:nil="true"/>
-        <AccountType/>
-      </UserInfo>
-    </APEditor>
-    <SourceTitle xmlns="4873beb7-5857-4685-be1f-d57550cc96cc" xsi:nil="true"/>
-    <OpenTemplate xmlns="4873beb7-5857-4685-be1f-d57550cc96cc">true</OpenTemplate>
-    <LocOverallLocStatusLookup xmlns="4873beb7-5857-4685-be1f-d57550cc96cc" xsi:nil="true"/>
-    <UALocComments xmlns="4873beb7-5857-4685-be1f-d57550cc96cc" xsi:nil="true"/>
-    <ParentAssetId xmlns="4873beb7-5857-4685-be1f-d57550cc96cc" xsi:nil="true"/>
-    <IntlLangReviewDate xmlns="4873beb7-5857-4685-be1f-d57550cc96cc" xsi:nil="true"/>
-    <FeatureTagsTaxHTField0 xmlns="4873beb7-5857-4685-be1f-d57550cc96cc">
-      <Terms xmlns="http://schemas.microsoft.com/office/infopath/2007/PartnerControls"/>
-    </FeatureTagsTaxHTField0>
-    <PublishStatusLookup xmlns="4873beb7-5857-4685-be1f-d57550cc96cc">
-      <Value>1345093</Value>
-    </PublishStatusLookup>
-    <Providers xmlns="4873beb7-5857-4685-be1f-d57550cc96cc" xsi:nil="true"/>
-    <MachineTranslated xmlns="4873beb7-5857-4685-be1f-d57550cc96cc">false</MachineTranslated>
-    <OriginalSourceMarket xmlns="4873beb7-5857-4685-be1f-d57550cc96cc" xsi:nil="true"/>
-    <APDescription xmlns="4873beb7-5857-4685-be1f-d57550cc96cc">This simple template design works for technology and  businesses, but it's versatile enough to use in other contexts.  It features multiple slide layouts designed for widescreen (16x9 resolution) and includes a sample SmartArt list and chart that are easily editable.</APDescription>
-    <ClipArtFilename xmlns="4873beb7-5857-4685-be1f-d57550cc96cc" xsi:nil="true"/>
-    <ContentItem xmlns="4873beb7-5857-4685-be1f-d57550cc96cc" xsi:nil="true"/>
-    <TPInstallLocation xmlns="4873beb7-5857-4685-be1f-d57550cc96cc" xsi:nil="true"/>
-    <PublishTargets xmlns="4873beb7-5857-4685-be1f-d57550cc96cc">OfficeOnlineVNext</PublishTargets>
-    <TimesCloned xmlns="4873beb7-5857-4685-be1f-d57550cc96cc" xsi:nil="true"/>
-    <AssetStart xmlns="4873beb7-5857-4685-be1f-d57550cc96cc">2011-11-26T00:30:00+00:00</AssetStart>
-    <Provider xmlns="4873beb7-5857-4685-be1f-d57550cc96cc" xsi:nil="true"/>
-    <AcquiredFrom xmlns="4873beb7-5857-4685-be1f-d57550cc96cc">Internal MS</AcquiredFrom>
-    <FriendlyTitle xmlns="4873beb7-5857-4685-be1f-d57550cc96cc" xsi:nil="true"/>
-    <LastHandOff xmlns="4873beb7-5857-4685-be1f-d57550cc96cc" xsi:nil="true"/>
-    <TPClientViewer xmlns="4873beb7-5857-4685-be1f-d57550cc96cc" xsi:nil="true"/>
-    <TemplateStatus xmlns="4873beb7-5857-4685-be1f-d57550cc96cc">Complete</TemplateStatus>
-    <Downloads xmlns="4873beb7-5857-4685-be1f-d57550cc96cc">0</Downloads>
-    <OOCacheId xmlns="4873beb7-5857-4685-be1f-d57550cc96cc" xsi:nil="true"/>
-    <IsDeleted xmlns="4873beb7-5857-4685-be1f-d57550cc96cc">false</IsDeleted>
-    <LocPublishedDependentAssetsLookup xmlns="4873beb7-5857-4685-be1f-d57550cc96cc" xsi:nil="true"/>
-    <TPExecutable xmlns="4873beb7-5857-4685-be1f-d57550cc96cc" xsi:nil="true"/>
-    <EditorialTags xmlns="4873beb7-5857-4685-be1f-d57550cc96cc" xsi:nil="true"/>
-    <SubmitterId xmlns="4873beb7-5857-4685-be1f-d57550cc96cc" xsi:nil="true"/>
-    <ApprovalLog xmlns="4873beb7-5857-4685-be1f-d57550cc96cc" xsi:nil="true"/>
-    <AssetType xmlns="4873beb7-5857-4685-be1f-d57550cc96cc">TP</AssetType>
-    <BugNumber xmlns="4873beb7-5857-4685-be1f-d57550cc96cc" xsi:nil="true"/>
-    <CSXSubmissionDate xmlns="4873beb7-5857-4685-be1f-d57550cc96cc" xsi:nil="true"/>
-    <CSXUpdate xmlns="4873beb7-5857-4685-be1f-d57550cc96cc">false</CSXUpdate>
-    <Milestone xmlns="4873beb7-5857-4685-be1f-d57550cc96cc" xsi:nil="true"/>
-    <RecommendationsModifier xmlns="4873beb7-5857-4685-be1f-d57550cc96cc" xsi:nil="true"/>
-    <OriginAsset xmlns="4873beb7-5857-4685-be1f-d57550cc96cc" xsi:nil="true"/>
-    <TPComponent xmlns="4873beb7-5857-4685-be1f-d57550cc96cc" xsi:nil="true"/>
-    <AssetId xmlns="4873beb7-5857-4685-be1f-d57550cc96cc">TP102787989</AssetId>
-    <IntlLocPriority xmlns="4873beb7-5857-4685-be1f-d57550cc96cc" xsi:nil="true"/>
-    <PolicheckWords xmlns="4873beb7-5857-4685-be1f-d57550cc96cc" xsi:nil="true"/>
-    <TPLaunchHelpLink xmlns="4873beb7-5857-4685-be1f-d57550cc96cc" xsi:nil="true"/>
-    <TPApplication xmlns="4873beb7-5857-4685-be1f-d57550cc96cc" xsi:nil="true"/>
-    <CrawlForDependencies xmlns="4873beb7-5857-4685-be1f-d57550cc96cc">false</CrawlForDependencies>
-    <HandoffToMSDN xmlns="4873beb7-5857-4685-be1f-d57550cc96cc" xsi:nil="true"/>
-    <PlannedPubDate xmlns="4873beb7-5857-4685-be1f-d57550cc96cc" xsi:nil="true"/>
-    <IntlLangReviewer xmlns="4873beb7-5857-4685-be1f-d57550cc96cc" xsi:nil="true"/>
-    <TrustLevel xmlns="4873beb7-5857-4685-be1f-d57550cc96cc">1 Microsoft Managed Content</TrustLevel>
-    <LocLastLocAttemptVersionLookup xmlns="4873beb7-5857-4685-be1f-d57550cc96cc">694266</LocLastLocAttemptVersionLookup>
-    <LocProcessedForHandoffsLookup xmlns="4873beb7-5857-4685-be1f-d57550cc96cc" xsi:nil="true"/>
-    <IsSearchable xmlns="4873beb7-5857-4685-be1f-d57550cc96cc">true</IsSearchable>
-    <TemplateTemplateType xmlns="4873beb7-5857-4685-be1f-d57550cc96cc">PowerPoint Presentation Template</TemplateTemplateType>
-    <CampaignTagsTaxHTField0 xmlns="4873beb7-5857-4685-be1f-d57550cc96cc">
-      <Terms xmlns="http://schemas.microsoft.com/office/infopath/2007/PartnerControls"/>
-    </CampaignTagsTaxHTField0>
-    <TPNamespace xmlns="4873beb7-5857-4685-be1f-d57550cc96cc" xsi:nil="true"/>
-    <LocOverallPreviewStatusLookup xmlns="4873beb7-5857-4685-be1f-d57550cc96cc" xsi:nil="true"/>
-    <TaxCatchAll xmlns="4873beb7-5857-4685-be1f-d57550cc96cc"/>
-    <Markets xmlns="4873beb7-5857-4685-be1f-d57550cc96cc"/>
-    <UAProjectedTotalWords xmlns="4873beb7-5857-4685-be1f-d57550cc96cc" xsi:nil="true"/>
-    <IntlLangReview xmlns="4873beb7-5857-4685-be1f-d57550cc96cc" xsi:nil="true"/>
-    <OutputCachingOn xmlns="4873beb7-5857-4685-be1f-d57550cc96cc">false</OutputCachingOn>
-    <AverageRating xmlns="4873beb7-5857-4685-be1f-d57550cc96cc" xsi:nil="true"/>
-    <APAuthor xmlns="4873beb7-5857-4685-be1f-d57550cc96cc">
-      <UserInfo>
-        <DisplayName>REDMOND\kristaa</DisplayName>
-        <AccountId>136</AccountId>
-        <AccountType/>
-      </UserInfo>
-    </APAuthor>
-    <LocManualTestRequired xmlns="4873beb7-5857-4685-be1f-d57550cc96cc">false</LocManualTestRequired>
-    <TPCommandLine xmlns="4873beb7-5857-4685-be1f-d57550cc96cc" xsi:nil="true"/>
-    <TPAppVersion xmlns="4873beb7-5857-4685-be1f-d57550cc96cc" xsi:nil="true"/>
-    <EditorialStatus xmlns="4873beb7-5857-4685-be1f-d57550cc96cc">Complete</EditorialStatus>
-    <LastModifiedDateTime xmlns="4873beb7-5857-4685-be1f-d57550cc96cc" xsi:nil="true"/>
-    <ScenarioTagsTaxHTField0 xmlns="4873beb7-5857-4685-be1f-d57550cc96cc">
-      <Terms xmlns="http://schemas.microsoft.com/office/infopath/2007/PartnerControls"/>
-    </ScenarioTagsTaxHTField0>
-    <LocProcessedForMarketsLookup xmlns="4873beb7-5857-4685-be1f-d57550cc96cc" xsi:nil="true"/>
-    <TPLaunchHelpLinkType xmlns="4873beb7-5857-4685-be1f-d57550cc96cc">Template</TPLaunchHelpLinkType>
-    <OriginalRelease xmlns="4873beb7-5857-4685-be1f-d57550cc96cc">15</OriginalRelease>
-    <LocalizationTagsTaxHTField0 xmlns="4873beb7-5857-4685-be1f-d57550cc96cc">
-      <Terms xmlns="http://schemas.microsoft.com/office/infopath/2007/PartnerControls"/>
-    </LocalizationTagsTaxHTField0>
-    <UACurrentWords xmlns="4873beb7-5857-4685-be1f-d57550cc96cc" xsi:nil="true"/>
-    <ArtSampleDocs xmlns="4873beb7-5857-4685-be1f-d57550cc96cc" xsi:nil="true"/>
-    <UALocRecommendation xmlns="4873beb7-5857-4685-be1f-d57550cc96cc">Localize</UALocRecommendation>
-    <Manager xmlns="4873beb7-5857-4685-be1f-d57550cc96cc" xsi:nil="true"/>
-    <LocOverallHandbackStatusLookup xmlns="4873beb7-5857-4685-be1f-d57550cc96cc" xsi:nil="true"/>
-    <ShowIn xmlns="4873beb7-5857-4685-be1f-d57550cc96cc">Show everywhere</ShowIn>
-    <UANotes xmlns="4873beb7-5857-4685-be1f-d57550cc96cc" xsi:nil="true"/>
-    <InternalTagsTaxHTField0 xmlns="4873beb7-5857-4685-be1f-d57550cc96cc">
-      <Terms xmlns="http://schemas.microsoft.com/office/infopath/2007/PartnerControls"/>
-    </InternalTagsTaxHTField0>
-    <CSXHash xmlns="4873beb7-5857-4685-be1f-d57550cc96cc" xsi:nil="true"/>
-    <VoteCount xmlns="4873beb7-5857-4685-be1f-d57550cc96cc" xsi:nil="true"/>
-    <AssetExpire xmlns="4873beb7-5857-4685-be1f-d57550cc96cc">2029-05-12T07:00:00+00:00</AssetExpire>
-    <DSATActionTaken xmlns="4873beb7-5857-4685-be1f-d57550cc96cc" xsi:nil="true"/>
-    <CSXSubmissionMarket xmlns="4873beb7-5857-4685-be1f-d57550cc96cc" xsi:nil="true"/>
-    <LocMarketGroupTiers2 xmlns="4873beb7-5857-4685-be1f-d57550cc96cc" xsi:nil="true"/>
-  </documentManagement>
-</p:properties>
+<file path=customXml/itemProps2.xml><?xml version="1.0" encoding="utf-8"?>
+<ds:datastoreItem xmlns:ds="http://schemas.openxmlformats.org/officeDocument/2006/customXml" ds:itemID="{3836F65B-1B07-41EE-A0E8-BC6EF3855225}">
+  <ds:schemaRefs>
+    <ds:schemaRef ds:uri="http://schemas.microsoft.com/sharepoint/v3/contenttype/forms"/>
+  </ds:schemaRefs>
+</ds:datastoreItem>
 </file>
 
-<file path=customXml/itemProps1.xml><?xml version="1.0" encoding="utf-8"?>
+<file path=customXml/itemProps3.xml><?xml version="1.0" encoding="utf-8"?>
 <ds:datastoreItem xmlns:ds="http://schemas.openxmlformats.org/officeDocument/2006/customXml" ds:itemID="{A09BF4D4-EF60-4196-BFC3-9462D607978C}">
   <ds:schemaRefs>
     <ds:schemaRef ds:uri="http://schemas.microsoft.com/office/2006/metadata/contentType"/>
@@ -9148,28 +10706,4 @@
     <ds:schemaRef ds:uri="http://schemas.microsoft.com/internal/obd"/>
   </ds:schemaRefs>
 </ds:datastoreItem>
-</file>
-
-<file path=customXml/itemProps2.xml><?xml version="1.0" encoding="utf-8"?>
-<ds:datastoreItem xmlns:ds="http://schemas.openxmlformats.org/officeDocument/2006/customXml" ds:itemID="{3836F65B-1B07-41EE-A0E8-BC6EF3855225}">
-  <ds:schemaRefs>
-    <ds:schemaRef ds:uri="http://schemas.microsoft.com/sharepoint/v3/contenttype/forms"/>
-  </ds:schemaRefs>
-</ds:datastoreItem>
-</file>
-
-<file path=customXml/itemProps3.xml><?xml version="1.0" encoding="utf-8"?>
-<ds:datastoreItem xmlns:ds="http://schemas.openxmlformats.org/officeDocument/2006/customXml" ds:itemID="{60C67BEE-D13F-4BD2-98A5-34D8A0977F68}">
-  <ds:schemaRefs>
-    <ds:schemaRef ds:uri="4873beb7-5857-4685-be1f-d57550cc96cc"/>
-    <ds:schemaRef ds:uri="http://schemas.openxmlformats.org/package/2006/metadata/core-properties"/>
-    <ds:schemaRef ds:uri="http://purl.org/dc/terms/"/>
-    <ds:schemaRef ds:uri="http://schemas.microsoft.com/office/2006/documentManagement/types"/>
-    <ds:schemaRef ds:uri="http://purl.org/dc/elements/1.1/"/>
-    <ds:schemaRef ds:uri="http://schemas.microsoft.com/office/2006/metadata/properties"/>
-    <ds:schemaRef ds:uri="http://schemas.microsoft.com/office/infopath/2007/PartnerControls"/>
-    <ds:schemaRef ds:uri="http://www.w3.org/XML/1998/namespace"/>
-    <ds:schemaRef ds:uri="http://purl.org/dc/dcmitype/"/>
-  </ds:schemaRefs>
-</ds:datastoreItem>
 </file>
--- a/App POC/Documentacion/TestingLibrary-Presentacion.pptx
+++ b/App POC/Documentacion/TestingLibrary-Presentacion.pptx
@@ -5,24 +5,34 @@
     <p:sldMasterId id="2147483660" r:id="rId4"/>
   </p:sldMasterIdLst>
   <p:notesMasterIdLst>
-    <p:notesMasterId r:id="rId17"/>
+    <p:notesMasterId r:id="rId27"/>
   </p:notesMasterIdLst>
   <p:handoutMasterIdLst>
-    <p:handoutMasterId r:id="rId18"/>
+    <p:handoutMasterId r:id="rId28"/>
   </p:handoutMasterIdLst>
   <p:sldIdLst>
     <p:sldId id="257" r:id="rId5"/>
     <p:sldId id="268" r:id="rId6"/>
-    <p:sldId id="275" r:id="rId7"/>
-    <p:sldId id="273" r:id="rId8"/>
-    <p:sldId id="274" r:id="rId9"/>
-    <p:sldId id="261" r:id="rId10"/>
-    <p:sldId id="262" r:id="rId11"/>
-    <p:sldId id="263" r:id="rId12"/>
-    <p:sldId id="269" r:id="rId13"/>
-    <p:sldId id="270" r:id="rId14"/>
-    <p:sldId id="271" r:id="rId15"/>
-    <p:sldId id="272" r:id="rId16"/>
+    <p:sldId id="287" r:id="rId7"/>
+    <p:sldId id="288" r:id="rId8"/>
+    <p:sldId id="279" r:id="rId9"/>
+    <p:sldId id="290" r:id="rId10"/>
+    <p:sldId id="291" r:id="rId11"/>
+    <p:sldId id="292" r:id="rId12"/>
+    <p:sldId id="293" r:id="rId13"/>
+    <p:sldId id="294" r:id="rId14"/>
+    <p:sldId id="273" r:id="rId15"/>
+    <p:sldId id="280" r:id="rId16"/>
+    <p:sldId id="281" r:id="rId17"/>
+    <p:sldId id="286" r:id="rId18"/>
+    <p:sldId id="282" r:id="rId19"/>
+    <p:sldId id="283" r:id="rId20"/>
+    <p:sldId id="261" r:id="rId21"/>
+    <p:sldId id="263" r:id="rId22"/>
+    <p:sldId id="269" r:id="rId23"/>
+    <p:sldId id="271" r:id="rId24"/>
+    <p:sldId id="296" r:id="rId25"/>
+    <p:sldId id="284" r:id="rId26"/>
   </p:sldIdLst>
   <p:sldSz cx="12188825" cy="6858000"/>
   <p:notesSz cx="6858000" cy="9144000"/>
@@ -807,6 +817,29 @@
           <a:bodyPr/>
           <a:lstStyle/>
           <a:p>
+            <a:pPr marL="0" marR="0" lvl="0" indent="0" algn="l" defTabSz="1218987" rtl="0" eaLnBrk="1" fontAlgn="auto" latinLnBrk="0" hangingPunct="1">
+              <a:lnSpc>
+                <a:spcPct val="100000"/>
+              </a:lnSpc>
+              <a:spcBef>
+                <a:spcPts val="0"/>
+              </a:spcBef>
+              <a:spcAft>
+                <a:spcPts val="0"/>
+              </a:spcAft>
+              <a:buClrTx/>
+              <a:buSzTx/>
+              <a:buFontTx/>
+              <a:buNone/>
+              <a:tabLst/>
+              <a:defRPr/>
+            </a:pPr>
+            <a:r>
+              <a:rPr lang="es-ES" sz="1600" dirty="0"/>
+              <a:t>La librería nos indica con el mensaje que el formulario no cumple que el botón este deshabilitado cuando el input este vacío. Esto genera que el usuario pueda enviar un campo vacío.</a:t>
+            </a:r>
+          </a:p>
+          <a:p>
             <a:endParaRPr lang="es-ES" dirty="0"/>
           </a:p>
         </p:txBody>
@@ -829,7 +862,7 @@
             <a:fld id="{3EBA5BD7-F043-4D1B-AA17-CD412FC534DE}" type="slidenum">
               <a:rPr lang="es-ES" noProof="0" smtClean="0"/>
               <a:pPr/>
-              <a:t>11</a:t>
+              <a:t>17</a:t>
             </a:fld>
             <a:endParaRPr lang="es-ES" noProof="0" dirty="0"/>
           </a:p>
@@ -838,7 +871,7 @@
     </p:spTree>
     <p:extLst>
       <p:ext uri="{BB962C8B-B14F-4D97-AF65-F5344CB8AC3E}">
-        <p14:creationId xmlns:p14="http://schemas.microsoft.com/office/powerpoint/2010/main" val="1510884271"/>
+        <p14:creationId xmlns:p14="http://schemas.microsoft.com/office/powerpoint/2010/main" val="13358915"/>
       </p:ext>
     </p:extLst>
   </p:cSld>
@@ -914,7 +947,7 @@
             <a:fld id="{3EBA5BD7-F043-4D1B-AA17-CD412FC534DE}" type="slidenum">
               <a:rPr lang="es-ES" noProof="0" smtClean="0"/>
               <a:pPr/>
-              <a:t>12</a:t>
+              <a:t>18</a:t>
             </a:fld>
             <a:endParaRPr lang="es-ES" noProof="0" dirty="0"/>
           </a:p>
@@ -923,7 +956,423 @@
     </p:spTree>
     <p:extLst>
       <p:ext uri="{BB962C8B-B14F-4D97-AF65-F5344CB8AC3E}">
-        <p14:creationId xmlns:p14="http://schemas.microsoft.com/office/powerpoint/2010/main" val="1801044928"/>
+        <p14:creationId xmlns:p14="http://schemas.microsoft.com/office/powerpoint/2010/main" val="837636764"/>
+      </p:ext>
+    </p:extLst>
+  </p:cSld>
+  <p:clrMapOvr>
+    <a:masterClrMapping/>
+  </p:clrMapOvr>
+</p:notes>
+</file>
+
+<file path=ppt/notesSlides/notesSlide12.xml><?xml version="1.0" encoding="utf-8"?>
+<p:notes xmlns:a="http://schemas.openxmlformats.org/drawingml/2006/main" xmlns:r="http://schemas.openxmlformats.org/officeDocument/2006/relationships" xmlns:p="http://schemas.openxmlformats.org/presentationml/2006/main">
+  <p:cSld>
+    <p:spTree>
+      <p:nvGrpSpPr>
+        <p:cNvPr id="1" name=""/>
+        <p:cNvGrpSpPr/>
+        <p:nvPr/>
+      </p:nvGrpSpPr>
+      <p:grpSpPr>
+        <a:xfrm>
+          <a:off x="0" y="0"/>
+          <a:ext cx="0" cy="0"/>
+          <a:chOff x="0" y="0"/>
+          <a:chExt cx="0" cy="0"/>
+        </a:xfrm>
+      </p:grpSpPr>
+      <p:sp>
+        <p:nvSpPr>
+          <p:cNvPr id="2" name="Marcador de imagen de diapositiva 1"/>
+          <p:cNvSpPr>
+            <a:spLocks noGrp="1" noRot="1" noChangeAspect="1"/>
+          </p:cNvSpPr>
+          <p:nvPr>
+            <p:ph type="sldImg"/>
+          </p:nvPr>
+        </p:nvSpPr>
+        <p:spPr/>
+      </p:sp>
+      <p:sp>
+        <p:nvSpPr>
+          <p:cNvPr id="3" name="Marcador de notas 2"/>
+          <p:cNvSpPr>
+            <a:spLocks noGrp="1"/>
+          </p:cNvSpPr>
+          <p:nvPr>
+            <p:ph type="body" idx="1"/>
+          </p:nvPr>
+        </p:nvSpPr>
+        <p:spPr/>
+        <p:txBody>
+          <a:bodyPr/>
+          <a:lstStyle/>
+          <a:p>
+            <a:pPr marL="0" marR="0" lvl="0" indent="0" algn="l" defTabSz="1218987" rtl="0" eaLnBrk="1" fontAlgn="auto" latinLnBrk="0" hangingPunct="1">
+              <a:lnSpc>
+                <a:spcPct val="100000"/>
+              </a:lnSpc>
+              <a:spcBef>
+                <a:spcPts val="0"/>
+              </a:spcBef>
+              <a:spcAft>
+                <a:spcPts val="0"/>
+              </a:spcAft>
+              <a:buClrTx/>
+              <a:buSzTx/>
+              <a:buFontTx/>
+              <a:buNone/>
+              <a:tabLst/>
+              <a:defRPr/>
+            </a:pPr>
+            <a:r>
+              <a:rPr lang="es-ES" sz="1600" dirty="0"/>
+              <a:t>Vemos que la prueba “</a:t>
+            </a:r>
+            <a:r>
+              <a:rPr lang="es-ES" sz="1600" dirty="0" err="1"/>
+              <a:t>Button</a:t>
+            </a:r>
+            <a:r>
+              <a:rPr lang="es-ES" sz="1600" dirty="0"/>
+              <a:t> </a:t>
+            </a:r>
+            <a:r>
+              <a:rPr lang="es-ES" sz="1600" dirty="0" err="1"/>
+              <a:t>is</a:t>
+            </a:r>
+            <a:r>
+              <a:rPr lang="es-ES" sz="1600" dirty="0"/>
+              <a:t> </a:t>
+            </a:r>
+            <a:r>
+              <a:rPr lang="es-ES" sz="1600" dirty="0" err="1"/>
+              <a:t>disabled</a:t>
+            </a:r>
+            <a:r>
+              <a:rPr lang="es-ES" sz="1600" dirty="0"/>
+              <a:t> </a:t>
+            </a:r>
+            <a:r>
+              <a:rPr lang="es-ES" sz="1600" dirty="0" err="1"/>
+              <a:t>when</a:t>
+            </a:r>
+            <a:r>
+              <a:rPr lang="es-ES" sz="1600" dirty="0"/>
+              <a:t> input </a:t>
+            </a:r>
+            <a:r>
+              <a:rPr lang="es-ES" sz="1600" dirty="0" err="1"/>
+              <a:t>is</a:t>
+            </a:r>
+            <a:r>
+              <a:rPr lang="es-ES" sz="1600" dirty="0"/>
+              <a:t> </a:t>
+            </a:r>
+            <a:r>
+              <a:rPr lang="es-ES" sz="1600" dirty="0" err="1"/>
+              <a:t>empty</a:t>
+            </a:r>
+            <a:r>
+              <a:rPr lang="es-ES" sz="1600" dirty="0"/>
+              <a:t>” pasó correctamente y ya no devuelve un error, por lo tanto, el test suite y sus 10 pruebas pasan el test. </a:t>
+            </a:r>
+          </a:p>
+          <a:p>
+            <a:endParaRPr lang="es-ES" dirty="0"/>
+          </a:p>
+        </p:txBody>
+      </p:sp>
+      <p:sp>
+        <p:nvSpPr>
+          <p:cNvPr id="4" name="Marcador de número de diapositiva 3"/>
+          <p:cNvSpPr>
+            <a:spLocks noGrp="1"/>
+          </p:cNvSpPr>
+          <p:nvPr>
+            <p:ph type="sldNum" sz="quarter" idx="10"/>
+          </p:nvPr>
+        </p:nvSpPr>
+        <p:spPr/>
+        <p:txBody>
+          <a:bodyPr/>
+          <a:lstStyle/>
+          <a:p>
+            <a:fld id="{3EBA5BD7-F043-4D1B-AA17-CD412FC534DE}" type="slidenum">
+              <a:rPr lang="es-ES" noProof="0" smtClean="0"/>
+              <a:pPr/>
+              <a:t>19</a:t>
+            </a:fld>
+            <a:endParaRPr lang="es-ES" noProof="0" dirty="0"/>
+          </a:p>
+        </p:txBody>
+      </p:sp>
+    </p:spTree>
+    <p:extLst>
+      <p:ext uri="{BB962C8B-B14F-4D97-AF65-F5344CB8AC3E}">
+        <p14:creationId xmlns:p14="http://schemas.microsoft.com/office/powerpoint/2010/main" val="663388844"/>
+      </p:ext>
+    </p:extLst>
+  </p:cSld>
+  <p:clrMapOvr>
+    <a:masterClrMapping/>
+  </p:clrMapOvr>
+</p:notes>
+</file>
+
+<file path=ppt/notesSlides/notesSlide13.xml><?xml version="1.0" encoding="utf-8"?>
+<p:notes xmlns:a="http://schemas.openxmlformats.org/drawingml/2006/main" xmlns:r="http://schemas.openxmlformats.org/officeDocument/2006/relationships" xmlns:p="http://schemas.openxmlformats.org/presentationml/2006/main">
+  <p:cSld>
+    <p:spTree>
+      <p:nvGrpSpPr>
+        <p:cNvPr id="1" name=""/>
+        <p:cNvGrpSpPr/>
+        <p:nvPr/>
+      </p:nvGrpSpPr>
+      <p:grpSpPr>
+        <a:xfrm>
+          <a:off x="0" y="0"/>
+          <a:ext cx="0" cy="0"/>
+          <a:chOff x="0" y="0"/>
+          <a:chExt cx="0" cy="0"/>
+        </a:xfrm>
+      </p:grpSpPr>
+      <p:sp>
+        <p:nvSpPr>
+          <p:cNvPr id="2" name="Marcador de imagen de diapositiva 1"/>
+          <p:cNvSpPr>
+            <a:spLocks noGrp="1" noRot="1" noChangeAspect="1"/>
+          </p:cNvSpPr>
+          <p:nvPr>
+            <p:ph type="sldImg"/>
+          </p:nvPr>
+        </p:nvSpPr>
+        <p:spPr/>
+      </p:sp>
+      <p:sp>
+        <p:nvSpPr>
+          <p:cNvPr id="3" name="Marcador de notas 2"/>
+          <p:cNvSpPr>
+            <a:spLocks noGrp="1"/>
+          </p:cNvSpPr>
+          <p:nvPr>
+            <p:ph type="body" idx="1"/>
+          </p:nvPr>
+        </p:nvSpPr>
+        <p:spPr/>
+        <p:txBody>
+          <a:bodyPr/>
+          <a:lstStyle/>
+          <a:p>
+            <a:endParaRPr lang="es-ES" dirty="0"/>
+          </a:p>
+        </p:txBody>
+      </p:sp>
+      <p:sp>
+        <p:nvSpPr>
+          <p:cNvPr id="4" name="Marcador de número de diapositiva 3"/>
+          <p:cNvSpPr>
+            <a:spLocks noGrp="1"/>
+          </p:cNvSpPr>
+          <p:nvPr>
+            <p:ph type="sldNum" sz="quarter" idx="10"/>
+          </p:nvPr>
+        </p:nvSpPr>
+        <p:spPr/>
+        <p:txBody>
+          <a:bodyPr/>
+          <a:lstStyle/>
+          <a:p>
+            <a:fld id="{3EBA5BD7-F043-4D1B-AA17-CD412FC534DE}" type="slidenum">
+              <a:rPr lang="es-ES" noProof="0" smtClean="0"/>
+              <a:pPr/>
+              <a:t>20</a:t>
+            </a:fld>
+            <a:endParaRPr lang="es-ES" noProof="0" dirty="0"/>
+          </a:p>
+        </p:txBody>
+      </p:sp>
+    </p:spTree>
+    <p:extLst>
+      <p:ext uri="{BB962C8B-B14F-4D97-AF65-F5344CB8AC3E}">
+        <p14:creationId xmlns:p14="http://schemas.microsoft.com/office/powerpoint/2010/main" val="1510884271"/>
+      </p:ext>
+    </p:extLst>
+  </p:cSld>
+  <p:clrMapOvr>
+    <a:masterClrMapping/>
+  </p:clrMapOvr>
+</p:notes>
+</file>
+
+<file path=ppt/notesSlides/notesSlide14.xml><?xml version="1.0" encoding="utf-8"?>
+<p:notes xmlns:a="http://schemas.openxmlformats.org/drawingml/2006/main" xmlns:r="http://schemas.openxmlformats.org/officeDocument/2006/relationships" xmlns:p="http://schemas.openxmlformats.org/presentationml/2006/main">
+  <p:cSld>
+    <p:spTree>
+      <p:nvGrpSpPr>
+        <p:cNvPr id="1" name=""/>
+        <p:cNvGrpSpPr/>
+        <p:nvPr/>
+      </p:nvGrpSpPr>
+      <p:grpSpPr>
+        <a:xfrm>
+          <a:off x="0" y="0"/>
+          <a:ext cx="0" cy="0"/>
+          <a:chOff x="0" y="0"/>
+          <a:chExt cx="0" cy="0"/>
+        </a:xfrm>
+      </p:grpSpPr>
+      <p:sp>
+        <p:nvSpPr>
+          <p:cNvPr id="2" name="Marcador de imagen de diapositiva 1"/>
+          <p:cNvSpPr>
+            <a:spLocks noGrp="1" noRot="1" noChangeAspect="1"/>
+          </p:cNvSpPr>
+          <p:nvPr>
+            <p:ph type="sldImg"/>
+          </p:nvPr>
+        </p:nvSpPr>
+        <p:spPr/>
+      </p:sp>
+      <p:sp>
+        <p:nvSpPr>
+          <p:cNvPr id="3" name="Marcador de notas 2"/>
+          <p:cNvSpPr>
+            <a:spLocks noGrp="1"/>
+          </p:cNvSpPr>
+          <p:nvPr>
+            <p:ph type="body" idx="1"/>
+          </p:nvPr>
+        </p:nvSpPr>
+        <p:spPr/>
+        <p:txBody>
+          <a:bodyPr/>
+          <a:lstStyle/>
+          <a:p>
+            <a:pPr marL="0" marR="0" lvl="0" indent="0" algn="l" defTabSz="1218987" rtl="0" eaLnBrk="1" fontAlgn="auto" latinLnBrk="0" hangingPunct="1">
+              <a:lnSpc>
+                <a:spcPct val="100000"/>
+              </a:lnSpc>
+              <a:spcBef>
+                <a:spcPts val="0"/>
+              </a:spcBef>
+              <a:spcAft>
+                <a:spcPts val="0"/>
+              </a:spcAft>
+              <a:buClrTx/>
+              <a:buSzTx/>
+              <a:buFontTx/>
+              <a:buNone/>
+              <a:tabLst/>
+              <a:defRPr/>
+            </a:pPr>
+            <a:r>
+              <a:rPr lang="es-AR" sz="1800" dirty="0" err="1">
+                <a:effectLst/>
+                <a:latin typeface="Arial" panose="020B0604020202020204" pitchFamily="34" charset="0"/>
+                <a:ea typeface="Calibri" panose="020F0502020204030204" pitchFamily="34" charset="0"/>
+                <a:cs typeface="Times New Roman" panose="02020603050405020304" pitchFamily="18" charset="0"/>
+              </a:rPr>
+              <a:t>Testing</a:t>
+            </a:r>
+            <a:r>
+              <a:rPr lang="es-AR" sz="1800" dirty="0">
+                <a:effectLst/>
+                <a:latin typeface="Arial" panose="020B0604020202020204" pitchFamily="34" charset="0"/>
+                <a:ea typeface="Calibri" panose="020F0502020204030204" pitchFamily="34" charset="0"/>
+                <a:cs typeface="Times New Roman" panose="02020603050405020304" pitchFamily="18" charset="0"/>
+              </a:rPr>
+              <a:t> Library es una herramienta poderosa y flexible para garantizar que los componentes funcionen correctamente desde la perspectiva del usuario final, lo que resulta en una experiencia de usuario de alta calidad y accesible.</a:t>
+            </a:r>
+          </a:p>
+          <a:p>
+            <a:pPr marL="0" marR="0" lvl="0" indent="0" algn="l" defTabSz="1218987" rtl="0" eaLnBrk="1" fontAlgn="auto" latinLnBrk="0" hangingPunct="1">
+              <a:lnSpc>
+                <a:spcPct val="100000"/>
+              </a:lnSpc>
+              <a:spcBef>
+                <a:spcPts val="0"/>
+              </a:spcBef>
+              <a:spcAft>
+                <a:spcPts val="0"/>
+              </a:spcAft>
+              <a:buClrTx/>
+              <a:buSzTx/>
+              <a:buFontTx/>
+              <a:buNone/>
+              <a:tabLst/>
+              <a:defRPr/>
+            </a:pPr>
+            <a:endParaRPr lang="es-AR" sz="1800" dirty="0">
+              <a:effectLst/>
+              <a:latin typeface="Arial" panose="020B0604020202020204" pitchFamily="34" charset="0"/>
+              <a:ea typeface="Calibri" panose="020F0502020204030204" pitchFamily="34" charset="0"/>
+              <a:cs typeface="Times New Roman" panose="02020603050405020304" pitchFamily="18" charset="0"/>
+            </a:endParaRPr>
+          </a:p>
+          <a:p>
+            <a:pPr marL="0" marR="0" lvl="0" indent="0" algn="l" defTabSz="1218987" rtl="0" eaLnBrk="1" fontAlgn="auto" latinLnBrk="0" hangingPunct="1">
+              <a:lnSpc>
+                <a:spcPct val="100000"/>
+              </a:lnSpc>
+              <a:spcBef>
+                <a:spcPts val="0"/>
+              </a:spcBef>
+              <a:spcAft>
+                <a:spcPts val="0"/>
+              </a:spcAft>
+              <a:buClrTx/>
+              <a:buSzTx/>
+              <a:buFontTx/>
+              <a:buNone/>
+              <a:tabLst/>
+              <a:defRPr/>
+            </a:pPr>
+            <a:r>
+              <a:rPr lang="es-AR" sz="1800" dirty="0">
+                <a:effectLst/>
+                <a:latin typeface="Arial" panose="020B0604020202020204" pitchFamily="34" charset="0"/>
+                <a:ea typeface="Calibri" panose="020F0502020204030204" pitchFamily="34" charset="0"/>
+                <a:cs typeface="Times New Roman" panose="02020603050405020304" pitchFamily="18" charset="0"/>
+              </a:rPr>
+              <a:t>Cada una de estas tecnologías cumple un rol importante en el ecosistema de pruebas, no se puede decir que una tecnología es mejor que las demás sino que cada una tiene un enfoque y propósito específico, complementándose entre sí, y la elección entre ellas depende del tipo de pruebas y del entorno de desarrollo de cada proyecto.</a:t>
+            </a:r>
+          </a:p>
+          <a:p>
+            <a:endParaRPr lang="es-ES" dirty="0"/>
+          </a:p>
+        </p:txBody>
+      </p:sp>
+      <p:sp>
+        <p:nvSpPr>
+          <p:cNvPr id="4" name="Marcador de número de diapositiva 3"/>
+          <p:cNvSpPr>
+            <a:spLocks noGrp="1"/>
+          </p:cNvSpPr>
+          <p:nvPr>
+            <p:ph type="sldNum" sz="quarter" idx="10"/>
+          </p:nvPr>
+        </p:nvSpPr>
+        <p:spPr/>
+        <p:txBody>
+          <a:bodyPr/>
+          <a:lstStyle/>
+          <a:p>
+            <a:fld id="{3EBA5BD7-F043-4D1B-AA17-CD412FC534DE}" type="slidenum">
+              <a:rPr lang="es-ES" noProof="0" smtClean="0"/>
+              <a:pPr/>
+              <a:t>22</a:t>
+            </a:fld>
+            <a:endParaRPr lang="es-ES" noProof="0" dirty="0"/>
+          </a:p>
+        </p:txBody>
+      </p:sp>
+    </p:spTree>
+    <p:extLst>
+      <p:ext uri="{BB962C8B-B14F-4D97-AF65-F5344CB8AC3E}">
+        <p14:creationId xmlns:p14="http://schemas.microsoft.com/office/powerpoint/2010/main" val="3683210926"/>
       </p:ext>
     </p:extLst>
   </p:cSld>
@@ -1164,15 +1613,7 @@
           <a:p>
             <a:r>
               <a:rPr lang="es-ES" dirty="0"/>
-              <a:t>Utiliza funciones claras como render, </a:t>
-            </a:r>
-            <a:r>
-              <a:rPr lang="es-ES" dirty="0" err="1"/>
-              <a:t>fireEvent</a:t>
-            </a:r>
-            <a:r>
-              <a:rPr lang="es-ES" dirty="0"/>
-              <a:t>, y </a:t>
+              <a:t>Utiliza funciones claras como render, fireEvent, y </a:t>
             </a:r>
             <a:r>
               <a:rPr lang="es-ES" dirty="0" err="1"/>
@@ -1256,7 +1697,7 @@
     </p:spTree>
     <p:extLst>
       <p:ext uri="{BB962C8B-B14F-4D97-AF65-F5344CB8AC3E}">
-        <p14:creationId xmlns:p14="http://schemas.microsoft.com/office/powerpoint/2010/main" val="1006239013"/>
+        <p14:creationId xmlns:p14="http://schemas.microsoft.com/office/powerpoint/2010/main" val="2216071118"/>
       </p:ext>
     </p:extLst>
   </p:cSld>
@@ -1311,40 +1752,98 @@
           <a:lstStyle/>
           <a:p>
             <a:r>
-              <a:rPr lang="es-ES" sz="1600" dirty="0"/>
-              <a:t>render :  monta el componente para poder interactuar con él</a:t>
-            </a:r>
-          </a:p>
-          <a:p>
-            <a:r>
-              <a:rPr lang="es-ES" sz="1600" dirty="0" err="1"/>
-              <a:t>getByLabelText</a:t>
-            </a:r>
-            <a:r>
-              <a:rPr lang="es-ES" sz="1600" dirty="0"/>
-              <a:t>: verifica si el elemento está presente y si contiene el texto correcto</a:t>
-            </a:r>
-          </a:p>
-          <a:p>
-            <a:r>
-              <a:rPr lang="es-ES" sz="1600" dirty="0" err="1"/>
-              <a:t>fireEvent</a:t>
-            </a:r>
-            <a:r>
-              <a:rPr lang="es-ES" sz="1600" dirty="0"/>
-              <a:t>: permite simular el uso real de la interfaz.</a:t>
-            </a:r>
-          </a:p>
-          <a:p>
-            <a:r>
-              <a:rPr lang="es-ES" sz="1600" dirty="0" err="1"/>
-              <a:t>expect</a:t>
-            </a:r>
-            <a:r>
-              <a:rPr lang="es-ES" sz="1600" dirty="0"/>
-              <a:t> : verificas que el componente se comporte correctamente después de las interacciones</a:t>
-            </a:r>
-            <a:endParaRPr lang="es-AR" sz="1600" dirty="0"/>
+              <a:rPr lang="es-ES" dirty="0"/>
+              <a:t>Ventajas </a:t>
+            </a:r>
+          </a:p>
+          <a:p>
+            <a:r>
+              <a:rPr lang="es-ES" dirty="0"/>
+              <a:t>Es decir, como los usuarios interactúan con la aplicación</a:t>
+            </a:r>
+          </a:p>
+          <a:p>
+            <a:r>
+              <a:rPr lang="es-ES" dirty="0"/>
+              <a:t>Framework Principal: </a:t>
+            </a:r>
+            <a:r>
+              <a:rPr lang="es-ES" dirty="0" err="1"/>
+              <a:t>React</a:t>
+            </a:r>
+            <a:r>
+              <a:rPr lang="es-ES" dirty="0"/>
+              <a:t> ,  también se utiliza en otros como Angular o </a:t>
+            </a:r>
+            <a:r>
+              <a:rPr lang="es-ES" dirty="0" err="1"/>
+              <a:t>Vue</a:t>
+            </a:r>
+            <a:r>
+              <a:rPr lang="es-ES" dirty="0"/>
+              <a:t>.</a:t>
+            </a:r>
+          </a:p>
+          <a:p>
+            <a:r>
+              <a:rPr lang="es-ES" dirty="0"/>
+              <a:t>Ya que prioriza el uso de selectores que reflejan cómo los usuarios interactúan realmente con la aplicación.</a:t>
+            </a:r>
+          </a:p>
+          <a:p>
+            <a:r>
+              <a:rPr lang="es-ES" dirty="0"/>
+              <a:t>Utiliza funciones claras como render, fireEvent, y </a:t>
+            </a:r>
+            <a:r>
+              <a:rPr lang="es-ES" dirty="0" err="1"/>
+              <a:t>screen</a:t>
+            </a:r>
+            <a:endParaRPr lang="es-ES" dirty="0"/>
+          </a:p>
+          <a:p>
+            <a:endParaRPr lang="es-ES" dirty="0"/>
+          </a:p>
+          <a:p>
+            <a:r>
+              <a:rPr lang="es-ES" dirty="0"/>
+              <a:t>Desventajas</a:t>
+            </a:r>
+          </a:p>
+          <a:p>
+            <a:r>
+              <a:rPr lang="es-ES" dirty="0"/>
+              <a:t>Evita pruebas que dependan de la implementación interna es decir, de detalles específicos del DOM</a:t>
+            </a:r>
+          </a:p>
+          <a:p>
+            <a:r>
+              <a:rPr lang="es-ES" dirty="0"/>
+              <a:t>No esta desarrollado para la simulación de eventos más complejos (como interacciones de arrastrar y soltar)</a:t>
+            </a:r>
+          </a:p>
+          <a:p>
+            <a:pPr marL="0" marR="0" lvl="0" indent="0" algn="l" defTabSz="1218987" rtl="0" eaLnBrk="1" fontAlgn="auto" latinLnBrk="0" hangingPunct="1">
+              <a:lnSpc>
+                <a:spcPct val="100000"/>
+              </a:lnSpc>
+              <a:spcBef>
+                <a:spcPts val="0"/>
+              </a:spcBef>
+              <a:spcAft>
+                <a:spcPts val="0"/>
+              </a:spcAft>
+              <a:buClrTx/>
+              <a:buSzTx/>
+              <a:buFontTx/>
+              <a:buNone/>
+              <a:tabLst/>
+              <a:defRPr/>
+            </a:pPr>
+            <a:r>
+              <a:rPr lang="es-ES" dirty="0"/>
+              <a:t>Ya que están enfocadas en simular la interacción del usuario en comparación con otras librerías que prueban directamente la lógica o el DOM.</a:t>
+            </a:r>
           </a:p>
           <a:p>
             <a:endParaRPr lang="es-AR" dirty="0"/>
@@ -1369,7 +1868,7 @@
             <a:fld id="{3EBA5BD7-F043-4D1B-AA17-CD412FC534DE}" type="slidenum">
               <a:rPr lang="es-ES" noProof="0" smtClean="0"/>
               <a:pPr/>
-              <a:t>5</a:t>
+              <a:t>4</a:t>
             </a:fld>
             <a:endParaRPr lang="es-ES" noProof="0" dirty="0"/>
           </a:p>
@@ -1378,7 +1877,7 @@
     </p:spTree>
     <p:extLst>
       <p:ext uri="{BB962C8B-B14F-4D97-AF65-F5344CB8AC3E}">
-        <p14:creationId xmlns:p14="http://schemas.microsoft.com/office/powerpoint/2010/main" val="1625940266"/>
+        <p14:creationId xmlns:p14="http://schemas.microsoft.com/office/powerpoint/2010/main" val="2164710935"/>
       </p:ext>
     </p:extLst>
   </p:cSld>
@@ -1432,6 +1931,82 @@
           <a:bodyPr/>
           <a:lstStyle/>
           <a:p>
+            <a:r>
+              <a:rPr lang="es-ES" dirty="0"/>
+              <a:t>Recordar </a:t>
+            </a:r>
+            <a:r>
+              <a:rPr lang="es-ES" dirty="0" err="1"/>
+              <a:t>Testing</a:t>
+            </a:r>
+            <a:r>
+              <a:rPr lang="es-ES" dirty="0"/>
+              <a:t> Library.</a:t>
+            </a:r>
+          </a:p>
+          <a:p>
+            <a:r>
+              <a:rPr lang="es-ES" dirty="0"/>
+              <a:t>Comparar con:</a:t>
+            </a:r>
+          </a:p>
+          <a:p>
+            <a:pPr marL="285750" indent="-285750">
+              <a:buFont typeface="Arial" panose="020B0604020202020204" pitchFamily="34" charset="0"/>
+              <a:buChar char="•"/>
+            </a:pPr>
+            <a:r>
+              <a:rPr lang="es-ES" dirty="0" err="1"/>
+              <a:t>Jest</a:t>
+            </a:r>
+            <a:endParaRPr lang="es-ES" dirty="0"/>
+          </a:p>
+          <a:p>
+            <a:pPr marL="285750" indent="-285750">
+              <a:buFont typeface="Arial" panose="020B0604020202020204" pitchFamily="34" charset="0"/>
+              <a:buChar char="•"/>
+            </a:pPr>
+            <a:r>
+              <a:rPr lang="es-ES" dirty="0" err="1"/>
+              <a:t>Vitest</a:t>
+            </a:r>
+            <a:endParaRPr lang="es-ES" dirty="0"/>
+          </a:p>
+          <a:p>
+            <a:pPr marL="285750" indent="-285750">
+              <a:buFont typeface="Arial" panose="020B0604020202020204" pitchFamily="34" charset="0"/>
+              <a:buChar char="•"/>
+            </a:pPr>
+            <a:r>
+              <a:rPr lang="es-ES" dirty="0"/>
+              <a:t>Mocha</a:t>
+            </a:r>
+          </a:p>
+          <a:p>
+            <a:pPr marL="285750" indent="-285750">
+              <a:buFont typeface="Arial" panose="020B0604020202020204" pitchFamily="34" charset="0"/>
+              <a:buChar char="•"/>
+            </a:pPr>
+            <a:r>
+              <a:rPr lang="es-ES" dirty="0" err="1"/>
+              <a:t>Mock</a:t>
+            </a:r>
+            <a:r>
+              <a:rPr lang="es-ES" dirty="0"/>
+              <a:t> </a:t>
+            </a:r>
+            <a:r>
+              <a:rPr lang="es-ES" dirty="0" err="1"/>
+              <a:t>Service</a:t>
+            </a:r>
+            <a:r>
+              <a:rPr lang="es-ES" dirty="0"/>
+              <a:t> </a:t>
+            </a:r>
+            <a:r>
+              <a:rPr lang="es-ES" dirty="0" err="1"/>
+              <a:t>Worker</a:t>
+            </a:r>
             <a:endParaRPr lang="es-ES" dirty="0"/>
           </a:p>
         </p:txBody>
@@ -1454,7 +2029,7 @@
             <a:fld id="{3EBA5BD7-F043-4D1B-AA17-CD412FC534DE}" type="slidenum">
               <a:rPr lang="es-ES" noProof="0" smtClean="0"/>
               <a:pPr/>
-              <a:t>6</a:t>
+              <a:t>5</a:t>
             </a:fld>
             <a:endParaRPr lang="es-ES" noProof="0" dirty="0"/>
           </a:p>
@@ -1463,7 +2038,7 @@
     </p:spTree>
     <p:extLst>
       <p:ext uri="{BB962C8B-B14F-4D97-AF65-F5344CB8AC3E}">
-        <p14:creationId xmlns:p14="http://schemas.microsoft.com/office/powerpoint/2010/main" val="13358915"/>
+        <p14:creationId xmlns:p14="http://schemas.microsoft.com/office/powerpoint/2010/main" val="970671519"/>
       </p:ext>
     </p:extLst>
   </p:cSld>
@@ -1528,7 +2103,7 @@
             <a:spLocks noGrp="1"/>
           </p:cNvSpPr>
           <p:nvPr>
-            <p:ph type="sldNum" sz="quarter" idx="10"/>
+            <p:ph type="sldNum" sz="quarter" idx="5"/>
           </p:nvPr>
         </p:nvSpPr>
         <p:spPr/>
@@ -1539,7 +2114,7 @@
             <a:fld id="{3EBA5BD7-F043-4D1B-AA17-CD412FC534DE}" type="slidenum">
               <a:rPr lang="es-ES" noProof="0" smtClean="0"/>
               <a:pPr/>
-              <a:t>7</a:t>
+              <a:t>6</a:t>
             </a:fld>
             <a:endParaRPr lang="es-ES" noProof="0" dirty="0"/>
           </a:p>
@@ -1548,7 +2123,7 @@
     </p:spTree>
     <p:extLst>
       <p:ext uri="{BB962C8B-B14F-4D97-AF65-F5344CB8AC3E}">
-        <p14:creationId xmlns:p14="http://schemas.microsoft.com/office/powerpoint/2010/main" val="2672739060"/>
+        <p14:creationId xmlns:p14="http://schemas.microsoft.com/office/powerpoint/2010/main" val="1498195511"/>
       </p:ext>
     </p:extLst>
   </p:cSld>
@@ -1613,7 +2188,7 @@
             <a:spLocks noGrp="1"/>
           </p:cNvSpPr>
           <p:nvPr>
-            <p:ph type="sldNum" sz="quarter" idx="10"/>
+            <p:ph type="sldNum" sz="quarter" idx="5"/>
           </p:nvPr>
         </p:nvSpPr>
         <p:spPr/>
@@ -1624,7 +2199,7 @@
             <a:fld id="{3EBA5BD7-F043-4D1B-AA17-CD412FC534DE}" type="slidenum">
               <a:rPr lang="es-ES" noProof="0" smtClean="0"/>
               <a:pPr/>
-              <a:t>8</a:t>
+              <a:t>7</a:t>
             </a:fld>
             <a:endParaRPr lang="es-ES" noProof="0" dirty="0"/>
           </a:p>
@@ -1633,7 +2208,7 @@
     </p:spTree>
     <p:extLst>
       <p:ext uri="{BB962C8B-B14F-4D97-AF65-F5344CB8AC3E}">
-        <p14:creationId xmlns:p14="http://schemas.microsoft.com/office/powerpoint/2010/main" val="837636764"/>
+        <p14:creationId xmlns:p14="http://schemas.microsoft.com/office/powerpoint/2010/main" val="3334207149"/>
       </p:ext>
     </p:extLst>
   </p:cSld>
@@ -1698,7 +2273,7 @@
             <a:spLocks noGrp="1"/>
           </p:cNvSpPr>
           <p:nvPr>
-            <p:ph type="sldNum" sz="quarter" idx="10"/>
+            <p:ph type="sldNum" sz="quarter" idx="5"/>
           </p:nvPr>
         </p:nvSpPr>
         <p:spPr/>
@@ -1709,7 +2284,7 @@
             <a:fld id="{3EBA5BD7-F043-4D1B-AA17-CD412FC534DE}" type="slidenum">
               <a:rPr lang="es-ES" noProof="0" smtClean="0"/>
               <a:pPr/>
-              <a:t>9</a:t>
+              <a:t>8</a:t>
             </a:fld>
             <a:endParaRPr lang="es-ES" noProof="0" dirty="0"/>
           </a:p>
@@ -1718,7 +2293,7 @@
     </p:spTree>
     <p:extLst>
       <p:ext uri="{BB962C8B-B14F-4D97-AF65-F5344CB8AC3E}">
-        <p14:creationId xmlns:p14="http://schemas.microsoft.com/office/powerpoint/2010/main" val="663388844"/>
+        <p14:creationId xmlns:p14="http://schemas.microsoft.com/office/powerpoint/2010/main" val="3272552543"/>
       </p:ext>
     </p:extLst>
   </p:cSld>
@@ -1783,7 +2358,7 @@
             <a:spLocks noGrp="1"/>
           </p:cNvSpPr>
           <p:nvPr>
-            <p:ph type="sldNum" sz="quarter" idx="10"/>
+            <p:ph type="sldNum" sz="quarter" idx="5"/>
           </p:nvPr>
         </p:nvSpPr>
         <p:spPr/>
@@ -1794,7 +2369,7 @@
             <a:fld id="{3EBA5BD7-F043-4D1B-AA17-CD412FC534DE}" type="slidenum">
               <a:rPr lang="es-ES" noProof="0" smtClean="0"/>
               <a:pPr/>
-              <a:t>10</a:t>
+              <a:t>9</a:t>
             </a:fld>
             <a:endParaRPr lang="es-ES" noProof="0" dirty="0"/>
           </a:p>
@@ -1803,7 +2378,7 @@
     </p:spTree>
     <p:extLst>
       <p:ext uri="{BB962C8B-B14F-4D97-AF65-F5344CB8AC3E}">
-        <p14:creationId xmlns:p14="http://schemas.microsoft.com/office/powerpoint/2010/main" val="245960721"/>
+        <p14:creationId xmlns:p14="http://schemas.microsoft.com/office/powerpoint/2010/main" val="1480667310"/>
       </p:ext>
     </p:extLst>
   </p:cSld>
@@ -6421,6 +6996,41 @@
           </a:p>
         </p:txBody>
       </p:sp>
+      <p:sp>
+        <p:nvSpPr>
+          <p:cNvPr id="3" name="CuadroTexto 2">
+            <a:extLst>
+              <a:ext uri="{FF2B5EF4-FFF2-40B4-BE49-F238E27FC236}">
+                <a16:creationId xmlns:a16="http://schemas.microsoft.com/office/drawing/2014/main" id="{902F5879-7A1B-FC6B-2418-D73914F2098A}"/>
+              </a:ext>
+            </a:extLst>
+          </p:cNvPr>
+          <p:cNvSpPr txBox="1"/>
+          <p:nvPr/>
+        </p:nvSpPr>
+        <p:spPr>
+          <a:xfrm>
+            <a:off x="0" y="5661248"/>
+            <a:ext cx="6120680" cy="338554"/>
+          </a:xfrm>
+          <a:prstGeom prst="rect">
+            <a:avLst/>
+          </a:prstGeom>
+          <a:noFill/>
+        </p:spPr>
+        <p:txBody>
+          <a:bodyPr wrap="square" rtlCol="0">
+            <a:spAutoFit/>
+          </a:bodyPr>
+          <a:lstStyle/>
+          <a:p>
+            <a:r>
+              <a:rPr lang="es-AR" sz="1600" dirty="0"/>
+              <a:t>MONDINO – GIAMPIETRO - DEQUELLI</a:t>
+            </a:r>
+          </a:p>
+        </p:txBody>
+      </p:sp>
     </p:spTree>
     <p:extLst>
       <p:ext uri="{BB962C8B-B14F-4D97-AF65-F5344CB8AC3E}">
@@ -6465,36 +7075,132 @@
       </p:grpSpPr>
       <p:sp>
         <p:nvSpPr>
-          <p:cNvPr id="2" name="CuadroTexto 1">
+          <p:cNvPr id="2" name="Título 1">
             <a:extLst>
               <a:ext uri="{FF2B5EF4-FFF2-40B4-BE49-F238E27FC236}">
-                <a16:creationId xmlns:a16="http://schemas.microsoft.com/office/drawing/2014/main" id="{B6B13715-EEC1-4D45-B91A-B04766E43A98}"/>
+                <a16:creationId xmlns:a16="http://schemas.microsoft.com/office/drawing/2014/main" id="{8CDC4B96-3D2D-6FD0-7B82-DA229F2D83D2}"/>
               </a:ext>
             </a:extLst>
           </p:cNvPr>
-          <p:cNvSpPr txBox="1"/>
-          <p:nvPr/>
+          <p:cNvSpPr>
+            <a:spLocks noGrp="1"/>
+          </p:cNvSpPr>
+          <p:nvPr>
+            <p:ph type="title"/>
+          </p:nvPr>
         </p:nvSpPr>
         <p:spPr>
           <a:xfrm>
-            <a:off x="1125860" y="2274838"/>
-            <a:ext cx="10441160" cy="1754326"/>
+            <a:off x="-890364" y="188640"/>
+            <a:ext cx="8532948" cy="936104"/>
           </a:xfrm>
-          <a:prstGeom prst="rect">
-            <a:avLst/>
-          </a:prstGeom>
-          <a:noFill/>
         </p:spPr>
         <p:txBody>
-          <a:bodyPr wrap="square" rtlCol="0">
-            <a:spAutoFit/>
+          <a:bodyPr anchor="b">
+            <a:noAutofit/>
           </a:bodyPr>
           <a:lstStyle/>
           <a:p>
-            <a:pPr algn="just"/>
-            <a:r>
-              <a:rPr lang="es-ES" sz="3600" dirty="0"/>
-              <a:t>Vemos que la prueba “Button is disabled when input is empty” pasó correctamente y ya no devuelve un error, por lo tanto el test suite y sus 10 pruebas pasan el test. </a:t>
+            <a:pPr algn="ctr"/>
+            <a:r>
+              <a:rPr lang="es-ES" sz="5400" dirty="0"/>
+              <a:t>CASOS DE USO</a:t>
+            </a:r>
+            <a:endParaRPr lang="es-AR" sz="5400" dirty="0"/>
+          </a:p>
+        </p:txBody>
+      </p:sp>
+      <p:sp>
+        <p:nvSpPr>
+          <p:cNvPr id="3" name="Marcador de contenido 2">
+            <a:extLst>
+              <a:ext uri="{FF2B5EF4-FFF2-40B4-BE49-F238E27FC236}">
+                <a16:creationId xmlns:a16="http://schemas.microsoft.com/office/drawing/2014/main" id="{E99241B6-04E8-4BA5-2B5F-C8E45018B336}"/>
+              </a:ext>
+            </a:extLst>
+          </p:cNvPr>
+          <p:cNvSpPr>
+            <a:spLocks noGrp="1"/>
+          </p:cNvSpPr>
+          <p:nvPr>
+            <p:ph idx="1"/>
+          </p:nvPr>
+        </p:nvSpPr>
+        <p:spPr>
+          <a:xfrm>
+            <a:off x="914161" y="1197864"/>
+            <a:ext cx="10360501" cy="4462272"/>
+          </a:xfrm>
+        </p:spPr>
+        <p:txBody>
+          <a:bodyPr>
+            <a:normAutofit/>
+          </a:bodyPr>
+          <a:lstStyle/>
+          <a:p>
+            <a:pPr algn="l" fontAlgn="base">
+              <a:buFont typeface="Arial" panose="020B0604020202020204" pitchFamily="34" charset="0"/>
+              <a:buChar char="•"/>
+            </a:pPr>
+            <a:r>
+              <a:rPr lang="es-ES" b="0" i="0" dirty="0">
+                <a:effectLst/>
+                <a:latin typeface="inherit"/>
+              </a:rPr>
+              <a:t>Verificación de la renderización de componentes.</a:t>
+            </a:r>
+          </a:p>
+          <a:p>
+            <a:pPr algn="l" fontAlgn="base">
+              <a:buFont typeface="Arial" panose="020B0604020202020204" pitchFamily="34" charset="0"/>
+              <a:buChar char="•"/>
+            </a:pPr>
+            <a:r>
+              <a:rPr lang="es-ES" b="0" i="0" dirty="0">
+                <a:effectLst/>
+                <a:latin typeface="inherit"/>
+              </a:rPr>
+              <a:t>Simulación de interacciones del usuario.</a:t>
+            </a:r>
+          </a:p>
+          <a:p>
+            <a:pPr algn="l" fontAlgn="base">
+              <a:buFont typeface="Arial" panose="020B0604020202020204" pitchFamily="34" charset="0"/>
+              <a:buChar char="•"/>
+            </a:pPr>
+            <a:r>
+              <a:rPr lang="es-ES" b="0" i="0" dirty="0">
+                <a:effectLst/>
+                <a:latin typeface="inherit"/>
+              </a:rPr>
+              <a:t>Verificación de formularios.</a:t>
+            </a:r>
+          </a:p>
+          <a:p>
+            <a:pPr algn="l" fontAlgn="base">
+              <a:buFont typeface="Arial" panose="020B0604020202020204" pitchFamily="34" charset="0"/>
+              <a:buChar char="•"/>
+            </a:pPr>
+            <a:r>
+              <a:rPr lang="es-ES" b="0" i="0" dirty="0">
+                <a:effectLst/>
+                <a:latin typeface="inherit"/>
+              </a:rPr>
+              <a:t>Pruebas con integración de herramientas como </a:t>
+            </a:r>
+            <a:r>
+              <a:rPr lang="es-ES" b="0" i="0" dirty="0" err="1">
+                <a:effectLst/>
+                <a:latin typeface="inherit"/>
+              </a:rPr>
+              <a:t>Jest</a:t>
+            </a:r>
+            <a:r>
+              <a:rPr lang="es-ES" b="0" i="0" dirty="0">
+                <a:effectLst/>
+                <a:latin typeface="inherit"/>
+              </a:rPr>
+              <a:t>.</a:t>
             </a:r>
           </a:p>
         </p:txBody>
@@ -6502,7 +7208,7 @@
     </p:spTree>
     <p:extLst>
       <p:ext uri="{BB962C8B-B14F-4D97-AF65-F5344CB8AC3E}">
-        <p14:creationId xmlns:p14="http://schemas.microsoft.com/office/powerpoint/2010/main" val="3143847741"/>
+        <p14:creationId xmlns:p14="http://schemas.microsoft.com/office/powerpoint/2010/main" val="3302328051"/>
       </p:ext>
     </p:extLst>
   </p:cSld>
@@ -6525,6 +7231,2739 @@
 </file>
 
 <file path=ppt/slides/slide11.xml><?xml version="1.0" encoding="utf-8"?>
+<p:sld xmlns:a="http://schemas.openxmlformats.org/drawingml/2006/main" xmlns:r="http://schemas.openxmlformats.org/officeDocument/2006/relationships" xmlns:p="http://schemas.openxmlformats.org/presentationml/2006/main">
+  <p:cSld>
+    <p:spTree>
+      <p:nvGrpSpPr>
+        <p:cNvPr id="1" name=""/>
+        <p:cNvGrpSpPr/>
+        <p:nvPr/>
+      </p:nvGrpSpPr>
+      <p:grpSpPr>
+        <a:xfrm>
+          <a:off x="0" y="0"/>
+          <a:ext cx="0" cy="0"/>
+          <a:chOff x="0" y="0"/>
+          <a:chExt cx="0" cy="0"/>
+        </a:xfrm>
+      </p:grpSpPr>
+      <p:sp>
+        <p:nvSpPr>
+          <p:cNvPr id="2" name="Título 1">
+            <a:extLst>
+              <a:ext uri="{FF2B5EF4-FFF2-40B4-BE49-F238E27FC236}">
+                <a16:creationId xmlns:a16="http://schemas.microsoft.com/office/drawing/2014/main" id="{8CDC4B96-3D2D-6FD0-7B82-DA229F2D83D2}"/>
+              </a:ext>
+            </a:extLst>
+          </p:cNvPr>
+          <p:cNvSpPr>
+            <a:spLocks noGrp="1"/>
+          </p:cNvSpPr>
+          <p:nvPr>
+            <p:ph type="title"/>
+          </p:nvPr>
+        </p:nvSpPr>
+        <p:spPr>
+          <a:xfrm>
+            <a:off x="1827938" y="2708920"/>
+            <a:ext cx="8532948" cy="1673938"/>
+          </a:xfrm>
+        </p:spPr>
+        <p:txBody>
+          <a:bodyPr anchor="b">
+            <a:noAutofit/>
+          </a:bodyPr>
+          <a:lstStyle/>
+          <a:p>
+            <a:pPr algn="ctr"/>
+            <a:r>
+              <a:rPr lang="es-ES" sz="5400" dirty="0"/>
+              <a:t>Pasos que realiza </a:t>
+            </a:r>
+            <a:r>
+              <a:rPr lang="es-ES" sz="5400" dirty="0" err="1"/>
+              <a:t>Testing</a:t>
+            </a:r>
+            <a:r>
+              <a:rPr lang="es-ES" sz="5400" dirty="0"/>
+              <a:t> Library </a:t>
+            </a:r>
+            <a:endParaRPr lang="es-AR" sz="5400" dirty="0"/>
+          </a:p>
+        </p:txBody>
+      </p:sp>
+    </p:spTree>
+    <p:extLst>
+      <p:ext uri="{BB962C8B-B14F-4D97-AF65-F5344CB8AC3E}">
+        <p14:creationId xmlns:p14="http://schemas.microsoft.com/office/powerpoint/2010/main" val="1992651492"/>
+      </p:ext>
+    </p:extLst>
+  </p:cSld>
+  <p:clrMapOvr>
+    <a:masterClrMapping/>
+  </p:clrMapOvr>
+  <mc:AlternateContent xmlns:mc="http://schemas.openxmlformats.org/markup-compatibility/2006" xmlns:p14="http://schemas.microsoft.com/office/powerpoint/2010/main">
+    <mc:Choice Requires="p14">
+      <p:transition spd="med" p14:dur="700">
+        <p:fade/>
+      </p:transition>
+    </mc:Choice>
+    <mc:Fallback xmlns="">
+      <p:transition spd="med">
+        <p:fade/>
+      </p:transition>
+    </mc:Fallback>
+  </mc:AlternateContent>
+</p:sld>
+</file>
+
+<file path=ppt/slides/slide12.xml><?xml version="1.0" encoding="utf-8"?>
+<p:sld xmlns:a="http://schemas.openxmlformats.org/drawingml/2006/main" xmlns:r="http://schemas.openxmlformats.org/officeDocument/2006/relationships" xmlns:p="http://schemas.openxmlformats.org/presentationml/2006/main">
+  <p:cSld>
+    <p:spTree>
+      <p:nvGrpSpPr>
+        <p:cNvPr id="1" name=""/>
+        <p:cNvGrpSpPr/>
+        <p:nvPr/>
+      </p:nvGrpSpPr>
+      <p:grpSpPr>
+        <a:xfrm>
+          <a:off x="0" y="0"/>
+          <a:ext cx="0" cy="0"/>
+          <a:chOff x="0" y="0"/>
+          <a:chExt cx="0" cy="0"/>
+        </a:xfrm>
+      </p:grpSpPr>
+      <p:sp>
+        <p:nvSpPr>
+          <p:cNvPr id="3" name="Marcador de contenido 2">
+            <a:extLst>
+              <a:ext uri="{FF2B5EF4-FFF2-40B4-BE49-F238E27FC236}">
+                <a16:creationId xmlns:a16="http://schemas.microsoft.com/office/drawing/2014/main" id="{57436204-E7CF-1976-B8D6-BC861D94A6E3}"/>
+              </a:ext>
+            </a:extLst>
+          </p:cNvPr>
+          <p:cNvSpPr>
+            <a:spLocks noGrp="1"/>
+          </p:cNvSpPr>
+          <p:nvPr>
+            <p:ph idx="1"/>
+          </p:nvPr>
+        </p:nvSpPr>
+        <p:spPr>
+          <a:xfrm>
+            <a:off x="981844" y="188640"/>
+            <a:ext cx="6048672" cy="720080"/>
+          </a:xfrm>
+        </p:spPr>
+        <p:txBody>
+          <a:bodyPr>
+            <a:normAutofit/>
+          </a:bodyPr>
+          <a:lstStyle/>
+          <a:p>
+            <a:pPr marL="0" indent="0">
+              <a:buNone/>
+            </a:pPr>
+            <a:r>
+              <a:rPr lang="es-AR" sz="3600" b="1" dirty="0">
+                <a:effectLst>
+                  <a:outerShdw blurRad="38100" dist="38100" dir="2700000" algn="tl">
+                    <a:srgbClr val="000000">
+                      <a:alpha val="43137"/>
+                    </a:srgbClr>
+                  </a:outerShdw>
+                </a:effectLst>
+              </a:rPr>
+              <a:t>Renderizado del componente </a:t>
+            </a:r>
+          </a:p>
+        </p:txBody>
+      </p:sp>
+      <p:sp>
+        <p:nvSpPr>
+          <p:cNvPr id="6" name="Marcador de contenido 2">
+            <a:extLst>
+              <a:ext uri="{FF2B5EF4-FFF2-40B4-BE49-F238E27FC236}">
+                <a16:creationId xmlns:a16="http://schemas.microsoft.com/office/drawing/2014/main" id="{2E907299-9B23-94CF-E853-72AF18F41C9C}"/>
+              </a:ext>
+            </a:extLst>
+          </p:cNvPr>
+          <p:cNvSpPr txBox="1">
+            <a:spLocks/>
+          </p:cNvSpPr>
+          <p:nvPr/>
+        </p:nvSpPr>
+        <p:spPr>
+          <a:xfrm>
+            <a:off x="621804" y="957400"/>
+            <a:ext cx="2160240" cy="720080"/>
+          </a:xfrm>
+          <a:prstGeom prst="rect">
+            <a:avLst/>
+          </a:prstGeom>
+        </p:spPr>
+        <p:txBody>
+          <a:bodyPr vert="horz" lIns="121899" tIns="60949" rIns="121899" bIns="60949" rtlCol="0">
+            <a:normAutofit/>
+          </a:bodyPr>
+          <a:lstStyle>
+            <a:lvl1pPr marL="304747" indent="-304747" algn="l" defTabSz="1218987" rtl="0" eaLnBrk="1" latinLnBrk="0" hangingPunct="1">
+              <a:lnSpc>
+                <a:spcPct val="90000"/>
+              </a:lnSpc>
+              <a:spcBef>
+                <a:spcPts val="1600"/>
+              </a:spcBef>
+              <a:buClr>
+                <a:schemeClr val="accent1"/>
+              </a:buClr>
+              <a:buSzPct val="100000"/>
+              <a:buFont typeface="Arial" pitchFamily="34" charset="0"/>
+              <a:buChar char="•"/>
+              <a:defRPr sz="2800" kern="1200">
+                <a:solidFill>
+                  <a:schemeClr val="tx1"/>
+                </a:solidFill>
+                <a:latin typeface="+mn-lt"/>
+                <a:ea typeface="+mn-ea"/>
+                <a:cs typeface="+mn-cs"/>
+              </a:defRPr>
+            </a:lvl1pPr>
+            <a:lvl2pPr marL="609493" indent="-231607" algn="l" defTabSz="1218987" rtl="0" eaLnBrk="1" latinLnBrk="0" hangingPunct="1">
+              <a:lnSpc>
+                <a:spcPct val="90000"/>
+              </a:lnSpc>
+              <a:spcBef>
+                <a:spcPts val="800"/>
+              </a:spcBef>
+              <a:buClr>
+                <a:schemeClr val="accent1"/>
+              </a:buClr>
+              <a:buSzPct val="80000"/>
+              <a:buFont typeface="Arial" pitchFamily="34" charset="0"/>
+              <a:buChar char="•"/>
+              <a:defRPr sz="2400" kern="1200">
+                <a:solidFill>
+                  <a:schemeClr val="tx1"/>
+                </a:solidFill>
+                <a:latin typeface="+mn-lt"/>
+                <a:ea typeface="+mn-ea"/>
+                <a:cs typeface="+mn-cs"/>
+              </a:defRPr>
+            </a:lvl2pPr>
+            <a:lvl3pPr marL="914240" indent="-231607" algn="l" defTabSz="1218987" rtl="0" eaLnBrk="1" latinLnBrk="0" hangingPunct="1">
+              <a:lnSpc>
+                <a:spcPct val="90000"/>
+              </a:lnSpc>
+              <a:spcBef>
+                <a:spcPts val="800"/>
+              </a:spcBef>
+              <a:buClr>
+                <a:schemeClr val="accent1"/>
+              </a:buClr>
+              <a:buSzPct val="80000"/>
+              <a:buFont typeface="Arial" pitchFamily="34" charset="0"/>
+              <a:buChar char="•"/>
+              <a:defRPr sz="2000" kern="1200">
+                <a:solidFill>
+                  <a:schemeClr val="tx1"/>
+                </a:solidFill>
+                <a:latin typeface="+mn-lt"/>
+                <a:ea typeface="+mn-ea"/>
+                <a:cs typeface="+mn-cs"/>
+              </a:defRPr>
+            </a:lvl3pPr>
+            <a:lvl4pPr marL="1218987" indent="-231607" algn="l" defTabSz="1218987" rtl="0" eaLnBrk="1" latinLnBrk="0" hangingPunct="1">
+              <a:lnSpc>
+                <a:spcPct val="90000"/>
+              </a:lnSpc>
+              <a:spcBef>
+                <a:spcPts val="800"/>
+              </a:spcBef>
+              <a:buClr>
+                <a:schemeClr val="accent1"/>
+              </a:buClr>
+              <a:buSzPct val="80000"/>
+              <a:buFont typeface="Arial" pitchFamily="34" charset="0"/>
+              <a:buChar char="•"/>
+              <a:defRPr sz="2000" kern="1200">
+                <a:solidFill>
+                  <a:schemeClr val="tx1"/>
+                </a:solidFill>
+                <a:latin typeface="+mn-lt"/>
+                <a:ea typeface="+mn-ea"/>
+                <a:cs typeface="+mn-cs"/>
+              </a:defRPr>
+            </a:lvl4pPr>
+            <a:lvl5pPr marL="1523733" indent="-231607" algn="l" defTabSz="1218987" rtl="0" eaLnBrk="1" latinLnBrk="0" hangingPunct="1">
+              <a:lnSpc>
+                <a:spcPct val="90000"/>
+              </a:lnSpc>
+              <a:spcBef>
+                <a:spcPts val="800"/>
+              </a:spcBef>
+              <a:buClr>
+                <a:schemeClr val="accent1"/>
+              </a:buClr>
+              <a:buSzPct val="80000"/>
+              <a:buFont typeface="Arial" pitchFamily="34" charset="0"/>
+              <a:buChar char="•"/>
+              <a:defRPr sz="2000" kern="1200">
+                <a:solidFill>
+                  <a:schemeClr val="tx1"/>
+                </a:solidFill>
+                <a:latin typeface="+mn-lt"/>
+                <a:ea typeface="+mn-ea"/>
+                <a:cs typeface="+mn-cs"/>
+              </a:defRPr>
+            </a:lvl5pPr>
+            <a:lvl6pPr marL="1828480" indent="-231607" algn="l" defTabSz="1218987" rtl="0" eaLnBrk="1" latinLnBrk="0" hangingPunct="1">
+              <a:lnSpc>
+                <a:spcPct val="90000"/>
+              </a:lnSpc>
+              <a:spcBef>
+                <a:spcPts val="800"/>
+              </a:spcBef>
+              <a:buClr>
+                <a:schemeClr val="accent1"/>
+              </a:buClr>
+              <a:buSzPct val="80000"/>
+              <a:buFont typeface="Arial" pitchFamily="34" charset="0"/>
+              <a:buChar char="•"/>
+              <a:defRPr sz="2000" kern="1200">
+                <a:solidFill>
+                  <a:schemeClr val="tx1"/>
+                </a:solidFill>
+                <a:latin typeface="+mn-lt"/>
+                <a:ea typeface="+mn-ea"/>
+                <a:cs typeface="+mn-cs"/>
+              </a:defRPr>
+            </a:lvl6pPr>
+            <a:lvl7pPr marL="2133227" indent="-231607" algn="l" defTabSz="1218987" rtl="0" eaLnBrk="1" latinLnBrk="0" hangingPunct="1">
+              <a:lnSpc>
+                <a:spcPct val="90000"/>
+              </a:lnSpc>
+              <a:spcBef>
+                <a:spcPts val="800"/>
+              </a:spcBef>
+              <a:buClr>
+                <a:schemeClr val="accent1"/>
+              </a:buClr>
+              <a:buSzPct val="80000"/>
+              <a:buFont typeface="Arial" pitchFamily="34" charset="0"/>
+              <a:buChar char="•"/>
+              <a:defRPr sz="2000" kern="1200">
+                <a:solidFill>
+                  <a:schemeClr val="tx1"/>
+                </a:solidFill>
+                <a:latin typeface="+mn-lt"/>
+                <a:ea typeface="+mn-ea"/>
+                <a:cs typeface="+mn-cs"/>
+              </a:defRPr>
+            </a:lvl7pPr>
+            <a:lvl8pPr marL="2437973" indent="-231607" algn="l" defTabSz="1218987" rtl="0" eaLnBrk="1" latinLnBrk="0" hangingPunct="1">
+              <a:lnSpc>
+                <a:spcPct val="90000"/>
+              </a:lnSpc>
+              <a:spcBef>
+                <a:spcPts val="800"/>
+              </a:spcBef>
+              <a:buClr>
+                <a:schemeClr val="accent1"/>
+              </a:buClr>
+              <a:buSzPct val="80000"/>
+              <a:buFont typeface="Arial" pitchFamily="34" charset="0"/>
+              <a:buChar char="•"/>
+              <a:defRPr sz="2000" kern="1200" baseline="0">
+                <a:solidFill>
+                  <a:schemeClr val="tx1"/>
+                </a:solidFill>
+                <a:latin typeface="+mn-lt"/>
+                <a:ea typeface="+mn-ea"/>
+                <a:cs typeface="+mn-cs"/>
+              </a:defRPr>
+            </a:lvl8pPr>
+            <a:lvl9pPr marL="2742720" indent="-231607" algn="l" defTabSz="1218987" rtl="0" eaLnBrk="1" latinLnBrk="0" hangingPunct="1">
+              <a:lnSpc>
+                <a:spcPct val="90000"/>
+              </a:lnSpc>
+              <a:spcBef>
+                <a:spcPts val="800"/>
+              </a:spcBef>
+              <a:buClr>
+                <a:schemeClr val="accent1"/>
+              </a:buClr>
+              <a:buSzPct val="80000"/>
+              <a:buFont typeface="Arial" pitchFamily="34" charset="0"/>
+              <a:buChar char="•"/>
+              <a:defRPr sz="2000" kern="1200" baseline="0">
+                <a:solidFill>
+                  <a:schemeClr val="tx1"/>
+                </a:solidFill>
+                <a:latin typeface="+mn-lt"/>
+                <a:ea typeface="+mn-ea"/>
+                <a:cs typeface="+mn-cs"/>
+              </a:defRPr>
+            </a:lvl9pPr>
+          </a:lstStyle>
+          <a:p>
+            <a:pPr marL="377886" lvl="1" indent="0">
+              <a:buFont typeface="Arial" pitchFamily="34" charset="0"/>
+              <a:buNone/>
+            </a:pPr>
+            <a:r>
+              <a:rPr lang="es-AR" sz="3200" b="1" dirty="0">
+                <a:effectLst>
+                  <a:outerShdw blurRad="38100" dist="38100" dir="2700000" algn="tl">
+                    <a:srgbClr val="000000">
+                      <a:alpha val="43137"/>
+                    </a:srgbClr>
+                  </a:outerShdw>
+                </a:effectLst>
+              </a:rPr>
+              <a:t>render()</a:t>
+            </a:r>
+            <a:endParaRPr lang="es-ES" sz="3200" b="1" dirty="0">
+              <a:effectLst>
+                <a:outerShdw blurRad="38100" dist="38100" dir="2700000" algn="tl">
+                  <a:srgbClr val="000000">
+                    <a:alpha val="43137"/>
+                  </a:srgbClr>
+                </a:outerShdw>
+              </a:effectLst>
+            </a:endParaRPr>
+          </a:p>
+        </p:txBody>
+      </p:sp>
+      <p:pic>
+        <p:nvPicPr>
+          <p:cNvPr id="8" name="Imagen 7">
+            <a:extLst>
+              <a:ext uri="{FF2B5EF4-FFF2-40B4-BE49-F238E27FC236}">
+                <a16:creationId xmlns:a16="http://schemas.microsoft.com/office/drawing/2014/main" id="{97662E06-6164-396F-3A82-5D90BC54ABAE}"/>
+              </a:ext>
+            </a:extLst>
+          </p:cNvPr>
+          <p:cNvPicPr>
+            <a:picLocks noChangeAspect="1"/>
+          </p:cNvPicPr>
+          <p:nvPr/>
+        </p:nvPicPr>
+        <p:blipFill>
+          <a:blip r:embed="rId2"/>
+          <a:stretch>
+            <a:fillRect/>
+          </a:stretch>
+        </p:blipFill>
+        <p:spPr>
+          <a:xfrm>
+            <a:off x="982712" y="1940160"/>
+            <a:ext cx="10866992" cy="2280928"/>
+          </a:xfrm>
+          <a:prstGeom prst="rect">
+            <a:avLst/>
+          </a:prstGeom>
+        </p:spPr>
+      </p:pic>
+      <p:sp>
+        <p:nvSpPr>
+          <p:cNvPr id="9" name="Rectángulo: esquinas redondeadas 8">
+            <a:extLst>
+              <a:ext uri="{FF2B5EF4-FFF2-40B4-BE49-F238E27FC236}">
+                <a16:creationId xmlns:a16="http://schemas.microsoft.com/office/drawing/2014/main" id="{244B530B-8E5B-0593-7C75-9CD2B2FA5B73}"/>
+              </a:ext>
+            </a:extLst>
+          </p:cNvPr>
+          <p:cNvSpPr/>
+          <p:nvPr/>
+        </p:nvSpPr>
+        <p:spPr>
+          <a:xfrm>
+            <a:off x="2277988" y="2708920"/>
+            <a:ext cx="2448272" cy="360040"/>
+          </a:xfrm>
+          <a:prstGeom prst="roundRect">
+            <a:avLst/>
+          </a:prstGeom>
+          <a:noFill/>
+          <a:ln w="76200">
+            <a:solidFill>
+              <a:srgbClr val="FF0000"/>
+            </a:solidFill>
+          </a:ln>
+        </p:spPr>
+        <p:style>
+          <a:lnRef idx="2">
+            <a:schemeClr val="accent1">
+              <a:shade val="50000"/>
+            </a:schemeClr>
+          </a:lnRef>
+          <a:fillRef idx="1">
+            <a:schemeClr val="accent1"/>
+          </a:fillRef>
+          <a:effectRef idx="0">
+            <a:schemeClr val="accent1"/>
+          </a:effectRef>
+          <a:fontRef idx="minor">
+            <a:schemeClr val="lt1"/>
+          </a:fontRef>
+        </p:style>
+        <p:txBody>
+          <a:bodyPr rtlCol="0" anchor="ctr"/>
+          <a:lstStyle/>
+          <a:p>
+            <a:pPr algn="ctr"/>
+            <a:endParaRPr lang="es-AR" sz="2800"/>
+          </a:p>
+        </p:txBody>
+      </p:sp>
+    </p:spTree>
+    <p:extLst>
+      <p:ext uri="{BB962C8B-B14F-4D97-AF65-F5344CB8AC3E}">
+        <p14:creationId xmlns:p14="http://schemas.microsoft.com/office/powerpoint/2010/main" val="3905994954"/>
+      </p:ext>
+    </p:extLst>
+  </p:cSld>
+  <p:clrMapOvr>
+    <a:masterClrMapping/>
+  </p:clrMapOvr>
+  <mc:AlternateContent xmlns:mc="http://schemas.openxmlformats.org/markup-compatibility/2006" xmlns:p14="http://schemas.microsoft.com/office/powerpoint/2010/main">
+    <mc:Choice Requires="p14">
+      <p:transition spd="med" p14:dur="700">
+        <p:fade/>
+      </p:transition>
+    </mc:Choice>
+    <mc:Fallback xmlns="">
+      <p:transition spd="med">
+        <p:fade/>
+      </p:transition>
+    </mc:Fallback>
+  </mc:AlternateContent>
+</p:sld>
+</file>
+
+<file path=ppt/slides/slide13.xml><?xml version="1.0" encoding="utf-8"?>
+<p:sld xmlns:a="http://schemas.openxmlformats.org/drawingml/2006/main" xmlns:r="http://schemas.openxmlformats.org/officeDocument/2006/relationships" xmlns:p="http://schemas.openxmlformats.org/presentationml/2006/main">
+  <p:cSld>
+    <p:spTree>
+      <p:nvGrpSpPr>
+        <p:cNvPr id="1" name=""/>
+        <p:cNvGrpSpPr/>
+        <p:nvPr/>
+      </p:nvGrpSpPr>
+      <p:grpSpPr>
+        <a:xfrm>
+          <a:off x="0" y="0"/>
+          <a:ext cx="0" cy="0"/>
+          <a:chOff x="0" y="0"/>
+          <a:chExt cx="0" cy="0"/>
+        </a:xfrm>
+      </p:grpSpPr>
+      <p:sp>
+        <p:nvSpPr>
+          <p:cNvPr id="3" name="Marcador de contenido 2">
+            <a:extLst>
+              <a:ext uri="{FF2B5EF4-FFF2-40B4-BE49-F238E27FC236}">
+                <a16:creationId xmlns:a16="http://schemas.microsoft.com/office/drawing/2014/main" id="{57436204-E7CF-1976-B8D6-BC861D94A6E3}"/>
+              </a:ext>
+            </a:extLst>
+          </p:cNvPr>
+          <p:cNvSpPr>
+            <a:spLocks noGrp="1"/>
+          </p:cNvSpPr>
+          <p:nvPr>
+            <p:ph idx="1"/>
+          </p:nvPr>
+        </p:nvSpPr>
+        <p:spPr>
+          <a:xfrm>
+            <a:off x="909836" y="188640"/>
+            <a:ext cx="7560840" cy="720080"/>
+          </a:xfrm>
+        </p:spPr>
+        <p:txBody>
+          <a:bodyPr>
+            <a:normAutofit/>
+          </a:bodyPr>
+          <a:lstStyle/>
+          <a:p>
+            <a:pPr marL="0" indent="0">
+              <a:buNone/>
+            </a:pPr>
+            <a:r>
+              <a:rPr lang="es-AR" sz="3600" b="1" dirty="0">
+                <a:effectLst>
+                  <a:outerShdw blurRad="38100" dist="38100" dir="2700000" algn="tl">
+                    <a:srgbClr val="000000">
+                      <a:alpha val="43137"/>
+                    </a:srgbClr>
+                  </a:outerShdw>
+                </a:effectLst>
+              </a:rPr>
+              <a:t>Búsqueda de elementos del DOM</a:t>
+            </a:r>
+          </a:p>
+        </p:txBody>
+      </p:sp>
+      <p:sp>
+        <p:nvSpPr>
+          <p:cNvPr id="6" name="Marcador de contenido 2">
+            <a:extLst>
+              <a:ext uri="{FF2B5EF4-FFF2-40B4-BE49-F238E27FC236}">
+                <a16:creationId xmlns:a16="http://schemas.microsoft.com/office/drawing/2014/main" id="{A878B135-1EFE-A193-C5FA-049AA2A13FB0}"/>
+              </a:ext>
+            </a:extLst>
+          </p:cNvPr>
+          <p:cNvSpPr txBox="1">
+            <a:spLocks/>
+          </p:cNvSpPr>
+          <p:nvPr/>
+        </p:nvSpPr>
+        <p:spPr>
+          <a:xfrm>
+            <a:off x="765821" y="1310744"/>
+            <a:ext cx="2664296" cy="720080"/>
+          </a:xfrm>
+          <a:prstGeom prst="rect">
+            <a:avLst/>
+          </a:prstGeom>
+        </p:spPr>
+        <p:txBody>
+          <a:bodyPr vert="horz" lIns="121899" tIns="60949" rIns="121899" bIns="60949" rtlCol="0">
+            <a:normAutofit/>
+          </a:bodyPr>
+          <a:lstStyle>
+            <a:lvl1pPr marL="304747" indent="-304747" algn="l" defTabSz="1218987" rtl="0" eaLnBrk="1" latinLnBrk="0" hangingPunct="1">
+              <a:lnSpc>
+                <a:spcPct val="90000"/>
+              </a:lnSpc>
+              <a:spcBef>
+                <a:spcPts val="1600"/>
+              </a:spcBef>
+              <a:buClr>
+                <a:schemeClr val="accent1"/>
+              </a:buClr>
+              <a:buSzPct val="100000"/>
+              <a:buFont typeface="Arial" pitchFamily="34" charset="0"/>
+              <a:buChar char="•"/>
+              <a:defRPr sz="2800" kern="1200">
+                <a:solidFill>
+                  <a:schemeClr val="tx1"/>
+                </a:solidFill>
+                <a:latin typeface="+mn-lt"/>
+                <a:ea typeface="+mn-ea"/>
+                <a:cs typeface="+mn-cs"/>
+              </a:defRPr>
+            </a:lvl1pPr>
+            <a:lvl2pPr marL="609493" indent="-231607" algn="l" defTabSz="1218987" rtl="0" eaLnBrk="1" latinLnBrk="0" hangingPunct="1">
+              <a:lnSpc>
+                <a:spcPct val="90000"/>
+              </a:lnSpc>
+              <a:spcBef>
+                <a:spcPts val="800"/>
+              </a:spcBef>
+              <a:buClr>
+                <a:schemeClr val="accent1"/>
+              </a:buClr>
+              <a:buSzPct val="80000"/>
+              <a:buFont typeface="Arial" pitchFamily="34" charset="0"/>
+              <a:buChar char="•"/>
+              <a:defRPr sz="2400" kern="1200">
+                <a:solidFill>
+                  <a:schemeClr val="tx1"/>
+                </a:solidFill>
+                <a:latin typeface="+mn-lt"/>
+                <a:ea typeface="+mn-ea"/>
+                <a:cs typeface="+mn-cs"/>
+              </a:defRPr>
+            </a:lvl2pPr>
+            <a:lvl3pPr marL="914240" indent="-231607" algn="l" defTabSz="1218987" rtl="0" eaLnBrk="1" latinLnBrk="0" hangingPunct="1">
+              <a:lnSpc>
+                <a:spcPct val="90000"/>
+              </a:lnSpc>
+              <a:spcBef>
+                <a:spcPts val="800"/>
+              </a:spcBef>
+              <a:buClr>
+                <a:schemeClr val="accent1"/>
+              </a:buClr>
+              <a:buSzPct val="80000"/>
+              <a:buFont typeface="Arial" pitchFamily="34" charset="0"/>
+              <a:buChar char="•"/>
+              <a:defRPr sz="2000" kern="1200">
+                <a:solidFill>
+                  <a:schemeClr val="tx1"/>
+                </a:solidFill>
+                <a:latin typeface="+mn-lt"/>
+                <a:ea typeface="+mn-ea"/>
+                <a:cs typeface="+mn-cs"/>
+              </a:defRPr>
+            </a:lvl3pPr>
+            <a:lvl4pPr marL="1218987" indent="-231607" algn="l" defTabSz="1218987" rtl="0" eaLnBrk="1" latinLnBrk="0" hangingPunct="1">
+              <a:lnSpc>
+                <a:spcPct val="90000"/>
+              </a:lnSpc>
+              <a:spcBef>
+                <a:spcPts val="800"/>
+              </a:spcBef>
+              <a:buClr>
+                <a:schemeClr val="accent1"/>
+              </a:buClr>
+              <a:buSzPct val="80000"/>
+              <a:buFont typeface="Arial" pitchFamily="34" charset="0"/>
+              <a:buChar char="•"/>
+              <a:defRPr sz="2000" kern="1200">
+                <a:solidFill>
+                  <a:schemeClr val="tx1"/>
+                </a:solidFill>
+                <a:latin typeface="+mn-lt"/>
+                <a:ea typeface="+mn-ea"/>
+                <a:cs typeface="+mn-cs"/>
+              </a:defRPr>
+            </a:lvl4pPr>
+            <a:lvl5pPr marL="1523733" indent="-231607" algn="l" defTabSz="1218987" rtl="0" eaLnBrk="1" latinLnBrk="0" hangingPunct="1">
+              <a:lnSpc>
+                <a:spcPct val="90000"/>
+              </a:lnSpc>
+              <a:spcBef>
+                <a:spcPts val="800"/>
+              </a:spcBef>
+              <a:buClr>
+                <a:schemeClr val="accent1"/>
+              </a:buClr>
+              <a:buSzPct val="80000"/>
+              <a:buFont typeface="Arial" pitchFamily="34" charset="0"/>
+              <a:buChar char="•"/>
+              <a:defRPr sz="2000" kern="1200">
+                <a:solidFill>
+                  <a:schemeClr val="tx1"/>
+                </a:solidFill>
+                <a:latin typeface="+mn-lt"/>
+                <a:ea typeface="+mn-ea"/>
+                <a:cs typeface="+mn-cs"/>
+              </a:defRPr>
+            </a:lvl5pPr>
+            <a:lvl6pPr marL="1828480" indent="-231607" algn="l" defTabSz="1218987" rtl="0" eaLnBrk="1" latinLnBrk="0" hangingPunct="1">
+              <a:lnSpc>
+                <a:spcPct val="90000"/>
+              </a:lnSpc>
+              <a:spcBef>
+                <a:spcPts val="800"/>
+              </a:spcBef>
+              <a:buClr>
+                <a:schemeClr val="accent1"/>
+              </a:buClr>
+              <a:buSzPct val="80000"/>
+              <a:buFont typeface="Arial" pitchFamily="34" charset="0"/>
+              <a:buChar char="•"/>
+              <a:defRPr sz="2000" kern="1200">
+                <a:solidFill>
+                  <a:schemeClr val="tx1"/>
+                </a:solidFill>
+                <a:latin typeface="+mn-lt"/>
+                <a:ea typeface="+mn-ea"/>
+                <a:cs typeface="+mn-cs"/>
+              </a:defRPr>
+            </a:lvl6pPr>
+            <a:lvl7pPr marL="2133227" indent="-231607" algn="l" defTabSz="1218987" rtl="0" eaLnBrk="1" latinLnBrk="0" hangingPunct="1">
+              <a:lnSpc>
+                <a:spcPct val="90000"/>
+              </a:lnSpc>
+              <a:spcBef>
+                <a:spcPts val="800"/>
+              </a:spcBef>
+              <a:buClr>
+                <a:schemeClr val="accent1"/>
+              </a:buClr>
+              <a:buSzPct val="80000"/>
+              <a:buFont typeface="Arial" pitchFamily="34" charset="0"/>
+              <a:buChar char="•"/>
+              <a:defRPr sz="2000" kern="1200">
+                <a:solidFill>
+                  <a:schemeClr val="tx1"/>
+                </a:solidFill>
+                <a:latin typeface="+mn-lt"/>
+                <a:ea typeface="+mn-ea"/>
+                <a:cs typeface="+mn-cs"/>
+              </a:defRPr>
+            </a:lvl7pPr>
+            <a:lvl8pPr marL="2437973" indent="-231607" algn="l" defTabSz="1218987" rtl="0" eaLnBrk="1" latinLnBrk="0" hangingPunct="1">
+              <a:lnSpc>
+                <a:spcPct val="90000"/>
+              </a:lnSpc>
+              <a:spcBef>
+                <a:spcPts val="800"/>
+              </a:spcBef>
+              <a:buClr>
+                <a:schemeClr val="accent1"/>
+              </a:buClr>
+              <a:buSzPct val="80000"/>
+              <a:buFont typeface="Arial" pitchFamily="34" charset="0"/>
+              <a:buChar char="•"/>
+              <a:defRPr sz="2000" kern="1200" baseline="0">
+                <a:solidFill>
+                  <a:schemeClr val="tx1"/>
+                </a:solidFill>
+                <a:latin typeface="+mn-lt"/>
+                <a:ea typeface="+mn-ea"/>
+                <a:cs typeface="+mn-cs"/>
+              </a:defRPr>
+            </a:lvl8pPr>
+            <a:lvl9pPr marL="2742720" indent="-231607" algn="l" defTabSz="1218987" rtl="0" eaLnBrk="1" latinLnBrk="0" hangingPunct="1">
+              <a:lnSpc>
+                <a:spcPct val="90000"/>
+              </a:lnSpc>
+              <a:spcBef>
+                <a:spcPts val="800"/>
+              </a:spcBef>
+              <a:buClr>
+                <a:schemeClr val="accent1"/>
+              </a:buClr>
+              <a:buSzPct val="80000"/>
+              <a:buFont typeface="Arial" pitchFamily="34" charset="0"/>
+              <a:buChar char="•"/>
+              <a:defRPr sz="2000" kern="1200" baseline="0">
+                <a:solidFill>
+                  <a:schemeClr val="tx1"/>
+                </a:solidFill>
+                <a:latin typeface="+mn-lt"/>
+                <a:ea typeface="+mn-ea"/>
+                <a:cs typeface="+mn-cs"/>
+              </a:defRPr>
+            </a:lvl9pPr>
+          </a:lstStyle>
+          <a:p>
+            <a:pPr marL="304746" lvl="1" indent="0">
+              <a:buNone/>
+            </a:pPr>
+            <a:r>
+              <a:rPr lang="es-AR" sz="3200" b="1" dirty="0" err="1">
+                <a:effectLst>
+                  <a:outerShdw blurRad="38100" dist="38100" dir="2700000" algn="tl">
+                    <a:srgbClr val="000000">
+                      <a:alpha val="43137"/>
+                    </a:srgbClr>
+                  </a:outerShdw>
+                </a:effectLst>
+              </a:rPr>
+              <a:t>getByText</a:t>
+            </a:r>
+            <a:r>
+              <a:rPr lang="es-AR" sz="3200" b="1" dirty="0">
+                <a:effectLst>
+                  <a:outerShdw blurRad="38100" dist="38100" dir="2700000" algn="tl">
+                    <a:srgbClr val="000000">
+                      <a:alpha val="43137"/>
+                    </a:srgbClr>
+                  </a:outerShdw>
+                </a:effectLst>
+              </a:rPr>
+              <a:t>()</a:t>
+            </a:r>
+          </a:p>
+        </p:txBody>
+      </p:sp>
+      <p:pic>
+        <p:nvPicPr>
+          <p:cNvPr id="1026" name="Picture 2">
+            <a:extLst>
+              <a:ext uri="{FF2B5EF4-FFF2-40B4-BE49-F238E27FC236}">
+                <a16:creationId xmlns:a16="http://schemas.microsoft.com/office/drawing/2014/main" id="{D7EAE688-8A36-4EF8-441A-DED3F13A2D1C}"/>
+              </a:ext>
+            </a:extLst>
+          </p:cNvPr>
+          <p:cNvPicPr>
+            <a:picLocks noChangeAspect="1" noChangeArrowheads="1"/>
+          </p:cNvPicPr>
+          <p:nvPr/>
+        </p:nvPicPr>
+        <p:blipFill>
+          <a:blip r:embed="rId2">
+            <a:extLst>
+              <a:ext uri="{28A0092B-C50C-407E-A947-70E740481C1C}">
+                <a14:useLocalDpi xmlns:a14="http://schemas.microsoft.com/office/drawing/2010/main" val="0"/>
+              </a:ext>
+            </a:extLst>
+          </a:blip>
+          <a:srcRect/>
+          <a:stretch>
+            <a:fillRect/>
+          </a:stretch>
+        </p:blipFill>
+        <p:spPr bwMode="auto">
+          <a:xfrm>
+            <a:off x="1053852" y="2035016"/>
+            <a:ext cx="10123127" cy="2216096"/>
+          </a:xfrm>
+          <a:prstGeom prst="rect">
+            <a:avLst/>
+          </a:prstGeom>
+          <a:noFill/>
+          <a:extLst>
+            <a:ext uri="{909E8E84-426E-40DD-AFC4-6F175D3DCCD1}">
+              <a14:hiddenFill xmlns:a14="http://schemas.microsoft.com/office/drawing/2010/main">
+                <a:solidFill>
+                  <a:srgbClr val="FFFFFF"/>
+                </a:solidFill>
+              </a14:hiddenFill>
+            </a:ext>
+          </a:extLst>
+        </p:spPr>
+      </p:pic>
+      <p:sp>
+        <p:nvSpPr>
+          <p:cNvPr id="9" name="Rectángulo: esquinas redondeadas 8">
+            <a:extLst>
+              <a:ext uri="{FF2B5EF4-FFF2-40B4-BE49-F238E27FC236}">
+                <a16:creationId xmlns:a16="http://schemas.microsoft.com/office/drawing/2014/main" id="{6881A15E-D2D7-55D7-F23C-3874C7F81E1F}"/>
+              </a:ext>
+            </a:extLst>
+          </p:cNvPr>
+          <p:cNvSpPr/>
+          <p:nvPr/>
+        </p:nvSpPr>
+        <p:spPr>
+          <a:xfrm>
+            <a:off x="5230316" y="2908816"/>
+            <a:ext cx="1368152" cy="504056"/>
+          </a:xfrm>
+          <a:prstGeom prst="roundRect">
+            <a:avLst/>
+          </a:prstGeom>
+          <a:noFill/>
+          <a:ln w="38100">
+            <a:solidFill>
+              <a:srgbClr val="FF0000"/>
+            </a:solidFill>
+          </a:ln>
+        </p:spPr>
+        <p:style>
+          <a:lnRef idx="2">
+            <a:schemeClr val="accent1">
+              <a:shade val="50000"/>
+            </a:schemeClr>
+          </a:lnRef>
+          <a:fillRef idx="1">
+            <a:schemeClr val="accent1"/>
+          </a:fillRef>
+          <a:effectRef idx="0">
+            <a:schemeClr val="accent1"/>
+          </a:effectRef>
+          <a:fontRef idx="minor">
+            <a:schemeClr val="lt1"/>
+          </a:fontRef>
+        </p:style>
+        <p:txBody>
+          <a:bodyPr rtlCol="0" anchor="ctr"/>
+          <a:lstStyle/>
+          <a:p>
+            <a:pPr algn="ctr"/>
+            <a:endParaRPr lang="es-AR" sz="2800"/>
+          </a:p>
+        </p:txBody>
+      </p:sp>
+    </p:spTree>
+    <p:extLst>
+      <p:ext uri="{BB962C8B-B14F-4D97-AF65-F5344CB8AC3E}">
+        <p14:creationId xmlns:p14="http://schemas.microsoft.com/office/powerpoint/2010/main" val="2273514251"/>
+      </p:ext>
+    </p:extLst>
+  </p:cSld>
+  <p:clrMapOvr>
+    <a:masterClrMapping/>
+  </p:clrMapOvr>
+  <mc:AlternateContent xmlns:mc="http://schemas.openxmlformats.org/markup-compatibility/2006" xmlns:p14="http://schemas.microsoft.com/office/powerpoint/2010/main">
+    <mc:Choice Requires="p14">
+      <p:transition spd="med" p14:dur="700">
+        <p:fade/>
+      </p:transition>
+    </mc:Choice>
+    <mc:Fallback xmlns="">
+      <p:transition spd="med">
+        <p:fade/>
+      </p:transition>
+    </mc:Fallback>
+  </mc:AlternateContent>
+</p:sld>
+</file>
+
+<file path=ppt/slides/slide14.xml><?xml version="1.0" encoding="utf-8"?>
+<p:sld xmlns:a="http://schemas.openxmlformats.org/drawingml/2006/main" xmlns:r="http://schemas.openxmlformats.org/officeDocument/2006/relationships" xmlns:p="http://schemas.openxmlformats.org/presentationml/2006/main">
+  <p:cSld>
+    <p:spTree>
+      <p:nvGrpSpPr>
+        <p:cNvPr id="1" name=""/>
+        <p:cNvGrpSpPr/>
+        <p:nvPr/>
+      </p:nvGrpSpPr>
+      <p:grpSpPr>
+        <a:xfrm>
+          <a:off x="0" y="0"/>
+          <a:ext cx="0" cy="0"/>
+          <a:chOff x="0" y="0"/>
+          <a:chExt cx="0" cy="0"/>
+        </a:xfrm>
+      </p:grpSpPr>
+      <p:sp>
+        <p:nvSpPr>
+          <p:cNvPr id="3" name="Marcador de contenido 2">
+            <a:extLst>
+              <a:ext uri="{FF2B5EF4-FFF2-40B4-BE49-F238E27FC236}">
+                <a16:creationId xmlns:a16="http://schemas.microsoft.com/office/drawing/2014/main" id="{57436204-E7CF-1976-B8D6-BC861D94A6E3}"/>
+              </a:ext>
+            </a:extLst>
+          </p:cNvPr>
+          <p:cNvSpPr>
+            <a:spLocks noGrp="1"/>
+          </p:cNvSpPr>
+          <p:nvPr>
+            <p:ph idx="1"/>
+          </p:nvPr>
+        </p:nvSpPr>
+        <p:spPr>
+          <a:xfrm>
+            <a:off x="909836" y="188640"/>
+            <a:ext cx="7560840" cy="720080"/>
+          </a:xfrm>
+        </p:spPr>
+        <p:txBody>
+          <a:bodyPr>
+            <a:normAutofit/>
+          </a:bodyPr>
+          <a:lstStyle/>
+          <a:p>
+            <a:pPr marL="0" indent="0">
+              <a:buNone/>
+            </a:pPr>
+            <a:r>
+              <a:rPr lang="es-AR" sz="3600" b="1" dirty="0">
+                <a:effectLst>
+                  <a:outerShdw blurRad="38100" dist="38100" dir="2700000" algn="tl">
+                    <a:srgbClr val="000000">
+                      <a:alpha val="43137"/>
+                    </a:srgbClr>
+                  </a:outerShdw>
+                </a:effectLst>
+              </a:rPr>
+              <a:t>Búsqueda de elementos del DOM</a:t>
+            </a:r>
+          </a:p>
+        </p:txBody>
+      </p:sp>
+      <p:sp>
+        <p:nvSpPr>
+          <p:cNvPr id="7" name="Marcador de contenido 2">
+            <a:extLst>
+              <a:ext uri="{FF2B5EF4-FFF2-40B4-BE49-F238E27FC236}">
+                <a16:creationId xmlns:a16="http://schemas.microsoft.com/office/drawing/2014/main" id="{77B8C518-A661-7D61-7E11-27DA4CCFBF5A}"/>
+              </a:ext>
+            </a:extLst>
+          </p:cNvPr>
+          <p:cNvSpPr txBox="1">
+            <a:spLocks/>
+          </p:cNvSpPr>
+          <p:nvPr/>
+        </p:nvSpPr>
+        <p:spPr>
+          <a:xfrm>
+            <a:off x="621804" y="908720"/>
+            <a:ext cx="2736304" cy="606088"/>
+          </a:xfrm>
+          <a:prstGeom prst="rect">
+            <a:avLst/>
+          </a:prstGeom>
+        </p:spPr>
+        <p:txBody>
+          <a:bodyPr vert="horz" lIns="121899" tIns="60949" rIns="121899" bIns="60949" rtlCol="0">
+            <a:normAutofit/>
+          </a:bodyPr>
+          <a:lstStyle>
+            <a:lvl1pPr marL="304747" indent="-304747" algn="l" defTabSz="1218987" rtl="0" eaLnBrk="1" latinLnBrk="0" hangingPunct="1">
+              <a:lnSpc>
+                <a:spcPct val="90000"/>
+              </a:lnSpc>
+              <a:spcBef>
+                <a:spcPts val="1600"/>
+              </a:spcBef>
+              <a:buClr>
+                <a:schemeClr val="accent1"/>
+              </a:buClr>
+              <a:buSzPct val="100000"/>
+              <a:buFont typeface="Arial" pitchFamily="34" charset="0"/>
+              <a:buChar char="•"/>
+              <a:defRPr sz="2800" kern="1200">
+                <a:solidFill>
+                  <a:schemeClr val="tx1"/>
+                </a:solidFill>
+                <a:latin typeface="+mn-lt"/>
+                <a:ea typeface="+mn-ea"/>
+                <a:cs typeface="+mn-cs"/>
+              </a:defRPr>
+            </a:lvl1pPr>
+            <a:lvl2pPr marL="609493" indent="-231607" algn="l" defTabSz="1218987" rtl="0" eaLnBrk="1" latinLnBrk="0" hangingPunct="1">
+              <a:lnSpc>
+                <a:spcPct val="90000"/>
+              </a:lnSpc>
+              <a:spcBef>
+                <a:spcPts val="800"/>
+              </a:spcBef>
+              <a:buClr>
+                <a:schemeClr val="accent1"/>
+              </a:buClr>
+              <a:buSzPct val="80000"/>
+              <a:buFont typeface="Arial" pitchFamily="34" charset="0"/>
+              <a:buChar char="•"/>
+              <a:defRPr sz="2400" kern="1200">
+                <a:solidFill>
+                  <a:schemeClr val="tx1"/>
+                </a:solidFill>
+                <a:latin typeface="+mn-lt"/>
+                <a:ea typeface="+mn-ea"/>
+                <a:cs typeface="+mn-cs"/>
+              </a:defRPr>
+            </a:lvl2pPr>
+            <a:lvl3pPr marL="914240" indent="-231607" algn="l" defTabSz="1218987" rtl="0" eaLnBrk="1" latinLnBrk="0" hangingPunct="1">
+              <a:lnSpc>
+                <a:spcPct val="90000"/>
+              </a:lnSpc>
+              <a:spcBef>
+                <a:spcPts val="800"/>
+              </a:spcBef>
+              <a:buClr>
+                <a:schemeClr val="accent1"/>
+              </a:buClr>
+              <a:buSzPct val="80000"/>
+              <a:buFont typeface="Arial" pitchFamily="34" charset="0"/>
+              <a:buChar char="•"/>
+              <a:defRPr sz="2000" kern="1200">
+                <a:solidFill>
+                  <a:schemeClr val="tx1"/>
+                </a:solidFill>
+                <a:latin typeface="+mn-lt"/>
+                <a:ea typeface="+mn-ea"/>
+                <a:cs typeface="+mn-cs"/>
+              </a:defRPr>
+            </a:lvl3pPr>
+            <a:lvl4pPr marL="1218987" indent="-231607" algn="l" defTabSz="1218987" rtl="0" eaLnBrk="1" latinLnBrk="0" hangingPunct="1">
+              <a:lnSpc>
+                <a:spcPct val="90000"/>
+              </a:lnSpc>
+              <a:spcBef>
+                <a:spcPts val="800"/>
+              </a:spcBef>
+              <a:buClr>
+                <a:schemeClr val="accent1"/>
+              </a:buClr>
+              <a:buSzPct val="80000"/>
+              <a:buFont typeface="Arial" pitchFamily="34" charset="0"/>
+              <a:buChar char="•"/>
+              <a:defRPr sz="2000" kern="1200">
+                <a:solidFill>
+                  <a:schemeClr val="tx1"/>
+                </a:solidFill>
+                <a:latin typeface="+mn-lt"/>
+                <a:ea typeface="+mn-ea"/>
+                <a:cs typeface="+mn-cs"/>
+              </a:defRPr>
+            </a:lvl4pPr>
+            <a:lvl5pPr marL="1523733" indent="-231607" algn="l" defTabSz="1218987" rtl="0" eaLnBrk="1" latinLnBrk="0" hangingPunct="1">
+              <a:lnSpc>
+                <a:spcPct val="90000"/>
+              </a:lnSpc>
+              <a:spcBef>
+                <a:spcPts val="800"/>
+              </a:spcBef>
+              <a:buClr>
+                <a:schemeClr val="accent1"/>
+              </a:buClr>
+              <a:buSzPct val="80000"/>
+              <a:buFont typeface="Arial" pitchFamily="34" charset="0"/>
+              <a:buChar char="•"/>
+              <a:defRPr sz="2000" kern="1200">
+                <a:solidFill>
+                  <a:schemeClr val="tx1"/>
+                </a:solidFill>
+                <a:latin typeface="+mn-lt"/>
+                <a:ea typeface="+mn-ea"/>
+                <a:cs typeface="+mn-cs"/>
+              </a:defRPr>
+            </a:lvl5pPr>
+            <a:lvl6pPr marL="1828480" indent="-231607" algn="l" defTabSz="1218987" rtl="0" eaLnBrk="1" latinLnBrk="0" hangingPunct="1">
+              <a:lnSpc>
+                <a:spcPct val="90000"/>
+              </a:lnSpc>
+              <a:spcBef>
+                <a:spcPts val="800"/>
+              </a:spcBef>
+              <a:buClr>
+                <a:schemeClr val="accent1"/>
+              </a:buClr>
+              <a:buSzPct val="80000"/>
+              <a:buFont typeface="Arial" pitchFamily="34" charset="0"/>
+              <a:buChar char="•"/>
+              <a:defRPr sz="2000" kern="1200">
+                <a:solidFill>
+                  <a:schemeClr val="tx1"/>
+                </a:solidFill>
+                <a:latin typeface="+mn-lt"/>
+                <a:ea typeface="+mn-ea"/>
+                <a:cs typeface="+mn-cs"/>
+              </a:defRPr>
+            </a:lvl6pPr>
+            <a:lvl7pPr marL="2133227" indent="-231607" algn="l" defTabSz="1218987" rtl="0" eaLnBrk="1" latinLnBrk="0" hangingPunct="1">
+              <a:lnSpc>
+                <a:spcPct val="90000"/>
+              </a:lnSpc>
+              <a:spcBef>
+                <a:spcPts val="800"/>
+              </a:spcBef>
+              <a:buClr>
+                <a:schemeClr val="accent1"/>
+              </a:buClr>
+              <a:buSzPct val="80000"/>
+              <a:buFont typeface="Arial" pitchFamily="34" charset="0"/>
+              <a:buChar char="•"/>
+              <a:defRPr sz="2000" kern="1200">
+                <a:solidFill>
+                  <a:schemeClr val="tx1"/>
+                </a:solidFill>
+                <a:latin typeface="+mn-lt"/>
+                <a:ea typeface="+mn-ea"/>
+                <a:cs typeface="+mn-cs"/>
+              </a:defRPr>
+            </a:lvl7pPr>
+            <a:lvl8pPr marL="2437973" indent="-231607" algn="l" defTabSz="1218987" rtl="0" eaLnBrk="1" latinLnBrk="0" hangingPunct="1">
+              <a:lnSpc>
+                <a:spcPct val="90000"/>
+              </a:lnSpc>
+              <a:spcBef>
+                <a:spcPts val="800"/>
+              </a:spcBef>
+              <a:buClr>
+                <a:schemeClr val="accent1"/>
+              </a:buClr>
+              <a:buSzPct val="80000"/>
+              <a:buFont typeface="Arial" pitchFamily="34" charset="0"/>
+              <a:buChar char="•"/>
+              <a:defRPr sz="2000" kern="1200" baseline="0">
+                <a:solidFill>
+                  <a:schemeClr val="tx1"/>
+                </a:solidFill>
+                <a:latin typeface="+mn-lt"/>
+                <a:ea typeface="+mn-ea"/>
+                <a:cs typeface="+mn-cs"/>
+              </a:defRPr>
+            </a:lvl8pPr>
+            <a:lvl9pPr marL="2742720" indent="-231607" algn="l" defTabSz="1218987" rtl="0" eaLnBrk="1" latinLnBrk="0" hangingPunct="1">
+              <a:lnSpc>
+                <a:spcPct val="90000"/>
+              </a:lnSpc>
+              <a:spcBef>
+                <a:spcPts val="800"/>
+              </a:spcBef>
+              <a:buClr>
+                <a:schemeClr val="accent1"/>
+              </a:buClr>
+              <a:buSzPct val="80000"/>
+              <a:buFont typeface="Arial" pitchFamily="34" charset="0"/>
+              <a:buChar char="•"/>
+              <a:defRPr sz="2000" kern="1200" baseline="0">
+                <a:solidFill>
+                  <a:schemeClr val="tx1"/>
+                </a:solidFill>
+                <a:latin typeface="+mn-lt"/>
+                <a:ea typeface="+mn-ea"/>
+                <a:cs typeface="+mn-cs"/>
+              </a:defRPr>
+            </a:lvl9pPr>
+          </a:lstStyle>
+          <a:p>
+            <a:pPr marL="304746" lvl="1" indent="0">
+              <a:buNone/>
+            </a:pPr>
+            <a:r>
+              <a:rPr lang="es-AR" sz="3200" b="1" dirty="0" err="1">
+                <a:effectLst>
+                  <a:outerShdw blurRad="38100" dist="38100" dir="2700000" algn="tl">
+                    <a:srgbClr val="000000">
+                      <a:alpha val="43137"/>
+                    </a:srgbClr>
+                  </a:outerShdw>
+                </a:effectLst>
+              </a:rPr>
+              <a:t>getByRole</a:t>
+            </a:r>
+            <a:r>
+              <a:rPr lang="es-AR" sz="3200" b="1" dirty="0">
+                <a:effectLst>
+                  <a:outerShdw blurRad="38100" dist="38100" dir="2700000" algn="tl">
+                    <a:srgbClr val="000000">
+                      <a:alpha val="43137"/>
+                    </a:srgbClr>
+                  </a:outerShdw>
+                </a:effectLst>
+              </a:rPr>
+              <a:t>()</a:t>
+            </a:r>
+          </a:p>
+        </p:txBody>
+      </p:sp>
+      <p:pic>
+        <p:nvPicPr>
+          <p:cNvPr id="2050" name="Picture 2">
+            <a:extLst>
+              <a:ext uri="{FF2B5EF4-FFF2-40B4-BE49-F238E27FC236}">
+                <a16:creationId xmlns:a16="http://schemas.microsoft.com/office/drawing/2014/main" id="{8B3CDA91-8764-724E-016C-8117305D41F3}"/>
+              </a:ext>
+            </a:extLst>
+          </p:cNvPr>
+          <p:cNvPicPr>
+            <a:picLocks noChangeAspect="1" noChangeArrowheads="1"/>
+          </p:cNvPicPr>
+          <p:nvPr/>
+        </p:nvPicPr>
+        <p:blipFill>
+          <a:blip r:embed="rId2">
+            <a:extLst>
+              <a:ext uri="{28A0092B-C50C-407E-A947-70E740481C1C}">
+                <a14:useLocalDpi xmlns:a14="http://schemas.microsoft.com/office/drawing/2010/main" val="0"/>
+              </a:ext>
+            </a:extLst>
+          </a:blip>
+          <a:srcRect/>
+          <a:stretch>
+            <a:fillRect/>
+          </a:stretch>
+        </p:blipFill>
+        <p:spPr bwMode="auto">
+          <a:xfrm>
+            <a:off x="909836" y="2420888"/>
+            <a:ext cx="10849205" cy="1872208"/>
+          </a:xfrm>
+          <a:prstGeom prst="rect">
+            <a:avLst/>
+          </a:prstGeom>
+          <a:noFill/>
+          <a:extLst>
+            <a:ext uri="{909E8E84-426E-40DD-AFC4-6F175D3DCCD1}">
+              <a14:hiddenFill xmlns:a14="http://schemas.microsoft.com/office/drawing/2010/main">
+                <a:solidFill>
+                  <a:srgbClr val="FFFFFF"/>
+                </a:solidFill>
+              </a14:hiddenFill>
+            </a:ext>
+          </a:extLst>
+        </p:spPr>
+      </p:pic>
+      <p:sp>
+        <p:nvSpPr>
+          <p:cNvPr id="2" name="Rectángulo: esquinas redondeadas 1">
+            <a:extLst>
+              <a:ext uri="{FF2B5EF4-FFF2-40B4-BE49-F238E27FC236}">
+                <a16:creationId xmlns:a16="http://schemas.microsoft.com/office/drawing/2014/main" id="{77DA40D0-F759-4FF5-B7B1-7ABB40CBCD6F}"/>
+              </a:ext>
+            </a:extLst>
+          </p:cNvPr>
+          <p:cNvSpPr/>
+          <p:nvPr/>
+        </p:nvSpPr>
+        <p:spPr>
+          <a:xfrm>
+            <a:off x="4222204" y="3284984"/>
+            <a:ext cx="1224136" cy="360040"/>
+          </a:xfrm>
+          <a:prstGeom prst="roundRect">
+            <a:avLst/>
+          </a:prstGeom>
+          <a:noFill/>
+          <a:ln w="38100">
+            <a:solidFill>
+              <a:srgbClr val="FF0000"/>
+            </a:solidFill>
+          </a:ln>
+        </p:spPr>
+        <p:style>
+          <a:lnRef idx="2">
+            <a:schemeClr val="accent1">
+              <a:shade val="50000"/>
+            </a:schemeClr>
+          </a:lnRef>
+          <a:fillRef idx="1">
+            <a:schemeClr val="accent1"/>
+          </a:fillRef>
+          <a:effectRef idx="0">
+            <a:schemeClr val="accent1"/>
+          </a:effectRef>
+          <a:fontRef idx="minor">
+            <a:schemeClr val="lt1"/>
+          </a:fontRef>
+        </p:style>
+        <p:txBody>
+          <a:bodyPr rtlCol="0" anchor="ctr"/>
+          <a:lstStyle/>
+          <a:p>
+            <a:pPr algn="ctr"/>
+            <a:endParaRPr lang="es-AR" sz="2800"/>
+          </a:p>
+        </p:txBody>
+      </p:sp>
+    </p:spTree>
+    <p:extLst>
+      <p:ext uri="{BB962C8B-B14F-4D97-AF65-F5344CB8AC3E}">
+        <p14:creationId xmlns:p14="http://schemas.microsoft.com/office/powerpoint/2010/main" val="3375502946"/>
+      </p:ext>
+    </p:extLst>
+  </p:cSld>
+  <p:clrMapOvr>
+    <a:masterClrMapping/>
+  </p:clrMapOvr>
+  <mc:AlternateContent xmlns:mc="http://schemas.openxmlformats.org/markup-compatibility/2006" xmlns:p14="http://schemas.microsoft.com/office/powerpoint/2010/main">
+    <mc:Choice Requires="p14">
+      <p:transition spd="med" p14:dur="700">
+        <p:fade/>
+      </p:transition>
+    </mc:Choice>
+    <mc:Fallback xmlns="">
+      <p:transition spd="med">
+        <p:fade/>
+      </p:transition>
+    </mc:Fallback>
+  </mc:AlternateContent>
+</p:sld>
+</file>
+
+<file path=ppt/slides/slide15.xml><?xml version="1.0" encoding="utf-8"?>
+<p:sld xmlns:a="http://schemas.openxmlformats.org/drawingml/2006/main" xmlns:r="http://schemas.openxmlformats.org/officeDocument/2006/relationships" xmlns:p="http://schemas.openxmlformats.org/presentationml/2006/main">
+  <p:cSld>
+    <p:spTree>
+      <p:nvGrpSpPr>
+        <p:cNvPr id="1" name=""/>
+        <p:cNvGrpSpPr/>
+        <p:nvPr/>
+      </p:nvGrpSpPr>
+      <p:grpSpPr>
+        <a:xfrm>
+          <a:off x="0" y="0"/>
+          <a:ext cx="0" cy="0"/>
+          <a:chOff x="0" y="0"/>
+          <a:chExt cx="0" cy="0"/>
+        </a:xfrm>
+      </p:grpSpPr>
+      <p:sp>
+        <p:nvSpPr>
+          <p:cNvPr id="3" name="Marcador de contenido 2">
+            <a:extLst>
+              <a:ext uri="{FF2B5EF4-FFF2-40B4-BE49-F238E27FC236}">
+                <a16:creationId xmlns:a16="http://schemas.microsoft.com/office/drawing/2014/main" id="{57436204-E7CF-1976-B8D6-BC861D94A6E3}"/>
+              </a:ext>
+            </a:extLst>
+          </p:cNvPr>
+          <p:cNvSpPr>
+            <a:spLocks noGrp="1"/>
+          </p:cNvSpPr>
+          <p:nvPr>
+            <p:ph idx="1"/>
+          </p:nvPr>
+        </p:nvSpPr>
+        <p:spPr>
+          <a:xfrm>
+            <a:off x="1053852" y="188640"/>
+            <a:ext cx="7272808" cy="1620664"/>
+          </a:xfrm>
+        </p:spPr>
+        <p:txBody>
+          <a:bodyPr>
+            <a:normAutofit/>
+          </a:bodyPr>
+          <a:lstStyle/>
+          <a:p>
+            <a:pPr marL="0" indent="0">
+              <a:buNone/>
+            </a:pPr>
+            <a:r>
+              <a:rPr lang="es-AR" sz="3600" b="1" dirty="0">
+                <a:effectLst>
+                  <a:outerShdw blurRad="38100" dist="38100" dir="2700000" algn="tl">
+                    <a:srgbClr val="000000">
+                      <a:alpha val="43137"/>
+                    </a:srgbClr>
+                  </a:outerShdw>
+                </a:effectLst>
+              </a:rPr>
+              <a:t>Simulación de interacciones</a:t>
+            </a:r>
+            <a:endParaRPr lang="es-AR" sz="2400" b="1" dirty="0">
+              <a:effectLst>
+                <a:outerShdw blurRad="38100" dist="38100" dir="2700000" algn="tl">
+                  <a:srgbClr val="000000">
+                    <a:alpha val="43137"/>
+                  </a:srgbClr>
+                </a:outerShdw>
+              </a:effectLst>
+            </a:endParaRPr>
+          </a:p>
+        </p:txBody>
+      </p:sp>
+      <p:sp>
+        <p:nvSpPr>
+          <p:cNvPr id="6" name="Marcador de contenido 2">
+            <a:extLst>
+              <a:ext uri="{FF2B5EF4-FFF2-40B4-BE49-F238E27FC236}">
+                <a16:creationId xmlns:a16="http://schemas.microsoft.com/office/drawing/2014/main" id="{97CBC10E-237E-7A3B-31ED-9230BC3891CC}"/>
+              </a:ext>
+            </a:extLst>
+          </p:cNvPr>
+          <p:cNvSpPr txBox="1">
+            <a:spLocks/>
+          </p:cNvSpPr>
+          <p:nvPr/>
+        </p:nvSpPr>
+        <p:spPr>
+          <a:xfrm>
+            <a:off x="765820" y="954752"/>
+            <a:ext cx="6094413" cy="1620664"/>
+          </a:xfrm>
+          <a:prstGeom prst="rect">
+            <a:avLst/>
+          </a:prstGeom>
+        </p:spPr>
+        <p:txBody>
+          <a:bodyPr vert="horz" lIns="121899" tIns="60949" rIns="121899" bIns="60949" rtlCol="0">
+            <a:normAutofit/>
+          </a:bodyPr>
+          <a:lstStyle>
+            <a:lvl1pPr marL="304747" indent="-304747" algn="l" defTabSz="1218987" rtl="0" eaLnBrk="1" latinLnBrk="0" hangingPunct="1">
+              <a:lnSpc>
+                <a:spcPct val="90000"/>
+              </a:lnSpc>
+              <a:spcBef>
+                <a:spcPts val="1600"/>
+              </a:spcBef>
+              <a:buClr>
+                <a:schemeClr val="accent1"/>
+              </a:buClr>
+              <a:buSzPct val="100000"/>
+              <a:buFont typeface="Arial" pitchFamily="34" charset="0"/>
+              <a:buChar char="•"/>
+              <a:defRPr sz="2800" kern="1200">
+                <a:solidFill>
+                  <a:schemeClr val="tx1"/>
+                </a:solidFill>
+                <a:latin typeface="+mn-lt"/>
+                <a:ea typeface="+mn-ea"/>
+                <a:cs typeface="+mn-cs"/>
+              </a:defRPr>
+            </a:lvl1pPr>
+            <a:lvl2pPr marL="609493" indent="-231607" algn="l" defTabSz="1218987" rtl="0" eaLnBrk="1" latinLnBrk="0" hangingPunct="1">
+              <a:lnSpc>
+                <a:spcPct val="90000"/>
+              </a:lnSpc>
+              <a:spcBef>
+                <a:spcPts val="800"/>
+              </a:spcBef>
+              <a:buClr>
+                <a:schemeClr val="accent1"/>
+              </a:buClr>
+              <a:buSzPct val="80000"/>
+              <a:buFont typeface="Arial" pitchFamily="34" charset="0"/>
+              <a:buChar char="•"/>
+              <a:defRPr sz="2400" kern="1200">
+                <a:solidFill>
+                  <a:schemeClr val="tx1"/>
+                </a:solidFill>
+                <a:latin typeface="+mn-lt"/>
+                <a:ea typeface="+mn-ea"/>
+                <a:cs typeface="+mn-cs"/>
+              </a:defRPr>
+            </a:lvl2pPr>
+            <a:lvl3pPr marL="914240" indent="-231607" algn="l" defTabSz="1218987" rtl="0" eaLnBrk="1" latinLnBrk="0" hangingPunct="1">
+              <a:lnSpc>
+                <a:spcPct val="90000"/>
+              </a:lnSpc>
+              <a:spcBef>
+                <a:spcPts val="800"/>
+              </a:spcBef>
+              <a:buClr>
+                <a:schemeClr val="accent1"/>
+              </a:buClr>
+              <a:buSzPct val="80000"/>
+              <a:buFont typeface="Arial" pitchFamily="34" charset="0"/>
+              <a:buChar char="•"/>
+              <a:defRPr sz="2000" kern="1200">
+                <a:solidFill>
+                  <a:schemeClr val="tx1"/>
+                </a:solidFill>
+                <a:latin typeface="+mn-lt"/>
+                <a:ea typeface="+mn-ea"/>
+                <a:cs typeface="+mn-cs"/>
+              </a:defRPr>
+            </a:lvl3pPr>
+            <a:lvl4pPr marL="1218987" indent="-231607" algn="l" defTabSz="1218987" rtl="0" eaLnBrk="1" latinLnBrk="0" hangingPunct="1">
+              <a:lnSpc>
+                <a:spcPct val="90000"/>
+              </a:lnSpc>
+              <a:spcBef>
+                <a:spcPts val="800"/>
+              </a:spcBef>
+              <a:buClr>
+                <a:schemeClr val="accent1"/>
+              </a:buClr>
+              <a:buSzPct val="80000"/>
+              <a:buFont typeface="Arial" pitchFamily="34" charset="0"/>
+              <a:buChar char="•"/>
+              <a:defRPr sz="2000" kern="1200">
+                <a:solidFill>
+                  <a:schemeClr val="tx1"/>
+                </a:solidFill>
+                <a:latin typeface="+mn-lt"/>
+                <a:ea typeface="+mn-ea"/>
+                <a:cs typeface="+mn-cs"/>
+              </a:defRPr>
+            </a:lvl4pPr>
+            <a:lvl5pPr marL="1523733" indent="-231607" algn="l" defTabSz="1218987" rtl="0" eaLnBrk="1" latinLnBrk="0" hangingPunct="1">
+              <a:lnSpc>
+                <a:spcPct val="90000"/>
+              </a:lnSpc>
+              <a:spcBef>
+                <a:spcPts val="800"/>
+              </a:spcBef>
+              <a:buClr>
+                <a:schemeClr val="accent1"/>
+              </a:buClr>
+              <a:buSzPct val="80000"/>
+              <a:buFont typeface="Arial" pitchFamily="34" charset="0"/>
+              <a:buChar char="•"/>
+              <a:defRPr sz="2000" kern="1200">
+                <a:solidFill>
+                  <a:schemeClr val="tx1"/>
+                </a:solidFill>
+                <a:latin typeface="+mn-lt"/>
+                <a:ea typeface="+mn-ea"/>
+                <a:cs typeface="+mn-cs"/>
+              </a:defRPr>
+            </a:lvl5pPr>
+            <a:lvl6pPr marL="1828480" indent="-231607" algn="l" defTabSz="1218987" rtl="0" eaLnBrk="1" latinLnBrk="0" hangingPunct="1">
+              <a:lnSpc>
+                <a:spcPct val="90000"/>
+              </a:lnSpc>
+              <a:spcBef>
+                <a:spcPts val="800"/>
+              </a:spcBef>
+              <a:buClr>
+                <a:schemeClr val="accent1"/>
+              </a:buClr>
+              <a:buSzPct val="80000"/>
+              <a:buFont typeface="Arial" pitchFamily="34" charset="0"/>
+              <a:buChar char="•"/>
+              <a:defRPr sz="2000" kern="1200">
+                <a:solidFill>
+                  <a:schemeClr val="tx1"/>
+                </a:solidFill>
+                <a:latin typeface="+mn-lt"/>
+                <a:ea typeface="+mn-ea"/>
+                <a:cs typeface="+mn-cs"/>
+              </a:defRPr>
+            </a:lvl6pPr>
+            <a:lvl7pPr marL="2133227" indent="-231607" algn="l" defTabSz="1218987" rtl="0" eaLnBrk="1" latinLnBrk="0" hangingPunct="1">
+              <a:lnSpc>
+                <a:spcPct val="90000"/>
+              </a:lnSpc>
+              <a:spcBef>
+                <a:spcPts val="800"/>
+              </a:spcBef>
+              <a:buClr>
+                <a:schemeClr val="accent1"/>
+              </a:buClr>
+              <a:buSzPct val="80000"/>
+              <a:buFont typeface="Arial" pitchFamily="34" charset="0"/>
+              <a:buChar char="•"/>
+              <a:defRPr sz="2000" kern="1200">
+                <a:solidFill>
+                  <a:schemeClr val="tx1"/>
+                </a:solidFill>
+                <a:latin typeface="+mn-lt"/>
+                <a:ea typeface="+mn-ea"/>
+                <a:cs typeface="+mn-cs"/>
+              </a:defRPr>
+            </a:lvl7pPr>
+            <a:lvl8pPr marL="2437973" indent="-231607" algn="l" defTabSz="1218987" rtl="0" eaLnBrk="1" latinLnBrk="0" hangingPunct="1">
+              <a:lnSpc>
+                <a:spcPct val="90000"/>
+              </a:lnSpc>
+              <a:spcBef>
+                <a:spcPts val="800"/>
+              </a:spcBef>
+              <a:buClr>
+                <a:schemeClr val="accent1"/>
+              </a:buClr>
+              <a:buSzPct val="80000"/>
+              <a:buFont typeface="Arial" pitchFamily="34" charset="0"/>
+              <a:buChar char="•"/>
+              <a:defRPr sz="2000" kern="1200" baseline="0">
+                <a:solidFill>
+                  <a:schemeClr val="tx1"/>
+                </a:solidFill>
+                <a:latin typeface="+mn-lt"/>
+                <a:ea typeface="+mn-ea"/>
+                <a:cs typeface="+mn-cs"/>
+              </a:defRPr>
+            </a:lvl8pPr>
+            <a:lvl9pPr marL="2742720" indent="-231607" algn="l" defTabSz="1218987" rtl="0" eaLnBrk="1" latinLnBrk="0" hangingPunct="1">
+              <a:lnSpc>
+                <a:spcPct val="90000"/>
+              </a:lnSpc>
+              <a:spcBef>
+                <a:spcPts val="800"/>
+              </a:spcBef>
+              <a:buClr>
+                <a:schemeClr val="accent1"/>
+              </a:buClr>
+              <a:buSzPct val="80000"/>
+              <a:buFont typeface="Arial" pitchFamily="34" charset="0"/>
+              <a:buChar char="•"/>
+              <a:defRPr sz="2000" kern="1200" baseline="0">
+                <a:solidFill>
+                  <a:schemeClr val="tx1"/>
+                </a:solidFill>
+                <a:latin typeface="+mn-lt"/>
+                <a:ea typeface="+mn-ea"/>
+                <a:cs typeface="+mn-cs"/>
+              </a:defRPr>
+            </a:lvl9pPr>
+          </a:lstStyle>
+          <a:p>
+            <a:pPr marL="304746" lvl="1" indent="0">
+              <a:buNone/>
+            </a:pPr>
+            <a:r>
+              <a:rPr lang="es-AR" sz="3200" b="1" dirty="0" err="1">
+                <a:effectLst>
+                  <a:outerShdw blurRad="38100" dist="38100" dir="2700000" algn="tl">
+                    <a:srgbClr val="000000">
+                      <a:alpha val="43137"/>
+                    </a:srgbClr>
+                  </a:outerShdw>
+                </a:effectLst>
+              </a:rPr>
+              <a:t>fireEvent</a:t>
+            </a:r>
+            <a:endParaRPr lang="es-AR" b="1" dirty="0">
+              <a:effectLst>
+                <a:outerShdw blurRad="38100" dist="38100" dir="2700000" algn="tl">
+                  <a:srgbClr val="000000">
+                    <a:alpha val="43137"/>
+                  </a:srgbClr>
+                </a:outerShdw>
+              </a:effectLst>
+            </a:endParaRPr>
+          </a:p>
+        </p:txBody>
+      </p:sp>
+      <p:sp>
+        <p:nvSpPr>
+          <p:cNvPr id="7" name="Marcador de contenido 2">
+            <a:extLst>
+              <a:ext uri="{FF2B5EF4-FFF2-40B4-BE49-F238E27FC236}">
+                <a16:creationId xmlns:a16="http://schemas.microsoft.com/office/drawing/2014/main" id="{A640FBA1-21C1-4FD2-716F-CA6BC90632C9}"/>
+              </a:ext>
+            </a:extLst>
+          </p:cNvPr>
+          <p:cNvSpPr txBox="1">
+            <a:spLocks/>
+          </p:cNvSpPr>
+          <p:nvPr/>
+        </p:nvSpPr>
+        <p:spPr>
+          <a:xfrm>
+            <a:off x="549796" y="5949280"/>
+            <a:ext cx="6094413" cy="1620664"/>
+          </a:xfrm>
+          <a:prstGeom prst="rect">
+            <a:avLst/>
+          </a:prstGeom>
+        </p:spPr>
+        <p:txBody>
+          <a:bodyPr vert="horz" lIns="121899" tIns="60949" rIns="121899" bIns="60949" rtlCol="0">
+            <a:normAutofit/>
+          </a:bodyPr>
+          <a:lstStyle>
+            <a:lvl1pPr marL="304747" indent="-304747" algn="l" defTabSz="1218987" rtl="0" eaLnBrk="1" latinLnBrk="0" hangingPunct="1">
+              <a:lnSpc>
+                <a:spcPct val="90000"/>
+              </a:lnSpc>
+              <a:spcBef>
+                <a:spcPts val="1600"/>
+              </a:spcBef>
+              <a:buClr>
+                <a:schemeClr val="accent1"/>
+              </a:buClr>
+              <a:buSzPct val="100000"/>
+              <a:buFont typeface="Arial" pitchFamily="34" charset="0"/>
+              <a:buChar char="•"/>
+              <a:defRPr sz="2800" kern="1200">
+                <a:solidFill>
+                  <a:schemeClr val="tx1"/>
+                </a:solidFill>
+                <a:latin typeface="+mn-lt"/>
+                <a:ea typeface="+mn-ea"/>
+                <a:cs typeface="+mn-cs"/>
+              </a:defRPr>
+            </a:lvl1pPr>
+            <a:lvl2pPr marL="609493" indent="-231607" algn="l" defTabSz="1218987" rtl="0" eaLnBrk="1" latinLnBrk="0" hangingPunct="1">
+              <a:lnSpc>
+                <a:spcPct val="90000"/>
+              </a:lnSpc>
+              <a:spcBef>
+                <a:spcPts val="800"/>
+              </a:spcBef>
+              <a:buClr>
+                <a:schemeClr val="accent1"/>
+              </a:buClr>
+              <a:buSzPct val="80000"/>
+              <a:buFont typeface="Arial" pitchFamily="34" charset="0"/>
+              <a:buChar char="•"/>
+              <a:defRPr sz="2400" kern="1200">
+                <a:solidFill>
+                  <a:schemeClr val="tx1"/>
+                </a:solidFill>
+                <a:latin typeface="+mn-lt"/>
+                <a:ea typeface="+mn-ea"/>
+                <a:cs typeface="+mn-cs"/>
+              </a:defRPr>
+            </a:lvl2pPr>
+            <a:lvl3pPr marL="914240" indent="-231607" algn="l" defTabSz="1218987" rtl="0" eaLnBrk="1" latinLnBrk="0" hangingPunct="1">
+              <a:lnSpc>
+                <a:spcPct val="90000"/>
+              </a:lnSpc>
+              <a:spcBef>
+                <a:spcPts val="800"/>
+              </a:spcBef>
+              <a:buClr>
+                <a:schemeClr val="accent1"/>
+              </a:buClr>
+              <a:buSzPct val="80000"/>
+              <a:buFont typeface="Arial" pitchFamily="34" charset="0"/>
+              <a:buChar char="•"/>
+              <a:defRPr sz="2000" kern="1200">
+                <a:solidFill>
+                  <a:schemeClr val="tx1"/>
+                </a:solidFill>
+                <a:latin typeface="+mn-lt"/>
+                <a:ea typeface="+mn-ea"/>
+                <a:cs typeface="+mn-cs"/>
+              </a:defRPr>
+            </a:lvl3pPr>
+            <a:lvl4pPr marL="1218987" indent="-231607" algn="l" defTabSz="1218987" rtl="0" eaLnBrk="1" latinLnBrk="0" hangingPunct="1">
+              <a:lnSpc>
+                <a:spcPct val="90000"/>
+              </a:lnSpc>
+              <a:spcBef>
+                <a:spcPts val="800"/>
+              </a:spcBef>
+              <a:buClr>
+                <a:schemeClr val="accent1"/>
+              </a:buClr>
+              <a:buSzPct val="80000"/>
+              <a:buFont typeface="Arial" pitchFamily="34" charset="0"/>
+              <a:buChar char="•"/>
+              <a:defRPr sz="2000" kern="1200">
+                <a:solidFill>
+                  <a:schemeClr val="tx1"/>
+                </a:solidFill>
+                <a:latin typeface="+mn-lt"/>
+                <a:ea typeface="+mn-ea"/>
+                <a:cs typeface="+mn-cs"/>
+              </a:defRPr>
+            </a:lvl4pPr>
+            <a:lvl5pPr marL="1523733" indent="-231607" algn="l" defTabSz="1218987" rtl="0" eaLnBrk="1" latinLnBrk="0" hangingPunct="1">
+              <a:lnSpc>
+                <a:spcPct val="90000"/>
+              </a:lnSpc>
+              <a:spcBef>
+                <a:spcPts val="800"/>
+              </a:spcBef>
+              <a:buClr>
+                <a:schemeClr val="accent1"/>
+              </a:buClr>
+              <a:buSzPct val="80000"/>
+              <a:buFont typeface="Arial" pitchFamily="34" charset="0"/>
+              <a:buChar char="•"/>
+              <a:defRPr sz="2000" kern="1200">
+                <a:solidFill>
+                  <a:schemeClr val="tx1"/>
+                </a:solidFill>
+                <a:latin typeface="+mn-lt"/>
+                <a:ea typeface="+mn-ea"/>
+                <a:cs typeface="+mn-cs"/>
+              </a:defRPr>
+            </a:lvl5pPr>
+            <a:lvl6pPr marL="1828480" indent="-231607" algn="l" defTabSz="1218987" rtl="0" eaLnBrk="1" latinLnBrk="0" hangingPunct="1">
+              <a:lnSpc>
+                <a:spcPct val="90000"/>
+              </a:lnSpc>
+              <a:spcBef>
+                <a:spcPts val="800"/>
+              </a:spcBef>
+              <a:buClr>
+                <a:schemeClr val="accent1"/>
+              </a:buClr>
+              <a:buSzPct val="80000"/>
+              <a:buFont typeface="Arial" pitchFamily="34" charset="0"/>
+              <a:buChar char="•"/>
+              <a:defRPr sz="2000" kern="1200">
+                <a:solidFill>
+                  <a:schemeClr val="tx1"/>
+                </a:solidFill>
+                <a:latin typeface="+mn-lt"/>
+                <a:ea typeface="+mn-ea"/>
+                <a:cs typeface="+mn-cs"/>
+              </a:defRPr>
+            </a:lvl6pPr>
+            <a:lvl7pPr marL="2133227" indent="-231607" algn="l" defTabSz="1218987" rtl="0" eaLnBrk="1" latinLnBrk="0" hangingPunct="1">
+              <a:lnSpc>
+                <a:spcPct val="90000"/>
+              </a:lnSpc>
+              <a:spcBef>
+                <a:spcPts val="800"/>
+              </a:spcBef>
+              <a:buClr>
+                <a:schemeClr val="accent1"/>
+              </a:buClr>
+              <a:buSzPct val="80000"/>
+              <a:buFont typeface="Arial" pitchFamily="34" charset="0"/>
+              <a:buChar char="•"/>
+              <a:defRPr sz="2000" kern="1200">
+                <a:solidFill>
+                  <a:schemeClr val="tx1"/>
+                </a:solidFill>
+                <a:latin typeface="+mn-lt"/>
+                <a:ea typeface="+mn-ea"/>
+                <a:cs typeface="+mn-cs"/>
+              </a:defRPr>
+            </a:lvl7pPr>
+            <a:lvl8pPr marL="2437973" indent="-231607" algn="l" defTabSz="1218987" rtl="0" eaLnBrk="1" latinLnBrk="0" hangingPunct="1">
+              <a:lnSpc>
+                <a:spcPct val="90000"/>
+              </a:lnSpc>
+              <a:spcBef>
+                <a:spcPts val="800"/>
+              </a:spcBef>
+              <a:buClr>
+                <a:schemeClr val="accent1"/>
+              </a:buClr>
+              <a:buSzPct val="80000"/>
+              <a:buFont typeface="Arial" pitchFamily="34" charset="0"/>
+              <a:buChar char="•"/>
+              <a:defRPr sz="2000" kern="1200" baseline="0">
+                <a:solidFill>
+                  <a:schemeClr val="tx1"/>
+                </a:solidFill>
+                <a:latin typeface="+mn-lt"/>
+                <a:ea typeface="+mn-ea"/>
+                <a:cs typeface="+mn-cs"/>
+              </a:defRPr>
+            </a:lvl8pPr>
+            <a:lvl9pPr marL="2742720" indent="-231607" algn="l" defTabSz="1218987" rtl="0" eaLnBrk="1" latinLnBrk="0" hangingPunct="1">
+              <a:lnSpc>
+                <a:spcPct val="90000"/>
+              </a:lnSpc>
+              <a:spcBef>
+                <a:spcPts val="800"/>
+              </a:spcBef>
+              <a:buClr>
+                <a:schemeClr val="accent1"/>
+              </a:buClr>
+              <a:buSzPct val="80000"/>
+              <a:buFont typeface="Arial" pitchFamily="34" charset="0"/>
+              <a:buChar char="•"/>
+              <a:defRPr sz="2000" kern="1200" baseline="0">
+                <a:solidFill>
+                  <a:schemeClr val="tx1"/>
+                </a:solidFill>
+                <a:latin typeface="+mn-lt"/>
+                <a:ea typeface="+mn-ea"/>
+                <a:cs typeface="+mn-cs"/>
+              </a:defRPr>
+            </a:lvl9pPr>
+          </a:lstStyle>
+          <a:p>
+            <a:pPr marL="304746" lvl="1" indent="0">
+              <a:buNone/>
+            </a:pPr>
+            <a:r>
+              <a:rPr lang="es-AR" sz="3200" b="1" dirty="0" err="1">
+                <a:effectLst>
+                  <a:outerShdw blurRad="38100" dist="38100" dir="2700000" algn="tl">
+                    <a:srgbClr val="000000">
+                      <a:alpha val="43137"/>
+                    </a:srgbClr>
+                  </a:outerShdw>
+                </a:effectLst>
+              </a:rPr>
+              <a:t>userEvent</a:t>
+            </a:r>
+            <a:endParaRPr lang="es-AR" sz="3200" b="1" dirty="0">
+              <a:effectLst>
+                <a:outerShdw blurRad="38100" dist="38100" dir="2700000" algn="tl">
+                  <a:srgbClr val="000000">
+                    <a:alpha val="43137"/>
+                  </a:srgbClr>
+                </a:outerShdw>
+              </a:effectLst>
+            </a:endParaRPr>
+          </a:p>
+        </p:txBody>
+      </p:sp>
+      <p:pic>
+        <p:nvPicPr>
+          <p:cNvPr id="4098" name="Picture 2">
+            <a:extLst>
+              <a:ext uri="{FF2B5EF4-FFF2-40B4-BE49-F238E27FC236}">
+                <a16:creationId xmlns:a16="http://schemas.microsoft.com/office/drawing/2014/main" id="{4F8AF967-DC48-4758-34A0-BBF9F0F61FC5}"/>
+              </a:ext>
+            </a:extLst>
+          </p:cNvPr>
+          <p:cNvPicPr>
+            <a:picLocks noChangeAspect="1" noChangeArrowheads="1"/>
+          </p:cNvPicPr>
+          <p:nvPr/>
+        </p:nvPicPr>
+        <p:blipFill>
+          <a:blip r:embed="rId2">
+            <a:extLst>
+              <a:ext uri="{28A0092B-C50C-407E-A947-70E740481C1C}">
+                <a14:useLocalDpi xmlns:a14="http://schemas.microsoft.com/office/drawing/2010/main" val="0"/>
+              </a:ext>
+            </a:extLst>
+          </a:blip>
+          <a:srcRect/>
+          <a:stretch>
+            <a:fillRect/>
+          </a:stretch>
+        </p:blipFill>
+        <p:spPr bwMode="auto">
+          <a:xfrm>
+            <a:off x="1103171" y="1556792"/>
+            <a:ext cx="10317462" cy="4118000"/>
+          </a:xfrm>
+          <a:prstGeom prst="rect">
+            <a:avLst/>
+          </a:prstGeom>
+          <a:noFill/>
+          <a:extLst>
+            <a:ext uri="{909E8E84-426E-40DD-AFC4-6F175D3DCCD1}">
+              <a14:hiddenFill xmlns:a14="http://schemas.microsoft.com/office/drawing/2010/main">
+                <a:solidFill>
+                  <a:srgbClr val="FFFFFF"/>
+                </a:solidFill>
+              </a14:hiddenFill>
+            </a:ext>
+          </a:extLst>
+        </p:spPr>
+      </p:pic>
+      <p:sp>
+        <p:nvSpPr>
+          <p:cNvPr id="8" name="Rectángulo: esquinas redondeadas 7">
+            <a:extLst>
+              <a:ext uri="{FF2B5EF4-FFF2-40B4-BE49-F238E27FC236}">
+                <a16:creationId xmlns:a16="http://schemas.microsoft.com/office/drawing/2014/main" id="{73A64CE0-139A-DA66-BD17-AAD7CCBB3455}"/>
+              </a:ext>
+            </a:extLst>
+          </p:cNvPr>
+          <p:cNvSpPr/>
+          <p:nvPr/>
+        </p:nvSpPr>
+        <p:spPr>
+          <a:xfrm>
+            <a:off x="1413892" y="3771482"/>
+            <a:ext cx="1224136" cy="360040"/>
+          </a:xfrm>
+          <a:prstGeom prst="roundRect">
+            <a:avLst/>
+          </a:prstGeom>
+          <a:noFill/>
+          <a:ln w="38100">
+            <a:solidFill>
+              <a:srgbClr val="FF0000"/>
+            </a:solidFill>
+          </a:ln>
+        </p:spPr>
+        <p:style>
+          <a:lnRef idx="2">
+            <a:schemeClr val="accent1">
+              <a:shade val="50000"/>
+            </a:schemeClr>
+          </a:lnRef>
+          <a:fillRef idx="1">
+            <a:schemeClr val="accent1"/>
+          </a:fillRef>
+          <a:effectRef idx="0">
+            <a:schemeClr val="accent1"/>
+          </a:effectRef>
+          <a:fontRef idx="minor">
+            <a:schemeClr val="lt1"/>
+          </a:fontRef>
+        </p:style>
+        <p:txBody>
+          <a:bodyPr rtlCol="0" anchor="ctr"/>
+          <a:lstStyle/>
+          <a:p>
+            <a:pPr algn="ctr"/>
+            <a:endParaRPr lang="es-AR" sz="2800"/>
+          </a:p>
+        </p:txBody>
+      </p:sp>
+      <p:sp>
+        <p:nvSpPr>
+          <p:cNvPr id="9" name="Rectángulo: esquinas redondeadas 8">
+            <a:extLst>
+              <a:ext uri="{FF2B5EF4-FFF2-40B4-BE49-F238E27FC236}">
+                <a16:creationId xmlns:a16="http://schemas.microsoft.com/office/drawing/2014/main" id="{8B7A1D21-21FC-9D3D-9653-7C58850CB7E4}"/>
+              </a:ext>
+            </a:extLst>
+          </p:cNvPr>
+          <p:cNvSpPr/>
+          <p:nvPr/>
+        </p:nvSpPr>
+        <p:spPr>
+          <a:xfrm>
+            <a:off x="1413892" y="4137940"/>
+            <a:ext cx="1224136" cy="360040"/>
+          </a:xfrm>
+          <a:prstGeom prst="roundRect">
+            <a:avLst/>
+          </a:prstGeom>
+          <a:noFill/>
+          <a:ln w="38100">
+            <a:solidFill>
+              <a:srgbClr val="FF0000"/>
+            </a:solidFill>
+          </a:ln>
+        </p:spPr>
+        <p:style>
+          <a:lnRef idx="2">
+            <a:schemeClr val="accent1">
+              <a:shade val="50000"/>
+            </a:schemeClr>
+          </a:lnRef>
+          <a:fillRef idx="1">
+            <a:schemeClr val="accent1"/>
+          </a:fillRef>
+          <a:effectRef idx="0">
+            <a:schemeClr val="accent1"/>
+          </a:effectRef>
+          <a:fontRef idx="minor">
+            <a:schemeClr val="lt1"/>
+          </a:fontRef>
+        </p:style>
+        <p:txBody>
+          <a:bodyPr rtlCol="0" anchor="ctr"/>
+          <a:lstStyle/>
+          <a:p>
+            <a:pPr algn="ctr"/>
+            <a:endParaRPr lang="es-AR" sz="2800"/>
+          </a:p>
+        </p:txBody>
+      </p:sp>
+    </p:spTree>
+    <p:extLst>
+      <p:ext uri="{BB962C8B-B14F-4D97-AF65-F5344CB8AC3E}">
+        <p14:creationId xmlns:p14="http://schemas.microsoft.com/office/powerpoint/2010/main" val="95076897"/>
+      </p:ext>
+    </p:extLst>
+  </p:cSld>
+  <p:clrMapOvr>
+    <a:masterClrMapping/>
+  </p:clrMapOvr>
+  <mc:AlternateContent xmlns:mc="http://schemas.openxmlformats.org/markup-compatibility/2006" xmlns:p14="http://schemas.microsoft.com/office/powerpoint/2010/main">
+    <mc:Choice Requires="p14">
+      <p:transition spd="med" p14:dur="700">
+        <p:fade/>
+      </p:transition>
+    </mc:Choice>
+    <mc:Fallback xmlns="">
+      <p:transition spd="med">
+        <p:fade/>
+      </p:transition>
+    </mc:Fallback>
+  </mc:AlternateContent>
+</p:sld>
+</file>
+
+<file path=ppt/slides/slide16.xml><?xml version="1.0" encoding="utf-8"?>
+<p:sld xmlns:a="http://schemas.openxmlformats.org/drawingml/2006/main" xmlns:r="http://schemas.openxmlformats.org/officeDocument/2006/relationships" xmlns:p="http://schemas.openxmlformats.org/presentationml/2006/main">
+  <p:cSld>
+    <p:spTree>
+      <p:nvGrpSpPr>
+        <p:cNvPr id="1" name=""/>
+        <p:cNvGrpSpPr/>
+        <p:nvPr/>
+      </p:nvGrpSpPr>
+      <p:grpSpPr>
+        <a:xfrm>
+          <a:off x="0" y="0"/>
+          <a:ext cx="0" cy="0"/>
+          <a:chOff x="0" y="0"/>
+          <a:chExt cx="0" cy="0"/>
+        </a:xfrm>
+      </p:grpSpPr>
+      <p:sp>
+        <p:nvSpPr>
+          <p:cNvPr id="3" name="Marcador de contenido 2">
+            <a:extLst>
+              <a:ext uri="{FF2B5EF4-FFF2-40B4-BE49-F238E27FC236}">
+                <a16:creationId xmlns:a16="http://schemas.microsoft.com/office/drawing/2014/main" id="{57436204-E7CF-1976-B8D6-BC861D94A6E3}"/>
+              </a:ext>
+            </a:extLst>
+          </p:cNvPr>
+          <p:cNvSpPr>
+            <a:spLocks noGrp="1"/>
+          </p:cNvSpPr>
+          <p:nvPr>
+            <p:ph idx="1"/>
+          </p:nvPr>
+        </p:nvSpPr>
+        <p:spPr>
+          <a:xfrm>
+            <a:off x="981844" y="260648"/>
+            <a:ext cx="6094413" cy="1116608"/>
+          </a:xfrm>
+        </p:spPr>
+        <p:txBody>
+          <a:bodyPr>
+            <a:normAutofit/>
+          </a:bodyPr>
+          <a:lstStyle/>
+          <a:p>
+            <a:pPr marL="0" indent="0">
+              <a:buNone/>
+            </a:pPr>
+            <a:r>
+              <a:rPr lang="es-AR" sz="3600" b="1" dirty="0">
+                <a:effectLst>
+                  <a:outerShdw blurRad="38100" dist="38100" dir="2700000" algn="tl">
+                    <a:srgbClr val="000000">
+                      <a:alpha val="43137"/>
+                    </a:srgbClr>
+                  </a:outerShdw>
+                </a:effectLst>
+              </a:rPr>
+              <a:t>Aserciones (</a:t>
+            </a:r>
+            <a:r>
+              <a:rPr lang="es-AR" sz="3600" b="1" dirty="0" err="1">
+                <a:effectLst>
+                  <a:outerShdw blurRad="38100" dist="38100" dir="2700000" algn="tl">
+                    <a:srgbClr val="000000">
+                      <a:alpha val="43137"/>
+                    </a:srgbClr>
+                  </a:outerShdw>
+                </a:effectLst>
+              </a:rPr>
+              <a:t>Assertions</a:t>
+            </a:r>
+            <a:r>
+              <a:rPr lang="es-AR" sz="3600" b="1" dirty="0">
+                <a:effectLst>
+                  <a:outerShdw blurRad="38100" dist="38100" dir="2700000" algn="tl">
+                    <a:srgbClr val="000000">
+                      <a:alpha val="43137"/>
+                    </a:srgbClr>
+                  </a:outerShdw>
+                </a:effectLst>
+              </a:rPr>
+              <a:t>)</a:t>
+            </a:r>
+            <a:endParaRPr lang="es-AR" b="1" dirty="0">
+              <a:effectLst>
+                <a:outerShdw blurRad="38100" dist="38100" dir="2700000" algn="tl">
+                  <a:srgbClr val="000000">
+                    <a:alpha val="43137"/>
+                  </a:srgbClr>
+                </a:outerShdw>
+              </a:effectLst>
+            </a:endParaRPr>
+          </a:p>
+        </p:txBody>
+      </p:sp>
+      <p:sp>
+        <p:nvSpPr>
+          <p:cNvPr id="6" name="Marcador de contenido 2">
+            <a:extLst>
+              <a:ext uri="{FF2B5EF4-FFF2-40B4-BE49-F238E27FC236}">
+                <a16:creationId xmlns:a16="http://schemas.microsoft.com/office/drawing/2014/main" id="{E8B104B9-DF8D-B1D8-0226-6FC8CC470E17}"/>
+              </a:ext>
+            </a:extLst>
+          </p:cNvPr>
+          <p:cNvSpPr txBox="1">
+            <a:spLocks/>
+          </p:cNvSpPr>
+          <p:nvPr/>
+        </p:nvSpPr>
+        <p:spPr>
+          <a:xfrm>
+            <a:off x="765820" y="1052736"/>
+            <a:ext cx="6094413" cy="1116608"/>
+          </a:xfrm>
+          <a:prstGeom prst="rect">
+            <a:avLst/>
+          </a:prstGeom>
+        </p:spPr>
+        <p:txBody>
+          <a:bodyPr vert="horz" lIns="121899" tIns="60949" rIns="121899" bIns="60949" rtlCol="0">
+            <a:normAutofit/>
+          </a:bodyPr>
+          <a:lstStyle>
+            <a:lvl1pPr marL="304747" indent="-304747" algn="l" defTabSz="1218987" rtl="0" eaLnBrk="1" latinLnBrk="0" hangingPunct="1">
+              <a:lnSpc>
+                <a:spcPct val="90000"/>
+              </a:lnSpc>
+              <a:spcBef>
+                <a:spcPts val="1600"/>
+              </a:spcBef>
+              <a:buClr>
+                <a:schemeClr val="accent1"/>
+              </a:buClr>
+              <a:buSzPct val="100000"/>
+              <a:buFont typeface="Arial" pitchFamily="34" charset="0"/>
+              <a:buChar char="•"/>
+              <a:defRPr sz="2800" kern="1200">
+                <a:solidFill>
+                  <a:schemeClr val="tx1"/>
+                </a:solidFill>
+                <a:latin typeface="+mn-lt"/>
+                <a:ea typeface="+mn-ea"/>
+                <a:cs typeface="+mn-cs"/>
+              </a:defRPr>
+            </a:lvl1pPr>
+            <a:lvl2pPr marL="609493" indent="-231607" algn="l" defTabSz="1218987" rtl="0" eaLnBrk="1" latinLnBrk="0" hangingPunct="1">
+              <a:lnSpc>
+                <a:spcPct val="90000"/>
+              </a:lnSpc>
+              <a:spcBef>
+                <a:spcPts val="800"/>
+              </a:spcBef>
+              <a:buClr>
+                <a:schemeClr val="accent1"/>
+              </a:buClr>
+              <a:buSzPct val="80000"/>
+              <a:buFont typeface="Arial" pitchFamily="34" charset="0"/>
+              <a:buChar char="•"/>
+              <a:defRPr sz="2400" kern="1200">
+                <a:solidFill>
+                  <a:schemeClr val="tx1"/>
+                </a:solidFill>
+                <a:latin typeface="+mn-lt"/>
+                <a:ea typeface="+mn-ea"/>
+                <a:cs typeface="+mn-cs"/>
+              </a:defRPr>
+            </a:lvl2pPr>
+            <a:lvl3pPr marL="914240" indent="-231607" algn="l" defTabSz="1218987" rtl="0" eaLnBrk="1" latinLnBrk="0" hangingPunct="1">
+              <a:lnSpc>
+                <a:spcPct val="90000"/>
+              </a:lnSpc>
+              <a:spcBef>
+                <a:spcPts val="800"/>
+              </a:spcBef>
+              <a:buClr>
+                <a:schemeClr val="accent1"/>
+              </a:buClr>
+              <a:buSzPct val="80000"/>
+              <a:buFont typeface="Arial" pitchFamily="34" charset="0"/>
+              <a:buChar char="•"/>
+              <a:defRPr sz="2000" kern="1200">
+                <a:solidFill>
+                  <a:schemeClr val="tx1"/>
+                </a:solidFill>
+                <a:latin typeface="+mn-lt"/>
+                <a:ea typeface="+mn-ea"/>
+                <a:cs typeface="+mn-cs"/>
+              </a:defRPr>
+            </a:lvl3pPr>
+            <a:lvl4pPr marL="1218987" indent="-231607" algn="l" defTabSz="1218987" rtl="0" eaLnBrk="1" latinLnBrk="0" hangingPunct="1">
+              <a:lnSpc>
+                <a:spcPct val="90000"/>
+              </a:lnSpc>
+              <a:spcBef>
+                <a:spcPts val="800"/>
+              </a:spcBef>
+              <a:buClr>
+                <a:schemeClr val="accent1"/>
+              </a:buClr>
+              <a:buSzPct val="80000"/>
+              <a:buFont typeface="Arial" pitchFamily="34" charset="0"/>
+              <a:buChar char="•"/>
+              <a:defRPr sz="2000" kern="1200">
+                <a:solidFill>
+                  <a:schemeClr val="tx1"/>
+                </a:solidFill>
+                <a:latin typeface="+mn-lt"/>
+                <a:ea typeface="+mn-ea"/>
+                <a:cs typeface="+mn-cs"/>
+              </a:defRPr>
+            </a:lvl4pPr>
+            <a:lvl5pPr marL="1523733" indent="-231607" algn="l" defTabSz="1218987" rtl="0" eaLnBrk="1" latinLnBrk="0" hangingPunct="1">
+              <a:lnSpc>
+                <a:spcPct val="90000"/>
+              </a:lnSpc>
+              <a:spcBef>
+                <a:spcPts val="800"/>
+              </a:spcBef>
+              <a:buClr>
+                <a:schemeClr val="accent1"/>
+              </a:buClr>
+              <a:buSzPct val="80000"/>
+              <a:buFont typeface="Arial" pitchFamily="34" charset="0"/>
+              <a:buChar char="•"/>
+              <a:defRPr sz="2000" kern="1200">
+                <a:solidFill>
+                  <a:schemeClr val="tx1"/>
+                </a:solidFill>
+                <a:latin typeface="+mn-lt"/>
+                <a:ea typeface="+mn-ea"/>
+                <a:cs typeface="+mn-cs"/>
+              </a:defRPr>
+            </a:lvl5pPr>
+            <a:lvl6pPr marL="1828480" indent="-231607" algn="l" defTabSz="1218987" rtl="0" eaLnBrk="1" latinLnBrk="0" hangingPunct="1">
+              <a:lnSpc>
+                <a:spcPct val="90000"/>
+              </a:lnSpc>
+              <a:spcBef>
+                <a:spcPts val="800"/>
+              </a:spcBef>
+              <a:buClr>
+                <a:schemeClr val="accent1"/>
+              </a:buClr>
+              <a:buSzPct val="80000"/>
+              <a:buFont typeface="Arial" pitchFamily="34" charset="0"/>
+              <a:buChar char="•"/>
+              <a:defRPr sz="2000" kern="1200">
+                <a:solidFill>
+                  <a:schemeClr val="tx1"/>
+                </a:solidFill>
+                <a:latin typeface="+mn-lt"/>
+                <a:ea typeface="+mn-ea"/>
+                <a:cs typeface="+mn-cs"/>
+              </a:defRPr>
+            </a:lvl6pPr>
+            <a:lvl7pPr marL="2133227" indent="-231607" algn="l" defTabSz="1218987" rtl="0" eaLnBrk="1" latinLnBrk="0" hangingPunct="1">
+              <a:lnSpc>
+                <a:spcPct val="90000"/>
+              </a:lnSpc>
+              <a:spcBef>
+                <a:spcPts val="800"/>
+              </a:spcBef>
+              <a:buClr>
+                <a:schemeClr val="accent1"/>
+              </a:buClr>
+              <a:buSzPct val="80000"/>
+              <a:buFont typeface="Arial" pitchFamily="34" charset="0"/>
+              <a:buChar char="•"/>
+              <a:defRPr sz="2000" kern="1200">
+                <a:solidFill>
+                  <a:schemeClr val="tx1"/>
+                </a:solidFill>
+                <a:latin typeface="+mn-lt"/>
+                <a:ea typeface="+mn-ea"/>
+                <a:cs typeface="+mn-cs"/>
+              </a:defRPr>
+            </a:lvl7pPr>
+            <a:lvl8pPr marL="2437973" indent="-231607" algn="l" defTabSz="1218987" rtl="0" eaLnBrk="1" latinLnBrk="0" hangingPunct="1">
+              <a:lnSpc>
+                <a:spcPct val="90000"/>
+              </a:lnSpc>
+              <a:spcBef>
+                <a:spcPts val="800"/>
+              </a:spcBef>
+              <a:buClr>
+                <a:schemeClr val="accent1"/>
+              </a:buClr>
+              <a:buSzPct val="80000"/>
+              <a:buFont typeface="Arial" pitchFamily="34" charset="0"/>
+              <a:buChar char="•"/>
+              <a:defRPr sz="2000" kern="1200" baseline="0">
+                <a:solidFill>
+                  <a:schemeClr val="tx1"/>
+                </a:solidFill>
+                <a:latin typeface="+mn-lt"/>
+                <a:ea typeface="+mn-ea"/>
+                <a:cs typeface="+mn-cs"/>
+              </a:defRPr>
+            </a:lvl8pPr>
+            <a:lvl9pPr marL="2742720" indent="-231607" algn="l" defTabSz="1218987" rtl="0" eaLnBrk="1" latinLnBrk="0" hangingPunct="1">
+              <a:lnSpc>
+                <a:spcPct val="90000"/>
+              </a:lnSpc>
+              <a:spcBef>
+                <a:spcPts val="800"/>
+              </a:spcBef>
+              <a:buClr>
+                <a:schemeClr val="accent1"/>
+              </a:buClr>
+              <a:buSzPct val="80000"/>
+              <a:buFont typeface="Arial" pitchFamily="34" charset="0"/>
+              <a:buChar char="•"/>
+              <a:defRPr sz="2000" kern="1200" baseline="0">
+                <a:solidFill>
+                  <a:schemeClr val="tx1"/>
+                </a:solidFill>
+                <a:latin typeface="+mn-lt"/>
+                <a:ea typeface="+mn-ea"/>
+                <a:cs typeface="+mn-cs"/>
+              </a:defRPr>
+            </a:lvl9pPr>
+          </a:lstStyle>
+          <a:p>
+            <a:pPr marL="304746" lvl="1" indent="0">
+              <a:buNone/>
+            </a:pPr>
+            <a:r>
+              <a:rPr lang="es-AR" sz="3200" b="1" dirty="0" err="1">
+                <a:effectLst>
+                  <a:outerShdw blurRad="38100" dist="38100" dir="2700000" algn="tl">
+                    <a:srgbClr val="000000">
+                      <a:alpha val="43137"/>
+                    </a:srgbClr>
+                  </a:outerShdw>
+                </a:effectLst>
+              </a:rPr>
+              <a:t>expect</a:t>
+            </a:r>
+            <a:endParaRPr lang="es-AR" sz="3200" b="1" dirty="0">
+              <a:effectLst>
+                <a:outerShdw blurRad="38100" dist="38100" dir="2700000" algn="tl">
+                  <a:srgbClr val="000000">
+                    <a:alpha val="43137"/>
+                  </a:srgbClr>
+                </a:outerShdw>
+              </a:effectLst>
+            </a:endParaRPr>
+          </a:p>
+        </p:txBody>
+      </p:sp>
+      <p:pic>
+        <p:nvPicPr>
+          <p:cNvPr id="7" name="Picture 2">
+            <a:extLst>
+              <a:ext uri="{FF2B5EF4-FFF2-40B4-BE49-F238E27FC236}">
+                <a16:creationId xmlns:a16="http://schemas.microsoft.com/office/drawing/2014/main" id="{D154A415-40E5-C02F-2591-CE238AEEF6DD}"/>
+              </a:ext>
+            </a:extLst>
+          </p:cNvPr>
+          <p:cNvPicPr>
+            <a:picLocks noChangeAspect="1" noChangeArrowheads="1"/>
+          </p:cNvPicPr>
+          <p:nvPr/>
+        </p:nvPicPr>
+        <p:blipFill>
+          <a:blip r:embed="rId2">
+            <a:extLst>
+              <a:ext uri="{28A0092B-C50C-407E-A947-70E740481C1C}">
+                <a14:useLocalDpi xmlns:a14="http://schemas.microsoft.com/office/drawing/2010/main" val="0"/>
+              </a:ext>
+            </a:extLst>
+          </a:blip>
+          <a:srcRect/>
+          <a:stretch>
+            <a:fillRect/>
+          </a:stretch>
+        </p:blipFill>
+        <p:spPr bwMode="auto">
+          <a:xfrm>
+            <a:off x="1103171" y="1556792"/>
+            <a:ext cx="10317462" cy="4118000"/>
+          </a:xfrm>
+          <a:prstGeom prst="rect">
+            <a:avLst/>
+          </a:prstGeom>
+          <a:noFill/>
+          <a:extLst>
+            <a:ext uri="{909E8E84-426E-40DD-AFC4-6F175D3DCCD1}">
+              <a14:hiddenFill xmlns:a14="http://schemas.microsoft.com/office/drawing/2010/main">
+                <a:solidFill>
+                  <a:srgbClr val="FFFFFF"/>
+                </a:solidFill>
+              </a14:hiddenFill>
+            </a:ext>
+          </a:extLst>
+        </p:spPr>
+      </p:pic>
+      <p:sp>
+        <p:nvSpPr>
+          <p:cNvPr id="8" name="Rectángulo: esquinas redondeadas 7">
+            <a:extLst>
+              <a:ext uri="{FF2B5EF4-FFF2-40B4-BE49-F238E27FC236}">
+                <a16:creationId xmlns:a16="http://schemas.microsoft.com/office/drawing/2014/main" id="{506CF246-B382-D3EC-A0A3-50253F614D18}"/>
+              </a:ext>
+            </a:extLst>
+          </p:cNvPr>
+          <p:cNvSpPr/>
+          <p:nvPr/>
+        </p:nvSpPr>
+        <p:spPr>
+          <a:xfrm>
+            <a:off x="1413892" y="4960848"/>
+            <a:ext cx="720080" cy="360040"/>
+          </a:xfrm>
+          <a:prstGeom prst="roundRect">
+            <a:avLst/>
+          </a:prstGeom>
+          <a:noFill/>
+          <a:ln w="38100">
+            <a:solidFill>
+              <a:srgbClr val="FF0000"/>
+            </a:solidFill>
+          </a:ln>
+        </p:spPr>
+        <p:style>
+          <a:lnRef idx="2">
+            <a:schemeClr val="accent1">
+              <a:shade val="50000"/>
+            </a:schemeClr>
+          </a:lnRef>
+          <a:fillRef idx="1">
+            <a:schemeClr val="accent1"/>
+          </a:fillRef>
+          <a:effectRef idx="0">
+            <a:schemeClr val="accent1"/>
+          </a:effectRef>
+          <a:fontRef idx="minor">
+            <a:schemeClr val="lt1"/>
+          </a:fontRef>
+        </p:style>
+        <p:txBody>
+          <a:bodyPr rtlCol="0" anchor="ctr"/>
+          <a:lstStyle/>
+          <a:p>
+            <a:pPr algn="ctr"/>
+            <a:endParaRPr lang="es-AR" sz="2800"/>
+          </a:p>
+        </p:txBody>
+      </p:sp>
+    </p:spTree>
+    <p:extLst>
+      <p:ext uri="{BB962C8B-B14F-4D97-AF65-F5344CB8AC3E}">
+        <p14:creationId xmlns:p14="http://schemas.microsoft.com/office/powerpoint/2010/main" val="2993499768"/>
+      </p:ext>
+    </p:extLst>
+  </p:cSld>
+  <p:clrMapOvr>
+    <a:masterClrMapping/>
+  </p:clrMapOvr>
+  <mc:AlternateContent xmlns:mc="http://schemas.openxmlformats.org/markup-compatibility/2006" xmlns:p14="http://schemas.microsoft.com/office/powerpoint/2010/main">
+    <mc:Choice Requires="p14">
+      <p:transition spd="med" p14:dur="700">
+        <p:fade/>
+      </p:transition>
+    </mc:Choice>
+    <mc:Fallback xmlns="">
+      <p:transition spd="med">
+        <p:fade/>
+      </p:transition>
+    </mc:Fallback>
+  </mc:AlternateContent>
+</p:sld>
+</file>
+
+<file path=ppt/slides/slide17.xml><?xml version="1.0" encoding="utf-8"?>
+<p:sld xmlns:a="http://schemas.openxmlformats.org/drawingml/2006/main" xmlns:r="http://schemas.openxmlformats.org/officeDocument/2006/relationships" xmlns:p="http://schemas.openxmlformats.org/presentationml/2006/main">
+  <p:cSld>
+    <p:spTree>
+      <p:nvGrpSpPr>
+        <p:cNvPr id="1" name=""/>
+        <p:cNvGrpSpPr/>
+        <p:nvPr/>
+      </p:nvGrpSpPr>
+      <p:grpSpPr>
+        <a:xfrm>
+          <a:off x="0" y="0"/>
+          <a:ext cx="0" cy="0"/>
+          <a:chOff x="0" y="0"/>
+          <a:chExt cx="0" cy="0"/>
+        </a:xfrm>
+      </p:grpSpPr>
+      <p:sp>
+        <p:nvSpPr>
+          <p:cNvPr id="7" name="Título 6"/>
+          <p:cNvSpPr>
+            <a:spLocks noGrp="1"/>
+          </p:cNvSpPr>
+          <p:nvPr>
+            <p:ph type="title"/>
+          </p:nvPr>
+        </p:nvSpPr>
+        <p:spPr/>
+        <p:txBody>
+          <a:bodyPr rtlCol="0"/>
+          <a:lstStyle/>
+          <a:p>
+            <a:pPr rtl="0"/>
+            <a:r>
+              <a:rPr lang="es-ES" dirty="0"/>
+              <a:t>Error al momento de realizar la prueba</a:t>
+            </a:r>
+          </a:p>
+        </p:txBody>
+      </p:sp>
+      <p:pic>
+        <p:nvPicPr>
+          <p:cNvPr id="2" name="Marcador de contenido 1">
+            <a:extLst>
+              <a:ext uri="{FF2B5EF4-FFF2-40B4-BE49-F238E27FC236}">
+                <a16:creationId xmlns:a16="http://schemas.microsoft.com/office/drawing/2014/main" id="{F41A4891-2532-47DA-9CE9-3783C3A07863}"/>
+              </a:ext>
+            </a:extLst>
+          </p:cNvPr>
+          <p:cNvPicPr>
+            <a:picLocks noGrp="1" noChangeAspect="1"/>
+          </p:cNvPicPr>
+          <p:nvPr>
+            <p:ph sz="half" idx="2"/>
+          </p:nvPr>
+        </p:nvPicPr>
+        <p:blipFill>
+          <a:blip r:embed="rId3"/>
+          <a:stretch>
+            <a:fillRect/>
+          </a:stretch>
+        </p:blipFill>
+        <p:spPr>
+          <a:xfrm>
+            <a:off x="1218883" y="1498600"/>
+            <a:ext cx="10360501" cy="4810720"/>
+          </a:xfrm>
+          <a:prstGeom prst="rect">
+            <a:avLst/>
+          </a:prstGeom>
+        </p:spPr>
+      </p:pic>
+    </p:spTree>
+    <p:extLst>
+      <p:ext uri="{BB962C8B-B14F-4D97-AF65-F5344CB8AC3E}">
+        <p14:creationId xmlns:p14="http://schemas.microsoft.com/office/powerpoint/2010/main" val="2672039197"/>
+      </p:ext>
+    </p:extLst>
+  </p:cSld>
+  <p:clrMapOvr>
+    <a:masterClrMapping/>
+  </p:clrMapOvr>
+  <mc:AlternateContent xmlns:mc="http://schemas.openxmlformats.org/markup-compatibility/2006" xmlns:p14="http://schemas.microsoft.com/office/powerpoint/2010/main">
+    <mc:Choice Requires="p14">
+      <p:transition spd="med" p14:dur="700">
+        <p:fade/>
+      </p:transition>
+    </mc:Choice>
+    <mc:Fallback xmlns="">
+      <p:transition spd="med">
+        <p:fade/>
+      </p:transition>
+    </mc:Fallback>
+  </mc:AlternateContent>
+</p:sld>
+</file>
+
+<file path=ppt/slides/slide18.xml><?xml version="1.0" encoding="utf-8"?>
 <p:sld xmlns:a="http://schemas.openxmlformats.org/drawingml/2006/main" xmlns:r="http://schemas.openxmlformats.org/officeDocument/2006/relationships" xmlns:p="http://schemas.openxmlformats.org/presentationml/2006/main">
   <p:cSld>
     <p:spTree>
@@ -6623,92 +10062,10 @@
           </a:p>
         </p:txBody>
       </p:sp>
-      <p:pic>
-        <p:nvPicPr>
-          <p:cNvPr id="4" name="Imagen 3">
-            <a:extLst>
-              <a:ext uri="{FF2B5EF4-FFF2-40B4-BE49-F238E27FC236}">
-                <a16:creationId xmlns:a16="http://schemas.microsoft.com/office/drawing/2014/main" id="{35C669B8-951A-421F-81BF-D083FA38CF21}"/>
-              </a:ext>
-            </a:extLst>
-          </p:cNvPr>
-          <p:cNvPicPr>
-            <a:picLocks noChangeAspect="1"/>
-          </p:cNvPicPr>
-          <p:nvPr/>
-        </p:nvPicPr>
-        <p:blipFill>
-          <a:blip r:embed="rId4"/>
-          <a:stretch>
-            <a:fillRect/>
-          </a:stretch>
-        </p:blipFill>
-        <p:spPr>
-          <a:xfrm>
-            <a:off x="3365499" y="619125"/>
-            <a:ext cx="5457824" cy="5619750"/>
-          </a:xfrm>
-          <a:prstGeom prst="rect">
-            <a:avLst/>
-          </a:prstGeom>
-        </p:spPr>
-      </p:pic>
-      <p:sp>
-        <p:nvSpPr>
-          <p:cNvPr id="5" name="Rectángulo 4">
-            <a:extLst>
-              <a:ext uri="{FF2B5EF4-FFF2-40B4-BE49-F238E27FC236}">
-                <a16:creationId xmlns:a16="http://schemas.microsoft.com/office/drawing/2014/main" id="{ABBD78BC-D401-4C45-AFEE-C4D4A53D8DE5}"/>
-              </a:ext>
-            </a:extLst>
-          </p:cNvPr>
-          <p:cNvSpPr/>
-          <p:nvPr/>
-        </p:nvSpPr>
-        <p:spPr>
-          <a:xfrm>
-            <a:off x="3970175" y="3753036"/>
-            <a:ext cx="4248472" cy="432048"/>
-          </a:xfrm>
-          <a:prstGeom prst="rect">
-            <a:avLst/>
-          </a:prstGeom>
-          <a:noFill/>
-          <a:ln>
-            <a:solidFill>
-              <a:srgbClr val="FF0000"/>
-            </a:solidFill>
-          </a:ln>
-        </p:spPr>
-        <p:style>
-          <a:lnRef idx="2">
-            <a:schemeClr val="accent1">
-              <a:shade val="50000"/>
-            </a:schemeClr>
-          </a:lnRef>
-          <a:fillRef idx="1">
-            <a:schemeClr val="accent1"/>
-          </a:fillRef>
-          <a:effectRef idx="0">
-            <a:schemeClr val="accent1"/>
-          </a:effectRef>
-          <a:fontRef idx="minor">
-            <a:schemeClr val="lt1"/>
-          </a:fontRef>
-        </p:style>
-        <p:txBody>
-          <a:bodyPr rtlCol="0" anchor="ctr"/>
-          <a:lstStyle/>
-          <a:p>
-            <a:pPr algn="ctr"/>
-            <a:endParaRPr lang="es-ES" sz="2800" dirty="0"/>
-          </a:p>
-        </p:txBody>
-      </p:sp>
     </p:spTree>
     <p:extLst>
       <p:ext uri="{BB962C8B-B14F-4D97-AF65-F5344CB8AC3E}">
-        <p14:creationId xmlns:p14="http://schemas.microsoft.com/office/powerpoint/2010/main" val="1810384548"/>
+        <p14:creationId xmlns:p14="http://schemas.microsoft.com/office/powerpoint/2010/main" val="1405850135"/>
       </p:ext>
     </p:extLst>
   </p:cSld>
@@ -6730,7 +10087,7 @@
 </p:sld>
 </file>
 
-<file path=ppt/slides/slide12.xml><?xml version="1.0" encoding="utf-8"?>
+<file path=ppt/slides/slide19.xml><?xml version="1.0" encoding="utf-8"?>
 <p:sld xmlns:a="http://schemas.openxmlformats.org/drawingml/2006/main" xmlns:r="http://schemas.openxmlformats.org/officeDocument/2006/relationships" xmlns:p="http://schemas.openxmlformats.org/presentationml/2006/main">
   <p:cSld>
     <p:spTree>
@@ -6765,17 +10122,17 @@
             <a:pPr rtl="0"/>
             <a:r>
               <a:rPr lang="es-ES" dirty="0"/>
-              <a:t>Checkeando que los demás suites pasen los test</a:t>
+              <a:t>Una vez modificado el código</a:t>
             </a:r>
           </a:p>
         </p:txBody>
       </p:sp>
       <p:pic>
         <p:nvPicPr>
-          <p:cNvPr id="2" name="Imagen 1">
+          <p:cNvPr id="5" name="Imagen 4">
             <a:extLst>
               <a:ext uri="{FF2B5EF4-FFF2-40B4-BE49-F238E27FC236}">
-                <a16:creationId xmlns:a16="http://schemas.microsoft.com/office/drawing/2014/main" id="{E64477CA-CCA5-42CE-9ACA-25D2135E2A62}"/>
+                <a16:creationId xmlns:a16="http://schemas.microsoft.com/office/drawing/2014/main" id="{BC764B28-6B12-470A-8C27-6B1A515094A2}"/>
               </a:ext>
             </a:extLst>
           </p:cNvPr>
@@ -6792,68 +10149,8 @@
         </p:blipFill>
         <p:spPr>
           <a:xfrm>
-            <a:off x="1339425" y="1556792"/>
-            <a:ext cx="9376029" cy="1512168"/>
-          </a:xfrm>
-          <a:prstGeom prst="rect">
-            <a:avLst/>
-          </a:prstGeom>
-        </p:spPr>
-      </p:pic>
-      <p:pic>
-        <p:nvPicPr>
-          <p:cNvPr id="3" name="Imagen 2">
-            <a:extLst>
-              <a:ext uri="{FF2B5EF4-FFF2-40B4-BE49-F238E27FC236}">
-                <a16:creationId xmlns:a16="http://schemas.microsoft.com/office/drawing/2014/main" id="{35261F40-6767-465A-93D6-D888CBFD7BEC}"/>
-              </a:ext>
-            </a:extLst>
-          </p:cNvPr>
-          <p:cNvPicPr>
-            <a:picLocks noChangeAspect="1"/>
-          </p:cNvPicPr>
-          <p:nvPr/>
-        </p:nvPicPr>
-        <p:blipFill>
-          <a:blip r:embed="rId4"/>
-          <a:stretch>
-            <a:fillRect/>
-          </a:stretch>
-        </p:blipFill>
-        <p:spPr>
-          <a:xfrm>
-            <a:off x="1339425" y="3284984"/>
-            <a:ext cx="9371592" cy="1512168"/>
-          </a:xfrm>
-          <a:prstGeom prst="rect">
-            <a:avLst/>
-          </a:prstGeom>
-        </p:spPr>
-      </p:pic>
-      <p:pic>
-        <p:nvPicPr>
-          <p:cNvPr id="4" name="Imagen 3">
-            <a:extLst>
-              <a:ext uri="{FF2B5EF4-FFF2-40B4-BE49-F238E27FC236}">
-                <a16:creationId xmlns:a16="http://schemas.microsoft.com/office/drawing/2014/main" id="{2C2142CA-B9A1-44EB-B02B-46980916CE4E}"/>
-              </a:ext>
-            </a:extLst>
-          </p:cNvPr>
-          <p:cNvPicPr>
-            <a:picLocks noChangeAspect="1"/>
-          </p:cNvPicPr>
-          <p:nvPr/>
-        </p:nvPicPr>
-        <p:blipFill>
-          <a:blip r:embed="rId5"/>
-          <a:stretch>
-            <a:fillRect/>
-          </a:stretch>
-        </p:blipFill>
-        <p:spPr>
-          <a:xfrm>
-            <a:off x="1339425" y="5028387"/>
-            <a:ext cx="9371591" cy="1512168"/>
+            <a:off x="1218883" y="1498601"/>
+            <a:ext cx="10360501" cy="4738711"/>
           </a:xfrm>
           <a:prstGeom prst="rect">
             <a:avLst/>
@@ -6863,7 +10160,7 @@
     </p:spTree>
     <p:extLst>
       <p:ext uri="{BB962C8B-B14F-4D97-AF65-F5344CB8AC3E}">
-        <p14:creationId xmlns:p14="http://schemas.microsoft.com/office/powerpoint/2010/main" val="1770129109"/>
+        <p14:creationId xmlns:p14="http://schemas.microsoft.com/office/powerpoint/2010/main" val="2645386564"/>
       </p:ext>
     </p:extLst>
   </p:cSld>
@@ -7100,8 +10397,8 @@
         </p:blipFill>
         <p:spPr>
           <a:xfrm>
-            <a:off x="1629916" y="1706963"/>
-            <a:ext cx="3888432" cy="3888432"/>
+            <a:off x="1773932" y="1808820"/>
+            <a:ext cx="3240360" cy="3240360"/>
           </a:xfrm>
         </p:spPr>
       </p:pic>
@@ -7130,1189 +10427,7 @@
 </p:sld>
 </file>
 
-<file path=ppt/slides/slide3.xml><?xml version="1.0" encoding="utf-8"?>
-<p:sld xmlns:a="http://schemas.openxmlformats.org/drawingml/2006/main" xmlns:r="http://schemas.openxmlformats.org/officeDocument/2006/relationships" xmlns:p="http://schemas.openxmlformats.org/presentationml/2006/main">
-  <p:cSld>
-    <p:spTree>
-      <p:nvGrpSpPr>
-        <p:cNvPr id="1" name=""/>
-        <p:cNvGrpSpPr/>
-        <p:nvPr/>
-      </p:nvGrpSpPr>
-      <p:grpSpPr>
-        <a:xfrm>
-          <a:off x="0" y="0"/>
-          <a:ext cx="0" cy="0"/>
-          <a:chOff x="0" y="0"/>
-          <a:chExt cx="0" cy="0"/>
-        </a:xfrm>
-      </p:grpSpPr>
-      <p:sp>
-        <p:nvSpPr>
-          <p:cNvPr id="2" name="Título 1">
-            <a:extLst>
-              <a:ext uri="{FF2B5EF4-FFF2-40B4-BE49-F238E27FC236}">
-                <a16:creationId xmlns:a16="http://schemas.microsoft.com/office/drawing/2014/main" id="{A01AC393-36F2-2704-3150-48B52C6AB9F4}"/>
-              </a:ext>
-            </a:extLst>
-          </p:cNvPr>
-          <p:cNvSpPr>
-            <a:spLocks noGrp="1"/>
-          </p:cNvSpPr>
-          <p:nvPr>
-            <p:ph type="title"/>
-          </p:nvPr>
-        </p:nvSpPr>
-        <p:spPr/>
-        <p:txBody>
-          <a:bodyPr/>
-          <a:lstStyle/>
-          <a:p>
-            <a:r>
-              <a:rPr lang="es-AR" dirty="0"/>
-              <a:t>Ventajas			   	Desventajas</a:t>
-            </a:r>
-          </a:p>
-        </p:txBody>
-      </p:sp>
-      <p:sp>
-        <p:nvSpPr>
-          <p:cNvPr id="3" name="Marcador de contenido 2">
-            <a:extLst>
-              <a:ext uri="{FF2B5EF4-FFF2-40B4-BE49-F238E27FC236}">
-                <a16:creationId xmlns:a16="http://schemas.microsoft.com/office/drawing/2014/main" id="{8406340A-FAB4-346C-174E-6716AEA2A560}"/>
-              </a:ext>
-            </a:extLst>
-          </p:cNvPr>
-          <p:cNvSpPr>
-            <a:spLocks noGrp="1"/>
-          </p:cNvSpPr>
-          <p:nvPr>
-            <p:ph sz="half" idx="1"/>
-          </p:nvPr>
-        </p:nvSpPr>
-        <p:spPr>
-          <a:xfrm>
-            <a:off x="952848" y="1706880"/>
-            <a:ext cx="5451593" cy="4170392"/>
-          </a:xfrm>
-        </p:spPr>
-        <p:txBody>
-          <a:bodyPr/>
-          <a:lstStyle/>
-          <a:p>
-            <a:r>
-              <a:rPr lang="es-ES" dirty="0"/>
-              <a:t>Pruebas centradas en el usuario</a:t>
-            </a:r>
-          </a:p>
-          <a:p>
-            <a:r>
-              <a:rPr lang="es-AR" dirty="0"/>
-              <a:t>Es independiente del </a:t>
-            </a:r>
-            <a:r>
-              <a:rPr lang="es-AR" dirty="0" err="1"/>
-              <a:t>framework</a:t>
-            </a:r>
-            <a:r>
-              <a:rPr lang="es-AR" dirty="0"/>
-              <a:t> (</a:t>
-            </a:r>
-            <a:r>
-              <a:rPr lang="es-AR" dirty="0" err="1"/>
-              <a:t>Princialmente</a:t>
-            </a:r>
-            <a:r>
-              <a:rPr lang="es-AR" dirty="0"/>
-              <a:t> con </a:t>
-            </a:r>
-            <a:r>
-              <a:rPr lang="es-AR" dirty="0" err="1"/>
-              <a:t>React</a:t>
-            </a:r>
-            <a:r>
-              <a:rPr lang="es-AR" dirty="0"/>
-              <a:t>)</a:t>
-            </a:r>
-            <a:endParaRPr lang="es-ES" dirty="0"/>
-          </a:p>
-          <a:p>
-            <a:r>
-              <a:rPr lang="es-ES" sz="2800" dirty="0"/>
-              <a:t>Promueve buenas practicas</a:t>
-            </a:r>
-            <a:endParaRPr lang="es-ES" dirty="0"/>
-          </a:p>
-          <a:p>
-            <a:r>
-              <a:rPr lang="es-ES" dirty="0"/>
-              <a:t>Fácil de aprender y usar</a:t>
-            </a:r>
-            <a:endParaRPr lang="es-AR" dirty="0"/>
-          </a:p>
-        </p:txBody>
-      </p:sp>
-      <p:sp>
-        <p:nvSpPr>
-          <p:cNvPr id="4" name="Marcador de contenido 3">
-            <a:extLst>
-              <a:ext uri="{FF2B5EF4-FFF2-40B4-BE49-F238E27FC236}">
-                <a16:creationId xmlns:a16="http://schemas.microsoft.com/office/drawing/2014/main" id="{A2F7D821-4DBB-492A-E7B9-E420B1286320}"/>
-              </a:ext>
-            </a:extLst>
-          </p:cNvPr>
-          <p:cNvSpPr>
-            <a:spLocks noGrp="1"/>
-          </p:cNvSpPr>
-          <p:nvPr>
-            <p:ph sz="half" idx="2"/>
-          </p:nvPr>
-        </p:nvSpPr>
-        <p:spPr>
-          <a:xfrm>
-            <a:off x="6886500" y="1754293"/>
-            <a:ext cx="5078677" cy="3658592"/>
-          </a:xfrm>
-        </p:spPr>
-        <p:txBody>
-          <a:bodyPr/>
-          <a:lstStyle/>
-          <a:p>
-            <a:r>
-              <a:rPr lang="es-ES" dirty="0"/>
-              <a:t>Falta de control sobre detalles del DOM</a:t>
-            </a:r>
-          </a:p>
-          <a:p>
-            <a:r>
-              <a:rPr lang="es-ES" dirty="0"/>
-              <a:t>Simulación limitada de eventos complejos</a:t>
-            </a:r>
-          </a:p>
-          <a:p>
-            <a:r>
-              <a:rPr lang="es-AR" dirty="0"/>
-              <a:t>Pruebas más lentas</a:t>
-            </a:r>
-          </a:p>
-        </p:txBody>
-      </p:sp>
-    </p:spTree>
-    <p:extLst>
-      <p:ext uri="{BB962C8B-B14F-4D97-AF65-F5344CB8AC3E}">
-        <p14:creationId xmlns:p14="http://schemas.microsoft.com/office/powerpoint/2010/main" val="728598796"/>
-      </p:ext>
-    </p:extLst>
-  </p:cSld>
-  <p:clrMapOvr>
-    <a:masterClrMapping/>
-  </p:clrMapOvr>
-  <mc:AlternateContent xmlns:mc="http://schemas.openxmlformats.org/markup-compatibility/2006" xmlns:p14="http://schemas.microsoft.com/office/powerpoint/2010/main">
-    <mc:Choice Requires="p14">
-      <p:transition spd="med" p14:dur="700">
-        <p:fade/>
-      </p:transition>
-    </mc:Choice>
-    <mc:Fallback xmlns="">
-      <p:transition spd="med">
-        <p:fade/>
-      </p:transition>
-    </mc:Fallback>
-  </mc:AlternateContent>
-</p:sld>
-</file>
-
-<file path=ppt/slides/slide4.xml><?xml version="1.0" encoding="utf-8"?>
-<p:sld xmlns:a="http://schemas.openxmlformats.org/drawingml/2006/main" xmlns:r="http://schemas.openxmlformats.org/officeDocument/2006/relationships" xmlns:p="http://schemas.openxmlformats.org/presentationml/2006/main">
-  <p:cSld>
-    <p:spTree>
-      <p:nvGrpSpPr>
-        <p:cNvPr id="1" name=""/>
-        <p:cNvGrpSpPr/>
-        <p:nvPr/>
-      </p:nvGrpSpPr>
-      <p:grpSpPr>
-        <a:xfrm>
-          <a:off x="0" y="0"/>
-          <a:ext cx="0" cy="0"/>
-          <a:chOff x="0" y="0"/>
-          <a:chExt cx="0" cy="0"/>
-        </a:xfrm>
-      </p:grpSpPr>
-      <p:sp>
-        <p:nvSpPr>
-          <p:cNvPr id="2" name="Título 1">
-            <a:extLst>
-              <a:ext uri="{FF2B5EF4-FFF2-40B4-BE49-F238E27FC236}">
-                <a16:creationId xmlns:a16="http://schemas.microsoft.com/office/drawing/2014/main" id="{8CDC4B96-3D2D-6FD0-7B82-DA229F2D83D2}"/>
-              </a:ext>
-            </a:extLst>
-          </p:cNvPr>
-          <p:cNvSpPr>
-            <a:spLocks noGrp="1"/>
-          </p:cNvSpPr>
-          <p:nvPr>
-            <p:ph type="title"/>
-          </p:nvPr>
-        </p:nvSpPr>
-        <p:spPr>
-          <a:xfrm>
-            <a:off x="981844" y="0"/>
-            <a:ext cx="7035769" cy="828006"/>
-          </a:xfrm>
-        </p:spPr>
-        <p:txBody>
-          <a:bodyPr/>
-          <a:lstStyle/>
-          <a:p>
-            <a:r>
-              <a:rPr lang="es-ES" dirty="0">
-                <a:solidFill>
-                  <a:schemeClr val="tx2"/>
-                </a:solidFill>
-              </a:rPr>
-              <a:t>Pasos que realiza </a:t>
-            </a:r>
-            <a:r>
-              <a:rPr lang="es-ES" dirty="0" err="1">
-                <a:solidFill>
-                  <a:schemeClr val="tx2"/>
-                </a:solidFill>
-              </a:rPr>
-              <a:t>Testing</a:t>
-            </a:r>
-            <a:r>
-              <a:rPr lang="es-ES" dirty="0">
-                <a:solidFill>
-                  <a:schemeClr val="tx2"/>
-                </a:solidFill>
-              </a:rPr>
-              <a:t> Library </a:t>
-            </a:r>
-            <a:endParaRPr lang="es-AR" dirty="0">
-              <a:solidFill>
-                <a:schemeClr val="tx2"/>
-              </a:solidFill>
-            </a:endParaRPr>
-          </a:p>
-        </p:txBody>
-      </p:sp>
-      <p:sp>
-        <p:nvSpPr>
-          <p:cNvPr id="3" name="Marcador de contenido 2">
-            <a:extLst>
-              <a:ext uri="{FF2B5EF4-FFF2-40B4-BE49-F238E27FC236}">
-                <a16:creationId xmlns:a16="http://schemas.microsoft.com/office/drawing/2014/main" id="{57436204-E7CF-1976-B8D6-BC861D94A6E3}"/>
-              </a:ext>
-            </a:extLst>
-          </p:cNvPr>
-          <p:cNvSpPr>
-            <a:spLocks noGrp="1"/>
-          </p:cNvSpPr>
-          <p:nvPr>
-            <p:ph idx="1"/>
-          </p:nvPr>
-        </p:nvSpPr>
-        <p:spPr>
-          <a:xfrm>
-            <a:off x="1125860" y="1125238"/>
-            <a:ext cx="10360501" cy="5184082"/>
-          </a:xfrm>
-        </p:spPr>
-        <p:txBody>
-          <a:bodyPr>
-            <a:noAutofit/>
-          </a:bodyPr>
-          <a:lstStyle/>
-          <a:p>
-            <a:pPr marL="514350" indent="-514350">
-              <a:buFont typeface="+mj-lt"/>
-              <a:buAutoNum type="arabicPeriod"/>
-            </a:pPr>
-            <a:r>
-              <a:rPr lang="es-AR" sz="2200" b="1" dirty="0">
-                <a:solidFill>
-                  <a:schemeClr val="tx2"/>
-                </a:solidFill>
-                <a:effectLst>
-                  <a:outerShdw blurRad="38100" dist="38100" dir="2700000" algn="tl">
-                    <a:srgbClr val="000000">
-                      <a:alpha val="43137"/>
-                    </a:srgbClr>
-                  </a:outerShdw>
-                </a:effectLst>
-              </a:rPr>
-              <a:t>Renderizado del componente </a:t>
-            </a:r>
-          </a:p>
-          <a:p>
-            <a:pPr lvl="1">
-              <a:buFont typeface="Wingdings" panose="05000000000000000000" pitchFamily="2" charset="2"/>
-              <a:buChar char="Ø"/>
-            </a:pPr>
-            <a:r>
-              <a:rPr lang="es-AR" sz="2200" b="1" dirty="0">
-                <a:solidFill>
-                  <a:schemeClr val="tx2"/>
-                </a:solidFill>
-                <a:effectLst>
-                  <a:outerShdw blurRad="38100" dist="38100" dir="2700000" algn="tl">
-                    <a:srgbClr val="000000">
-                      <a:alpha val="43137"/>
-                    </a:srgbClr>
-                  </a:outerShdw>
-                </a:effectLst>
-              </a:rPr>
-              <a:t>render()</a:t>
-            </a:r>
-            <a:endParaRPr lang="es-ES" sz="2200" b="1" dirty="0">
-              <a:solidFill>
-                <a:schemeClr val="tx2"/>
-              </a:solidFill>
-              <a:effectLst>
-                <a:outerShdw blurRad="38100" dist="38100" dir="2700000" algn="tl">
-                  <a:srgbClr val="000000">
-                    <a:alpha val="43137"/>
-                  </a:srgbClr>
-                </a:outerShdw>
-              </a:effectLst>
-            </a:endParaRPr>
-          </a:p>
-          <a:p>
-            <a:pPr marL="514350" indent="-514350">
-              <a:buFont typeface="+mj-lt"/>
-              <a:buAutoNum type="arabicPeriod"/>
-            </a:pPr>
-            <a:r>
-              <a:rPr lang="es-AR" sz="2200" b="1" dirty="0">
-                <a:solidFill>
-                  <a:schemeClr val="tx2"/>
-                </a:solidFill>
-                <a:effectLst>
-                  <a:outerShdw blurRad="38100" dist="38100" dir="2700000" algn="tl">
-                    <a:srgbClr val="000000">
-                      <a:alpha val="43137"/>
-                    </a:srgbClr>
-                  </a:outerShdw>
-                </a:effectLst>
-                <a:ea typeface="Calibri" panose="020F0502020204030204" pitchFamily="34" charset="0"/>
-                <a:cs typeface="Times New Roman" panose="02020603050405020304" pitchFamily="18" charset="0"/>
-              </a:rPr>
-              <a:t>Búsqueda de </a:t>
-            </a:r>
-            <a:r>
-              <a:rPr lang="es-AR" sz="2200" b="1" dirty="0">
-                <a:solidFill>
-                  <a:schemeClr val="tx2"/>
-                </a:solidFill>
-                <a:effectLst>
-                  <a:outerShdw blurRad="38100" dist="38100" dir="2700000" algn="tl">
-                    <a:srgbClr val="000000">
-                      <a:alpha val="43137"/>
-                    </a:srgbClr>
-                  </a:outerShdw>
-                </a:effectLst>
-              </a:rPr>
-              <a:t>elementos del DOM</a:t>
-            </a:r>
-          </a:p>
-          <a:p>
-            <a:pPr marL="819096" lvl="1" indent="-514350">
-              <a:buFont typeface="Wingdings" panose="05000000000000000000" pitchFamily="2" charset="2"/>
-              <a:buChar char="Ø"/>
-            </a:pPr>
-            <a:r>
-              <a:rPr lang="es-AR" sz="2200" b="1" dirty="0" err="1">
-                <a:solidFill>
-                  <a:schemeClr val="tx2"/>
-                </a:solidFill>
-                <a:effectLst>
-                  <a:outerShdw blurRad="38100" dist="38100" dir="2700000" algn="tl">
-                    <a:srgbClr val="000000">
-                      <a:alpha val="43137"/>
-                    </a:srgbClr>
-                  </a:outerShdw>
-                </a:effectLst>
-              </a:rPr>
-              <a:t>getByText</a:t>
-            </a:r>
-            <a:r>
-              <a:rPr lang="es-AR" sz="2200" b="1" dirty="0">
-                <a:solidFill>
-                  <a:schemeClr val="tx2"/>
-                </a:solidFill>
-                <a:effectLst>
-                  <a:outerShdw blurRad="38100" dist="38100" dir="2700000" algn="tl">
-                    <a:srgbClr val="000000">
-                      <a:alpha val="43137"/>
-                    </a:srgbClr>
-                  </a:outerShdw>
-                </a:effectLst>
-              </a:rPr>
-              <a:t>()</a:t>
-            </a:r>
-          </a:p>
-          <a:p>
-            <a:pPr marL="819096" lvl="1" indent="-514350">
-              <a:buFont typeface="Wingdings" panose="05000000000000000000" pitchFamily="2" charset="2"/>
-              <a:buChar char="Ø"/>
-            </a:pPr>
-            <a:r>
-              <a:rPr lang="es-AR" sz="2200" b="1" dirty="0" err="1">
-                <a:solidFill>
-                  <a:schemeClr val="tx2"/>
-                </a:solidFill>
-                <a:effectLst>
-                  <a:outerShdw blurRad="38100" dist="38100" dir="2700000" algn="tl">
-                    <a:srgbClr val="000000">
-                      <a:alpha val="43137"/>
-                    </a:srgbClr>
-                  </a:outerShdw>
-                </a:effectLst>
-              </a:rPr>
-              <a:t>getByRole</a:t>
-            </a:r>
-            <a:r>
-              <a:rPr lang="es-AR" sz="2200" b="1" dirty="0">
-                <a:solidFill>
-                  <a:schemeClr val="tx2"/>
-                </a:solidFill>
-                <a:effectLst>
-                  <a:outerShdw blurRad="38100" dist="38100" dir="2700000" algn="tl">
-                    <a:srgbClr val="000000">
-                      <a:alpha val="43137"/>
-                    </a:srgbClr>
-                  </a:outerShdw>
-                </a:effectLst>
-              </a:rPr>
-              <a:t>()</a:t>
-            </a:r>
-          </a:p>
-          <a:p>
-            <a:pPr marL="819096" lvl="1" indent="-514350">
-              <a:buFont typeface="Wingdings" panose="05000000000000000000" pitchFamily="2" charset="2"/>
-              <a:buChar char="Ø"/>
-            </a:pPr>
-            <a:r>
-              <a:rPr lang="es-AR" sz="2200" b="1" dirty="0" err="1">
-                <a:solidFill>
-                  <a:schemeClr val="tx2"/>
-                </a:solidFill>
-                <a:effectLst>
-                  <a:outerShdw blurRad="38100" dist="38100" dir="2700000" algn="tl">
-                    <a:srgbClr val="000000">
-                      <a:alpha val="43137"/>
-                    </a:srgbClr>
-                  </a:outerShdw>
-                </a:effectLst>
-              </a:rPr>
-              <a:t>getByTestId</a:t>
-            </a:r>
-            <a:r>
-              <a:rPr lang="es-AR" sz="2200" b="1" dirty="0">
-                <a:solidFill>
-                  <a:schemeClr val="tx2"/>
-                </a:solidFill>
-                <a:effectLst>
-                  <a:outerShdw blurRad="38100" dist="38100" dir="2700000" algn="tl">
-                    <a:srgbClr val="000000">
-                      <a:alpha val="43137"/>
-                    </a:srgbClr>
-                  </a:outerShdw>
-                </a:effectLst>
-              </a:rPr>
-              <a:t>()</a:t>
-            </a:r>
-          </a:p>
-          <a:p>
-            <a:pPr marL="819096" lvl="1" indent="-514350">
-              <a:buFont typeface="Wingdings" panose="05000000000000000000" pitchFamily="2" charset="2"/>
-              <a:buChar char="Ø"/>
-            </a:pPr>
-            <a:r>
-              <a:rPr lang="es-ES" sz="2200" b="1" dirty="0">
-                <a:solidFill>
-                  <a:schemeClr val="tx2"/>
-                </a:solidFill>
-                <a:effectLst>
-                  <a:outerShdw blurRad="38100" dist="38100" dir="2700000" algn="tl">
-                    <a:srgbClr val="000000">
-                      <a:alpha val="43137"/>
-                    </a:srgbClr>
-                  </a:outerShdw>
-                </a:effectLst>
-              </a:rPr>
-              <a:t>…..</a:t>
-            </a:r>
-          </a:p>
-          <a:p>
-            <a:pPr marL="514350" indent="-514350">
-              <a:buFont typeface="+mj-lt"/>
-              <a:buAutoNum type="arabicPeriod"/>
-            </a:pPr>
-            <a:r>
-              <a:rPr lang="es-AR" sz="2200" b="1" dirty="0">
-                <a:solidFill>
-                  <a:schemeClr val="tx2"/>
-                </a:solidFill>
-                <a:effectLst>
-                  <a:outerShdw blurRad="38100" dist="38100" dir="2700000" algn="tl">
-                    <a:srgbClr val="000000">
-                      <a:alpha val="43137"/>
-                    </a:srgbClr>
-                  </a:outerShdw>
-                </a:effectLst>
-              </a:rPr>
-              <a:t>Simulación de interacciones</a:t>
-            </a:r>
-          </a:p>
-          <a:p>
-            <a:pPr marL="819096" lvl="1" indent="-514350">
-              <a:buFont typeface="Wingdings" panose="05000000000000000000" pitchFamily="2" charset="2"/>
-              <a:buChar char="Ø"/>
-            </a:pPr>
-            <a:r>
-              <a:rPr lang="es-AR" sz="2200" b="1" dirty="0" err="1">
-                <a:solidFill>
-                  <a:schemeClr val="tx2"/>
-                </a:solidFill>
-                <a:effectLst>
-                  <a:outerShdw blurRad="38100" dist="38100" dir="2700000" algn="tl">
-                    <a:srgbClr val="000000">
-                      <a:alpha val="43137"/>
-                    </a:srgbClr>
-                  </a:outerShdw>
-                </a:effectLst>
-              </a:rPr>
-              <a:t>fireEvent</a:t>
-            </a:r>
-            <a:endParaRPr lang="es-AR" sz="2200" b="1" dirty="0">
-              <a:solidFill>
-                <a:schemeClr val="tx2"/>
-              </a:solidFill>
-              <a:effectLst>
-                <a:outerShdw blurRad="38100" dist="38100" dir="2700000" algn="tl">
-                  <a:srgbClr val="000000">
-                    <a:alpha val="43137"/>
-                  </a:srgbClr>
-                </a:outerShdw>
-              </a:effectLst>
-            </a:endParaRPr>
-          </a:p>
-          <a:p>
-            <a:pPr marL="819096" lvl="1" indent="-514350">
-              <a:buFont typeface="Wingdings" panose="05000000000000000000" pitchFamily="2" charset="2"/>
-              <a:buChar char="Ø"/>
-            </a:pPr>
-            <a:r>
-              <a:rPr lang="es-AR" sz="2200" b="1" dirty="0" err="1">
-                <a:solidFill>
-                  <a:schemeClr val="tx2"/>
-                </a:solidFill>
-                <a:effectLst>
-                  <a:outerShdw blurRad="38100" dist="38100" dir="2700000" algn="tl">
-                    <a:srgbClr val="000000">
-                      <a:alpha val="43137"/>
-                    </a:srgbClr>
-                  </a:outerShdw>
-                </a:effectLst>
-              </a:rPr>
-              <a:t>userEvent</a:t>
-            </a:r>
-            <a:endParaRPr lang="es-AR" sz="2200" b="1" dirty="0">
-              <a:solidFill>
-                <a:schemeClr val="tx2"/>
-              </a:solidFill>
-              <a:effectLst>
-                <a:outerShdw blurRad="38100" dist="38100" dir="2700000" algn="tl">
-                  <a:srgbClr val="000000">
-                    <a:alpha val="43137"/>
-                  </a:srgbClr>
-                </a:outerShdw>
-              </a:effectLst>
-            </a:endParaRPr>
-          </a:p>
-          <a:p>
-            <a:pPr marL="514350" indent="-514350">
-              <a:buFont typeface="+mj-lt"/>
-              <a:buAutoNum type="arabicPeriod"/>
-            </a:pPr>
-            <a:r>
-              <a:rPr lang="es-AR" sz="2200" b="1" dirty="0">
-                <a:solidFill>
-                  <a:schemeClr val="tx2"/>
-                </a:solidFill>
-                <a:effectLst>
-                  <a:outerShdw blurRad="38100" dist="38100" dir="2700000" algn="tl">
-                    <a:srgbClr val="000000">
-                      <a:alpha val="43137"/>
-                    </a:srgbClr>
-                  </a:outerShdw>
-                </a:effectLst>
-              </a:rPr>
-              <a:t>Aserciones (</a:t>
-            </a:r>
-            <a:r>
-              <a:rPr lang="es-AR" sz="2200" b="1" dirty="0" err="1">
-                <a:solidFill>
-                  <a:schemeClr val="tx2"/>
-                </a:solidFill>
-                <a:effectLst>
-                  <a:outerShdw blurRad="38100" dist="38100" dir="2700000" algn="tl">
-                    <a:srgbClr val="000000">
-                      <a:alpha val="43137"/>
-                    </a:srgbClr>
-                  </a:outerShdw>
-                </a:effectLst>
-              </a:rPr>
-              <a:t>Assertions</a:t>
-            </a:r>
-            <a:r>
-              <a:rPr lang="es-AR" sz="2200" b="1" dirty="0">
-                <a:solidFill>
-                  <a:schemeClr val="tx2"/>
-                </a:solidFill>
-                <a:effectLst>
-                  <a:outerShdw blurRad="38100" dist="38100" dir="2700000" algn="tl">
-                    <a:srgbClr val="000000">
-                      <a:alpha val="43137"/>
-                    </a:srgbClr>
-                  </a:outerShdw>
-                </a:effectLst>
-              </a:rPr>
-              <a:t>)</a:t>
-            </a:r>
-          </a:p>
-          <a:p>
-            <a:pPr marL="819096" lvl="1" indent="-514350">
-              <a:buFont typeface="Wingdings" panose="05000000000000000000" pitchFamily="2" charset="2"/>
-              <a:buChar char="Ø"/>
-            </a:pPr>
-            <a:r>
-              <a:rPr lang="es-AR" sz="2200" b="1" dirty="0" err="1">
-                <a:solidFill>
-                  <a:schemeClr val="tx2"/>
-                </a:solidFill>
-                <a:effectLst>
-                  <a:outerShdw blurRad="38100" dist="38100" dir="2700000" algn="tl">
-                    <a:srgbClr val="000000">
-                      <a:alpha val="43137"/>
-                    </a:srgbClr>
-                  </a:outerShdw>
-                </a:effectLst>
-              </a:rPr>
-              <a:t>expect</a:t>
-            </a:r>
-            <a:endParaRPr lang="es-AR" sz="2200" b="1" dirty="0">
-              <a:solidFill>
-                <a:schemeClr val="tx2"/>
-              </a:solidFill>
-              <a:effectLst>
-                <a:outerShdw blurRad="38100" dist="38100" dir="2700000" algn="tl">
-                  <a:srgbClr val="000000">
-                    <a:alpha val="43137"/>
-                  </a:srgbClr>
-                </a:outerShdw>
-              </a:effectLst>
-            </a:endParaRPr>
-          </a:p>
-        </p:txBody>
-      </p:sp>
-    </p:spTree>
-    <p:extLst>
-      <p:ext uri="{BB962C8B-B14F-4D97-AF65-F5344CB8AC3E}">
-        <p14:creationId xmlns:p14="http://schemas.microsoft.com/office/powerpoint/2010/main" val="1992651492"/>
-      </p:ext>
-    </p:extLst>
-  </p:cSld>
-  <p:clrMapOvr>
-    <a:masterClrMapping/>
-  </p:clrMapOvr>
-  <mc:AlternateContent xmlns:mc="http://schemas.openxmlformats.org/markup-compatibility/2006" xmlns:p14="http://schemas.microsoft.com/office/powerpoint/2010/main">
-    <mc:Choice Requires="p14">
-      <p:transition spd="med" p14:dur="700">
-        <p:fade/>
-      </p:transition>
-    </mc:Choice>
-    <mc:Fallback xmlns="">
-      <p:transition spd="med">
-        <p:fade/>
-      </p:transition>
-    </mc:Fallback>
-  </mc:AlternateContent>
-</p:sld>
-</file>
-
-<file path=ppt/slides/slide5.xml><?xml version="1.0" encoding="utf-8"?>
-<p:sld xmlns:a="http://schemas.openxmlformats.org/drawingml/2006/main" xmlns:r="http://schemas.openxmlformats.org/officeDocument/2006/relationships" xmlns:p="http://schemas.openxmlformats.org/presentationml/2006/main">
-  <p:cSld>
-    <p:spTree>
-      <p:nvGrpSpPr>
-        <p:cNvPr id="1" name=""/>
-        <p:cNvGrpSpPr/>
-        <p:nvPr/>
-      </p:nvGrpSpPr>
-      <p:grpSpPr>
-        <a:xfrm>
-          <a:off x="0" y="0"/>
-          <a:ext cx="0" cy="0"/>
-          <a:chOff x="0" y="0"/>
-          <a:chExt cx="0" cy="0"/>
-        </a:xfrm>
-      </p:grpSpPr>
-      <p:sp>
-        <p:nvSpPr>
-          <p:cNvPr id="2" name="Título 1">
-            <a:extLst>
-              <a:ext uri="{FF2B5EF4-FFF2-40B4-BE49-F238E27FC236}">
-                <a16:creationId xmlns:a16="http://schemas.microsoft.com/office/drawing/2014/main" id="{17DC4C4B-5839-93E1-4DB0-A9DB2DB230AF}"/>
-              </a:ext>
-            </a:extLst>
-          </p:cNvPr>
-          <p:cNvSpPr>
-            <a:spLocks noGrp="1"/>
-          </p:cNvSpPr>
-          <p:nvPr>
-            <p:ph type="title"/>
-          </p:nvPr>
-        </p:nvSpPr>
-        <p:spPr>
-          <a:xfrm>
-            <a:off x="1218883" y="133446"/>
-            <a:ext cx="2139225" cy="706091"/>
-          </a:xfrm>
-        </p:spPr>
-        <p:txBody>
-          <a:bodyPr/>
-          <a:lstStyle/>
-          <a:p>
-            <a:r>
-              <a:rPr lang="es-ES" dirty="0"/>
-              <a:t>Ejemplo</a:t>
-            </a:r>
-            <a:endParaRPr lang="es-AR" dirty="0"/>
-          </a:p>
-        </p:txBody>
-      </p:sp>
-      <p:sp>
-        <p:nvSpPr>
-          <p:cNvPr id="11" name="CuadroTexto 10">
-            <a:extLst>
-              <a:ext uri="{FF2B5EF4-FFF2-40B4-BE49-F238E27FC236}">
-                <a16:creationId xmlns:a16="http://schemas.microsoft.com/office/drawing/2014/main" id="{53B96C98-FBCB-5BB0-B865-07E10E4E10D9}"/>
-              </a:ext>
-            </a:extLst>
-          </p:cNvPr>
-          <p:cNvSpPr txBox="1"/>
-          <p:nvPr/>
-        </p:nvSpPr>
-        <p:spPr>
-          <a:xfrm>
-            <a:off x="1304914" y="4725144"/>
-            <a:ext cx="3493354" cy="1569660"/>
-          </a:xfrm>
-          <a:prstGeom prst="rect">
-            <a:avLst/>
-          </a:prstGeom>
-          <a:noFill/>
-          <a:ln>
-            <a:noFill/>
-          </a:ln>
-        </p:spPr>
-        <p:style>
-          <a:lnRef idx="0">
-            <a:scrgbClr r="0" g="0" b="0"/>
-          </a:lnRef>
-          <a:fillRef idx="0">
-            <a:scrgbClr r="0" g="0" b="0"/>
-          </a:fillRef>
-          <a:effectRef idx="0">
-            <a:scrgbClr r="0" g="0" b="0"/>
-          </a:effectRef>
-          <a:fontRef idx="minor">
-            <a:schemeClr val="accent1"/>
-          </a:fontRef>
-        </p:style>
-        <p:txBody>
-          <a:bodyPr wrap="square">
-            <a:spAutoFit/>
-          </a:bodyPr>
-          <a:lstStyle/>
-          <a:p>
-            <a:pPr marL="342900" indent="-342900">
-              <a:buFont typeface="Wingdings" panose="05000000000000000000" pitchFamily="2" charset="2"/>
-              <a:buChar char="Ø"/>
-            </a:pPr>
-            <a:r>
-              <a:rPr lang="es-ES" b="1" i="1" spc="300" dirty="0">
-                <a:solidFill>
-                  <a:schemeClr val="tx2"/>
-                </a:solidFill>
-                <a:effectLst>
-                  <a:outerShdw blurRad="38100" dist="38100" dir="2700000" algn="tl">
-                    <a:srgbClr val="000000">
-                      <a:alpha val="43137"/>
-                    </a:srgbClr>
-                  </a:outerShdw>
-                </a:effectLst>
-                <a:latin typeface="+mj-lt"/>
-                <a:ea typeface="ADLaM Display" panose="020F0502020204030204" pitchFamily="2" charset="0"/>
-                <a:cs typeface="ADLaM Display" panose="020F0502020204030204" pitchFamily="2" charset="0"/>
-              </a:rPr>
-              <a:t>render </a:t>
-            </a:r>
-          </a:p>
-          <a:p>
-            <a:pPr marL="342900" indent="-342900">
-              <a:buFont typeface="Wingdings" panose="05000000000000000000" pitchFamily="2" charset="2"/>
-              <a:buChar char="Ø"/>
-            </a:pPr>
-            <a:r>
-              <a:rPr lang="es-ES" b="1" i="1" spc="300" dirty="0" err="1">
-                <a:solidFill>
-                  <a:schemeClr val="tx2"/>
-                </a:solidFill>
-                <a:effectLst>
-                  <a:outerShdw blurRad="38100" dist="38100" dir="2700000" algn="tl">
-                    <a:srgbClr val="000000">
-                      <a:alpha val="43137"/>
-                    </a:srgbClr>
-                  </a:outerShdw>
-                </a:effectLst>
-                <a:latin typeface="+mj-lt"/>
-                <a:ea typeface="ADLaM Display" panose="020F0502020204030204" pitchFamily="2" charset="0"/>
-                <a:cs typeface="ADLaM Display" panose="020F0502020204030204" pitchFamily="2" charset="0"/>
-              </a:rPr>
-              <a:t>getByLabelText</a:t>
-            </a:r>
-            <a:endParaRPr lang="es-ES" b="1" i="1" spc="300" dirty="0">
-              <a:solidFill>
-                <a:schemeClr val="tx2"/>
-              </a:solidFill>
-              <a:effectLst>
-                <a:outerShdw blurRad="38100" dist="38100" dir="2700000" algn="tl">
-                  <a:srgbClr val="000000">
-                    <a:alpha val="43137"/>
-                  </a:srgbClr>
-                </a:outerShdw>
-              </a:effectLst>
-              <a:latin typeface="+mj-lt"/>
-              <a:ea typeface="ADLaM Display" panose="020F0502020204030204" pitchFamily="2" charset="0"/>
-              <a:cs typeface="ADLaM Display" panose="020F0502020204030204" pitchFamily="2" charset="0"/>
-            </a:endParaRPr>
-          </a:p>
-          <a:p>
-            <a:pPr marL="342900" indent="-342900">
-              <a:buFont typeface="Wingdings" panose="05000000000000000000" pitchFamily="2" charset="2"/>
-              <a:buChar char="Ø"/>
-            </a:pPr>
-            <a:r>
-              <a:rPr lang="es-ES" b="1" i="1" spc="300" dirty="0" err="1">
-                <a:solidFill>
-                  <a:schemeClr val="tx2"/>
-                </a:solidFill>
-                <a:effectLst>
-                  <a:outerShdw blurRad="38100" dist="38100" dir="2700000" algn="tl">
-                    <a:srgbClr val="000000">
-                      <a:alpha val="43137"/>
-                    </a:srgbClr>
-                  </a:outerShdw>
-                </a:effectLst>
-                <a:latin typeface="+mj-lt"/>
-                <a:ea typeface="ADLaM Display" panose="020F0502020204030204" pitchFamily="2" charset="0"/>
-                <a:cs typeface="ADLaM Display" panose="020F0502020204030204" pitchFamily="2" charset="0"/>
-              </a:rPr>
-              <a:t>fireEvent</a:t>
-            </a:r>
-            <a:endParaRPr lang="es-ES" b="1" i="1" spc="300" dirty="0">
-              <a:solidFill>
-                <a:schemeClr val="tx2"/>
-              </a:solidFill>
-              <a:effectLst>
-                <a:outerShdw blurRad="38100" dist="38100" dir="2700000" algn="tl">
-                  <a:srgbClr val="000000">
-                    <a:alpha val="43137"/>
-                  </a:srgbClr>
-                </a:outerShdw>
-              </a:effectLst>
-              <a:latin typeface="+mj-lt"/>
-              <a:ea typeface="ADLaM Display" panose="020F0502020204030204" pitchFamily="2" charset="0"/>
-              <a:cs typeface="ADLaM Display" panose="020F0502020204030204" pitchFamily="2" charset="0"/>
-            </a:endParaRPr>
-          </a:p>
-          <a:p>
-            <a:pPr marL="342900" indent="-342900">
-              <a:buFont typeface="Wingdings" panose="05000000000000000000" pitchFamily="2" charset="2"/>
-              <a:buChar char="Ø"/>
-            </a:pPr>
-            <a:r>
-              <a:rPr lang="es-ES" b="1" i="1" spc="300" dirty="0" err="1">
-                <a:solidFill>
-                  <a:schemeClr val="tx2"/>
-                </a:solidFill>
-                <a:effectLst>
-                  <a:outerShdw blurRad="38100" dist="38100" dir="2700000" algn="tl">
-                    <a:srgbClr val="000000">
-                      <a:alpha val="43137"/>
-                    </a:srgbClr>
-                  </a:outerShdw>
-                </a:effectLst>
-                <a:latin typeface="+mj-lt"/>
-                <a:ea typeface="ADLaM Display" panose="020F0502020204030204" pitchFamily="2" charset="0"/>
-                <a:cs typeface="ADLaM Display" panose="020F0502020204030204" pitchFamily="2" charset="0"/>
-              </a:rPr>
-              <a:t>expect</a:t>
-            </a:r>
-            <a:endParaRPr lang="es-AR" b="1" i="1" spc="300" dirty="0">
-              <a:solidFill>
-                <a:schemeClr val="tx2"/>
-              </a:solidFill>
-              <a:effectLst>
-                <a:outerShdw blurRad="38100" dist="38100" dir="2700000" algn="tl">
-                  <a:srgbClr val="000000">
-                    <a:alpha val="43137"/>
-                  </a:srgbClr>
-                </a:outerShdw>
-              </a:effectLst>
-              <a:latin typeface="+mj-lt"/>
-              <a:ea typeface="ADLaM Display" panose="020F0502020204030204" pitchFamily="2" charset="0"/>
-              <a:cs typeface="ADLaM Display" panose="020F0502020204030204" pitchFamily="2" charset="0"/>
-            </a:endParaRPr>
-          </a:p>
-        </p:txBody>
-      </p:sp>
-      <p:pic>
-        <p:nvPicPr>
-          <p:cNvPr id="15" name="Imagen 14">
-            <a:extLst>
-              <a:ext uri="{FF2B5EF4-FFF2-40B4-BE49-F238E27FC236}">
-                <a16:creationId xmlns:a16="http://schemas.microsoft.com/office/drawing/2014/main" id="{854908D9-B140-BCA2-DC55-789F8E06318A}"/>
-              </a:ext>
-            </a:extLst>
-          </p:cNvPr>
-          <p:cNvPicPr>
-            <a:picLocks noChangeAspect="1"/>
-          </p:cNvPicPr>
-          <p:nvPr/>
-        </p:nvPicPr>
-        <p:blipFill>
-          <a:blip r:embed="rId3"/>
-          <a:stretch>
-            <a:fillRect/>
-          </a:stretch>
-        </p:blipFill>
-        <p:spPr>
-          <a:xfrm>
-            <a:off x="1304914" y="839537"/>
-            <a:ext cx="9578995" cy="3538212"/>
-          </a:xfrm>
-          <a:prstGeom prst="rect">
-            <a:avLst/>
-          </a:prstGeom>
-        </p:spPr>
-      </p:pic>
-    </p:spTree>
-    <p:extLst>
-      <p:ext uri="{BB962C8B-B14F-4D97-AF65-F5344CB8AC3E}">
-        <p14:creationId xmlns:p14="http://schemas.microsoft.com/office/powerpoint/2010/main" val="2193497216"/>
-      </p:ext>
-    </p:extLst>
-  </p:cSld>
-  <p:clrMapOvr>
-    <a:masterClrMapping/>
-  </p:clrMapOvr>
-  <mc:AlternateContent xmlns:mc="http://schemas.openxmlformats.org/markup-compatibility/2006" xmlns:p14="http://schemas.microsoft.com/office/powerpoint/2010/main">
-    <mc:Choice Requires="p14">
-      <p:transition spd="med" p14:dur="700">
-        <p:fade/>
-      </p:transition>
-    </mc:Choice>
-    <mc:Fallback xmlns="">
-      <p:transition spd="med">
-        <p:fade/>
-      </p:transition>
-    </mc:Fallback>
-  </mc:AlternateContent>
-</p:sld>
-</file>
-
-<file path=ppt/slides/slide6.xml><?xml version="1.0" encoding="utf-8"?>
-<p:sld xmlns:a="http://schemas.openxmlformats.org/drawingml/2006/main" xmlns:r="http://schemas.openxmlformats.org/officeDocument/2006/relationships" xmlns:p="http://schemas.openxmlformats.org/presentationml/2006/main">
-  <p:cSld>
-    <p:spTree>
-      <p:nvGrpSpPr>
-        <p:cNvPr id="1" name=""/>
-        <p:cNvGrpSpPr/>
-        <p:nvPr/>
-      </p:nvGrpSpPr>
-      <p:grpSpPr>
-        <a:xfrm>
-          <a:off x="0" y="0"/>
-          <a:ext cx="0" cy="0"/>
-          <a:chOff x="0" y="0"/>
-          <a:chExt cx="0" cy="0"/>
-        </a:xfrm>
-      </p:grpSpPr>
-      <p:sp>
-        <p:nvSpPr>
-          <p:cNvPr id="7" name="Título 6"/>
-          <p:cNvSpPr>
-            <a:spLocks noGrp="1"/>
-          </p:cNvSpPr>
-          <p:nvPr>
-            <p:ph type="title"/>
-          </p:nvPr>
-        </p:nvSpPr>
-        <p:spPr/>
-        <p:txBody>
-          <a:bodyPr rtlCol="0"/>
-          <a:lstStyle/>
-          <a:p>
-            <a:pPr rtl="0"/>
-            <a:r>
-              <a:rPr lang="es-ES" dirty="0"/>
-              <a:t>Error al momento de realizar la prueba</a:t>
-            </a:r>
-          </a:p>
-        </p:txBody>
-      </p:sp>
-      <p:pic>
-        <p:nvPicPr>
-          <p:cNvPr id="2" name="Marcador de contenido 1">
-            <a:extLst>
-              <a:ext uri="{FF2B5EF4-FFF2-40B4-BE49-F238E27FC236}">
-                <a16:creationId xmlns:a16="http://schemas.microsoft.com/office/drawing/2014/main" id="{F41A4891-2532-47DA-9CE9-3783C3A07863}"/>
-              </a:ext>
-            </a:extLst>
-          </p:cNvPr>
-          <p:cNvPicPr>
-            <a:picLocks noGrp="1" noChangeAspect="1"/>
-          </p:cNvPicPr>
-          <p:nvPr>
-            <p:ph sz="half" idx="2"/>
-          </p:nvPr>
-        </p:nvPicPr>
-        <p:blipFill>
-          <a:blip r:embed="rId3"/>
-          <a:stretch>
-            <a:fillRect/>
-          </a:stretch>
-        </p:blipFill>
-        <p:spPr>
-          <a:xfrm>
-            <a:off x="1218883" y="1498600"/>
-            <a:ext cx="10360501" cy="4810720"/>
-          </a:xfrm>
-          <a:prstGeom prst="rect">
-            <a:avLst/>
-          </a:prstGeom>
-        </p:spPr>
-      </p:pic>
-    </p:spTree>
-    <p:extLst>
-      <p:ext uri="{BB962C8B-B14F-4D97-AF65-F5344CB8AC3E}">
-        <p14:creationId xmlns:p14="http://schemas.microsoft.com/office/powerpoint/2010/main" val="2672039197"/>
-      </p:ext>
-    </p:extLst>
-  </p:cSld>
-  <p:clrMapOvr>
-    <a:masterClrMapping/>
-  </p:clrMapOvr>
-  <mc:AlternateContent xmlns:mc="http://schemas.openxmlformats.org/markup-compatibility/2006" xmlns:p14="http://schemas.microsoft.com/office/powerpoint/2010/main">
-    <mc:Choice Requires="p14">
-      <p:transition spd="med" p14:dur="700">
-        <p:fade/>
-      </p:transition>
-    </mc:Choice>
-    <mc:Fallback xmlns="">
-      <p:transition spd="med">
-        <p:fade/>
-      </p:transition>
-    </mc:Fallback>
-  </mc:AlternateContent>
-</p:sld>
-</file>
-
-<file path=ppt/slides/slide7.xml><?xml version="1.0" encoding="utf-8"?>
-<p:sld xmlns:a="http://schemas.openxmlformats.org/drawingml/2006/main" xmlns:r="http://schemas.openxmlformats.org/officeDocument/2006/relationships" xmlns:p="http://schemas.openxmlformats.org/presentationml/2006/main">
-  <p:cSld>
-    <p:spTree>
-      <p:nvGrpSpPr>
-        <p:cNvPr id="1" name=""/>
-        <p:cNvGrpSpPr/>
-        <p:nvPr/>
-      </p:nvGrpSpPr>
-      <p:grpSpPr>
-        <a:xfrm>
-          <a:off x="0" y="0"/>
-          <a:ext cx="0" cy="0"/>
-          <a:chOff x="0" y="0"/>
-          <a:chExt cx="0" cy="0"/>
-        </a:xfrm>
-      </p:grpSpPr>
-      <p:sp>
-        <p:nvSpPr>
-          <p:cNvPr id="2" name="CuadroTexto 1">
-            <a:extLst>
-              <a:ext uri="{FF2B5EF4-FFF2-40B4-BE49-F238E27FC236}">
-                <a16:creationId xmlns:a16="http://schemas.microsoft.com/office/drawing/2014/main" id="{B6B13715-EEC1-4D45-B91A-B04766E43A98}"/>
-              </a:ext>
-            </a:extLst>
-          </p:cNvPr>
-          <p:cNvSpPr txBox="1"/>
-          <p:nvPr/>
-        </p:nvSpPr>
-        <p:spPr>
-          <a:xfrm>
-            <a:off x="1125860" y="2274838"/>
-            <a:ext cx="10441160" cy="2308324"/>
-          </a:xfrm>
-          <a:prstGeom prst="rect">
-            <a:avLst/>
-          </a:prstGeom>
-          <a:noFill/>
-        </p:spPr>
-        <p:txBody>
-          <a:bodyPr wrap="square" rtlCol="0">
-            <a:spAutoFit/>
-          </a:bodyPr>
-          <a:lstStyle/>
-          <a:p>
-            <a:pPr algn="just"/>
-            <a:r>
-              <a:rPr lang="es-ES" sz="3600" dirty="0"/>
-              <a:t>La librería nos indica con el mensaje que el formulario no cumple que el botón este deshabilitado cuando el input este vacío. Esto genera que el usuario pueda enviar un campo vacío.</a:t>
-            </a:r>
-          </a:p>
-        </p:txBody>
-      </p:sp>
-    </p:spTree>
-    <p:extLst>
-      <p:ext uri="{BB962C8B-B14F-4D97-AF65-F5344CB8AC3E}">
-        <p14:creationId xmlns:p14="http://schemas.microsoft.com/office/powerpoint/2010/main" val="397710800"/>
-      </p:ext>
-    </p:extLst>
-  </p:cSld>
-  <p:clrMapOvr>
-    <a:masterClrMapping/>
-  </p:clrMapOvr>
-  <mc:AlternateContent xmlns:mc="http://schemas.openxmlformats.org/markup-compatibility/2006" xmlns:p14="http://schemas.microsoft.com/office/powerpoint/2010/main">
-    <mc:Choice Requires="p14">
-      <p:transition spd="med" p14:dur="700">
-        <p:fade/>
-      </p:transition>
-    </mc:Choice>
-    <mc:Fallback xmlns="">
-      <p:transition spd="med">
-        <p:fade/>
-      </p:transition>
-    </mc:Fallback>
-  </mc:AlternateContent>
-</p:sld>
-</file>
-
-<file path=ppt/slides/slide8.xml><?xml version="1.0" encoding="utf-8"?>
+<file path=ppt/slides/slide20.xml><?xml version="1.0" encoding="utf-8"?>
 <p:sld xmlns:a="http://schemas.openxmlformats.org/drawingml/2006/main" xmlns:r="http://schemas.openxmlformats.org/officeDocument/2006/relationships" xmlns:p="http://schemas.openxmlformats.org/presentationml/2006/main">
   <p:cSld>
     <p:spTree>
@@ -8411,10 +10526,1239 @@
           </a:p>
         </p:txBody>
       </p:sp>
+      <p:pic>
+        <p:nvPicPr>
+          <p:cNvPr id="4" name="Imagen 3">
+            <a:extLst>
+              <a:ext uri="{FF2B5EF4-FFF2-40B4-BE49-F238E27FC236}">
+                <a16:creationId xmlns:a16="http://schemas.microsoft.com/office/drawing/2014/main" id="{35C669B8-951A-421F-81BF-D083FA38CF21}"/>
+              </a:ext>
+            </a:extLst>
+          </p:cNvPr>
+          <p:cNvPicPr>
+            <a:picLocks noChangeAspect="1"/>
+          </p:cNvPicPr>
+          <p:nvPr/>
+        </p:nvPicPr>
+        <p:blipFill>
+          <a:blip r:embed="rId4"/>
+          <a:stretch>
+            <a:fillRect/>
+          </a:stretch>
+        </p:blipFill>
+        <p:spPr>
+          <a:xfrm>
+            <a:off x="3365499" y="619125"/>
+            <a:ext cx="5457824" cy="5619750"/>
+          </a:xfrm>
+          <a:prstGeom prst="rect">
+            <a:avLst/>
+          </a:prstGeom>
+        </p:spPr>
+      </p:pic>
+      <p:sp>
+        <p:nvSpPr>
+          <p:cNvPr id="5" name="Rectángulo 4">
+            <a:extLst>
+              <a:ext uri="{FF2B5EF4-FFF2-40B4-BE49-F238E27FC236}">
+                <a16:creationId xmlns:a16="http://schemas.microsoft.com/office/drawing/2014/main" id="{ABBD78BC-D401-4C45-AFEE-C4D4A53D8DE5}"/>
+              </a:ext>
+            </a:extLst>
+          </p:cNvPr>
+          <p:cNvSpPr/>
+          <p:nvPr/>
+        </p:nvSpPr>
+        <p:spPr>
+          <a:xfrm>
+            <a:off x="3970175" y="3753036"/>
+            <a:ext cx="4248472" cy="432048"/>
+          </a:xfrm>
+          <a:prstGeom prst="rect">
+            <a:avLst/>
+          </a:prstGeom>
+          <a:noFill/>
+          <a:ln>
+            <a:solidFill>
+              <a:srgbClr val="FF0000"/>
+            </a:solidFill>
+          </a:ln>
+        </p:spPr>
+        <p:style>
+          <a:lnRef idx="2">
+            <a:schemeClr val="accent1">
+              <a:shade val="50000"/>
+            </a:schemeClr>
+          </a:lnRef>
+          <a:fillRef idx="1">
+            <a:schemeClr val="accent1"/>
+          </a:fillRef>
+          <a:effectRef idx="0">
+            <a:schemeClr val="accent1"/>
+          </a:effectRef>
+          <a:fontRef idx="minor">
+            <a:schemeClr val="lt1"/>
+          </a:fontRef>
+        </p:style>
+        <p:txBody>
+          <a:bodyPr rtlCol="0" anchor="ctr"/>
+          <a:lstStyle/>
+          <a:p>
+            <a:pPr algn="ctr"/>
+            <a:endParaRPr lang="es-ES" sz="2800" dirty="0"/>
+          </a:p>
+        </p:txBody>
+      </p:sp>
     </p:spTree>
     <p:extLst>
       <p:ext uri="{BB962C8B-B14F-4D97-AF65-F5344CB8AC3E}">
-        <p14:creationId xmlns:p14="http://schemas.microsoft.com/office/powerpoint/2010/main" val="1405850135"/>
+        <p14:creationId xmlns:p14="http://schemas.microsoft.com/office/powerpoint/2010/main" val="1810384548"/>
+      </p:ext>
+    </p:extLst>
+  </p:cSld>
+  <p:clrMapOvr>
+    <a:masterClrMapping/>
+  </p:clrMapOvr>
+  <mc:AlternateContent xmlns:mc="http://schemas.openxmlformats.org/markup-compatibility/2006" xmlns:p14="http://schemas.microsoft.com/office/powerpoint/2010/main">
+    <mc:Choice Requires="p14">
+      <p:transition spd="med" p14:dur="700">
+        <p:fade/>
+      </p:transition>
+    </mc:Choice>
+    <mc:Fallback xmlns="">
+      <p:transition spd="med">
+        <p:fade/>
+      </p:transition>
+    </mc:Fallback>
+  </mc:AlternateContent>
+</p:sld>
+</file>
+
+<file path=ppt/slides/slide21.xml><?xml version="1.0" encoding="utf-8"?>
+<p:sld xmlns:a="http://schemas.openxmlformats.org/drawingml/2006/main" xmlns:r="http://schemas.openxmlformats.org/officeDocument/2006/relationships" xmlns:p="http://schemas.openxmlformats.org/presentationml/2006/main">
+  <p:cSld>
+    <p:spTree>
+      <p:nvGrpSpPr>
+        <p:cNvPr id="1" name=""/>
+        <p:cNvGrpSpPr/>
+        <p:nvPr/>
+      </p:nvGrpSpPr>
+      <p:grpSpPr>
+        <a:xfrm>
+          <a:off x="0" y="0"/>
+          <a:ext cx="0" cy="0"/>
+          <a:chOff x="0" y="0"/>
+          <a:chExt cx="0" cy="0"/>
+        </a:xfrm>
+      </p:grpSpPr>
+      <p:sp>
+        <p:nvSpPr>
+          <p:cNvPr id="2" name="Título 1">
+            <a:extLst>
+              <a:ext uri="{FF2B5EF4-FFF2-40B4-BE49-F238E27FC236}">
+                <a16:creationId xmlns:a16="http://schemas.microsoft.com/office/drawing/2014/main" id="{8CDC4B96-3D2D-6FD0-7B82-DA229F2D83D2}"/>
+              </a:ext>
+            </a:extLst>
+          </p:cNvPr>
+          <p:cNvSpPr>
+            <a:spLocks noGrp="1"/>
+          </p:cNvSpPr>
+          <p:nvPr>
+            <p:ph type="title"/>
+          </p:nvPr>
+        </p:nvSpPr>
+        <p:spPr>
+          <a:xfrm>
+            <a:off x="891549" y="257360"/>
+            <a:ext cx="8532948" cy="936104"/>
+          </a:xfrm>
+        </p:spPr>
+        <p:txBody>
+          <a:bodyPr anchor="b">
+            <a:noAutofit/>
+          </a:bodyPr>
+          <a:lstStyle/>
+          <a:p>
+            <a:r>
+              <a:rPr lang="es-ES" sz="5400" dirty="0"/>
+              <a:t>BENEFICIOS</a:t>
+            </a:r>
+            <a:endParaRPr lang="es-AR" sz="5400" dirty="0"/>
+          </a:p>
+        </p:txBody>
+      </p:sp>
+      <p:sp>
+        <p:nvSpPr>
+          <p:cNvPr id="3" name="Marcador de contenido 2">
+            <a:extLst>
+              <a:ext uri="{FF2B5EF4-FFF2-40B4-BE49-F238E27FC236}">
+                <a16:creationId xmlns:a16="http://schemas.microsoft.com/office/drawing/2014/main" id="{E99241B6-04E8-4BA5-2B5F-C8E45018B336}"/>
+              </a:ext>
+            </a:extLst>
+          </p:cNvPr>
+          <p:cNvSpPr>
+            <a:spLocks noGrp="1"/>
+          </p:cNvSpPr>
+          <p:nvPr>
+            <p:ph idx="1"/>
+          </p:nvPr>
+        </p:nvSpPr>
+        <p:spPr>
+          <a:xfrm>
+            <a:off x="914161" y="1197864"/>
+            <a:ext cx="10360501" cy="4462272"/>
+          </a:xfrm>
+        </p:spPr>
+        <p:txBody>
+          <a:bodyPr>
+            <a:normAutofit/>
+          </a:bodyPr>
+          <a:lstStyle/>
+          <a:p>
+            <a:pPr algn="l" fontAlgn="base">
+              <a:buFont typeface="Arial" panose="020B0604020202020204" pitchFamily="34" charset="0"/>
+              <a:buChar char="•"/>
+            </a:pPr>
+            <a:r>
+              <a:rPr lang="es-ES" b="0" i="0" dirty="0">
+                <a:effectLst/>
+                <a:latin typeface="inherit"/>
+              </a:rPr>
+              <a:t>Pruebas más representativas de la experiencia del usuario.</a:t>
+            </a:r>
+          </a:p>
+          <a:p>
+            <a:pPr algn="l" fontAlgn="base">
+              <a:buFont typeface="Arial" panose="020B0604020202020204" pitchFamily="34" charset="0"/>
+              <a:buChar char="•"/>
+            </a:pPr>
+            <a:r>
+              <a:rPr lang="es-ES" dirty="0">
+                <a:latin typeface="inherit"/>
+              </a:rPr>
+              <a:t>Fomento de la accesibilidad.</a:t>
+            </a:r>
+          </a:p>
+          <a:p>
+            <a:pPr algn="l" fontAlgn="base">
+              <a:buFont typeface="Arial" panose="020B0604020202020204" pitchFamily="34" charset="0"/>
+              <a:buChar char="•"/>
+            </a:pPr>
+            <a:r>
+              <a:rPr lang="es-ES" b="0" i="0" dirty="0">
+                <a:effectLst/>
+                <a:latin typeface="inherit"/>
+              </a:rPr>
+              <a:t>Mayor mantenimiento y escalabilidad.</a:t>
+            </a:r>
+          </a:p>
+          <a:p>
+            <a:pPr algn="l" fontAlgn="base">
+              <a:buFont typeface="Arial" panose="020B0604020202020204" pitchFamily="34" charset="0"/>
+              <a:buChar char="•"/>
+            </a:pPr>
+            <a:r>
+              <a:rPr lang="es-ES" b="0" i="0" dirty="0">
+                <a:effectLst/>
+                <a:latin typeface="inherit"/>
+              </a:rPr>
+              <a:t>Adopción y soporte por la comunidad.</a:t>
+            </a:r>
+          </a:p>
+        </p:txBody>
+      </p:sp>
+    </p:spTree>
+    <p:extLst>
+      <p:ext uri="{BB962C8B-B14F-4D97-AF65-F5344CB8AC3E}">
+        <p14:creationId xmlns:p14="http://schemas.microsoft.com/office/powerpoint/2010/main" val="1743197781"/>
+      </p:ext>
+    </p:extLst>
+  </p:cSld>
+  <p:clrMapOvr>
+    <a:masterClrMapping/>
+  </p:clrMapOvr>
+  <mc:AlternateContent xmlns:mc="http://schemas.openxmlformats.org/markup-compatibility/2006" xmlns:p14="http://schemas.microsoft.com/office/powerpoint/2010/main">
+    <mc:Choice Requires="p14">
+      <p:transition spd="med" p14:dur="700">
+        <p:fade/>
+      </p:transition>
+    </mc:Choice>
+    <mc:Fallback xmlns="">
+      <p:transition spd="med">
+        <p:fade/>
+      </p:transition>
+    </mc:Fallback>
+  </mc:AlternateContent>
+</p:sld>
+</file>
+
+<file path=ppt/slides/slide22.xml><?xml version="1.0" encoding="utf-8"?>
+<p:sld xmlns:a="http://schemas.openxmlformats.org/drawingml/2006/main" xmlns:r="http://schemas.openxmlformats.org/officeDocument/2006/relationships" xmlns:p="http://schemas.openxmlformats.org/presentationml/2006/main">
+  <p:cSld>
+    <p:spTree>
+      <p:nvGrpSpPr>
+        <p:cNvPr id="1" name=""/>
+        <p:cNvGrpSpPr/>
+        <p:nvPr/>
+      </p:nvGrpSpPr>
+      <p:grpSpPr>
+        <a:xfrm>
+          <a:off x="0" y="0"/>
+          <a:ext cx="0" cy="0"/>
+          <a:chOff x="0" y="0"/>
+          <a:chExt cx="0" cy="0"/>
+        </a:xfrm>
+      </p:grpSpPr>
+      <p:sp>
+        <p:nvSpPr>
+          <p:cNvPr id="7" name="Título 6"/>
+          <p:cNvSpPr>
+            <a:spLocks noGrp="1"/>
+          </p:cNvSpPr>
+          <p:nvPr>
+            <p:ph type="title"/>
+          </p:nvPr>
+        </p:nvSpPr>
+        <p:spPr>
+          <a:xfrm>
+            <a:off x="2935601" y="2794440"/>
+            <a:ext cx="6317622" cy="1269120"/>
+          </a:xfrm>
+        </p:spPr>
+        <p:txBody>
+          <a:bodyPr rtlCol="0">
+            <a:normAutofit/>
+          </a:bodyPr>
+          <a:lstStyle/>
+          <a:p>
+            <a:pPr rtl="0"/>
+            <a:r>
+              <a:rPr lang="es-ES" sz="7300" dirty="0">
+                <a:solidFill>
+                  <a:schemeClr val="accent1">
+                    <a:lumMod val="75000"/>
+                  </a:schemeClr>
+                </a:solidFill>
+              </a:rPr>
+              <a:t>CONCLUSIONES</a:t>
+            </a:r>
+            <a:endParaRPr lang="es-ES" sz="4000" dirty="0">
+              <a:solidFill>
+                <a:schemeClr val="accent1">
+                  <a:lumMod val="75000"/>
+                </a:schemeClr>
+              </a:solidFill>
+            </a:endParaRPr>
+          </a:p>
+        </p:txBody>
+      </p:sp>
+    </p:spTree>
+    <p:extLst>
+      <p:ext uri="{BB962C8B-B14F-4D97-AF65-F5344CB8AC3E}">
+        <p14:creationId xmlns:p14="http://schemas.microsoft.com/office/powerpoint/2010/main" val="2059010517"/>
+      </p:ext>
+    </p:extLst>
+  </p:cSld>
+  <p:clrMapOvr>
+    <a:masterClrMapping/>
+  </p:clrMapOvr>
+  <mc:AlternateContent xmlns:mc="http://schemas.openxmlformats.org/markup-compatibility/2006" xmlns:p14="http://schemas.microsoft.com/office/powerpoint/2010/main">
+    <mc:Choice Requires="p14">
+      <p:transition spd="med" p14:dur="700">
+        <p:fade/>
+      </p:transition>
+    </mc:Choice>
+    <mc:Fallback xmlns="">
+      <p:transition spd="med">
+        <p:fade/>
+      </p:transition>
+    </mc:Fallback>
+  </mc:AlternateContent>
+</p:sld>
+</file>
+
+<file path=ppt/slides/slide3.xml><?xml version="1.0" encoding="utf-8"?>
+<p:sld xmlns:a="http://schemas.openxmlformats.org/drawingml/2006/main" xmlns:r="http://schemas.openxmlformats.org/officeDocument/2006/relationships" xmlns:p="http://schemas.openxmlformats.org/presentationml/2006/main">
+  <p:cSld>
+    <p:spTree>
+      <p:nvGrpSpPr>
+        <p:cNvPr id="1" name=""/>
+        <p:cNvGrpSpPr/>
+        <p:nvPr/>
+      </p:nvGrpSpPr>
+      <p:grpSpPr>
+        <a:xfrm>
+          <a:off x="0" y="0"/>
+          <a:ext cx="0" cy="0"/>
+          <a:chOff x="0" y="0"/>
+          <a:chExt cx="0" cy="0"/>
+        </a:xfrm>
+      </p:grpSpPr>
+      <p:sp>
+        <p:nvSpPr>
+          <p:cNvPr id="2" name="Título 1">
+            <a:extLst>
+              <a:ext uri="{FF2B5EF4-FFF2-40B4-BE49-F238E27FC236}">
+                <a16:creationId xmlns:a16="http://schemas.microsoft.com/office/drawing/2014/main" id="{A01AC393-36F2-2704-3150-48B52C6AB9F4}"/>
+              </a:ext>
+            </a:extLst>
+          </p:cNvPr>
+          <p:cNvSpPr>
+            <a:spLocks noGrp="1"/>
+          </p:cNvSpPr>
+          <p:nvPr>
+            <p:ph type="title"/>
+          </p:nvPr>
+        </p:nvSpPr>
+        <p:spPr>
+          <a:xfrm>
+            <a:off x="914161" y="260648"/>
+            <a:ext cx="10868883" cy="1223963"/>
+          </a:xfrm>
+        </p:spPr>
+        <p:txBody>
+          <a:bodyPr anchor="b">
+            <a:normAutofit/>
+          </a:bodyPr>
+          <a:lstStyle/>
+          <a:p>
+            <a:r>
+              <a:rPr lang="es-AR" dirty="0"/>
+              <a:t>Importancia de las pruebas en el desarrollo de software</a:t>
+            </a:r>
+          </a:p>
+        </p:txBody>
+      </p:sp>
+      <p:sp>
+        <p:nvSpPr>
+          <p:cNvPr id="3" name="Marcador de contenido 2">
+            <a:extLst>
+              <a:ext uri="{FF2B5EF4-FFF2-40B4-BE49-F238E27FC236}">
+                <a16:creationId xmlns:a16="http://schemas.microsoft.com/office/drawing/2014/main" id="{8406340A-FAB4-346C-174E-6716AEA2A560}"/>
+              </a:ext>
+            </a:extLst>
+          </p:cNvPr>
+          <p:cNvSpPr>
+            <a:spLocks noGrp="1"/>
+          </p:cNvSpPr>
+          <p:nvPr>
+            <p:ph idx="1"/>
+          </p:nvPr>
+        </p:nvSpPr>
+        <p:spPr>
+          <a:xfrm>
+            <a:off x="1218883" y="1701797"/>
+            <a:ext cx="10360501" cy="4462272"/>
+          </a:xfrm>
+        </p:spPr>
+        <p:txBody>
+          <a:bodyPr>
+            <a:normAutofit/>
+          </a:bodyPr>
+          <a:lstStyle/>
+          <a:p>
+            <a:r>
+              <a:rPr lang="es-AR" dirty="0"/>
+              <a:t>Determinación temprana de errores.</a:t>
+            </a:r>
+          </a:p>
+          <a:p>
+            <a:r>
+              <a:rPr lang="es-AR" dirty="0"/>
+              <a:t>Código más robusto y mantenible.</a:t>
+            </a:r>
+          </a:p>
+          <a:p>
+            <a:r>
+              <a:rPr lang="es-AR" dirty="0"/>
+              <a:t>Experiencia de usuario consistente.</a:t>
+            </a:r>
+          </a:p>
+        </p:txBody>
+      </p:sp>
+    </p:spTree>
+    <p:extLst>
+      <p:ext uri="{BB962C8B-B14F-4D97-AF65-F5344CB8AC3E}">
+        <p14:creationId xmlns:p14="http://schemas.microsoft.com/office/powerpoint/2010/main" val="3862913307"/>
+      </p:ext>
+    </p:extLst>
+  </p:cSld>
+  <p:clrMapOvr>
+    <a:masterClrMapping/>
+  </p:clrMapOvr>
+  <mc:AlternateContent xmlns:mc="http://schemas.openxmlformats.org/markup-compatibility/2006" xmlns:p14="http://schemas.microsoft.com/office/powerpoint/2010/main">
+    <mc:Choice Requires="p14">
+      <p:transition spd="med" p14:dur="700">
+        <p:fade/>
+      </p:transition>
+    </mc:Choice>
+    <mc:Fallback xmlns="">
+      <p:transition spd="med">
+        <p:fade/>
+      </p:transition>
+    </mc:Fallback>
+  </mc:AlternateContent>
+</p:sld>
+</file>
+
+<file path=ppt/slides/slide4.xml><?xml version="1.0" encoding="utf-8"?>
+<p:sld xmlns:a="http://schemas.openxmlformats.org/drawingml/2006/main" xmlns:r="http://schemas.openxmlformats.org/officeDocument/2006/relationships" xmlns:p="http://schemas.openxmlformats.org/presentationml/2006/main">
+  <p:cSld>
+    <p:spTree>
+      <p:nvGrpSpPr>
+        <p:cNvPr id="1" name=""/>
+        <p:cNvGrpSpPr/>
+        <p:nvPr/>
+      </p:nvGrpSpPr>
+      <p:grpSpPr>
+        <a:xfrm>
+          <a:off x="0" y="0"/>
+          <a:ext cx="0" cy="0"/>
+          <a:chOff x="0" y="0"/>
+          <a:chExt cx="0" cy="0"/>
+        </a:xfrm>
+      </p:grpSpPr>
+      <p:sp>
+        <p:nvSpPr>
+          <p:cNvPr id="2" name="Título 1">
+            <a:extLst>
+              <a:ext uri="{FF2B5EF4-FFF2-40B4-BE49-F238E27FC236}">
+                <a16:creationId xmlns:a16="http://schemas.microsoft.com/office/drawing/2014/main" id="{A01AC393-36F2-2704-3150-48B52C6AB9F4}"/>
+              </a:ext>
+            </a:extLst>
+          </p:cNvPr>
+          <p:cNvSpPr>
+            <a:spLocks noGrp="1"/>
+          </p:cNvSpPr>
+          <p:nvPr>
+            <p:ph type="title"/>
+          </p:nvPr>
+        </p:nvSpPr>
+        <p:spPr>
+          <a:xfrm>
+            <a:off x="1218883" y="274637"/>
+            <a:ext cx="10360501" cy="1223963"/>
+          </a:xfrm>
+        </p:spPr>
+        <p:txBody>
+          <a:bodyPr anchor="b">
+            <a:normAutofit/>
+          </a:bodyPr>
+          <a:lstStyle/>
+          <a:p>
+            <a:r>
+              <a:rPr lang="es-AR" dirty="0"/>
+              <a:t>Principios claves</a:t>
+            </a:r>
+          </a:p>
+        </p:txBody>
+      </p:sp>
+      <p:sp>
+        <p:nvSpPr>
+          <p:cNvPr id="3" name="Marcador de contenido 2">
+            <a:extLst>
+              <a:ext uri="{FF2B5EF4-FFF2-40B4-BE49-F238E27FC236}">
+                <a16:creationId xmlns:a16="http://schemas.microsoft.com/office/drawing/2014/main" id="{8406340A-FAB4-346C-174E-6716AEA2A560}"/>
+              </a:ext>
+            </a:extLst>
+          </p:cNvPr>
+          <p:cNvSpPr>
+            <a:spLocks noGrp="1"/>
+          </p:cNvSpPr>
+          <p:nvPr>
+            <p:ph idx="1"/>
+          </p:nvPr>
+        </p:nvSpPr>
+        <p:spPr>
+          <a:xfrm>
+            <a:off x="1218883" y="1701797"/>
+            <a:ext cx="10360501" cy="4462272"/>
+          </a:xfrm>
+        </p:spPr>
+        <p:txBody>
+          <a:bodyPr>
+            <a:normAutofit/>
+          </a:bodyPr>
+          <a:lstStyle/>
+          <a:p>
+            <a:r>
+              <a:rPr lang="es-ES" dirty="0"/>
+              <a:t>Pruebas centradas en el usuario.</a:t>
+            </a:r>
+          </a:p>
+          <a:p>
+            <a:r>
+              <a:rPr lang="es-AR" dirty="0"/>
+              <a:t>Compromiso con la accesibilidad.</a:t>
+            </a:r>
+            <a:endParaRPr lang="es-ES" dirty="0"/>
+          </a:p>
+          <a:p>
+            <a:r>
+              <a:rPr lang="es-ES" dirty="0"/>
+              <a:t>Facilidad de mantenimiento de las pruebas.</a:t>
+            </a:r>
+          </a:p>
+          <a:p>
+            <a:r>
+              <a:rPr lang="es-ES" dirty="0"/>
+              <a:t>Alineamiento con la filosofía de “No probar los detalles de implementación”.</a:t>
+            </a:r>
+            <a:endParaRPr lang="es-AR" dirty="0"/>
+          </a:p>
+        </p:txBody>
+      </p:sp>
+    </p:spTree>
+    <p:extLst>
+      <p:ext uri="{BB962C8B-B14F-4D97-AF65-F5344CB8AC3E}">
+        <p14:creationId xmlns:p14="http://schemas.microsoft.com/office/powerpoint/2010/main" val="1634705837"/>
+      </p:ext>
+    </p:extLst>
+  </p:cSld>
+  <p:clrMapOvr>
+    <a:masterClrMapping/>
+  </p:clrMapOvr>
+  <mc:AlternateContent xmlns:mc="http://schemas.openxmlformats.org/markup-compatibility/2006" xmlns:p14="http://schemas.microsoft.com/office/powerpoint/2010/main">
+    <mc:Choice Requires="p14">
+      <p:transition spd="med" p14:dur="700">
+        <p:fade/>
+      </p:transition>
+    </mc:Choice>
+    <mc:Fallback xmlns="">
+      <p:transition spd="med">
+        <p:fade/>
+      </p:transition>
+    </mc:Fallback>
+  </mc:AlternateContent>
+</p:sld>
+</file>
+
+<file path=ppt/slides/slide5.xml><?xml version="1.0" encoding="utf-8"?>
+<p:sld xmlns:a="http://schemas.openxmlformats.org/drawingml/2006/main" xmlns:r="http://schemas.openxmlformats.org/officeDocument/2006/relationships" xmlns:p="http://schemas.openxmlformats.org/presentationml/2006/main">
+  <p:cSld>
+    <p:spTree>
+      <p:nvGrpSpPr>
+        <p:cNvPr id="1" name=""/>
+        <p:cNvGrpSpPr/>
+        <p:nvPr/>
+      </p:nvGrpSpPr>
+      <p:grpSpPr>
+        <a:xfrm>
+          <a:off x="0" y="0"/>
+          <a:ext cx="0" cy="0"/>
+          <a:chOff x="0" y="0"/>
+          <a:chExt cx="0" cy="0"/>
+        </a:xfrm>
+      </p:grpSpPr>
+      <p:sp>
+        <p:nvSpPr>
+          <p:cNvPr id="7" name="Título 6"/>
+          <p:cNvSpPr>
+            <a:spLocks noGrp="1"/>
+          </p:cNvSpPr>
+          <p:nvPr>
+            <p:ph type="title"/>
+          </p:nvPr>
+        </p:nvSpPr>
+        <p:spPr>
+          <a:xfrm>
+            <a:off x="2935601" y="2794440"/>
+            <a:ext cx="6317622" cy="1269120"/>
+          </a:xfrm>
+        </p:spPr>
+        <p:txBody>
+          <a:bodyPr rtlCol="0">
+            <a:normAutofit fontScale="90000"/>
+          </a:bodyPr>
+          <a:lstStyle/>
+          <a:p>
+            <a:pPr rtl="0"/>
+            <a:r>
+              <a:rPr lang="es-ES" sz="7300" dirty="0">
+                <a:solidFill>
+                  <a:schemeClr val="accent1">
+                    <a:lumMod val="75000"/>
+                  </a:schemeClr>
+                </a:solidFill>
+              </a:rPr>
+              <a:t>COMPARACIONES</a:t>
+            </a:r>
+            <a:endParaRPr lang="es-ES" sz="4000" dirty="0">
+              <a:solidFill>
+                <a:schemeClr val="accent1">
+                  <a:lumMod val="75000"/>
+                </a:schemeClr>
+              </a:solidFill>
+            </a:endParaRPr>
+          </a:p>
+        </p:txBody>
+      </p:sp>
+    </p:spTree>
+    <p:extLst>
+      <p:ext uri="{BB962C8B-B14F-4D97-AF65-F5344CB8AC3E}">
+        <p14:creationId xmlns:p14="http://schemas.microsoft.com/office/powerpoint/2010/main" val="1559533373"/>
+      </p:ext>
+    </p:extLst>
+  </p:cSld>
+  <p:clrMapOvr>
+    <a:masterClrMapping/>
+  </p:clrMapOvr>
+  <mc:AlternateContent xmlns:mc="http://schemas.openxmlformats.org/markup-compatibility/2006" xmlns:p14="http://schemas.microsoft.com/office/powerpoint/2010/main">
+    <mc:Choice Requires="p14">
+      <p:transition spd="med" p14:dur="700">
+        <p:fade/>
+      </p:transition>
+    </mc:Choice>
+    <mc:Fallback xmlns="">
+      <p:transition spd="med">
+        <p:fade/>
+      </p:transition>
+    </mc:Fallback>
+  </mc:AlternateContent>
+</p:sld>
+</file>
+
+<file path=ppt/slides/slide6.xml><?xml version="1.0" encoding="utf-8"?>
+<p:sld xmlns:a="http://schemas.openxmlformats.org/drawingml/2006/main" xmlns:r="http://schemas.openxmlformats.org/officeDocument/2006/relationships" xmlns:p="http://schemas.openxmlformats.org/presentationml/2006/main">
+  <p:cSld>
+    <p:spTree>
+      <p:nvGrpSpPr>
+        <p:cNvPr id="1" name=""/>
+        <p:cNvGrpSpPr/>
+        <p:nvPr/>
+      </p:nvGrpSpPr>
+      <p:grpSpPr>
+        <a:xfrm>
+          <a:off x="0" y="0"/>
+          <a:ext cx="0" cy="0"/>
+          <a:chOff x="0" y="0"/>
+          <a:chExt cx="0" cy="0"/>
+        </a:xfrm>
+      </p:grpSpPr>
+      <p:sp>
+        <p:nvSpPr>
+          <p:cNvPr id="2" name="Título 1">
+            <a:extLst>
+              <a:ext uri="{FF2B5EF4-FFF2-40B4-BE49-F238E27FC236}">
+                <a16:creationId xmlns:a16="http://schemas.microsoft.com/office/drawing/2014/main" id="{A01AC393-36F2-2704-3150-48B52C6AB9F4}"/>
+              </a:ext>
+            </a:extLst>
+          </p:cNvPr>
+          <p:cNvSpPr>
+            <a:spLocks noGrp="1"/>
+          </p:cNvSpPr>
+          <p:nvPr>
+            <p:ph type="title"/>
+          </p:nvPr>
+        </p:nvSpPr>
+        <p:spPr>
+          <a:xfrm>
+            <a:off x="1218883" y="274637"/>
+            <a:ext cx="10360501" cy="1223963"/>
+          </a:xfrm>
+        </p:spPr>
+        <p:txBody>
+          <a:bodyPr anchor="b">
+            <a:normAutofit/>
+          </a:bodyPr>
+          <a:lstStyle/>
+          <a:p>
+            <a:r>
+              <a:rPr lang="es-AR" dirty="0" err="1"/>
+              <a:t>Jest</a:t>
+            </a:r>
+            <a:endParaRPr lang="es-AR" dirty="0"/>
+          </a:p>
+        </p:txBody>
+      </p:sp>
+      <p:sp>
+        <p:nvSpPr>
+          <p:cNvPr id="3" name="Marcador de contenido 2">
+            <a:extLst>
+              <a:ext uri="{FF2B5EF4-FFF2-40B4-BE49-F238E27FC236}">
+                <a16:creationId xmlns:a16="http://schemas.microsoft.com/office/drawing/2014/main" id="{8406340A-FAB4-346C-174E-6716AEA2A560}"/>
+              </a:ext>
+            </a:extLst>
+          </p:cNvPr>
+          <p:cNvSpPr>
+            <a:spLocks noGrp="1"/>
+          </p:cNvSpPr>
+          <p:nvPr>
+            <p:ph idx="1"/>
+          </p:nvPr>
+        </p:nvSpPr>
+        <p:spPr>
+          <a:xfrm>
+            <a:off x="1218883" y="1701797"/>
+            <a:ext cx="10360501" cy="4462272"/>
+          </a:xfrm>
+        </p:spPr>
+        <p:txBody>
+          <a:bodyPr>
+            <a:normAutofit/>
+          </a:bodyPr>
+          <a:lstStyle/>
+          <a:p>
+            <a:pPr algn="l" fontAlgn="base">
+              <a:buFont typeface="Arial" panose="020B0604020202020204" pitchFamily="34" charset="0"/>
+              <a:buChar char="•"/>
+            </a:pPr>
+            <a:r>
+              <a:rPr lang="es-ES" b="0" i="0" dirty="0">
+                <a:effectLst/>
+                <a:latin typeface="inherit"/>
+              </a:rPr>
+              <a:t>Framework completo para pruebas de </a:t>
+            </a:r>
+            <a:r>
+              <a:rPr lang="es-ES" b="0" i="0" dirty="0" err="1">
+                <a:effectLst/>
+                <a:latin typeface="inherit"/>
+              </a:rPr>
+              <a:t>frontend</a:t>
+            </a:r>
+            <a:r>
+              <a:rPr lang="es-ES" b="0" i="0" dirty="0">
+                <a:effectLst/>
+                <a:latin typeface="inherit"/>
+              </a:rPr>
+              <a:t> y </a:t>
+            </a:r>
+            <a:r>
+              <a:rPr lang="es-ES" b="0" i="0" dirty="0" err="1">
+                <a:effectLst/>
+                <a:latin typeface="inherit"/>
+              </a:rPr>
+              <a:t>backend</a:t>
+            </a:r>
+            <a:r>
+              <a:rPr lang="es-ES" b="0" i="0" dirty="0">
+                <a:effectLst/>
+                <a:latin typeface="inherit"/>
+              </a:rPr>
+              <a:t>.</a:t>
+            </a:r>
+          </a:p>
+          <a:p>
+            <a:pPr algn="l" fontAlgn="base">
+              <a:buFont typeface="Arial" panose="020B0604020202020204" pitchFamily="34" charset="0"/>
+              <a:buChar char="•"/>
+            </a:pPr>
+            <a:r>
+              <a:rPr lang="es-ES" b="0" i="0" dirty="0">
+                <a:effectLst/>
+                <a:latin typeface="inherit"/>
+              </a:rPr>
+              <a:t>Soporta pruebas unitarias, de integración y más complejas.</a:t>
+            </a:r>
+          </a:p>
+          <a:p>
+            <a:pPr algn="l" fontAlgn="base">
+              <a:buFont typeface="Arial" panose="020B0604020202020204" pitchFamily="34" charset="0"/>
+              <a:buChar char="•"/>
+            </a:pPr>
+            <a:r>
+              <a:rPr lang="es-ES" b="0" i="0" dirty="0" err="1">
+                <a:effectLst/>
+                <a:latin typeface="inherit"/>
+              </a:rPr>
+              <a:t>Testing</a:t>
+            </a:r>
+            <a:r>
+              <a:rPr lang="es-ES" b="0" i="0" dirty="0">
+                <a:effectLst/>
+                <a:latin typeface="inherit"/>
+              </a:rPr>
+              <a:t> Library utiliza </a:t>
+            </a:r>
+            <a:r>
+              <a:rPr lang="es-ES" b="0" i="0" dirty="0" err="1">
+                <a:effectLst/>
+                <a:latin typeface="inherit"/>
+              </a:rPr>
+              <a:t>Jest</a:t>
+            </a:r>
+            <a:r>
+              <a:rPr lang="es-ES" b="0" i="0" dirty="0">
+                <a:effectLst/>
+                <a:latin typeface="inherit"/>
+              </a:rPr>
+              <a:t> como herramienta de aserción.</a:t>
+            </a:r>
+          </a:p>
+        </p:txBody>
+      </p:sp>
+    </p:spTree>
+    <p:extLst>
+      <p:ext uri="{BB962C8B-B14F-4D97-AF65-F5344CB8AC3E}">
+        <p14:creationId xmlns:p14="http://schemas.microsoft.com/office/powerpoint/2010/main" val="1178443579"/>
+      </p:ext>
+    </p:extLst>
+  </p:cSld>
+  <p:clrMapOvr>
+    <a:masterClrMapping/>
+  </p:clrMapOvr>
+  <mc:AlternateContent xmlns:mc="http://schemas.openxmlformats.org/markup-compatibility/2006" xmlns:p14="http://schemas.microsoft.com/office/powerpoint/2010/main">
+    <mc:Choice Requires="p14">
+      <p:transition spd="med" p14:dur="700">
+        <p:fade/>
+      </p:transition>
+    </mc:Choice>
+    <mc:Fallback xmlns="">
+      <p:transition spd="med">
+        <p:fade/>
+      </p:transition>
+    </mc:Fallback>
+  </mc:AlternateContent>
+</p:sld>
+</file>
+
+<file path=ppt/slides/slide7.xml><?xml version="1.0" encoding="utf-8"?>
+<p:sld xmlns:a="http://schemas.openxmlformats.org/drawingml/2006/main" xmlns:r="http://schemas.openxmlformats.org/officeDocument/2006/relationships" xmlns:p="http://schemas.openxmlformats.org/presentationml/2006/main">
+  <p:cSld>
+    <p:spTree>
+      <p:nvGrpSpPr>
+        <p:cNvPr id="1" name=""/>
+        <p:cNvGrpSpPr/>
+        <p:nvPr/>
+      </p:nvGrpSpPr>
+      <p:grpSpPr>
+        <a:xfrm>
+          <a:off x="0" y="0"/>
+          <a:ext cx="0" cy="0"/>
+          <a:chOff x="0" y="0"/>
+          <a:chExt cx="0" cy="0"/>
+        </a:xfrm>
+      </p:grpSpPr>
+      <p:sp>
+        <p:nvSpPr>
+          <p:cNvPr id="2" name="Título 1">
+            <a:extLst>
+              <a:ext uri="{FF2B5EF4-FFF2-40B4-BE49-F238E27FC236}">
+                <a16:creationId xmlns:a16="http://schemas.microsoft.com/office/drawing/2014/main" id="{A01AC393-36F2-2704-3150-48B52C6AB9F4}"/>
+              </a:ext>
+            </a:extLst>
+          </p:cNvPr>
+          <p:cNvSpPr>
+            <a:spLocks noGrp="1"/>
+          </p:cNvSpPr>
+          <p:nvPr>
+            <p:ph type="title"/>
+          </p:nvPr>
+        </p:nvSpPr>
+        <p:spPr>
+          <a:xfrm>
+            <a:off x="1218883" y="274637"/>
+            <a:ext cx="10360501" cy="1223963"/>
+          </a:xfrm>
+        </p:spPr>
+        <p:txBody>
+          <a:bodyPr anchor="b">
+            <a:normAutofit/>
+          </a:bodyPr>
+          <a:lstStyle/>
+          <a:p>
+            <a:r>
+              <a:rPr lang="es-AR" dirty="0" err="1"/>
+              <a:t>Vitest</a:t>
+            </a:r>
+            <a:endParaRPr lang="es-AR" dirty="0"/>
+          </a:p>
+        </p:txBody>
+      </p:sp>
+      <p:sp>
+        <p:nvSpPr>
+          <p:cNvPr id="3" name="Marcador de contenido 2">
+            <a:extLst>
+              <a:ext uri="{FF2B5EF4-FFF2-40B4-BE49-F238E27FC236}">
+                <a16:creationId xmlns:a16="http://schemas.microsoft.com/office/drawing/2014/main" id="{8406340A-FAB4-346C-174E-6716AEA2A560}"/>
+              </a:ext>
+            </a:extLst>
+          </p:cNvPr>
+          <p:cNvSpPr>
+            <a:spLocks noGrp="1"/>
+          </p:cNvSpPr>
+          <p:nvPr>
+            <p:ph idx="1"/>
+          </p:nvPr>
+        </p:nvSpPr>
+        <p:spPr>
+          <a:xfrm>
+            <a:off x="1218883" y="1701797"/>
+            <a:ext cx="10360501" cy="4462272"/>
+          </a:xfrm>
+        </p:spPr>
+        <p:txBody>
+          <a:bodyPr>
+            <a:normAutofit/>
+          </a:bodyPr>
+          <a:lstStyle/>
+          <a:p>
+            <a:pPr algn="l" fontAlgn="base">
+              <a:buFont typeface="Arial" panose="020B0604020202020204" pitchFamily="34" charset="0"/>
+              <a:buChar char="•"/>
+            </a:pPr>
+            <a:r>
+              <a:rPr lang="es-ES" b="0" i="0" dirty="0">
+                <a:effectLst/>
+                <a:latin typeface="inherit"/>
+              </a:rPr>
+              <a:t>Framework optimizado para el ecosistema Vite, rápido y eficiente.</a:t>
+            </a:r>
+          </a:p>
+          <a:p>
+            <a:pPr algn="l" fontAlgn="base">
+              <a:buFont typeface="Arial" panose="020B0604020202020204" pitchFamily="34" charset="0"/>
+              <a:buChar char="•"/>
+            </a:pPr>
+            <a:r>
+              <a:rPr lang="es-ES" b="0" i="0" dirty="0">
+                <a:effectLst/>
+                <a:latin typeface="inherit"/>
+              </a:rPr>
+              <a:t>Similar a </a:t>
+            </a:r>
+            <a:r>
+              <a:rPr lang="es-ES" b="0" i="0" dirty="0" err="1">
+                <a:effectLst/>
+                <a:latin typeface="inherit"/>
+              </a:rPr>
+              <a:t>Jest</a:t>
+            </a:r>
+            <a:r>
+              <a:rPr lang="es-ES" b="0" i="0" dirty="0">
+                <a:effectLst/>
+                <a:latin typeface="inherit"/>
+              </a:rPr>
+              <a:t>, pero más orientado a la velocidad en proyectos que usan Vite.</a:t>
+            </a:r>
+          </a:p>
+          <a:p>
+            <a:pPr algn="l" fontAlgn="base">
+              <a:buFont typeface="Arial" panose="020B0604020202020204" pitchFamily="34" charset="0"/>
+              <a:buChar char="•"/>
+            </a:pPr>
+            <a:r>
+              <a:rPr lang="es-ES" b="0" i="0" dirty="0">
+                <a:effectLst/>
+                <a:latin typeface="inherit"/>
+              </a:rPr>
+              <a:t>No se limita al </a:t>
+            </a:r>
+            <a:r>
+              <a:rPr lang="es-ES" b="0" i="0" dirty="0" err="1">
+                <a:effectLst/>
+                <a:latin typeface="inherit"/>
+              </a:rPr>
+              <a:t>frontend</a:t>
+            </a:r>
+            <a:r>
+              <a:rPr lang="es-ES" b="0" i="0" dirty="0">
+                <a:effectLst/>
+                <a:latin typeface="inherit"/>
+              </a:rPr>
+              <a:t>; también soporta pruebas de </a:t>
+            </a:r>
+            <a:r>
+              <a:rPr lang="es-ES" b="0" i="0" dirty="0" err="1">
+                <a:effectLst/>
+                <a:latin typeface="inherit"/>
+              </a:rPr>
+              <a:t>backend</a:t>
+            </a:r>
+            <a:r>
+              <a:rPr lang="es-ES" b="0" i="0" dirty="0">
+                <a:effectLst/>
+                <a:latin typeface="inherit"/>
+              </a:rPr>
+              <a:t>.</a:t>
+            </a:r>
+          </a:p>
+        </p:txBody>
+      </p:sp>
+    </p:spTree>
+    <p:extLst>
+      <p:ext uri="{BB962C8B-B14F-4D97-AF65-F5344CB8AC3E}">
+        <p14:creationId xmlns:p14="http://schemas.microsoft.com/office/powerpoint/2010/main" val="3461211232"/>
+      </p:ext>
+    </p:extLst>
+  </p:cSld>
+  <p:clrMapOvr>
+    <a:masterClrMapping/>
+  </p:clrMapOvr>
+  <mc:AlternateContent xmlns:mc="http://schemas.openxmlformats.org/markup-compatibility/2006" xmlns:p14="http://schemas.microsoft.com/office/powerpoint/2010/main">
+    <mc:Choice Requires="p14">
+      <p:transition spd="med" p14:dur="700">
+        <p:fade/>
+      </p:transition>
+    </mc:Choice>
+    <mc:Fallback xmlns="">
+      <p:transition spd="med">
+        <p:fade/>
+      </p:transition>
+    </mc:Fallback>
+  </mc:AlternateContent>
+</p:sld>
+</file>
+
+<file path=ppt/slides/slide8.xml><?xml version="1.0" encoding="utf-8"?>
+<p:sld xmlns:a="http://schemas.openxmlformats.org/drawingml/2006/main" xmlns:r="http://schemas.openxmlformats.org/officeDocument/2006/relationships" xmlns:p="http://schemas.openxmlformats.org/presentationml/2006/main">
+  <p:cSld>
+    <p:spTree>
+      <p:nvGrpSpPr>
+        <p:cNvPr id="1" name=""/>
+        <p:cNvGrpSpPr/>
+        <p:nvPr/>
+      </p:nvGrpSpPr>
+      <p:grpSpPr>
+        <a:xfrm>
+          <a:off x="0" y="0"/>
+          <a:ext cx="0" cy="0"/>
+          <a:chOff x="0" y="0"/>
+          <a:chExt cx="0" cy="0"/>
+        </a:xfrm>
+      </p:grpSpPr>
+      <p:sp>
+        <p:nvSpPr>
+          <p:cNvPr id="2" name="Título 1">
+            <a:extLst>
+              <a:ext uri="{FF2B5EF4-FFF2-40B4-BE49-F238E27FC236}">
+                <a16:creationId xmlns:a16="http://schemas.microsoft.com/office/drawing/2014/main" id="{A01AC393-36F2-2704-3150-48B52C6AB9F4}"/>
+              </a:ext>
+            </a:extLst>
+          </p:cNvPr>
+          <p:cNvSpPr>
+            <a:spLocks noGrp="1"/>
+          </p:cNvSpPr>
+          <p:nvPr>
+            <p:ph type="title"/>
+          </p:nvPr>
+        </p:nvSpPr>
+        <p:spPr>
+          <a:xfrm>
+            <a:off x="1218883" y="274637"/>
+            <a:ext cx="10360501" cy="1223963"/>
+          </a:xfrm>
+        </p:spPr>
+        <p:txBody>
+          <a:bodyPr anchor="b">
+            <a:normAutofit/>
+          </a:bodyPr>
+          <a:lstStyle/>
+          <a:p>
+            <a:r>
+              <a:rPr lang="es-AR" dirty="0"/>
+              <a:t>Mocha</a:t>
+            </a:r>
+          </a:p>
+        </p:txBody>
+      </p:sp>
+      <p:sp>
+        <p:nvSpPr>
+          <p:cNvPr id="3" name="Marcador de contenido 2">
+            <a:extLst>
+              <a:ext uri="{FF2B5EF4-FFF2-40B4-BE49-F238E27FC236}">
+                <a16:creationId xmlns:a16="http://schemas.microsoft.com/office/drawing/2014/main" id="{8406340A-FAB4-346C-174E-6716AEA2A560}"/>
+              </a:ext>
+            </a:extLst>
+          </p:cNvPr>
+          <p:cNvSpPr>
+            <a:spLocks noGrp="1"/>
+          </p:cNvSpPr>
+          <p:nvPr>
+            <p:ph idx="1"/>
+          </p:nvPr>
+        </p:nvSpPr>
+        <p:spPr>
+          <a:xfrm>
+            <a:off x="1218883" y="1701797"/>
+            <a:ext cx="10360501" cy="4462272"/>
+          </a:xfrm>
+        </p:spPr>
+        <p:txBody>
+          <a:bodyPr>
+            <a:normAutofit/>
+          </a:bodyPr>
+          <a:lstStyle/>
+          <a:p>
+            <a:pPr algn="l" fontAlgn="base">
+              <a:buFont typeface="Arial" panose="020B0604020202020204" pitchFamily="34" charset="0"/>
+              <a:buChar char="•"/>
+            </a:pPr>
+            <a:r>
+              <a:rPr lang="es-ES" b="0" i="0" dirty="0">
+                <a:effectLst/>
+                <a:latin typeface="inherit"/>
+              </a:rPr>
+              <a:t>Framework flexible para pruebas en JavaScript (</a:t>
+            </a:r>
+            <a:r>
+              <a:rPr lang="es-ES" b="0" i="0" dirty="0" err="1">
+                <a:effectLst/>
+                <a:latin typeface="inherit"/>
+              </a:rPr>
+              <a:t>frontend</a:t>
+            </a:r>
+            <a:r>
+              <a:rPr lang="es-ES" b="0" i="0" dirty="0">
+                <a:effectLst/>
+                <a:latin typeface="inherit"/>
+              </a:rPr>
+              <a:t> y </a:t>
+            </a:r>
+            <a:r>
+              <a:rPr lang="es-ES" b="0" i="0" dirty="0" err="1">
+                <a:effectLst/>
+                <a:latin typeface="inherit"/>
+              </a:rPr>
+              <a:t>backend</a:t>
+            </a:r>
+            <a:r>
+              <a:rPr lang="es-ES" b="0" i="0" dirty="0">
+                <a:effectLst/>
+                <a:latin typeface="inherit"/>
+              </a:rPr>
+              <a:t>).</a:t>
+            </a:r>
+          </a:p>
+          <a:p>
+            <a:pPr algn="l" fontAlgn="base">
+              <a:buFont typeface="Arial" panose="020B0604020202020204" pitchFamily="34" charset="0"/>
+              <a:buChar char="•"/>
+            </a:pPr>
+            <a:r>
+              <a:rPr lang="es-ES" b="0" i="0" dirty="0">
+                <a:effectLst/>
+                <a:latin typeface="inherit"/>
+              </a:rPr>
+              <a:t>Requiere herramientas adicionales para aserciones (Chai) y simulaciones (Sinon.js).</a:t>
+            </a:r>
+          </a:p>
+          <a:p>
+            <a:pPr algn="l" fontAlgn="base">
+              <a:buFont typeface="Arial" panose="020B0604020202020204" pitchFamily="34" charset="0"/>
+              <a:buChar char="•"/>
+            </a:pPr>
+            <a:r>
+              <a:rPr lang="es-ES" b="0" i="0" dirty="0" err="1">
+                <a:effectLst/>
+                <a:latin typeface="inherit"/>
+              </a:rPr>
+              <a:t>Testing</a:t>
+            </a:r>
+            <a:r>
+              <a:rPr lang="es-ES" b="0" i="0" dirty="0">
+                <a:effectLst/>
+                <a:latin typeface="inherit"/>
+              </a:rPr>
+              <a:t> Library puede ser usada con Mocha para validar interacciones de la UI.</a:t>
+            </a:r>
+          </a:p>
+        </p:txBody>
+      </p:sp>
+    </p:spTree>
+    <p:extLst>
+      <p:ext uri="{BB962C8B-B14F-4D97-AF65-F5344CB8AC3E}">
+        <p14:creationId xmlns:p14="http://schemas.microsoft.com/office/powerpoint/2010/main" val="387358198"/>
       </p:ext>
     </p:extLst>
   </p:cSld>
@@ -8455,61 +11799,173 @@
       </p:grpSpPr>
       <p:sp>
         <p:nvSpPr>
-          <p:cNvPr id="7" name="Título 6"/>
-          <p:cNvSpPr>
-            <a:spLocks noGrp="1"/>
-          </p:cNvSpPr>
-          <p:nvPr>
-            <p:ph type="title"/>
-          </p:nvPr>
-        </p:nvSpPr>
-        <p:spPr/>
-        <p:txBody>
-          <a:bodyPr rtlCol="0"/>
-          <a:lstStyle/>
-          <a:p>
-            <a:pPr rtl="0"/>
-            <a:r>
-              <a:rPr lang="es-ES" dirty="0"/>
-              <a:t>Una vez modificado el código</a:t>
-            </a:r>
-          </a:p>
-        </p:txBody>
-      </p:sp>
-      <p:pic>
-        <p:nvPicPr>
-          <p:cNvPr id="5" name="Imagen 4">
+          <p:cNvPr id="2" name="Título 1">
             <a:extLst>
               <a:ext uri="{FF2B5EF4-FFF2-40B4-BE49-F238E27FC236}">
-                <a16:creationId xmlns:a16="http://schemas.microsoft.com/office/drawing/2014/main" id="{BC764B28-6B12-470A-8C27-6B1A515094A2}"/>
+                <a16:creationId xmlns:a16="http://schemas.microsoft.com/office/drawing/2014/main" id="{A01AC393-36F2-2704-3150-48B52C6AB9F4}"/>
               </a:ext>
             </a:extLst>
           </p:cNvPr>
-          <p:cNvPicPr>
-            <a:picLocks noChangeAspect="1"/>
-          </p:cNvPicPr>
-          <p:nvPr/>
-        </p:nvPicPr>
-        <p:blipFill>
-          <a:blip r:embed="rId3"/>
-          <a:stretch>
-            <a:fillRect/>
-          </a:stretch>
-        </p:blipFill>
+          <p:cNvSpPr>
+            <a:spLocks noGrp="1"/>
+          </p:cNvSpPr>
+          <p:nvPr>
+            <p:ph type="title"/>
+          </p:nvPr>
+        </p:nvSpPr>
         <p:spPr>
           <a:xfrm>
-            <a:off x="1218883" y="1498601"/>
-            <a:ext cx="10360501" cy="4738711"/>
+            <a:off x="1218883" y="274637"/>
+            <a:ext cx="10360501" cy="1223963"/>
           </a:xfrm>
-          <a:prstGeom prst="rect">
-            <a:avLst/>
-          </a:prstGeom>
         </p:spPr>
-      </p:pic>
+        <p:txBody>
+          <a:bodyPr anchor="b">
+            <a:normAutofit/>
+          </a:bodyPr>
+          <a:lstStyle/>
+          <a:p>
+            <a:r>
+              <a:rPr lang="es-AR" dirty="0" err="1"/>
+              <a:t>Mock</a:t>
+            </a:r>
+            <a:r>
+              <a:rPr lang="es-AR" dirty="0"/>
+              <a:t> </a:t>
+            </a:r>
+            <a:r>
+              <a:rPr lang="es-AR" dirty="0" err="1"/>
+              <a:t>Service</a:t>
+            </a:r>
+            <a:r>
+              <a:rPr lang="es-AR" dirty="0"/>
+              <a:t> </a:t>
+            </a:r>
+            <a:r>
+              <a:rPr lang="es-AR" dirty="0" err="1"/>
+              <a:t>Worker</a:t>
+            </a:r>
+            <a:r>
+              <a:rPr lang="es-AR" dirty="0"/>
+              <a:t> (MSW)</a:t>
+            </a:r>
+          </a:p>
+        </p:txBody>
+      </p:sp>
+      <p:sp>
+        <p:nvSpPr>
+          <p:cNvPr id="3" name="Marcador de contenido 2">
+            <a:extLst>
+              <a:ext uri="{FF2B5EF4-FFF2-40B4-BE49-F238E27FC236}">
+                <a16:creationId xmlns:a16="http://schemas.microsoft.com/office/drawing/2014/main" id="{8406340A-FAB4-346C-174E-6716AEA2A560}"/>
+              </a:ext>
+            </a:extLst>
+          </p:cNvPr>
+          <p:cNvSpPr>
+            <a:spLocks noGrp="1"/>
+          </p:cNvSpPr>
+          <p:nvPr>
+            <p:ph idx="1"/>
+          </p:nvPr>
+        </p:nvSpPr>
+        <p:spPr>
+          <a:xfrm>
+            <a:off x="1218883" y="1701797"/>
+            <a:ext cx="10360501" cy="4462272"/>
+          </a:xfrm>
+        </p:spPr>
+        <p:txBody>
+          <a:bodyPr>
+            <a:normAutofit/>
+          </a:bodyPr>
+          <a:lstStyle/>
+          <a:p>
+            <a:pPr algn="l" fontAlgn="base">
+              <a:buFont typeface="Arial" panose="020B0604020202020204" pitchFamily="34" charset="0"/>
+              <a:buChar char="•"/>
+            </a:pPr>
+            <a:r>
+              <a:rPr lang="es-ES" b="0" i="0" dirty="0">
+                <a:effectLst/>
+                <a:latin typeface="inherit"/>
+              </a:rPr>
+              <a:t>Simula </a:t>
+            </a:r>
+            <a:r>
+              <a:rPr lang="es-ES" b="0" i="0" dirty="0" err="1">
+                <a:effectLst/>
+                <a:latin typeface="inherit"/>
+              </a:rPr>
+              <a:t>APIs</a:t>
+            </a:r>
+            <a:r>
+              <a:rPr lang="es-ES" b="0" i="0" dirty="0">
+                <a:effectLst/>
+                <a:latin typeface="inherit"/>
+              </a:rPr>
+              <a:t> en pruebas, interceptando solicitudes de red.</a:t>
+            </a:r>
+          </a:p>
+          <a:p>
+            <a:pPr algn="l" fontAlgn="base">
+              <a:buFont typeface="Arial" panose="020B0604020202020204" pitchFamily="34" charset="0"/>
+              <a:buChar char="•"/>
+            </a:pPr>
+            <a:r>
+              <a:rPr lang="es-ES" b="0" i="0" dirty="0">
+                <a:effectLst/>
+                <a:latin typeface="inherit"/>
+              </a:rPr>
+              <a:t>Ideal para probar cómo las aplicaciones manejan respuestas de servidores sin usar servicios reales.</a:t>
+            </a:r>
+          </a:p>
+          <a:p>
+            <a:pPr algn="l" fontAlgn="base">
+              <a:buFont typeface="Arial" panose="020B0604020202020204" pitchFamily="34" charset="0"/>
+              <a:buChar char="•"/>
+            </a:pPr>
+            <a:r>
+              <a:rPr lang="es-ES" b="0" i="0" dirty="0">
+                <a:effectLst/>
+                <a:latin typeface="inherit"/>
+              </a:rPr>
+              <a:t>Se enfoca en la simulación de redes y </a:t>
+            </a:r>
+            <a:r>
+              <a:rPr lang="es-ES" b="0" i="0" dirty="0" err="1">
+                <a:effectLst/>
+                <a:latin typeface="inherit"/>
+              </a:rPr>
+              <a:t>backend</a:t>
+            </a:r>
+            <a:r>
+              <a:rPr lang="es-ES" b="0" i="0" dirty="0">
+                <a:effectLst/>
+                <a:latin typeface="inherit"/>
+              </a:rPr>
+              <a:t>, complementando </a:t>
+            </a:r>
+            <a:r>
+              <a:rPr lang="es-ES" b="0" i="0" dirty="0" err="1">
+                <a:effectLst/>
+                <a:latin typeface="inherit"/>
+              </a:rPr>
+              <a:t>Testing</a:t>
+            </a:r>
+            <a:r>
+              <a:rPr lang="es-ES" b="0" i="0" dirty="0">
+                <a:effectLst/>
+                <a:latin typeface="inherit"/>
+              </a:rPr>
+              <a:t> Library para pruebas de UI.</a:t>
+            </a:r>
+          </a:p>
+        </p:txBody>
+      </p:sp>
     </p:spTree>
     <p:extLst>
       <p:ext uri="{BB962C8B-B14F-4D97-AF65-F5344CB8AC3E}">
-        <p14:creationId xmlns:p14="http://schemas.microsoft.com/office/powerpoint/2010/main" val="2645386564"/>
+        <p14:creationId xmlns:p14="http://schemas.microsoft.com/office/powerpoint/2010/main" val="1386491078"/>
       </p:ext>
     </p:extLst>
   </p:cSld>
@@ -9482,6 +12938,15 @@
 </file>
 
 <file path=customXml/item1.xml><?xml version="1.0" encoding="utf-8"?>
+<?mso-contentType ?>
+<FormTemplates xmlns="http://schemas.microsoft.com/sharepoint/v3/contenttype/forms">
+  <Display>DocumentLibraryForm</Display>
+  <Edit>AssetEditForm</Edit>
+  <New>DocumentLibraryForm</New>
+</FormTemplates>
+</file>
+
+<file path=customXml/item2.xml><?xml version="1.0" encoding="utf-8"?>
 <p:properties xmlns:p="http://schemas.microsoft.com/office/2006/metadata/properties" xmlns:xsi="http://www.w3.org/2001/XMLSchema-instance" xmlns:pc="http://schemas.microsoft.com/office/infopath/2007/PartnerControls">
   <documentManagement>
     <LocPublishedLinkedAssetsLookup xmlns="4873beb7-5857-4685-be1f-d57550cc96cc" xsi:nil="true"/>
@@ -9615,15 +13080,6 @@
     <LocMarketGroupTiers2 xmlns="4873beb7-5857-4685-be1f-d57550cc96cc" xsi:nil="true"/>
   </documentManagement>
 </p:properties>
-</file>
-
-<file path=customXml/item2.xml><?xml version="1.0" encoding="utf-8"?>
-<?mso-contentType ?>
-<FormTemplates xmlns="http://schemas.microsoft.com/sharepoint/v3/contenttype/forms">
-  <Display>DocumentLibraryForm</Display>
-  <Edit>AssetEditForm</Edit>
-  <New>DocumentLibraryForm</New>
-</FormTemplates>
 </file>
 
 <file path=customXml/item3.xml><?xml version="1.0" encoding="utf-8"?>
@@ -10667,6 +14123,14 @@
 </file>
 
 <file path=customXml/itemProps1.xml><?xml version="1.0" encoding="utf-8"?>
+<ds:datastoreItem xmlns:ds="http://schemas.openxmlformats.org/officeDocument/2006/customXml" ds:itemID="{3836F65B-1B07-41EE-A0E8-BC6EF3855225}">
+  <ds:schemaRefs>
+    <ds:schemaRef ds:uri="http://schemas.microsoft.com/sharepoint/v3/contenttype/forms"/>
+  </ds:schemaRefs>
+</ds:datastoreItem>
+</file>
+
+<file path=customXml/itemProps2.xml><?xml version="1.0" encoding="utf-8"?>
 <ds:datastoreItem xmlns:ds="http://schemas.openxmlformats.org/officeDocument/2006/customXml" ds:itemID="{60C67BEE-D13F-4BD2-98A5-34D8A0977F68}">
   <ds:schemaRefs>
     <ds:schemaRef ds:uri="4873beb7-5857-4685-be1f-d57550cc96cc"/>
@@ -10678,14 +14142,6 @@
     <ds:schemaRef ds:uri="http://schemas.microsoft.com/office/infopath/2007/PartnerControls"/>
     <ds:schemaRef ds:uri="http://www.w3.org/XML/1998/namespace"/>
     <ds:schemaRef ds:uri="http://purl.org/dc/dcmitype/"/>
-  </ds:schemaRefs>
-</ds:datastoreItem>
-</file>
-
-<file path=customXml/itemProps2.xml><?xml version="1.0" encoding="utf-8"?>
-<ds:datastoreItem xmlns:ds="http://schemas.openxmlformats.org/officeDocument/2006/customXml" ds:itemID="{3836F65B-1B07-41EE-A0E8-BC6EF3855225}">
-  <ds:schemaRefs>
-    <ds:schemaRef ds:uri="http://schemas.microsoft.com/sharepoint/v3/contenttype/forms"/>
   </ds:schemaRefs>
 </ds:datastoreItem>
 </file>

--- a/App POC/Documentacion/TestingLibrary-Presentacion.pptx
+++ b/App POC/Documentacion/TestingLibrary-Presentacion.pptx
@@ -248,7 +248,7 @@
             <a:pPr algn="r" rtl="0"/>
             <a:fld id="{C8F1D84B-F747-4821-8617-FBD61E8F4308}" type="datetime1">
               <a:rPr lang="es-ES" smtClean="0"/>
-              <a:t>02/10/2024</a:t>
+              <a:t>03/10/2024</a:t>
             </a:fld>
             <a:endParaRPr lang="es-ES" dirty="0"/>
           </a:p>
@@ -418,7 +418,7 @@
             <a:fld id="{DA87C823-BB9F-45DA-99AB-416A32E1B948}" type="datetime1">
               <a:rPr lang="es-ES" noProof="0" smtClean="0"/>
               <a:pPr/>
-              <a:t>02/10/2024</a:t>
+              <a:t>03/10/2024</a:t>
             </a:fld>
             <a:endParaRPr lang="es-ES" noProof="0" dirty="0"/>
           </a:p>
@@ -817,30 +817,11 @@
           <a:bodyPr/>
           <a:lstStyle/>
           <a:p>
-            <a:pPr marL="0" marR="0" lvl="0" indent="0" algn="l" defTabSz="1218987" rtl="0" eaLnBrk="1" fontAlgn="auto" latinLnBrk="0" hangingPunct="1">
-              <a:lnSpc>
-                <a:spcPct val="100000"/>
-              </a:lnSpc>
-              <a:spcBef>
-                <a:spcPts val="0"/>
-              </a:spcBef>
-              <a:spcAft>
-                <a:spcPts val="0"/>
-              </a:spcAft>
-              <a:buClrTx/>
-              <a:buSzTx/>
-              <a:buFontTx/>
-              <a:buNone/>
-              <a:tabLst/>
-              <a:defRPr/>
-            </a:pPr>
-            <a:r>
-              <a:rPr lang="es-ES" sz="1600" dirty="0"/>
-              <a:t>La librería nos indica con el mensaje que el formulario no cumple que el botón este deshabilitado cuando el input este vacío. Esto genera que el usuario pueda enviar un campo vacío.</a:t>
-            </a:r>
-          </a:p>
-          <a:p>
-            <a:endParaRPr lang="es-ES" dirty="0"/>
+            <a:r>
+              <a:rPr lang="es-ES" dirty="0"/>
+              <a:t>Render: es una función que simula el montaje de un componente dentro de un entorno de pruebas. Esto permite realizar pruebas sobre el componente como si estuviera siendo visualizado por el usuario real, aunque el renderizado ocurre en un entorno de simulación sin necesidad de un navegador real.</a:t>
+            </a:r>
+            <a:endParaRPr lang="es-AR" dirty="0"/>
           </a:p>
         </p:txBody>
       </p:sp>
@@ -851,7 +832,7 @@
             <a:spLocks noGrp="1"/>
           </p:cNvSpPr>
           <p:nvPr>
-            <p:ph type="sldNum" sz="quarter" idx="10"/>
+            <p:ph type="sldNum" sz="quarter" idx="5"/>
           </p:nvPr>
         </p:nvSpPr>
         <p:spPr/>
@@ -862,7 +843,7 @@
             <a:fld id="{3EBA5BD7-F043-4D1B-AA17-CD412FC534DE}" type="slidenum">
               <a:rPr lang="es-ES" noProof="0" smtClean="0"/>
               <a:pPr/>
-              <a:t>17</a:t>
+              <a:t>12</a:t>
             </a:fld>
             <a:endParaRPr lang="es-ES" noProof="0" dirty="0"/>
           </a:p>
@@ -871,7 +852,7 @@
     </p:spTree>
     <p:extLst>
       <p:ext uri="{BB962C8B-B14F-4D97-AF65-F5344CB8AC3E}">
-        <p14:creationId xmlns:p14="http://schemas.microsoft.com/office/powerpoint/2010/main" val="13358915"/>
+        <p14:creationId xmlns:p14="http://schemas.microsoft.com/office/powerpoint/2010/main" val="2205006504"/>
       </p:ext>
     </p:extLst>
   </p:cSld>
@@ -925,7 +906,10 @@
           <a:bodyPr/>
           <a:lstStyle/>
           <a:p>
-            <a:endParaRPr lang="es-ES" dirty="0"/>
+            <a:r>
+              <a:rPr lang="es-AR" dirty="0"/>
+              <a:t>Busca por texto</a:t>
+            </a:r>
           </a:p>
         </p:txBody>
       </p:sp>
@@ -936,7 +920,7 @@
             <a:spLocks noGrp="1"/>
           </p:cNvSpPr>
           <p:nvPr>
-            <p:ph type="sldNum" sz="quarter" idx="10"/>
+            <p:ph type="sldNum" sz="quarter" idx="5"/>
           </p:nvPr>
         </p:nvSpPr>
         <p:spPr/>
@@ -947,7 +931,7 @@
             <a:fld id="{3EBA5BD7-F043-4D1B-AA17-CD412FC534DE}" type="slidenum">
               <a:rPr lang="es-ES" noProof="0" smtClean="0"/>
               <a:pPr/>
-              <a:t>18</a:t>
+              <a:t>13</a:t>
             </a:fld>
             <a:endParaRPr lang="es-ES" noProof="0" dirty="0"/>
           </a:p>
@@ -956,7 +940,7 @@
     </p:spTree>
     <p:extLst>
       <p:ext uri="{BB962C8B-B14F-4D97-AF65-F5344CB8AC3E}">
-        <p14:creationId xmlns:p14="http://schemas.microsoft.com/office/powerpoint/2010/main" val="837636764"/>
+        <p14:creationId xmlns:p14="http://schemas.microsoft.com/office/powerpoint/2010/main" val="829565516"/>
       </p:ext>
     </p:extLst>
   </p:cSld>
@@ -1010,78 +994,10 @@
           <a:bodyPr/>
           <a:lstStyle/>
           <a:p>
-            <a:pPr marL="0" marR="0" lvl="0" indent="0" algn="l" defTabSz="1218987" rtl="0" eaLnBrk="1" fontAlgn="auto" latinLnBrk="0" hangingPunct="1">
-              <a:lnSpc>
-                <a:spcPct val="100000"/>
-              </a:lnSpc>
-              <a:spcBef>
-                <a:spcPts val="0"/>
-              </a:spcBef>
-              <a:spcAft>
-                <a:spcPts val="0"/>
-              </a:spcAft>
-              <a:buClrTx/>
-              <a:buSzTx/>
-              <a:buFontTx/>
-              <a:buNone/>
-              <a:tabLst/>
-              <a:defRPr/>
-            </a:pPr>
-            <a:r>
-              <a:rPr lang="es-ES" sz="1600" dirty="0"/>
-              <a:t>Vemos que la prueba “</a:t>
-            </a:r>
-            <a:r>
-              <a:rPr lang="es-ES" sz="1600" dirty="0" err="1"/>
-              <a:t>Button</a:t>
-            </a:r>
-            <a:r>
-              <a:rPr lang="es-ES" sz="1600" dirty="0"/>
-              <a:t> </a:t>
-            </a:r>
-            <a:r>
-              <a:rPr lang="es-ES" sz="1600" dirty="0" err="1"/>
-              <a:t>is</a:t>
-            </a:r>
-            <a:r>
-              <a:rPr lang="es-ES" sz="1600" dirty="0"/>
-              <a:t> </a:t>
-            </a:r>
-            <a:r>
-              <a:rPr lang="es-ES" sz="1600" dirty="0" err="1"/>
-              <a:t>disabled</a:t>
-            </a:r>
-            <a:r>
-              <a:rPr lang="es-ES" sz="1600" dirty="0"/>
-              <a:t> </a:t>
-            </a:r>
-            <a:r>
-              <a:rPr lang="es-ES" sz="1600" dirty="0" err="1"/>
-              <a:t>when</a:t>
-            </a:r>
-            <a:r>
-              <a:rPr lang="es-ES" sz="1600" dirty="0"/>
-              <a:t> input </a:t>
-            </a:r>
-            <a:r>
-              <a:rPr lang="es-ES" sz="1600" dirty="0" err="1"/>
-              <a:t>is</a:t>
-            </a:r>
-            <a:r>
-              <a:rPr lang="es-ES" sz="1600" dirty="0"/>
-              <a:t> </a:t>
-            </a:r>
-            <a:r>
-              <a:rPr lang="es-ES" sz="1600" dirty="0" err="1"/>
-              <a:t>empty</a:t>
-            </a:r>
-            <a:r>
-              <a:rPr lang="es-ES" sz="1600" dirty="0"/>
-              <a:t>” pasó correctamente y ya no devuelve un error, por lo tanto, el test suite y sus 10 pruebas pasan el test. </a:t>
-            </a:r>
-          </a:p>
-          <a:p>
-            <a:endParaRPr lang="es-ES" dirty="0"/>
+            <a:r>
+              <a:rPr lang="es-AR" dirty="0"/>
+              <a:t>Busca por rol</a:t>
+            </a:r>
           </a:p>
         </p:txBody>
       </p:sp>
@@ -1092,7 +1008,7 @@
             <a:spLocks noGrp="1"/>
           </p:cNvSpPr>
           <p:nvPr>
-            <p:ph type="sldNum" sz="quarter" idx="10"/>
+            <p:ph type="sldNum" sz="quarter" idx="5"/>
           </p:nvPr>
         </p:nvSpPr>
         <p:spPr/>
@@ -1103,7 +1019,7 @@
             <a:fld id="{3EBA5BD7-F043-4D1B-AA17-CD412FC534DE}" type="slidenum">
               <a:rPr lang="es-ES" noProof="0" smtClean="0"/>
               <a:pPr/>
-              <a:t>19</a:t>
+              <a:t>14</a:t>
             </a:fld>
             <a:endParaRPr lang="es-ES" noProof="0" dirty="0"/>
           </a:p>
@@ -1112,7 +1028,7 @@
     </p:spTree>
     <p:extLst>
       <p:ext uri="{BB962C8B-B14F-4D97-AF65-F5344CB8AC3E}">
-        <p14:creationId xmlns:p14="http://schemas.microsoft.com/office/powerpoint/2010/main" val="663388844"/>
+        <p14:creationId xmlns:p14="http://schemas.microsoft.com/office/powerpoint/2010/main" val="2814293843"/>
       </p:ext>
     </p:extLst>
   </p:cSld>
@@ -1166,6 +1082,539 @@
           <a:bodyPr/>
           <a:lstStyle/>
           <a:p>
+            <a:r>
+              <a:rPr lang="es-AR" dirty="0"/>
+              <a:t>Simula la acción de un usuario</a:t>
+            </a:r>
+          </a:p>
+        </p:txBody>
+      </p:sp>
+      <p:sp>
+        <p:nvSpPr>
+          <p:cNvPr id="4" name="Marcador de número de diapositiva 3"/>
+          <p:cNvSpPr>
+            <a:spLocks noGrp="1"/>
+          </p:cNvSpPr>
+          <p:nvPr>
+            <p:ph type="sldNum" sz="quarter" idx="5"/>
+          </p:nvPr>
+        </p:nvSpPr>
+        <p:spPr/>
+        <p:txBody>
+          <a:bodyPr/>
+          <a:lstStyle/>
+          <a:p>
+            <a:fld id="{3EBA5BD7-F043-4D1B-AA17-CD412FC534DE}" type="slidenum">
+              <a:rPr lang="es-ES" noProof="0" smtClean="0"/>
+              <a:pPr/>
+              <a:t>15</a:t>
+            </a:fld>
+            <a:endParaRPr lang="es-ES" noProof="0" dirty="0"/>
+          </a:p>
+        </p:txBody>
+      </p:sp>
+    </p:spTree>
+    <p:extLst>
+      <p:ext uri="{BB962C8B-B14F-4D97-AF65-F5344CB8AC3E}">
+        <p14:creationId xmlns:p14="http://schemas.microsoft.com/office/powerpoint/2010/main" val="2678798940"/>
+      </p:ext>
+    </p:extLst>
+  </p:cSld>
+  <p:clrMapOvr>
+    <a:masterClrMapping/>
+  </p:clrMapOvr>
+</p:notes>
+</file>
+
+<file path=ppt/notesSlides/notesSlide14.xml><?xml version="1.0" encoding="utf-8"?>
+<p:notes xmlns:a="http://schemas.openxmlformats.org/drawingml/2006/main" xmlns:r="http://schemas.openxmlformats.org/officeDocument/2006/relationships" xmlns:p="http://schemas.openxmlformats.org/presentationml/2006/main">
+  <p:cSld>
+    <p:spTree>
+      <p:nvGrpSpPr>
+        <p:cNvPr id="1" name=""/>
+        <p:cNvGrpSpPr/>
+        <p:nvPr/>
+      </p:nvGrpSpPr>
+      <p:grpSpPr>
+        <a:xfrm>
+          <a:off x="0" y="0"/>
+          <a:ext cx="0" cy="0"/>
+          <a:chOff x="0" y="0"/>
+          <a:chExt cx="0" cy="0"/>
+        </a:xfrm>
+      </p:grpSpPr>
+      <p:sp>
+        <p:nvSpPr>
+          <p:cNvPr id="2" name="Marcador de imagen de diapositiva 1"/>
+          <p:cNvSpPr>
+            <a:spLocks noGrp="1" noRot="1" noChangeAspect="1"/>
+          </p:cNvSpPr>
+          <p:nvPr>
+            <p:ph type="sldImg"/>
+          </p:nvPr>
+        </p:nvSpPr>
+        <p:spPr/>
+      </p:sp>
+      <p:sp>
+        <p:nvSpPr>
+          <p:cNvPr id="3" name="Marcador de notas 2"/>
+          <p:cNvSpPr>
+            <a:spLocks noGrp="1"/>
+          </p:cNvSpPr>
+          <p:nvPr>
+            <p:ph type="body" idx="1"/>
+          </p:nvPr>
+        </p:nvSpPr>
+        <p:spPr/>
+        <p:txBody>
+          <a:bodyPr/>
+          <a:lstStyle/>
+          <a:p>
+            <a:r>
+              <a:rPr lang="es-AR" dirty="0"/>
+              <a:t>Con </a:t>
+            </a:r>
+            <a:r>
+              <a:rPr lang="es-AR" dirty="0" err="1"/>
+              <a:t>expect</a:t>
+            </a:r>
+            <a:r>
+              <a:rPr lang="es-AR" dirty="0"/>
+              <a:t> se especifica lo que se espera obtener una vez identificados los elementos y disparado las simulaciones de interacción del usuario.</a:t>
+            </a:r>
+          </a:p>
+        </p:txBody>
+      </p:sp>
+      <p:sp>
+        <p:nvSpPr>
+          <p:cNvPr id="4" name="Marcador de número de diapositiva 3"/>
+          <p:cNvSpPr>
+            <a:spLocks noGrp="1"/>
+          </p:cNvSpPr>
+          <p:nvPr>
+            <p:ph type="sldNum" sz="quarter" idx="5"/>
+          </p:nvPr>
+        </p:nvSpPr>
+        <p:spPr/>
+        <p:txBody>
+          <a:bodyPr/>
+          <a:lstStyle/>
+          <a:p>
+            <a:fld id="{3EBA5BD7-F043-4D1B-AA17-CD412FC534DE}" type="slidenum">
+              <a:rPr lang="es-ES" noProof="0" smtClean="0"/>
+              <a:pPr/>
+              <a:t>16</a:t>
+            </a:fld>
+            <a:endParaRPr lang="es-ES" noProof="0" dirty="0"/>
+          </a:p>
+        </p:txBody>
+      </p:sp>
+    </p:spTree>
+    <p:extLst>
+      <p:ext uri="{BB962C8B-B14F-4D97-AF65-F5344CB8AC3E}">
+        <p14:creationId xmlns:p14="http://schemas.microsoft.com/office/powerpoint/2010/main" val="3765999572"/>
+      </p:ext>
+    </p:extLst>
+  </p:cSld>
+  <p:clrMapOvr>
+    <a:masterClrMapping/>
+  </p:clrMapOvr>
+</p:notes>
+</file>
+
+<file path=ppt/notesSlides/notesSlide15.xml><?xml version="1.0" encoding="utf-8"?>
+<p:notes xmlns:a="http://schemas.openxmlformats.org/drawingml/2006/main" xmlns:r="http://schemas.openxmlformats.org/officeDocument/2006/relationships" xmlns:p="http://schemas.openxmlformats.org/presentationml/2006/main">
+  <p:cSld>
+    <p:spTree>
+      <p:nvGrpSpPr>
+        <p:cNvPr id="1" name=""/>
+        <p:cNvGrpSpPr/>
+        <p:nvPr/>
+      </p:nvGrpSpPr>
+      <p:grpSpPr>
+        <a:xfrm>
+          <a:off x="0" y="0"/>
+          <a:ext cx="0" cy="0"/>
+          <a:chOff x="0" y="0"/>
+          <a:chExt cx="0" cy="0"/>
+        </a:xfrm>
+      </p:grpSpPr>
+      <p:sp>
+        <p:nvSpPr>
+          <p:cNvPr id="2" name="Marcador de imagen de diapositiva 1"/>
+          <p:cNvSpPr>
+            <a:spLocks noGrp="1" noRot="1" noChangeAspect="1"/>
+          </p:cNvSpPr>
+          <p:nvPr>
+            <p:ph type="sldImg"/>
+          </p:nvPr>
+        </p:nvSpPr>
+        <p:spPr/>
+      </p:sp>
+      <p:sp>
+        <p:nvSpPr>
+          <p:cNvPr id="3" name="Marcador de notas 2"/>
+          <p:cNvSpPr>
+            <a:spLocks noGrp="1"/>
+          </p:cNvSpPr>
+          <p:nvPr>
+            <p:ph type="body" idx="1"/>
+          </p:nvPr>
+        </p:nvSpPr>
+        <p:spPr/>
+        <p:txBody>
+          <a:bodyPr/>
+          <a:lstStyle/>
+          <a:p>
+            <a:pPr marL="0" marR="0" lvl="0" indent="0" algn="l" defTabSz="1218987" rtl="0" eaLnBrk="1" fontAlgn="auto" latinLnBrk="0" hangingPunct="1">
+              <a:lnSpc>
+                <a:spcPct val="100000"/>
+              </a:lnSpc>
+              <a:spcBef>
+                <a:spcPts val="0"/>
+              </a:spcBef>
+              <a:spcAft>
+                <a:spcPts val="0"/>
+              </a:spcAft>
+              <a:buClrTx/>
+              <a:buSzTx/>
+              <a:buFontTx/>
+              <a:buNone/>
+              <a:tabLst/>
+              <a:defRPr/>
+            </a:pPr>
+            <a:r>
+              <a:rPr lang="es-ES" sz="1600" dirty="0"/>
+              <a:t>La librería nos indica con el mensaje que el formulario no cumple que el botón este deshabilitado cuando el input este vacío. Esto genera que el usuario pueda enviar un campo vacío.</a:t>
+            </a:r>
+          </a:p>
+          <a:p>
+            <a:endParaRPr lang="es-ES" dirty="0"/>
+          </a:p>
+        </p:txBody>
+      </p:sp>
+      <p:sp>
+        <p:nvSpPr>
+          <p:cNvPr id="4" name="Marcador de número de diapositiva 3"/>
+          <p:cNvSpPr>
+            <a:spLocks noGrp="1"/>
+          </p:cNvSpPr>
+          <p:nvPr>
+            <p:ph type="sldNum" sz="quarter" idx="10"/>
+          </p:nvPr>
+        </p:nvSpPr>
+        <p:spPr/>
+        <p:txBody>
+          <a:bodyPr/>
+          <a:lstStyle/>
+          <a:p>
+            <a:fld id="{3EBA5BD7-F043-4D1B-AA17-CD412FC534DE}" type="slidenum">
+              <a:rPr lang="es-ES" noProof="0" smtClean="0"/>
+              <a:pPr/>
+              <a:t>17</a:t>
+            </a:fld>
+            <a:endParaRPr lang="es-ES" noProof="0" dirty="0"/>
+          </a:p>
+        </p:txBody>
+      </p:sp>
+    </p:spTree>
+    <p:extLst>
+      <p:ext uri="{BB962C8B-B14F-4D97-AF65-F5344CB8AC3E}">
+        <p14:creationId xmlns:p14="http://schemas.microsoft.com/office/powerpoint/2010/main" val="13358915"/>
+      </p:ext>
+    </p:extLst>
+  </p:cSld>
+  <p:clrMapOvr>
+    <a:masterClrMapping/>
+  </p:clrMapOvr>
+</p:notes>
+</file>
+
+<file path=ppt/notesSlides/notesSlide16.xml><?xml version="1.0" encoding="utf-8"?>
+<p:notes xmlns:a="http://schemas.openxmlformats.org/drawingml/2006/main" xmlns:r="http://schemas.openxmlformats.org/officeDocument/2006/relationships" xmlns:p="http://schemas.openxmlformats.org/presentationml/2006/main">
+  <p:cSld>
+    <p:spTree>
+      <p:nvGrpSpPr>
+        <p:cNvPr id="1" name=""/>
+        <p:cNvGrpSpPr/>
+        <p:nvPr/>
+      </p:nvGrpSpPr>
+      <p:grpSpPr>
+        <a:xfrm>
+          <a:off x="0" y="0"/>
+          <a:ext cx="0" cy="0"/>
+          <a:chOff x="0" y="0"/>
+          <a:chExt cx="0" cy="0"/>
+        </a:xfrm>
+      </p:grpSpPr>
+      <p:sp>
+        <p:nvSpPr>
+          <p:cNvPr id="2" name="Marcador de imagen de diapositiva 1"/>
+          <p:cNvSpPr>
+            <a:spLocks noGrp="1" noRot="1" noChangeAspect="1"/>
+          </p:cNvSpPr>
+          <p:nvPr>
+            <p:ph type="sldImg"/>
+          </p:nvPr>
+        </p:nvSpPr>
+        <p:spPr/>
+      </p:sp>
+      <p:sp>
+        <p:nvSpPr>
+          <p:cNvPr id="3" name="Marcador de notas 2"/>
+          <p:cNvSpPr>
+            <a:spLocks noGrp="1"/>
+          </p:cNvSpPr>
+          <p:nvPr>
+            <p:ph type="body" idx="1"/>
+          </p:nvPr>
+        </p:nvSpPr>
+        <p:spPr/>
+        <p:txBody>
+          <a:bodyPr/>
+          <a:lstStyle/>
+          <a:p>
+            <a:endParaRPr lang="es-ES" dirty="0"/>
+          </a:p>
+        </p:txBody>
+      </p:sp>
+      <p:sp>
+        <p:nvSpPr>
+          <p:cNvPr id="4" name="Marcador de número de diapositiva 3"/>
+          <p:cNvSpPr>
+            <a:spLocks noGrp="1"/>
+          </p:cNvSpPr>
+          <p:nvPr>
+            <p:ph type="sldNum" sz="quarter" idx="10"/>
+          </p:nvPr>
+        </p:nvSpPr>
+        <p:spPr/>
+        <p:txBody>
+          <a:bodyPr/>
+          <a:lstStyle/>
+          <a:p>
+            <a:fld id="{3EBA5BD7-F043-4D1B-AA17-CD412FC534DE}" type="slidenum">
+              <a:rPr lang="es-ES" noProof="0" smtClean="0"/>
+              <a:pPr/>
+              <a:t>18</a:t>
+            </a:fld>
+            <a:endParaRPr lang="es-ES" noProof="0" dirty="0"/>
+          </a:p>
+        </p:txBody>
+      </p:sp>
+    </p:spTree>
+    <p:extLst>
+      <p:ext uri="{BB962C8B-B14F-4D97-AF65-F5344CB8AC3E}">
+        <p14:creationId xmlns:p14="http://schemas.microsoft.com/office/powerpoint/2010/main" val="837636764"/>
+      </p:ext>
+    </p:extLst>
+  </p:cSld>
+  <p:clrMapOvr>
+    <a:masterClrMapping/>
+  </p:clrMapOvr>
+</p:notes>
+</file>
+
+<file path=ppt/notesSlides/notesSlide17.xml><?xml version="1.0" encoding="utf-8"?>
+<p:notes xmlns:a="http://schemas.openxmlformats.org/drawingml/2006/main" xmlns:r="http://schemas.openxmlformats.org/officeDocument/2006/relationships" xmlns:p="http://schemas.openxmlformats.org/presentationml/2006/main">
+  <p:cSld>
+    <p:spTree>
+      <p:nvGrpSpPr>
+        <p:cNvPr id="1" name=""/>
+        <p:cNvGrpSpPr/>
+        <p:nvPr/>
+      </p:nvGrpSpPr>
+      <p:grpSpPr>
+        <a:xfrm>
+          <a:off x="0" y="0"/>
+          <a:ext cx="0" cy="0"/>
+          <a:chOff x="0" y="0"/>
+          <a:chExt cx="0" cy="0"/>
+        </a:xfrm>
+      </p:grpSpPr>
+      <p:sp>
+        <p:nvSpPr>
+          <p:cNvPr id="2" name="Marcador de imagen de diapositiva 1"/>
+          <p:cNvSpPr>
+            <a:spLocks noGrp="1" noRot="1" noChangeAspect="1"/>
+          </p:cNvSpPr>
+          <p:nvPr>
+            <p:ph type="sldImg"/>
+          </p:nvPr>
+        </p:nvSpPr>
+        <p:spPr/>
+      </p:sp>
+      <p:sp>
+        <p:nvSpPr>
+          <p:cNvPr id="3" name="Marcador de notas 2"/>
+          <p:cNvSpPr>
+            <a:spLocks noGrp="1"/>
+          </p:cNvSpPr>
+          <p:nvPr>
+            <p:ph type="body" idx="1"/>
+          </p:nvPr>
+        </p:nvSpPr>
+        <p:spPr/>
+        <p:txBody>
+          <a:bodyPr/>
+          <a:lstStyle/>
+          <a:p>
+            <a:pPr marL="0" marR="0" lvl="0" indent="0" algn="l" defTabSz="1218987" rtl="0" eaLnBrk="1" fontAlgn="auto" latinLnBrk="0" hangingPunct="1">
+              <a:lnSpc>
+                <a:spcPct val="100000"/>
+              </a:lnSpc>
+              <a:spcBef>
+                <a:spcPts val="0"/>
+              </a:spcBef>
+              <a:spcAft>
+                <a:spcPts val="0"/>
+              </a:spcAft>
+              <a:buClrTx/>
+              <a:buSzTx/>
+              <a:buFontTx/>
+              <a:buNone/>
+              <a:tabLst/>
+              <a:defRPr/>
+            </a:pPr>
+            <a:r>
+              <a:rPr lang="es-ES" sz="1600" dirty="0"/>
+              <a:t>Vemos que la prueba “</a:t>
+            </a:r>
+            <a:r>
+              <a:rPr lang="es-ES" sz="1600" dirty="0" err="1"/>
+              <a:t>Button</a:t>
+            </a:r>
+            <a:r>
+              <a:rPr lang="es-ES" sz="1600" dirty="0"/>
+              <a:t> </a:t>
+            </a:r>
+            <a:r>
+              <a:rPr lang="es-ES" sz="1600" dirty="0" err="1"/>
+              <a:t>is</a:t>
+            </a:r>
+            <a:r>
+              <a:rPr lang="es-ES" sz="1600" dirty="0"/>
+              <a:t> </a:t>
+            </a:r>
+            <a:r>
+              <a:rPr lang="es-ES" sz="1600" dirty="0" err="1"/>
+              <a:t>disabled</a:t>
+            </a:r>
+            <a:r>
+              <a:rPr lang="es-ES" sz="1600" dirty="0"/>
+              <a:t> </a:t>
+            </a:r>
+            <a:r>
+              <a:rPr lang="es-ES" sz="1600" dirty="0" err="1"/>
+              <a:t>when</a:t>
+            </a:r>
+            <a:r>
+              <a:rPr lang="es-ES" sz="1600" dirty="0"/>
+              <a:t> input </a:t>
+            </a:r>
+            <a:r>
+              <a:rPr lang="es-ES" sz="1600" dirty="0" err="1"/>
+              <a:t>is</a:t>
+            </a:r>
+            <a:r>
+              <a:rPr lang="es-ES" sz="1600" dirty="0"/>
+              <a:t> </a:t>
+            </a:r>
+            <a:r>
+              <a:rPr lang="es-ES" sz="1600" dirty="0" err="1"/>
+              <a:t>empty</a:t>
+            </a:r>
+            <a:r>
+              <a:rPr lang="es-ES" sz="1600" dirty="0"/>
+              <a:t>” pasó correctamente y ya no devuelve un error, por lo tanto, el test suite y sus 10 pruebas pasan el test. </a:t>
+            </a:r>
+          </a:p>
+          <a:p>
+            <a:endParaRPr lang="es-ES" dirty="0"/>
+          </a:p>
+        </p:txBody>
+      </p:sp>
+      <p:sp>
+        <p:nvSpPr>
+          <p:cNvPr id="4" name="Marcador de número de diapositiva 3"/>
+          <p:cNvSpPr>
+            <a:spLocks noGrp="1"/>
+          </p:cNvSpPr>
+          <p:nvPr>
+            <p:ph type="sldNum" sz="quarter" idx="10"/>
+          </p:nvPr>
+        </p:nvSpPr>
+        <p:spPr/>
+        <p:txBody>
+          <a:bodyPr/>
+          <a:lstStyle/>
+          <a:p>
+            <a:fld id="{3EBA5BD7-F043-4D1B-AA17-CD412FC534DE}" type="slidenum">
+              <a:rPr lang="es-ES" noProof="0" smtClean="0"/>
+              <a:pPr/>
+              <a:t>19</a:t>
+            </a:fld>
+            <a:endParaRPr lang="es-ES" noProof="0" dirty="0"/>
+          </a:p>
+        </p:txBody>
+      </p:sp>
+    </p:spTree>
+    <p:extLst>
+      <p:ext uri="{BB962C8B-B14F-4D97-AF65-F5344CB8AC3E}">
+        <p14:creationId xmlns:p14="http://schemas.microsoft.com/office/powerpoint/2010/main" val="663388844"/>
+      </p:ext>
+    </p:extLst>
+  </p:cSld>
+  <p:clrMapOvr>
+    <a:masterClrMapping/>
+  </p:clrMapOvr>
+</p:notes>
+</file>
+
+<file path=ppt/notesSlides/notesSlide18.xml><?xml version="1.0" encoding="utf-8"?>
+<p:notes xmlns:a="http://schemas.openxmlformats.org/drawingml/2006/main" xmlns:r="http://schemas.openxmlformats.org/officeDocument/2006/relationships" xmlns:p="http://schemas.openxmlformats.org/presentationml/2006/main">
+  <p:cSld>
+    <p:spTree>
+      <p:nvGrpSpPr>
+        <p:cNvPr id="1" name=""/>
+        <p:cNvGrpSpPr/>
+        <p:nvPr/>
+      </p:nvGrpSpPr>
+      <p:grpSpPr>
+        <a:xfrm>
+          <a:off x="0" y="0"/>
+          <a:ext cx="0" cy="0"/>
+          <a:chOff x="0" y="0"/>
+          <a:chExt cx="0" cy="0"/>
+        </a:xfrm>
+      </p:grpSpPr>
+      <p:sp>
+        <p:nvSpPr>
+          <p:cNvPr id="2" name="Marcador de imagen de diapositiva 1"/>
+          <p:cNvSpPr>
+            <a:spLocks noGrp="1" noRot="1" noChangeAspect="1"/>
+          </p:cNvSpPr>
+          <p:nvPr>
+            <p:ph type="sldImg"/>
+          </p:nvPr>
+        </p:nvSpPr>
+        <p:spPr/>
+      </p:sp>
+      <p:sp>
+        <p:nvSpPr>
+          <p:cNvPr id="3" name="Marcador de notas 2"/>
+          <p:cNvSpPr>
+            <a:spLocks noGrp="1"/>
+          </p:cNvSpPr>
+          <p:nvPr>
+            <p:ph type="body" idx="1"/>
+          </p:nvPr>
+        </p:nvSpPr>
+        <p:spPr/>
+        <p:txBody>
+          <a:bodyPr/>
+          <a:lstStyle/>
+          <a:p>
             <a:endParaRPr lang="es-ES" dirty="0"/>
           </a:p>
         </p:txBody>
@@ -1207,7 +1656,7 @@
 </p:notes>
 </file>
 
-<file path=ppt/notesSlides/notesSlide14.xml><?xml version="1.0" encoding="utf-8"?>
+<file path=ppt/notesSlides/notesSlide19.xml><?xml version="1.0" encoding="utf-8"?>
 <p:notes xmlns:a="http://schemas.openxmlformats.org/drawingml/2006/main" xmlns:r="http://schemas.openxmlformats.org/officeDocument/2006/relationships" xmlns:p="http://schemas.openxmlformats.org/presentationml/2006/main">
   <p:cSld>
     <p:spTree>
@@ -1933,15 +2382,7 @@
           <a:p>
             <a:r>
               <a:rPr lang="es-ES" dirty="0"/>
-              <a:t>Recordar </a:t>
-            </a:r>
-            <a:r>
-              <a:rPr lang="es-ES" dirty="0" err="1"/>
-              <a:t>Testing</a:t>
-            </a:r>
-            <a:r>
-              <a:rPr lang="es-ES" dirty="0"/>
-              <a:t> Library.</a:t>
+              <a:t>Recordar Testing Library.</a:t>
             </a:r>
           </a:p>
           <a:p>
@@ -1956,10 +2397,9 @@
               <a:buChar char="•"/>
             </a:pPr>
             <a:r>
-              <a:rPr lang="es-ES" dirty="0" err="1"/>
+              <a:rPr lang="es-ES" dirty="0"/>
               <a:t>Jest</a:t>
             </a:r>
-            <a:endParaRPr lang="es-ES" dirty="0"/>
           </a:p>
           <a:p>
             <a:pPr marL="285750" indent="-285750">
@@ -3151,7 +3591,7 @@
             <a:fld id="{A042E67D-14C0-4ED9-A218-9C14494A6A84}" type="datetime1">
               <a:rPr lang="es-ES" noProof="0" smtClean="0"/>
               <a:pPr/>
-              <a:t>02/10/2024</a:t>
+              <a:t>03/10/2024</a:t>
             </a:fld>
             <a:endParaRPr lang="es-ES" noProof="0" dirty="0"/>
           </a:p>
@@ -3361,7 +3801,7 @@
             <a:fld id="{40A1DB83-C382-4684-8887-65A03EA4FFF0}" type="datetime1">
               <a:rPr lang="es-ES" noProof="0" smtClean="0"/>
               <a:pPr/>
-              <a:t>02/10/2024</a:t>
+              <a:t>03/10/2024</a:t>
             </a:fld>
             <a:endParaRPr lang="es-ES" noProof="0" dirty="0"/>
           </a:p>
@@ -3577,7 +4017,7 @@
             <a:fld id="{C60E81D3-9B82-44CA-B1F9-FCEFDC87935B}" type="datetime1">
               <a:rPr lang="es-ES" noProof="0" smtClean="0"/>
               <a:pPr/>
-              <a:t>02/10/2024</a:t>
+              <a:t>03/10/2024</a:t>
             </a:fld>
             <a:endParaRPr lang="es-ES" noProof="0" dirty="0"/>
           </a:p>
@@ -3783,7 +4223,7 @@
             <a:fld id="{82E48AAE-5AE8-418A-A225-B506C222F2F9}" type="datetime1">
               <a:rPr lang="es-ES" noProof="0" smtClean="0"/>
               <a:pPr/>
-              <a:t>02/10/2024</a:t>
+              <a:t>03/10/2024</a:t>
             </a:fld>
             <a:endParaRPr lang="es-ES" noProof="0" dirty="0"/>
           </a:p>
@@ -4223,7 +4663,7 @@
             <a:fld id="{AA1D35CA-82F5-4AD4-B9EC-66E805B73542}" type="datetime1">
               <a:rPr lang="es-ES" noProof="0" smtClean="0"/>
               <a:pPr/>
-              <a:t>02/10/2024</a:t>
+              <a:t>03/10/2024</a:t>
             </a:fld>
             <a:endParaRPr lang="es-ES" noProof="0" dirty="0"/>
           </a:p>
@@ -4535,7 +4975,7 @@
             <a:fld id="{834CCE92-710B-4678-B1B1-EFCAA5CDF075}" type="datetime1">
               <a:rPr lang="es-ES" noProof="0" smtClean="0"/>
               <a:pPr/>
-              <a:t>02/10/2024</a:t>
+              <a:t>03/10/2024</a:t>
             </a:fld>
             <a:endParaRPr lang="es-ES" noProof="0" dirty="0"/>
           </a:p>
@@ -4999,7 +5439,7 @@
             <a:fld id="{83FB0F2C-25D9-4D7E-B43A-29A2E16C960D}" type="datetime1">
               <a:rPr lang="es-ES" noProof="0" smtClean="0"/>
               <a:pPr/>
-              <a:t>02/10/2024</a:t>
+              <a:t>03/10/2024</a:t>
             </a:fld>
             <a:endParaRPr lang="es-ES" noProof="0" dirty="0"/>
           </a:p>
@@ -5137,7 +5577,7 @@
             <a:fld id="{FD34687D-B11B-47A5-95F6-B79DA932A6DF}" type="datetime1">
               <a:rPr lang="es-ES" noProof="0" smtClean="0"/>
               <a:pPr/>
-              <a:t>02/10/2024</a:t>
+              <a:t>03/10/2024</a:t>
             </a:fld>
             <a:endParaRPr lang="es-ES" noProof="0" dirty="0"/>
           </a:p>
@@ -5251,7 +5691,7 @@
             <a:fld id="{93C656DE-1E46-4450-9484-A739B4FADFBC}" type="datetime1">
               <a:rPr lang="es-ES" noProof="0" smtClean="0"/>
               <a:pPr/>
-              <a:t>02/10/2024</a:t>
+              <a:t>03/10/2024</a:t>
             </a:fld>
             <a:endParaRPr lang="es-ES" noProof="0" dirty="0"/>
           </a:p>
@@ -5558,7 +5998,7 @@
             <a:fld id="{EEA77F8B-D469-4ECD-B91E-3B01AD692331}" type="datetime1">
               <a:rPr lang="es-ES" noProof="0" smtClean="0"/>
               <a:pPr/>
-              <a:t>02/10/2024</a:t>
+              <a:t>03/10/2024</a:t>
             </a:fld>
             <a:endParaRPr lang="es-ES" noProof="0" dirty="0"/>
           </a:p>
@@ -5854,7 +6294,7 @@
             <a:fld id="{49BA7B1C-709E-4257-93A5-EC2F0807D42F}" type="datetime1">
               <a:rPr lang="es-ES" noProof="0" smtClean="0"/>
               <a:pPr/>
-              <a:t>02/10/2024</a:t>
+              <a:t>03/10/2024</a:t>
             </a:fld>
             <a:endParaRPr lang="es-ES" noProof="0" dirty="0"/>
           </a:p>
@@ -6478,7 +6918,7 @@
             <a:fld id="{35C83AD5-F5AF-4BDC-901E-85A05CCFFAAA}" type="datetime1">
               <a:rPr lang="es-ES" noProof="0" smtClean="0"/>
               <a:pPr/>
-              <a:t>02/10/2024</a:t>
+              <a:t>03/10/2024</a:t>
             </a:fld>
             <a:endParaRPr lang="es-ES" noProof="0" dirty="0"/>
           </a:p>
@@ -7186,21 +7626,7 @@
                 <a:effectLst/>
                 <a:latin typeface="inherit"/>
               </a:rPr>
-              <a:t>Pruebas con integración de herramientas como </a:t>
-            </a:r>
-            <a:r>
-              <a:rPr lang="es-ES" b="0" i="0" dirty="0" err="1">
-                <a:effectLst/>
-                <a:latin typeface="inherit"/>
-              </a:rPr>
-              <a:t>Jest</a:t>
-            </a:r>
-            <a:r>
-              <a:rPr lang="es-ES" b="0" i="0" dirty="0">
-                <a:effectLst/>
-                <a:latin typeface="inherit"/>
-              </a:rPr>
-              <a:t>.</a:t>
+              <a:t>Pruebas con integración de herramientas como Jest.</a:t>
             </a:r>
           </a:p>
         </p:txBody>
@@ -7278,15 +7704,7 @@
             <a:pPr algn="ctr"/>
             <a:r>
               <a:rPr lang="es-ES" sz="5400" dirty="0"/>
-              <a:t>Pasos que realiza </a:t>
-            </a:r>
-            <a:r>
-              <a:rPr lang="es-ES" sz="5400" dirty="0" err="1"/>
-              <a:t>Testing</a:t>
-            </a:r>
-            <a:r>
-              <a:rPr lang="es-ES" sz="5400" dirty="0"/>
-              <a:t> Library </a:t>
+              <a:t>Pasos que realiza Testing Library </a:t>
             </a:r>
             <a:endParaRPr lang="es-AR" sz="5400" dirty="0"/>
           </a:p>
@@ -7651,7 +8069,7 @@
           <p:nvPr/>
         </p:nvPicPr>
         <p:blipFill>
-          <a:blip r:embed="rId2"/>
+          <a:blip r:embed="rId3"/>
           <a:stretch>
             <a:fillRect/>
           </a:stretch>
@@ -8079,7 +8497,7 @@
           <p:nvPr/>
         </p:nvPicPr>
         <p:blipFill>
-          <a:blip r:embed="rId2">
+          <a:blip r:embed="rId3">
             <a:extLst>
               <a:ext uri="{28A0092B-C50C-407E-A947-70E740481C1C}">
                 <a14:useLocalDpi xmlns:a14="http://schemas.microsoft.com/office/drawing/2010/main" val="0"/>
@@ -8524,7 +8942,7 @@
           <p:nvPr/>
         </p:nvPicPr>
         <p:blipFill>
-          <a:blip r:embed="rId2">
+          <a:blip r:embed="rId3">
             <a:extLst>
               <a:ext uri="{28A0092B-C50C-407E-A947-70E740481C1C}">
                 <a14:useLocalDpi xmlns:a14="http://schemas.microsoft.com/office/drawing/2010/main" val="0"/>
@@ -9230,7 +9648,7 @@
           <p:nvPr/>
         </p:nvPicPr>
         <p:blipFill>
-          <a:blip r:embed="rId2">
+          <a:blip r:embed="rId3">
             <a:extLst>
               <a:ext uri="{28A0092B-C50C-407E-A947-70E740481C1C}">
                 <a14:useLocalDpi xmlns:a14="http://schemas.microsoft.com/office/drawing/2010/main" val="0"/>
@@ -9757,7 +10175,7 @@
           <p:nvPr/>
         </p:nvPicPr>
         <p:blipFill>
-          <a:blip r:embed="rId2">
+          <a:blip r:embed="rId3">
             <a:extLst>
               <a:ext uri="{28A0092B-C50C-407E-A947-70E740481C1C}">
                 <a14:useLocalDpi xmlns:a14="http://schemas.microsoft.com/office/drawing/2010/main" val="0"/>
@@ -10227,23 +10645,7 @@
                 <a:ea typeface="+mj-ea"/>
                 <a:cs typeface="+mj-cs"/>
               </a:rPr>
-              <a:t>¿Qué es </a:t>
-            </a:r>
-            <a:r>
-              <a:rPr lang="es-ES" kern="1200" dirty="0" err="1">
-                <a:latin typeface="+mj-lt"/>
-                <a:ea typeface="+mj-ea"/>
-                <a:cs typeface="+mj-cs"/>
-              </a:rPr>
-              <a:t>Testing</a:t>
-            </a:r>
-            <a:r>
-              <a:rPr lang="es-ES" kern="1200" dirty="0">
-                <a:latin typeface="+mj-lt"/>
-                <a:ea typeface="+mj-ea"/>
-                <a:cs typeface="+mj-cs"/>
-              </a:rPr>
-              <a:t> Library?</a:t>
+              <a:t>¿Qué es Testing Library?</a:t>
             </a:r>
           </a:p>
         </p:txBody>
@@ -11263,10 +11665,9 @@
           <a:lstStyle/>
           <a:p>
             <a:r>
-              <a:rPr lang="es-AR" dirty="0" err="1"/>
+              <a:rPr lang="es-AR" dirty="0"/>
               <a:t>Jest</a:t>
             </a:r>
-            <a:endParaRPr lang="es-AR" dirty="0"/>
           </a:p>
         </p:txBody>
       </p:sp>
@@ -11357,32 +11758,11 @@
               <a:buChar char="•"/>
             </a:pPr>
             <a:r>
-              <a:rPr lang="es-ES" b="0" i="0" dirty="0" err="1">
-                <a:effectLst/>
-                <a:latin typeface="inherit"/>
-              </a:rPr>
-              <a:t>Testing</a:t>
-            </a:r>
-            <a:r>
               <a:rPr lang="es-ES" b="0" i="0" dirty="0">
                 <a:effectLst/>
                 <a:latin typeface="inherit"/>
               </a:rPr>
-              <a:t> Library utiliza </a:t>
-            </a:r>
-            <a:r>
-              <a:rPr lang="es-ES" b="0" i="0" dirty="0" err="1">
-                <a:effectLst/>
-                <a:latin typeface="inherit"/>
-              </a:rPr>
-              <a:t>Jest</a:t>
-            </a:r>
-            <a:r>
-              <a:rPr lang="es-ES" b="0" i="0" dirty="0">
-                <a:effectLst/>
-                <a:latin typeface="inherit"/>
-              </a:rPr>
-              <a:t> como herramienta de aserción.</a:t>
+              <a:t>Testing Library utiliza Jest como herramienta de aserción.</a:t>
             </a:r>
           </a:p>
         </p:txBody>
@@ -11515,21 +11895,7 @@
                 <a:effectLst/>
                 <a:latin typeface="inherit"/>
               </a:rPr>
-              <a:t>Similar a </a:t>
-            </a:r>
-            <a:r>
-              <a:rPr lang="es-ES" b="0" i="0" dirty="0" err="1">
-                <a:effectLst/>
-                <a:latin typeface="inherit"/>
-              </a:rPr>
-              <a:t>Jest</a:t>
-            </a:r>
-            <a:r>
-              <a:rPr lang="es-ES" b="0" i="0" dirty="0">
-                <a:effectLst/>
-                <a:latin typeface="inherit"/>
-              </a:rPr>
-              <a:t>, pero más orientado a la velocidad en proyectos que usan Vite.</a:t>
+              <a:t>Similar a Jest, pero más orientado a la velocidad en proyectos que usan Vite.</a:t>
             </a:r>
           </a:p>
           <a:p>
@@ -11739,18 +12105,11 @@
               <a:buChar char="•"/>
             </a:pPr>
             <a:r>
-              <a:rPr lang="es-ES" b="0" i="0" dirty="0" err="1">
-                <a:effectLst/>
-                <a:latin typeface="inherit"/>
-              </a:rPr>
-              <a:t>Testing</a:t>
-            </a:r>
-            <a:r>
               <a:rPr lang="es-ES" b="0" i="0" dirty="0">
                 <a:effectLst/>
                 <a:latin typeface="inherit"/>
               </a:rPr>
-              <a:t> Library puede ser usada con Mocha para validar interacciones de la UI.</a:t>
+              <a:t>Testing Library puede ser usada con Mocha para validar interacciones de la UI.</a:t>
             </a:r>
           </a:p>
         </p:txBody>
@@ -11943,21 +12302,7 @@
                 <a:effectLst/>
                 <a:latin typeface="inherit"/>
               </a:rPr>
-              <a:t>, complementando </a:t>
-            </a:r>
-            <a:r>
-              <a:rPr lang="es-ES" b="0" i="0" dirty="0" err="1">
-                <a:effectLst/>
-                <a:latin typeface="inherit"/>
-              </a:rPr>
-              <a:t>Testing</a:t>
-            </a:r>
-            <a:r>
-              <a:rPr lang="es-ES" b="0" i="0" dirty="0">
-                <a:effectLst/>
-                <a:latin typeface="inherit"/>
-              </a:rPr>
-              <a:t> Library para pruebas de UI.</a:t>
+              <a:t>, complementando Testing Library para pruebas de UI.</a:t>
             </a:r>
           </a:p>
         </p:txBody>
@@ -12938,15 +13283,6 @@
 </file>
 
 <file path=customXml/item1.xml><?xml version="1.0" encoding="utf-8"?>
-<?mso-contentType ?>
-<FormTemplates xmlns="http://schemas.microsoft.com/sharepoint/v3/contenttype/forms">
-  <Display>DocumentLibraryForm</Display>
-  <Edit>AssetEditForm</Edit>
-  <New>DocumentLibraryForm</New>
-</FormTemplates>
-</file>
-
-<file path=customXml/item2.xml><?xml version="1.0" encoding="utf-8"?>
 <p:properties xmlns:p="http://schemas.microsoft.com/office/2006/metadata/properties" xmlns:xsi="http://www.w3.org/2001/XMLSchema-instance" xmlns:pc="http://schemas.microsoft.com/office/infopath/2007/PartnerControls">
   <documentManagement>
     <LocPublishedLinkedAssetsLookup xmlns="4873beb7-5857-4685-be1f-d57550cc96cc" xsi:nil="true"/>
@@ -13080,6 +13416,15 @@
     <LocMarketGroupTiers2 xmlns="4873beb7-5857-4685-be1f-d57550cc96cc" xsi:nil="true"/>
   </documentManagement>
 </p:properties>
+</file>
+
+<file path=customXml/item2.xml><?xml version="1.0" encoding="utf-8"?>
+<?mso-contentType ?>
+<FormTemplates xmlns="http://schemas.microsoft.com/sharepoint/v3/contenttype/forms">
+  <Display>DocumentLibraryForm</Display>
+  <Edit>AssetEditForm</Edit>
+  <New>DocumentLibraryForm</New>
+</FormTemplates>
 </file>
 
 <file path=customXml/item3.xml><?xml version="1.0" encoding="utf-8"?>
@@ -14123,14 +14468,6 @@
 </file>
 
 <file path=customXml/itemProps1.xml><?xml version="1.0" encoding="utf-8"?>
-<ds:datastoreItem xmlns:ds="http://schemas.openxmlformats.org/officeDocument/2006/customXml" ds:itemID="{3836F65B-1B07-41EE-A0E8-BC6EF3855225}">
-  <ds:schemaRefs>
-    <ds:schemaRef ds:uri="http://schemas.microsoft.com/sharepoint/v3/contenttype/forms"/>
-  </ds:schemaRefs>
-</ds:datastoreItem>
-</file>
-
-<file path=customXml/itemProps2.xml><?xml version="1.0" encoding="utf-8"?>
 <ds:datastoreItem xmlns:ds="http://schemas.openxmlformats.org/officeDocument/2006/customXml" ds:itemID="{60C67BEE-D13F-4BD2-98A5-34D8A0977F68}">
   <ds:schemaRefs>
     <ds:schemaRef ds:uri="4873beb7-5857-4685-be1f-d57550cc96cc"/>
@@ -14142,6 +14479,14 @@
     <ds:schemaRef ds:uri="http://schemas.microsoft.com/office/infopath/2007/PartnerControls"/>
     <ds:schemaRef ds:uri="http://www.w3.org/XML/1998/namespace"/>
     <ds:schemaRef ds:uri="http://purl.org/dc/dcmitype/"/>
+  </ds:schemaRefs>
+</ds:datastoreItem>
+</file>
+
+<file path=customXml/itemProps2.xml><?xml version="1.0" encoding="utf-8"?>
+<ds:datastoreItem xmlns:ds="http://schemas.openxmlformats.org/officeDocument/2006/customXml" ds:itemID="{3836F65B-1B07-41EE-A0E8-BC6EF3855225}">
+  <ds:schemaRefs>
+    <ds:schemaRef ds:uri="http://schemas.microsoft.com/sharepoint/v3/contenttype/forms"/>
   </ds:schemaRefs>
 </ds:datastoreItem>
 </file>

--- a/App POC/Documentacion/TestingLibrary-Presentacion.pptx
+++ b/App POC/Documentacion/TestingLibrary-Presentacion.pptx
@@ -1786,8 +1786,41 @@
                 <a:ea typeface="Calibri" panose="020F0502020204030204" pitchFamily="34" charset="0"/>
                 <a:cs typeface="Times New Roman" panose="02020603050405020304" pitchFamily="18" charset="0"/>
               </a:rPr>
-              <a:t>Cada una de estas tecnologías cumple un rol importante en el ecosistema de pruebas, no se puede decir que una tecnología es mejor que las demás sino que cada una tiene un enfoque y propósito específico, complementándose entre sí, y la elección entre ellas depende del tipo de pruebas y del entorno de desarrollo de cada proyecto.</a:t>
-            </a:r>
+              <a:t>Con las comparaciones no se quiere llegar a decir qué herramienta es mejor a la hora de testear una aplicación, sino que se busca dejar en claro que todas estas herramientas mencionadas son complementarias entre sí. Lo único que podría llevar a elegir una en vez de otra es teniendo en consideración para qué </a:t>
+            </a:r>
+            <a:r>
+              <a:rPr lang="es-AR" sz="1800" dirty="0" err="1">
+                <a:effectLst/>
+                <a:latin typeface="Arial" panose="020B0604020202020204" pitchFamily="34" charset="0"/>
+                <a:ea typeface="Calibri" panose="020F0502020204030204" pitchFamily="34" charset="0"/>
+                <a:cs typeface="Times New Roman" panose="02020603050405020304" pitchFamily="18" charset="0"/>
+              </a:rPr>
+              <a:t>framework</a:t>
+            </a:r>
+            <a:r>
+              <a:rPr lang="es-AR" sz="1800" dirty="0">
+                <a:effectLst/>
+                <a:latin typeface="Arial" panose="020B0604020202020204" pitchFamily="34" charset="0"/>
+                <a:ea typeface="Calibri" panose="020F0502020204030204" pitchFamily="34" charset="0"/>
+                <a:cs typeface="Times New Roman" panose="02020603050405020304" pitchFamily="18" charset="0"/>
+              </a:rPr>
+              <a:t> está mejor </a:t>
+            </a:r>
+            <a:r>
+              <a:rPr lang="es-AR" sz="1800">
+                <a:effectLst/>
+                <a:latin typeface="Arial" panose="020B0604020202020204" pitchFamily="34" charset="0"/>
+                <a:ea typeface="Calibri" panose="020F0502020204030204" pitchFamily="34" charset="0"/>
+                <a:cs typeface="Times New Roman" panose="02020603050405020304" pitchFamily="18" charset="0"/>
+              </a:rPr>
+              <a:t>orientado cada una.</a:t>
+            </a:r>
+            <a:endParaRPr lang="es-AR" sz="1800" dirty="0">
+              <a:effectLst/>
+              <a:latin typeface="Arial" panose="020B0604020202020204" pitchFamily="34" charset="0"/>
+              <a:ea typeface="Calibri" panose="020F0502020204030204" pitchFamily="34" charset="0"/>
+              <a:cs typeface="Times New Roman" panose="02020603050405020304" pitchFamily="18" charset="0"/>
+            </a:endParaRPr>
           </a:p>
           <a:p>
             <a:endParaRPr lang="es-ES" dirty="0"/>
@@ -2617,7 +2650,18 @@
           <a:bodyPr/>
           <a:lstStyle/>
           <a:p>
-            <a:endParaRPr lang="es-ES" dirty="0"/>
+            <a:r>
+              <a:rPr lang="es-ES" dirty="0"/>
+              <a:t>Vite: es una herramienta de desarrollo rápida y moderna para proyectos web que facilita la construcción y el desarrollo de aplicaciones </a:t>
+            </a:r>
+            <a:r>
+              <a:rPr lang="es-ES" dirty="0" err="1"/>
+              <a:t>frontend</a:t>
+            </a:r>
+            <a:r>
+              <a:rPr lang="es-ES" dirty="0"/>
+              <a:t>.</a:t>
+            </a:r>
           </a:p>
         </p:txBody>
       </p:sp>
@@ -2702,7 +2746,52 @@
           <a:bodyPr/>
           <a:lstStyle/>
           <a:p>
+            <a:r>
+              <a:rPr lang="es-ES" dirty="0"/>
+              <a:t>Es flexible porque no tiene muchas dependencias.</a:t>
+            </a:r>
+          </a:p>
+          <a:p>
             <a:endParaRPr lang="es-ES" dirty="0"/>
+          </a:p>
+          <a:p>
+            <a:r>
+              <a:rPr lang="es-ES" dirty="0"/>
+              <a:t>No tiene aserciones o </a:t>
+            </a:r>
+            <a:r>
+              <a:rPr lang="es-ES" dirty="0" err="1"/>
+              <a:t>mocks</a:t>
+            </a:r>
+            <a:r>
+              <a:rPr lang="es-ES" dirty="0"/>
+              <a:t> integrados.</a:t>
+            </a:r>
+          </a:p>
+          <a:p>
+            <a:endParaRPr lang="es-ES" dirty="0"/>
+          </a:p>
+          <a:p>
+            <a:r>
+              <a:rPr lang="es-ES" dirty="0"/>
+              <a:t>Es complementaria a </a:t>
+            </a:r>
+            <a:r>
+              <a:rPr lang="es-ES" dirty="0" err="1"/>
+              <a:t>Testing</a:t>
+            </a:r>
+            <a:r>
+              <a:rPr lang="es-ES" dirty="0"/>
+              <a:t> Library. Mocha simplemente ejecuta las pruebas, mientras que </a:t>
+            </a:r>
+            <a:r>
+              <a:rPr lang="es-ES" dirty="0" err="1"/>
+              <a:t>Testing</a:t>
+            </a:r>
+            <a:r>
+              <a:rPr lang="es-ES" dirty="0"/>
+              <a:t> Library gestiona las interacciones del usuario.</a:t>
+            </a:r>
           </a:p>
         </p:txBody>
       </p:sp>
@@ -2787,7 +2876,71 @@
           <a:bodyPr/>
           <a:lstStyle/>
           <a:p>
+            <a:r>
+              <a:rPr lang="es-ES" dirty="0" err="1"/>
+              <a:t>Mock</a:t>
+            </a:r>
+            <a:r>
+              <a:rPr lang="es-ES" dirty="0"/>
+              <a:t> </a:t>
+            </a:r>
+            <a:r>
+              <a:rPr lang="es-ES" dirty="0" err="1"/>
+              <a:t>Service</a:t>
+            </a:r>
+            <a:r>
+              <a:rPr lang="es-ES" dirty="0"/>
+              <a:t> </a:t>
+            </a:r>
+            <a:r>
+              <a:rPr lang="es-ES" dirty="0" err="1"/>
+              <a:t>Worker</a:t>
+            </a:r>
+            <a:r>
+              <a:rPr lang="es-ES" dirty="0"/>
+              <a:t> (MSW) es utilizado para simular </a:t>
+            </a:r>
+            <a:r>
+              <a:rPr lang="es-ES" dirty="0" err="1"/>
+              <a:t>APIs</a:t>
+            </a:r>
+            <a:r>
+              <a:rPr lang="es-ES" dirty="0"/>
+              <a:t> en pruebas y desarrollo, permitiendo interceptar solicitudes de red y responder con datos </a:t>
+            </a:r>
+            <a:r>
+              <a:rPr lang="es-ES" dirty="0" err="1"/>
+              <a:t>mock</a:t>
+            </a:r>
+            <a:r>
+              <a:rPr lang="es-ES" dirty="0"/>
+              <a:t>, sin necesidad de acceder a servicios reales.</a:t>
+            </a:r>
+          </a:p>
+          <a:p>
             <a:endParaRPr lang="es-ES" dirty="0"/>
+          </a:p>
+          <a:p>
+            <a:r>
+              <a:rPr lang="es-ES" dirty="0"/>
+              <a:t>Datos </a:t>
+            </a:r>
+            <a:r>
+              <a:rPr lang="es-ES" dirty="0" err="1"/>
+              <a:t>mock</a:t>
+            </a:r>
+            <a:r>
+              <a:rPr lang="es-ES" dirty="0"/>
+              <a:t>: son datos falsos o simulados que se crean para probar el comportamiento de una aplicación o sistema sin depender de fuentes de datos reales, como bases de datos o </a:t>
+            </a:r>
+            <a:r>
+              <a:rPr lang="es-ES" dirty="0" err="1"/>
+              <a:t>APIs</a:t>
+            </a:r>
+            <a:r>
+              <a:rPr lang="es-ES" dirty="0"/>
+              <a:t> externas.</a:t>
+            </a:r>
           </a:p>
         </p:txBody>
       </p:sp>
@@ -13283,6 +13436,15 @@
 </file>
 
 <file path=customXml/item1.xml><?xml version="1.0" encoding="utf-8"?>
+<?mso-contentType ?>
+<FormTemplates xmlns="http://schemas.microsoft.com/sharepoint/v3/contenttype/forms">
+  <Display>DocumentLibraryForm</Display>
+  <Edit>AssetEditForm</Edit>
+  <New>DocumentLibraryForm</New>
+</FormTemplates>
+</file>
+
+<file path=customXml/item2.xml><?xml version="1.0" encoding="utf-8"?>
 <p:properties xmlns:p="http://schemas.microsoft.com/office/2006/metadata/properties" xmlns:xsi="http://www.w3.org/2001/XMLSchema-instance" xmlns:pc="http://schemas.microsoft.com/office/infopath/2007/PartnerControls">
   <documentManagement>
     <LocPublishedLinkedAssetsLookup xmlns="4873beb7-5857-4685-be1f-d57550cc96cc" xsi:nil="true"/>
@@ -13416,15 +13578,6 @@
     <LocMarketGroupTiers2 xmlns="4873beb7-5857-4685-be1f-d57550cc96cc" xsi:nil="true"/>
   </documentManagement>
 </p:properties>
-</file>
-
-<file path=customXml/item2.xml><?xml version="1.0" encoding="utf-8"?>
-<?mso-contentType ?>
-<FormTemplates xmlns="http://schemas.microsoft.com/sharepoint/v3/contenttype/forms">
-  <Display>DocumentLibraryForm</Display>
-  <Edit>AssetEditForm</Edit>
-  <New>DocumentLibraryForm</New>
-</FormTemplates>
 </file>
 
 <file path=customXml/item3.xml><?xml version="1.0" encoding="utf-8"?>
@@ -14468,6 +14621,14 @@
 </file>
 
 <file path=customXml/itemProps1.xml><?xml version="1.0" encoding="utf-8"?>
+<ds:datastoreItem xmlns:ds="http://schemas.openxmlformats.org/officeDocument/2006/customXml" ds:itemID="{3836F65B-1B07-41EE-A0E8-BC6EF3855225}">
+  <ds:schemaRefs>
+    <ds:schemaRef ds:uri="http://schemas.microsoft.com/sharepoint/v3/contenttype/forms"/>
+  </ds:schemaRefs>
+</ds:datastoreItem>
+</file>
+
+<file path=customXml/itemProps2.xml><?xml version="1.0" encoding="utf-8"?>
 <ds:datastoreItem xmlns:ds="http://schemas.openxmlformats.org/officeDocument/2006/customXml" ds:itemID="{60C67BEE-D13F-4BD2-98A5-34D8A0977F68}">
   <ds:schemaRefs>
     <ds:schemaRef ds:uri="4873beb7-5857-4685-be1f-d57550cc96cc"/>
@@ -14479,14 +14640,6 @@
     <ds:schemaRef ds:uri="http://schemas.microsoft.com/office/infopath/2007/PartnerControls"/>
     <ds:schemaRef ds:uri="http://www.w3.org/XML/1998/namespace"/>
     <ds:schemaRef ds:uri="http://purl.org/dc/dcmitype/"/>
-  </ds:schemaRefs>
-</ds:datastoreItem>
-</file>
-
-<file path=customXml/itemProps2.xml><?xml version="1.0" encoding="utf-8"?>
-<ds:datastoreItem xmlns:ds="http://schemas.openxmlformats.org/officeDocument/2006/customXml" ds:itemID="{3836F65B-1B07-41EE-A0E8-BC6EF3855225}">
-  <ds:schemaRefs>
-    <ds:schemaRef ds:uri="http://schemas.microsoft.com/sharepoint/v3/contenttype/forms"/>
   </ds:schemaRefs>
 </ds:datastoreItem>
 </file>

--- a/App POC/Documentacion/TestingLibrary-Presentacion.pptx
+++ b/App POC/Documentacion/TestingLibrary-Presentacion.pptx
@@ -248,7 +248,7 @@
             <a:pPr algn="r" rtl="0"/>
             <a:fld id="{C8F1D84B-F747-4821-8617-FBD61E8F4308}" type="datetime1">
               <a:rPr lang="es-ES" smtClean="0"/>
-              <a:t>02/10/2024</a:t>
+              <a:t>03/10/2024</a:t>
             </a:fld>
             <a:endParaRPr lang="es-ES" dirty="0"/>
           </a:p>
@@ -418,7 +418,7 @@
             <a:fld id="{DA87C823-BB9F-45DA-99AB-416A32E1B948}" type="datetime1">
               <a:rPr lang="es-ES" noProof="0" smtClean="0"/>
               <a:pPr/>
-              <a:t>02/10/2024</a:t>
+              <a:t>03/10/2024</a:t>
             </a:fld>
             <a:endParaRPr lang="es-ES" noProof="0" dirty="0"/>
           </a:p>
@@ -1573,99 +1573,41 @@
           <a:p>
             <a:r>
               <a:rPr lang="es-ES" dirty="0"/>
-              <a:t>Ventajas </a:t>
-            </a:r>
-          </a:p>
-          <a:p>
+              <a:t>Parte esencial del desarrollo de software moderno, ya que garantiza que las aplicaciones funcionen de manera correcta, eficiente y segura, son esenciales para los equipos de desarrollo que buscan asegurar la calidad de sus productos y reducir riesgos cuando modifican el código o agregan nuevas funcionalidades.</a:t>
+            </a:r>
+          </a:p>
+          <a:p>
+            <a:endParaRPr lang="es-ES" dirty="0"/>
+          </a:p>
+          <a:p>
+            <a:pPr marL="285750" indent="-285750">
+              <a:buFont typeface="Arial" panose="020B0604020202020204" pitchFamily="34" charset="0"/>
+              <a:buChar char="•"/>
+            </a:pPr>
             <a:r>
               <a:rPr lang="es-ES" dirty="0"/>
-              <a:t>Es decir, como los usuarios interactúan con la aplicación</a:t>
-            </a:r>
-          </a:p>
-          <a:p>
+              <a:t>Pueden identificar y corregir problemas en el código antes de que lleguen a los usuarios finales.</a:t>
+            </a:r>
+          </a:p>
+          <a:p>
+            <a:pPr marL="285750" indent="-285750">
+              <a:buFont typeface="Arial" panose="020B0604020202020204" pitchFamily="34" charset="0"/>
+              <a:buChar char="•"/>
+            </a:pPr>
             <a:r>
               <a:rPr lang="es-ES" dirty="0"/>
-              <a:t>Framework Principal: </a:t>
-            </a:r>
-            <a:r>
-              <a:rPr lang="es-ES" dirty="0" err="1"/>
-              <a:t>React</a:t>
-            </a:r>
+              <a:t>Con una buena suite de pruebas en su lugar, es más fácil realizar cambios en la base de código sin miedo a romper funcionalidades existentes. </a:t>
+            </a:r>
+          </a:p>
+          <a:p>
+            <a:pPr marL="285750" indent="-285750">
+              <a:buFont typeface="Arial" panose="020B0604020202020204" pitchFamily="34" charset="0"/>
+              <a:buChar char="•"/>
+            </a:pPr>
             <a:r>
               <a:rPr lang="es-ES" dirty="0"/>
-              <a:t> ,  también se utiliza en otros como Angular o </a:t>
-            </a:r>
-            <a:r>
-              <a:rPr lang="es-ES" dirty="0" err="1"/>
-              <a:t>Vue</a:t>
-            </a:r>
-            <a:r>
-              <a:rPr lang="es-ES" dirty="0"/>
-              <a:t>.</a:t>
-            </a:r>
-          </a:p>
-          <a:p>
-            <a:r>
-              <a:rPr lang="es-ES" dirty="0"/>
-              <a:t>Ya que prioriza el uso de selectores que reflejan cómo los usuarios interactúan realmente con la aplicación.</a:t>
-            </a:r>
-          </a:p>
-          <a:p>
-            <a:r>
-              <a:rPr lang="es-ES" dirty="0"/>
-              <a:t>Utiliza funciones claras como render, fireEvent, y </a:t>
-            </a:r>
-            <a:r>
-              <a:rPr lang="es-ES" dirty="0" err="1"/>
-              <a:t>screen</a:t>
-            </a:r>
-            <a:endParaRPr lang="es-ES" dirty="0"/>
-          </a:p>
-          <a:p>
-            <a:endParaRPr lang="es-ES" dirty="0"/>
-          </a:p>
-          <a:p>
-            <a:r>
-              <a:rPr lang="es-ES" dirty="0"/>
-              <a:t>Desventajas</a:t>
-            </a:r>
-          </a:p>
-          <a:p>
-            <a:r>
-              <a:rPr lang="es-ES" dirty="0"/>
-              <a:t>Evita pruebas que dependan de la implementación interna es decir, de detalles específicos del DOM</a:t>
-            </a:r>
-          </a:p>
-          <a:p>
-            <a:r>
-              <a:rPr lang="es-ES" dirty="0"/>
-              <a:t>No esta desarrollado para la simulación de eventos más complejos (como interacciones de arrastrar y soltar)</a:t>
-            </a:r>
-          </a:p>
-          <a:p>
-            <a:pPr marL="0" marR="0" lvl="0" indent="0" algn="l" defTabSz="1218987" rtl="0" eaLnBrk="1" fontAlgn="auto" latinLnBrk="0" hangingPunct="1">
-              <a:lnSpc>
-                <a:spcPct val="100000"/>
-              </a:lnSpc>
-              <a:spcBef>
-                <a:spcPts val="0"/>
-              </a:spcBef>
-              <a:spcAft>
-                <a:spcPts val="0"/>
-              </a:spcAft>
-              <a:buClrTx/>
-              <a:buSzTx/>
-              <a:buFontTx/>
-              <a:buNone/>
-              <a:tabLst/>
-              <a:defRPr/>
-            </a:pPr>
-            <a:r>
-              <a:rPr lang="es-ES" dirty="0"/>
-              <a:t>Ya que están enfocadas en simular la interacción del usuario en comparación con otras librerías que prueban directamente la lógica o el DOM.</a:t>
-            </a:r>
-          </a:p>
-          <a:p>
+              <a:t>Al enfocarse en simular interacciones reales de los usuarios, las pruebas automatizadas aseguran que las funcionalidades clave de la aplicación se comporten correctamente</a:t>
+            </a:r>
             <a:endParaRPr lang="es-AR" dirty="0"/>
           </a:p>
         </p:txBody>
@@ -1753,99 +1695,65 @@
           <a:p>
             <a:r>
               <a:rPr lang="es-ES" dirty="0"/>
-              <a:t>Ventajas </a:t>
-            </a:r>
-          </a:p>
-          <a:p>
+              <a:t>La diferencian de otras herramientas de pruebas y la hacen especialmente útil para crear aplicaciones que prioricen la experiencia del usuario. Estos principios están diseñados para guiar a los desarrolladores a escribir pruebas que simulen cómo interactúan los usuarios reales con la aplicación</a:t>
+            </a:r>
+          </a:p>
+          <a:p>
+            <a:pPr marL="285750" indent="-285750">
+              <a:buFont typeface="Arial" panose="020B0604020202020204" pitchFamily="34" charset="0"/>
+              <a:buChar char="•"/>
+            </a:pPr>
+            <a:r>
+              <a:rPr lang="es-AR" dirty="0"/>
+              <a:t>Clics en botones, rellenar formularios o navegar a través de distintos elementos,</a:t>
+            </a:r>
             <a:r>
               <a:rPr lang="es-ES" dirty="0"/>
-              <a:t>Es decir, como los usuarios interactúan con la aplicación</a:t>
-            </a:r>
-          </a:p>
-          <a:p>
+              <a:t> permitiendo detectar problemas que afectan la usabilidad </a:t>
+            </a:r>
+          </a:p>
+          <a:p>
+            <a:pPr marL="285750" indent="-285750">
+              <a:buFont typeface="Arial" panose="020B0604020202020204" pitchFamily="34" charset="0"/>
+              <a:buChar char="•"/>
+            </a:pPr>
             <a:r>
               <a:rPr lang="es-ES" dirty="0"/>
-              <a:t>Framework Principal: </a:t>
+              <a:t>Utilización de selectores accesibles para interactuar con los elementos de la interfaz como `</a:t>
             </a:r>
             <a:r>
               <a:rPr lang="es-ES" dirty="0" err="1"/>
-              <a:t>React</a:t>
+              <a:t>getByRole</a:t>
             </a:r>
             <a:r>
               <a:rPr lang="es-ES" dirty="0"/>
-              <a:t> ,  también se utiliza en otros como Angular o </a:t>
+              <a:t>` o `</a:t>
             </a:r>
             <a:r>
               <a:rPr lang="es-ES" dirty="0" err="1"/>
-              <a:t>Vue</a:t>
-            </a:r>
+              <a:t>getByLabelText</a:t>
+            </a:r>
+            <a:endParaRPr lang="es-ES" dirty="0"/>
+          </a:p>
+          <a:p>
+            <a:pPr marL="285750" indent="-285750">
+              <a:buFont typeface="Arial" panose="020B0604020202020204" pitchFamily="34" charset="0"/>
+              <a:buChar char="•"/>
+            </a:pPr>
             <a:r>
               <a:rPr lang="es-ES" dirty="0"/>
-              <a:t>.</a:t>
-            </a:r>
-          </a:p>
-          <a:p>
+              <a:t>Ya que están diseñadas para representar la interacción humana con la aplicación, cuando el código de la aplicación cambia, es menos probable que las pruebas deban ser reescritas o ajustadas.</a:t>
+            </a:r>
+          </a:p>
+          <a:p>
+            <a:pPr marL="285750" indent="-285750">
+              <a:buFont typeface="Arial" panose="020B0604020202020204" pitchFamily="34" charset="0"/>
+              <a:buChar char="•"/>
+            </a:pPr>
             <a:r>
               <a:rPr lang="es-ES" dirty="0"/>
-              <a:t>Ya que prioriza el uso de selectores que reflejan cómo los usuarios interactúan realmente con la aplicación.</a:t>
-            </a:r>
-          </a:p>
-          <a:p>
-            <a:r>
-              <a:rPr lang="es-ES" dirty="0"/>
-              <a:t>Utiliza funciones claras como render, fireEvent, y </a:t>
-            </a:r>
-            <a:r>
-              <a:rPr lang="es-ES" dirty="0" err="1"/>
-              <a:t>screen</a:t>
-            </a:r>
-            <a:endParaRPr lang="es-ES" dirty="0"/>
-          </a:p>
-          <a:p>
-            <a:endParaRPr lang="es-ES" dirty="0"/>
-          </a:p>
-          <a:p>
-            <a:r>
-              <a:rPr lang="es-ES" dirty="0"/>
-              <a:t>Desventajas</a:t>
-            </a:r>
-          </a:p>
-          <a:p>
-            <a:r>
-              <a:rPr lang="es-ES" dirty="0"/>
-              <a:t>Evita pruebas que dependan de la implementación interna es decir, de detalles específicos del DOM</a:t>
-            </a:r>
-          </a:p>
-          <a:p>
-            <a:r>
-              <a:rPr lang="es-ES" dirty="0"/>
-              <a:t>No esta desarrollado para la simulación de eventos más complejos (como interacciones de arrastrar y soltar)</a:t>
-            </a:r>
-          </a:p>
-          <a:p>
-            <a:pPr marL="0" marR="0" lvl="0" indent="0" algn="l" defTabSz="1218987" rtl="0" eaLnBrk="1" fontAlgn="auto" latinLnBrk="0" hangingPunct="1">
-              <a:lnSpc>
-                <a:spcPct val="100000"/>
-              </a:lnSpc>
-              <a:spcBef>
-                <a:spcPts val="0"/>
-              </a:spcBef>
-              <a:spcAft>
-                <a:spcPts val="0"/>
-              </a:spcAft>
-              <a:buClrTx/>
-              <a:buSzTx/>
-              <a:buFontTx/>
-              <a:buNone/>
-              <a:tabLst/>
-              <a:defRPr/>
-            </a:pPr>
-            <a:r>
-              <a:rPr lang="es-ES" dirty="0"/>
-              <a:t>Ya que están enfocadas en simular la interacción del usuario en comparación con otras librerías que prueban directamente la lógica o el DOM.</a:t>
-            </a:r>
-          </a:p>
-          <a:p>
+              <a:t>No se centra en cómo funciona el código internamente, sino en si el usuario puede completar sus tareas con éxito. </a:t>
+            </a:r>
             <a:endParaRPr lang="es-AR" dirty="0"/>
           </a:p>
         </p:txBody>
@@ -3151,7 +3059,7 @@
             <a:fld id="{A042E67D-14C0-4ED9-A218-9C14494A6A84}" type="datetime1">
               <a:rPr lang="es-ES" noProof="0" smtClean="0"/>
               <a:pPr/>
-              <a:t>02/10/2024</a:t>
+              <a:t>03/10/2024</a:t>
             </a:fld>
             <a:endParaRPr lang="es-ES" noProof="0" dirty="0"/>
           </a:p>
@@ -3361,7 +3269,7 @@
             <a:fld id="{40A1DB83-C382-4684-8887-65A03EA4FFF0}" type="datetime1">
               <a:rPr lang="es-ES" noProof="0" smtClean="0"/>
               <a:pPr/>
-              <a:t>02/10/2024</a:t>
+              <a:t>03/10/2024</a:t>
             </a:fld>
             <a:endParaRPr lang="es-ES" noProof="0" dirty="0"/>
           </a:p>
@@ -3577,7 +3485,7 @@
             <a:fld id="{C60E81D3-9B82-44CA-B1F9-FCEFDC87935B}" type="datetime1">
               <a:rPr lang="es-ES" noProof="0" smtClean="0"/>
               <a:pPr/>
-              <a:t>02/10/2024</a:t>
+              <a:t>03/10/2024</a:t>
             </a:fld>
             <a:endParaRPr lang="es-ES" noProof="0" dirty="0"/>
           </a:p>
@@ -3783,7 +3691,7 @@
             <a:fld id="{82E48AAE-5AE8-418A-A225-B506C222F2F9}" type="datetime1">
               <a:rPr lang="es-ES" noProof="0" smtClean="0"/>
               <a:pPr/>
-              <a:t>02/10/2024</a:t>
+              <a:t>03/10/2024</a:t>
             </a:fld>
             <a:endParaRPr lang="es-ES" noProof="0" dirty="0"/>
           </a:p>
@@ -4223,7 +4131,7 @@
             <a:fld id="{AA1D35CA-82F5-4AD4-B9EC-66E805B73542}" type="datetime1">
               <a:rPr lang="es-ES" noProof="0" smtClean="0"/>
               <a:pPr/>
-              <a:t>02/10/2024</a:t>
+              <a:t>03/10/2024</a:t>
             </a:fld>
             <a:endParaRPr lang="es-ES" noProof="0" dirty="0"/>
           </a:p>
@@ -4535,7 +4443,7 @@
             <a:fld id="{834CCE92-710B-4678-B1B1-EFCAA5CDF075}" type="datetime1">
               <a:rPr lang="es-ES" noProof="0" smtClean="0"/>
               <a:pPr/>
-              <a:t>02/10/2024</a:t>
+              <a:t>03/10/2024</a:t>
             </a:fld>
             <a:endParaRPr lang="es-ES" noProof="0" dirty="0"/>
           </a:p>
@@ -4999,7 +4907,7 @@
             <a:fld id="{83FB0F2C-25D9-4D7E-B43A-29A2E16C960D}" type="datetime1">
               <a:rPr lang="es-ES" noProof="0" smtClean="0"/>
               <a:pPr/>
-              <a:t>02/10/2024</a:t>
+              <a:t>03/10/2024</a:t>
             </a:fld>
             <a:endParaRPr lang="es-ES" noProof="0" dirty="0"/>
           </a:p>
@@ -5137,7 +5045,7 @@
             <a:fld id="{FD34687D-B11B-47A5-95F6-B79DA932A6DF}" type="datetime1">
               <a:rPr lang="es-ES" noProof="0" smtClean="0"/>
               <a:pPr/>
-              <a:t>02/10/2024</a:t>
+              <a:t>03/10/2024</a:t>
             </a:fld>
             <a:endParaRPr lang="es-ES" noProof="0" dirty="0"/>
           </a:p>
@@ -5251,7 +5159,7 @@
             <a:fld id="{93C656DE-1E46-4450-9484-A739B4FADFBC}" type="datetime1">
               <a:rPr lang="es-ES" noProof="0" smtClean="0"/>
               <a:pPr/>
-              <a:t>02/10/2024</a:t>
+              <a:t>03/10/2024</a:t>
             </a:fld>
             <a:endParaRPr lang="es-ES" noProof="0" dirty="0"/>
           </a:p>
@@ -5558,7 +5466,7 @@
             <a:fld id="{EEA77F8B-D469-4ECD-B91E-3B01AD692331}" type="datetime1">
               <a:rPr lang="es-ES" noProof="0" smtClean="0"/>
               <a:pPr/>
-              <a:t>02/10/2024</a:t>
+              <a:t>03/10/2024</a:t>
             </a:fld>
             <a:endParaRPr lang="es-ES" noProof="0" dirty="0"/>
           </a:p>
@@ -5854,7 +5762,7 @@
             <a:fld id="{49BA7B1C-709E-4257-93A5-EC2F0807D42F}" type="datetime1">
               <a:rPr lang="es-ES" noProof="0" smtClean="0"/>
               <a:pPr/>
-              <a:t>02/10/2024</a:t>
+              <a:t>03/10/2024</a:t>
             </a:fld>
             <a:endParaRPr lang="es-ES" noProof="0" dirty="0"/>
           </a:p>
@@ -6478,7 +6386,7 @@
             <a:fld id="{35C83AD5-F5AF-4BDC-901E-85A05CCFFAAA}" type="datetime1">
               <a:rPr lang="es-ES" noProof="0" smtClean="0"/>
               <a:pPr/>
-              <a:t>02/10/2024</a:t>
+              <a:t>03/10/2024</a:t>
             </a:fld>
             <a:endParaRPr lang="es-ES" noProof="0" dirty="0"/>
           </a:p>
@@ -10947,7 +10855,7 @@
         <p:spPr>
           <a:xfrm>
             <a:off x="1218883" y="1701797"/>
-            <a:ext cx="10360501" cy="4462272"/>
+            <a:ext cx="10360501" cy="3095355"/>
           </a:xfrm>
         </p:spPr>
         <p:txBody>
@@ -10964,13 +10872,13 @@
           <a:p>
             <a:r>
               <a:rPr lang="es-AR" dirty="0"/>
-              <a:t>Código más robusto y mantenible.</a:t>
+              <a:t>Permite crear código más robusto y mantenible.</a:t>
             </a:r>
           </a:p>
           <a:p>
             <a:r>
               <a:rPr lang="es-AR" dirty="0"/>
-              <a:t>Experiencia de usuario consistente.</a:t>
+              <a:t>Garantiza una experiencia de usuario consistente.</a:t>
             </a:r>
           </a:p>
         </p:txBody>
@@ -11088,9 +10996,12 @@
           <a:p>
             <a:r>
               <a:rPr lang="es-AR" dirty="0"/>
-              <a:t>Compromiso con la accesibilidad.</a:t>
-            </a:r>
-            <a:endParaRPr lang="es-ES" dirty="0"/>
+              <a:t>Accesibilidad (</a:t>
+            </a:r>
+            <a:r>
+              <a:rPr lang="es-ES" dirty="0"/>
+              <a:t>uso de selectores accesibles para interactuar con los elementos de la interfaz)</a:t>
+            </a:r>
           </a:p>
           <a:p>
             <a:r>
@@ -11101,7 +11012,7 @@
           <a:p>
             <a:r>
               <a:rPr lang="es-ES" dirty="0"/>
-              <a:t>Alineamiento con la filosofía de “No probar los detalles de implementación”.</a:t>
+              <a:t>Promueve la filosofía de “No probar los detalles de implementación”.</a:t>
             </a:r>
             <a:endParaRPr lang="es-AR" dirty="0"/>
           </a:p>
@@ -12947,142 +12858,6 @@
 </file>
 
 <file path=customXml/item2.xml><?xml version="1.0" encoding="utf-8"?>
-<p:properties xmlns:p="http://schemas.microsoft.com/office/2006/metadata/properties" xmlns:xsi="http://www.w3.org/2001/XMLSchema-instance" xmlns:pc="http://schemas.microsoft.com/office/infopath/2007/PartnerControls">
-  <documentManagement>
-    <LocPublishedLinkedAssetsLookup xmlns="4873beb7-5857-4685-be1f-d57550cc96cc" xsi:nil="true"/>
-    <ApprovalStatus xmlns="4873beb7-5857-4685-be1f-d57550cc96cc">InProgress</ApprovalStatus>
-    <MarketSpecific xmlns="4873beb7-5857-4685-be1f-d57550cc96cc">false</MarketSpecific>
-    <LocComments xmlns="4873beb7-5857-4685-be1f-d57550cc96cc" xsi:nil="true"/>
-    <LocLastLocAttemptVersionTypeLookup xmlns="4873beb7-5857-4685-be1f-d57550cc96cc" xsi:nil="true"/>
-    <DirectSourceMarket xmlns="4873beb7-5857-4685-be1f-d57550cc96cc" xsi:nil="true"/>
-    <ThumbnailAssetId xmlns="4873beb7-5857-4685-be1f-d57550cc96cc" xsi:nil="true"/>
-    <PrimaryImageGen xmlns="4873beb7-5857-4685-be1f-d57550cc96cc">false</PrimaryImageGen>
-    <LocNewPublishedVersionLookup xmlns="4873beb7-5857-4685-be1f-d57550cc96cc" xsi:nil="true"/>
-    <LegacyData xmlns="4873beb7-5857-4685-be1f-d57550cc96cc" xsi:nil="true"/>
-    <LocRecommendedHandoff xmlns="4873beb7-5857-4685-be1f-d57550cc96cc" xsi:nil="true"/>
-    <BusinessGroup xmlns="4873beb7-5857-4685-be1f-d57550cc96cc" xsi:nil="true"/>
-    <BlockPublish xmlns="4873beb7-5857-4685-be1f-d57550cc96cc">false</BlockPublish>
-    <TPFriendlyName xmlns="4873beb7-5857-4685-be1f-d57550cc96cc" xsi:nil="true"/>
-    <LocOverallPublishStatusLookup xmlns="4873beb7-5857-4685-be1f-d57550cc96cc" xsi:nil="true"/>
-    <NumericId xmlns="4873beb7-5857-4685-be1f-d57550cc96cc" xsi:nil="true"/>
-    <APEditor xmlns="4873beb7-5857-4685-be1f-d57550cc96cc">
-      <UserInfo>
-        <DisplayName/>
-        <AccountId xsi:nil="true"/>
-        <AccountType/>
-      </UserInfo>
-    </APEditor>
-    <SourceTitle xmlns="4873beb7-5857-4685-be1f-d57550cc96cc" xsi:nil="true"/>
-    <OpenTemplate xmlns="4873beb7-5857-4685-be1f-d57550cc96cc">true</OpenTemplate>
-    <LocOverallLocStatusLookup xmlns="4873beb7-5857-4685-be1f-d57550cc96cc" xsi:nil="true"/>
-    <UALocComments xmlns="4873beb7-5857-4685-be1f-d57550cc96cc" xsi:nil="true"/>
-    <ParentAssetId xmlns="4873beb7-5857-4685-be1f-d57550cc96cc" xsi:nil="true"/>
-    <IntlLangReviewDate xmlns="4873beb7-5857-4685-be1f-d57550cc96cc" xsi:nil="true"/>
-    <FeatureTagsTaxHTField0 xmlns="4873beb7-5857-4685-be1f-d57550cc96cc">
-      <Terms xmlns="http://schemas.microsoft.com/office/infopath/2007/PartnerControls"/>
-    </FeatureTagsTaxHTField0>
-    <PublishStatusLookup xmlns="4873beb7-5857-4685-be1f-d57550cc96cc">
-      <Value>1345093</Value>
-    </PublishStatusLookup>
-    <Providers xmlns="4873beb7-5857-4685-be1f-d57550cc96cc" xsi:nil="true"/>
-    <MachineTranslated xmlns="4873beb7-5857-4685-be1f-d57550cc96cc">false</MachineTranslated>
-    <OriginalSourceMarket xmlns="4873beb7-5857-4685-be1f-d57550cc96cc" xsi:nil="true"/>
-    <APDescription xmlns="4873beb7-5857-4685-be1f-d57550cc96cc">This simple template design works for technology and  businesses, but it's versatile enough to use in other contexts.  It features multiple slide layouts designed for widescreen (16x9 resolution) and includes a sample SmartArt list and chart that are easily editable.</APDescription>
-    <ClipArtFilename xmlns="4873beb7-5857-4685-be1f-d57550cc96cc" xsi:nil="true"/>
-    <ContentItem xmlns="4873beb7-5857-4685-be1f-d57550cc96cc" xsi:nil="true"/>
-    <TPInstallLocation xmlns="4873beb7-5857-4685-be1f-d57550cc96cc" xsi:nil="true"/>
-    <PublishTargets xmlns="4873beb7-5857-4685-be1f-d57550cc96cc">OfficeOnlineVNext</PublishTargets>
-    <TimesCloned xmlns="4873beb7-5857-4685-be1f-d57550cc96cc" xsi:nil="true"/>
-    <AssetStart xmlns="4873beb7-5857-4685-be1f-d57550cc96cc">2011-11-26T00:30:00+00:00</AssetStart>
-    <Provider xmlns="4873beb7-5857-4685-be1f-d57550cc96cc" xsi:nil="true"/>
-    <AcquiredFrom xmlns="4873beb7-5857-4685-be1f-d57550cc96cc">Internal MS</AcquiredFrom>
-    <FriendlyTitle xmlns="4873beb7-5857-4685-be1f-d57550cc96cc" xsi:nil="true"/>
-    <LastHandOff xmlns="4873beb7-5857-4685-be1f-d57550cc96cc" xsi:nil="true"/>
-    <TPClientViewer xmlns="4873beb7-5857-4685-be1f-d57550cc96cc" xsi:nil="true"/>
-    <TemplateStatus xmlns="4873beb7-5857-4685-be1f-d57550cc96cc">Complete</TemplateStatus>
-    <Downloads xmlns="4873beb7-5857-4685-be1f-d57550cc96cc">0</Downloads>
-    <OOCacheId xmlns="4873beb7-5857-4685-be1f-d57550cc96cc" xsi:nil="true"/>
-    <IsDeleted xmlns="4873beb7-5857-4685-be1f-d57550cc96cc">false</IsDeleted>
-    <LocPublishedDependentAssetsLookup xmlns="4873beb7-5857-4685-be1f-d57550cc96cc" xsi:nil="true"/>
-    <TPExecutable xmlns="4873beb7-5857-4685-be1f-d57550cc96cc" xsi:nil="true"/>
-    <EditorialTags xmlns="4873beb7-5857-4685-be1f-d57550cc96cc" xsi:nil="true"/>
-    <SubmitterId xmlns="4873beb7-5857-4685-be1f-d57550cc96cc" xsi:nil="true"/>
-    <ApprovalLog xmlns="4873beb7-5857-4685-be1f-d57550cc96cc" xsi:nil="true"/>
-    <AssetType xmlns="4873beb7-5857-4685-be1f-d57550cc96cc">TP</AssetType>
-    <BugNumber xmlns="4873beb7-5857-4685-be1f-d57550cc96cc" xsi:nil="true"/>
-    <CSXSubmissionDate xmlns="4873beb7-5857-4685-be1f-d57550cc96cc" xsi:nil="true"/>
-    <CSXUpdate xmlns="4873beb7-5857-4685-be1f-d57550cc96cc">false</CSXUpdate>
-    <Milestone xmlns="4873beb7-5857-4685-be1f-d57550cc96cc" xsi:nil="true"/>
-    <RecommendationsModifier xmlns="4873beb7-5857-4685-be1f-d57550cc96cc" xsi:nil="true"/>
-    <OriginAsset xmlns="4873beb7-5857-4685-be1f-d57550cc96cc" xsi:nil="true"/>
-    <TPComponent xmlns="4873beb7-5857-4685-be1f-d57550cc96cc" xsi:nil="true"/>
-    <AssetId xmlns="4873beb7-5857-4685-be1f-d57550cc96cc">TP102787989</AssetId>
-    <IntlLocPriority xmlns="4873beb7-5857-4685-be1f-d57550cc96cc" xsi:nil="true"/>
-    <PolicheckWords xmlns="4873beb7-5857-4685-be1f-d57550cc96cc" xsi:nil="true"/>
-    <TPLaunchHelpLink xmlns="4873beb7-5857-4685-be1f-d57550cc96cc" xsi:nil="true"/>
-    <TPApplication xmlns="4873beb7-5857-4685-be1f-d57550cc96cc" xsi:nil="true"/>
-    <CrawlForDependencies xmlns="4873beb7-5857-4685-be1f-d57550cc96cc">false</CrawlForDependencies>
-    <HandoffToMSDN xmlns="4873beb7-5857-4685-be1f-d57550cc96cc" xsi:nil="true"/>
-    <PlannedPubDate xmlns="4873beb7-5857-4685-be1f-d57550cc96cc" xsi:nil="true"/>
-    <IntlLangReviewer xmlns="4873beb7-5857-4685-be1f-d57550cc96cc" xsi:nil="true"/>
-    <TrustLevel xmlns="4873beb7-5857-4685-be1f-d57550cc96cc">1 Microsoft Managed Content</TrustLevel>
-    <LocLastLocAttemptVersionLookup xmlns="4873beb7-5857-4685-be1f-d57550cc96cc">694266</LocLastLocAttemptVersionLookup>
-    <LocProcessedForHandoffsLookup xmlns="4873beb7-5857-4685-be1f-d57550cc96cc" xsi:nil="true"/>
-    <IsSearchable xmlns="4873beb7-5857-4685-be1f-d57550cc96cc">true</IsSearchable>
-    <TemplateTemplateType xmlns="4873beb7-5857-4685-be1f-d57550cc96cc">PowerPoint Presentation Template</TemplateTemplateType>
-    <CampaignTagsTaxHTField0 xmlns="4873beb7-5857-4685-be1f-d57550cc96cc">
-      <Terms xmlns="http://schemas.microsoft.com/office/infopath/2007/PartnerControls"/>
-    </CampaignTagsTaxHTField0>
-    <TPNamespace xmlns="4873beb7-5857-4685-be1f-d57550cc96cc" xsi:nil="true"/>
-    <LocOverallPreviewStatusLookup xmlns="4873beb7-5857-4685-be1f-d57550cc96cc" xsi:nil="true"/>
-    <TaxCatchAll xmlns="4873beb7-5857-4685-be1f-d57550cc96cc"/>
-    <Markets xmlns="4873beb7-5857-4685-be1f-d57550cc96cc"/>
-    <UAProjectedTotalWords xmlns="4873beb7-5857-4685-be1f-d57550cc96cc" xsi:nil="true"/>
-    <IntlLangReview xmlns="4873beb7-5857-4685-be1f-d57550cc96cc" xsi:nil="true"/>
-    <OutputCachingOn xmlns="4873beb7-5857-4685-be1f-d57550cc96cc">false</OutputCachingOn>
-    <AverageRating xmlns="4873beb7-5857-4685-be1f-d57550cc96cc" xsi:nil="true"/>
-    <APAuthor xmlns="4873beb7-5857-4685-be1f-d57550cc96cc">
-      <UserInfo>
-        <DisplayName>REDMOND\kristaa</DisplayName>
-        <AccountId>136</AccountId>
-        <AccountType/>
-      </UserInfo>
-    </APAuthor>
-    <LocManualTestRequired xmlns="4873beb7-5857-4685-be1f-d57550cc96cc">false</LocManualTestRequired>
-    <TPCommandLine xmlns="4873beb7-5857-4685-be1f-d57550cc96cc" xsi:nil="true"/>
-    <TPAppVersion xmlns="4873beb7-5857-4685-be1f-d57550cc96cc" xsi:nil="true"/>
-    <EditorialStatus xmlns="4873beb7-5857-4685-be1f-d57550cc96cc">Complete</EditorialStatus>
-    <LastModifiedDateTime xmlns="4873beb7-5857-4685-be1f-d57550cc96cc" xsi:nil="true"/>
-    <ScenarioTagsTaxHTField0 xmlns="4873beb7-5857-4685-be1f-d57550cc96cc">
-      <Terms xmlns="http://schemas.microsoft.com/office/infopath/2007/PartnerControls"/>
-    </ScenarioTagsTaxHTField0>
-    <LocProcessedForMarketsLookup xmlns="4873beb7-5857-4685-be1f-d57550cc96cc" xsi:nil="true"/>
-    <TPLaunchHelpLinkType xmlns="4873beb7-5857-4685-be1f-d57550cc96cc">Template</TPLaunchHelpLinkType>
-    <OriginalRelease xmlns="4873beb7-5857-4685-be1f-d57550cc96cc">15</OriginalRelease>
-    <LocalizationTagsTaxHTField0 xmlns="4873beb7-5857-4685-be1f-d57550cc96cc">
-      <Terms xmlns="http://schemas.microsoft.com/office/infopath/2007/PartnerControls"/>
-    </LocalizationTagsTaxHTField0>
-    <UACurrentWords xmlns="4873beb7-5857-4685-be1f-d57550cc96cc" xsi:nil="true"/>
-    <ArtSampleDocs xmlns="4873beb7-5857-4685-be1f-d57550cc96cc" xsi:nil="true"/>
-    <UALocRecommendation xmlns="4873beb7-5857-4685-be1f-d57550cc96cc">Localize</UALocRecommendation>
-    <Manager xmlns="4873beb7-5857-4685-be1f-d57550cc96cc" xsi:nil="true"/>
-    <LocOverallHandbackStatusLookup xmlns="4873beb7-5857-4685-be1f-d57550cc96cc" xsi:nil="true"/>
-    <ShowIn xmlns="4873beb7-5857-4685-be1f-d57550cc96cc">Show everywhere</ShowIn>
-    <UANotes xmlns="4873beb7-5857-4685-be1f-d57550cc96cc" xsi:nil="true"/>
-    <InternalTagsTaxHTField0 xmlns="4873beb7-5857-4685-be1f-d57550cc96cc">
-      <Terms xmlns="http://schemas.microsoft.com/office/infopath/2007/PartnerControls"/>
-    </InternalTagsTaxHTField0>
-    <CSXHash xmlns="4873beb7-5857-4685-be1f-d57550cc96cc" xsi:nil="true"/>
-    <VoteCount xmlns="4873beb7-5857-4685-be1f-d57550cc96cc" xsi:nil="true"/>
-    <AssetExpire xmlns="4873beb7-5857-4685-be1f-d57550cc96cc">2029-05-12T07:00:00+00:00</AssetExpire>
-    <DSATActionTaken xmlns="4873beb7-5857-4685-be1f-d57550cc96cc" xsi:nil="true"/>
-    <CSXSubmissionMarket xmlns="4873beb7-5857-4685-be1f-d57550cc96cc" xsi:nil="true"/>
-    <LocMarketGroupTiers2 xmlns="4873beb7-5857-4685-be1f-d57550cc96cc" xsi:nil="true"/>
-  </documentManagement>
-</p:properties>
-</file>
-
-<file path=customXml/item3.xml><?xml version="1.0" encoding="utf-8"?>
 <ct:contentTypeSchema xmlns:ct="http://schemas.microsoft.com/office/2006/metadata/contentType" xmlns:ma="http://schemas.microsoft.com/office/2006/metadata/properties/metaAttributes" ct:_="" ma:_="" ma:contentTypeName="TemplateFile" ma:contentTypeID="0x0101006EDDDB5EE6D98C44930B742096920B300400F5B6D36B3EF94B4E9A635CDF2A18F5B8" ma:contentTypeVersion="72" ma:contentTypeDescription="Create a new document." ma:contentTypeScope="" ma:versionID="a23e56308344d904b51738559c3d67c9">
   <xsd:schema xmlns:xsd="http://www.w3.org/2001/XMLSchema" xmlns:xs="http://www.w3.org/2001/XMLSchema" xmlns:p="http://schemas.microsoft.com/office/2006/metadata/properties" xmlns:ns2="4873beb7-5857-4685-be1f-d57550cc96cc" targetNamespace="http://schemas.microsoft.com/office/2006/metadata/properties" ma:root="true" ma:fieldsID="cd0908cc4600e77bf5da051303e00c8d" ns2:_="">
     <xsd:import namespace="4873beb7-5857-4685-be1f-d57550cc96cc"/>
@@ -14122,6 +13897,142 @@
 </ct:contentTypeSchema>
 </file>
 
+<file path=customXml/item3.xml><?xml version="1.0" encoding="utf-8"?>
+<p:properties xmlns:p="http://schemas.microsoft.com/office/2006/metadata/properties" xmlns:xsi="http://www.w3.org/2001/XMLSchema-instance" xmlns:pc="http://schemas.microsoft.com/office/infopath/2007/PartnerControls">
+  <documentManagement>
+    <LocPublishedLinkedAssetsLookup xmlns="4873beb7-5857-4685-be1f-d57550cc96cc" xsi:nil="true"/>
+    <ApprovalStatus xmlns="4873beb7-5857-4685-be1f-d57550cc96cc">InProgress</ApprovalStatus>
+    <MarketSpecific xmlns="4873beb7-5857-4685-be1f-d57550cc96cc">false</MarketSpecific>
+    <LocComments xmlns="4873beb7-5857-4685-be1f-d57550cc96cc" xsi:nil="true"/>
+    <LocLastLocAttemptVersionTypeLookup xmlns="4873beb7-5857-4685-be1f-d57550cc96cc" xsi:nil="true"/>
+    <DirectSourceMarket xmlns="4873beb7-5857-4685-be1f-d57550cc96cc" xsi:nil="true"/>
+    <ThumbnailAssetId xmlns="4873beb7-5857-4685-be1f-d57550cc96cc" xsi:nil="true"/>
+    <PrimaryImageGen xmlns="4873beb7-5857-4685-be1f-d57550cc96cc">false</PrimaryImageGen>
+    <LocNewPublishedVersionLookup xmlns="4873beb7-5857-4685-be1f-d57550cc96cc" xsi:nil="true"/>
+    <LegacyData xmlns="4873beb7-5857-4685-be1f-d57550cc96cc" xsi:nil="true"/>
+    <LocRecommendedHandoff xmlns="4873beb7-5857-4685-be1f-d57550cc96cc" xsi:nil="true"/>
+    <BusinessGroup xmlns="4873beb7-5857-4685-be1f-d57550cc96cc" xsi:nil="true"/>
+    <BlockPublish xmlns="4873beb7-5857-4685-be1f-d57550cc96cc">false</BlockPublish>
+    <TPFriendlyName xmlns="4873beb7-5857-4685-be1f-d57550cc96cc" xsi:nil="true"/>
+    <LocOverallPublishStatusLookup xmlns="4873beb7-5857-4685-be1f-d57550cc96cc" xsi:nil="true"/>
+    <NumericId xmlns="4873beb7-5857-4685-be1f-d57550cc96cc" xsi:nil="true"/>
+    <APEditor xmlns="4873beb7-5857-4685-be1f-d57550cc96cc">
+      <UserInfo>
+        <DisplayName/>
+        <AccountId xsi:nil="true"/>
+        <AccountType/>
+      </UserInfo>
+    </APEditor>
+    <SourceTitle xmlns="4873beb7-5857-4685-be1f-d57550cc96cc" xsi:nil="true"/>
+    <OpenTemplate xmlns="4873beb7-5857-4685-be1f-d57550cc96cc">true</OpenTemplate>
+    <LocOverallLocStatusLookup xmlns="4873beb7-5857-4685-be1f-d57550cc96cc" xsi:nil="true"/>
+    <UALocComments xmlns="4873beb7-5857-4685-be1f-d57550cc96cc" xsi:nil="true"/>
+    <ParentAssetId xmlns="4873beb7-5857-4685-be1f-d57550cc96cc" xsi:nil="true"/>
+    <IntlLangReviewDate xmlns="4873beb7-5857-4685-be1f-d57550cc96cc" xsi:nil="true"/>
+    <FeatureTagsTaxHTField0 xmlns="4873beb7-5857-4685-be1f-d57550cc96cc">
+      <Terms xmlns="http://schemas.microsoft.com/office/infopath/2007/PartnerControls"/>
+    </FeatureTagsTaxHTField0>
+    <PublishStatusLookup xmlns="4873beb7-5857-4685-be1f-d57550cc96cc">
+      <Value>1345093</Value>
+    </PublishStatusLookup>
+    <Providers xmlns="4873beb7-5857-4685-be1f-d57550cc96cc" xsi:nil="true"/>
+    <MachineTranslated xmlns="4873beb7-5857-4685-be1f-d57550cc96cc">false</MachineTranslated>
+    <OriginalSourceMarket xmlns="4873beb7-5857-4685-be1f-d57550cc96cc" xsi:nil="true"/>
+    <APDescription xmlns="4873beb7-5857-4685-be1f-d57550cc96cc">This simple template design works for technology and  businesses, but it's versatile enough to use in other contexts.  It features multiple slide layouts designed for widescreen (16x9 resolution) and includes a sample SmartArt list and chart that are easily editable.</APDescription>
+    <ClipArtFilename xmlns="4873beb7-5857-4685-be1f-d57550cc96cc" xsi:nil="true"/>
+    <ContentItem xmlns="4873beb7-5857-4685-be1f-d57550cc96cc" xsi:nil="true"/>
+    <TPInstallLocation xmlns="4873beb7-5857-4685-be1f-d57550cc96cc" xsi:nil="true"/>
+    <PublishTargets xmlns="4873beb7-5857-4685-be1f-d57550cc96cc">OfficeOnlineVNext</PublishTargets>
+    <TimesCloned xmlns="4873beb7-5857-4685-be1f-d57550cc96cc" xsi:nil="true"/>
+    <AssetStart xmlns="4873beb7-5857-4685-be1f-d57550cc96cc">2011-11-26T00:30:00+00:00</AssetStart>
+    <Provider xmlns="4873beb7-5857-4685-be1f-d57550cc96cc" xsi:nil="true"/>
+    <AcquiredFrom xmlns="4873beb7-5857-4685-be1f-d57550cc96cc">Internal MS</AcquiredFrom>
+    <FriendlyTitle xmlns="4873beb7-5857-4685-be1f-d57550cc96cc" xsi:nil="true"/>
+    <LastHandOff xmlns="4873beb7-5857-4685-be1f-d57550cc96cc" xsi:nil="true"/>
+    <TPClientViewer xmlns="4873beb7-5857-4685-be1f-d57550cc96cc" xsi:nil="true"/>
+    <TemplateStatus xmlns="4873beb7-5857-4685-be1f-d57550cc96cc">Complete</TemplateStatus>
+    <Downloads xmlns="4873beb7-5857-4685-be1f-d57550cc96cc">0</Downloads>
+    <OOCacheId xmlns="4873beb7-5857-4685-be1f-d57550cc96cc" xsi:nil="true"/>
+    <IsDeleted xmlns="4873beb7-5857-4685-be1f-d57550cc96cc">false</IsDeleted>
+    <LocPublishedDependentAssetsLookup xmlns="4873beb7-5857-4685-be1f-d57550cc96cc" xsi:nil="true"/>
+    <TPExecutable xmlns="4873beb7-5857-4685-be1f-d57550cc96cc" xsi:nil="true"/>
+    <EditorialTags xmlns="4873beb7-5857-4685-be1f-d57550cc96cc" xsi:nil="true"/>
+    <SubmitterId xmlns="4873beb7-5857-4685-be1f-d57550cc96cc" xsi:nil="true"/>
+    <ApprovalLog xmlns="4873beb7-5857-4685-be1f-d57550cc96cc" xsi:nil="true"/>
+    <AssetType xmlns="4873beb7-5857-4685-be1f-d57550cc96cc">TP</AssetType>
+    <BugNumber xmlns="4873beb7-5857-4685-be1f-d57550cc96cc" xsi:nil="true"/>
+    <CSXSubmissionDate xmlns="4873beb7-5857-4685-be1f-d57550cc96cc" xsi:nil="true"/>
+    <CSXUpdate xmlns="4873beb7-5857-4685-be1f-d57550cc96cc">false</CSXUpdate>
+    <Milestone xmlns="4873beb7-5857-4685-be1f-d57550cc96cc" xsi:nil="true"/>
+    <RecommendationsModifier xmlns="4873beb7-5857-4685-be1f-d57550cc96cc" xsi:nil="true"/>
+    <OriginAsset xmlns="4873beb7-5857-4685-be1f-d57550cc96cc" xsi:nil="true"/>
+    <TPComponent xmlns="4873beb7-5857-4685-be1f-d57550cc96cc" xsi:nil="true"/>
+    <AssetId xmlns="4873beb7-5857-4685-be1f-d57550cc96cc">TP102787989</AssetId>
+    <IntlLocPriority xmlns="4873beb7-5857-4685-be1f-d57550cc96cc" xsi:nil="true"/>
+    <PolicheckWords xmlns="4873beb7-5857-4685-be1f-d57550cc96cc" xsi:nil="true"/>
+    <TPLaunchHelpLink xmlns="4873beb7-5857-4685-be1f-d57550cc96cc" xsi:nil="true"/>
+    <TPApplication xmlns="4873beb7-5857-4685-be1f-d57550cc96cc" xsi:nil="true"/>
+    <CrawlForDependencies xmlns="4873beb7-5857-4685-be1f-d57550cc96cc">false</CrawlForDependencies>
+    <HandoffToMSDN xmlns="4873beb7-5857-4685-be1f-d57550cc96cc" xsi:nil="true"/>
+    <PlannedPubDate xmlns="4873beb7-5857-4685-be1f-d57550cc96cc" xsi:nil="true"/>
+    <IntlLangReviewer xmlns="4873beb7-5857-4685-be1f-d57550cc96cc" xsi:nil="true"/>
+    <TrustLevel xmlns="4873beb7-5857-4685-be1f-d57550cc96cc">1 Microsoft Managed Content</TrustLevel>
+    <LocLastLocAttemptVersionLookup xmlns="4873beb7-5857-4685-be1f-d57550cc96cc">694266</LocLastLocAttemptVersionLookup>
+    <LocProcessedForHandoffsLookup xmlns="4873beb7-5857-4685-be1f-d57550cc96cc" xsi:nil="true"/>
+    <IsSearchable xmlns="4873beb7-5857-4685-be1f-d57550cc96cc">true</IsSearchable>
+    <TemplateTemplateType xmlns="4873beb7-5857-4685-be1f-d57550cc96cc">PowerPoint Presentation Template</TemplateTemplateType>
+    <CampaignTagsTaxHTField0 xmlns="4873beb7-5857-4685-be1f-d57550cc96cc">
+      <Terms xmlns="http://schemas.microsoft.com/office/infopath/2007/PartnerControls"/>
+    </CampaignTagsTaxHTField0>
+    <TPNamespace xmlns="4873beb7-5857-4685-be1f-d57550cc96cc" xsi:nil="true"/>
+    <LocOverallPreviewStatusLookup xmlns="4873beb7-5857-4685-be1f-d57550cc96cc" xsi:nil="true"/>
+    <TaxCatchAll xmlns="4873beb7-5857-4685-be1f-d57550cc96cc"/>
+    <Markets xmlns="4873beb7-5857-4685-be1f-d57550cc96cc"/>
+    <UAProjectedTotalWords xmlns="4873beb7-5857-4685-be1f-d57550cc96cc" xsi:nil="true"/>
+    <IntlLangReview xmlns="4873beb7-5857-4685-be1f-d57550cc96cc" xsi:nil="true"/>
+    <OutputCachingOn xmlns="4873beb7-5857-4685-be1f-d57550cc96cc">false</OutputCachingOn>
+    <AverageRating xmlns="4873beb7-5857-4685-be1f-d57550cc96cc" xsi:nil="true"/>
+    <APAuthor xmlns="4873beb7-5857-4685-be1f-d57550cc96cc">
+      <UserInfo>
+        <DisplayName>REDMOND\kristaa</DisplayName>
+        <AccountId>136</AccountId>
+        <AccountType/>
+      </UserInfo>
+    </APAuthor>
+    <LocManualTestRequired xmlns="4873beb7-5857-4685-be1f-d57550cc96cc">false</LocManualTestRequired>
+    <TPCommandLine xmlns="4873beb7-5857-4685-be1f-d57550cc96cc" xsi:nil="true"/>
+    <TPAppVersion xmlns="4873beb7-5857-4685-be1f-d57550cc96cc" xsi:nil="true"/>
+    <EditorialStatus xmlns="4873beb7-5857-4685-be1f-d57550cc96cc">Complete</EditorialStatus>
+    <LastModifiedDateTime xmlns="4873beb7-5857-4685-be1f-d57550cc96cc" xsi:nil="true"/>
+    <ScenarioTagsTaxHTField0 xmlns="4873beb7-5857-4685-be1f-d57550cc96cc">
+      <Terms xmlns="http://schemas.microsoft.com/office/infopath/2007/PartnerControls"/>
+    </ScenarioTagsTaxHTField0>
+    <LocProcessedForMarketsLookup xmlns="4873beb7-5857-4685-be1f-d57550cc96cc" xsi:nil="true"/>
+    <TPLaunchHelpLinkType xmlns="4873beb7-5857-4685-be1f-d57550cc96cc">Template</TPLaunchHelpLinkType>
+    <OriginalRelease xmlns="4873beb7-5857-4685-be1f-d57550cc96cc">15</OriginalRelease>
+    <LocalizationTagsTaxHTField0 xmlns="4873beb7-5857-4685-be1f-d57550cc96cc">
+      <Terms xmlns="http://schemas.microsoft.com/office/infopath/2007/PartnerControls"/>
+    </LocalizationTagsTaxHTField0>
+    <UACurrentWords xmlns="4873beb7-5857-4685-be1f-d57550cc96cc" xsi:nil="true"/>
+    <ArtSampleDocs xmlns="4873beb7-5857-4685-be1f-d57550cc96cc" xsi:nil="true"/>
+    <UALocRecommendation xmlns="4873beb7-5857-4685-be1f-d57550cc96cc">Localize</UALocRecommendation>
+    <Manager xmlns="4873beb7-5857-4685-be1f-d57550cc96cc" xsi:nil="true"/>
+    <LocOverallHandbackStatusLookup xmlns="4873beb7-5857-4685-be1f-d57550cc96cc" xsi:nil="true"/>
+    <ShowIn xmlns="4873beb7-5857-4685-be1f-d57550cc96cc">Show everywhere</ShowIn>
+    <UANotes xmlns="4873beb7-5857-4685-be1f-d57550cc96cc" xsi:nil="true"/>
+    <InternalTagsTaxHTField0 xmlns="4873beb7-5857-4685-be1f-d57550cc96cc">
+      <Terms xmlns="http://schemas.microsoft.com/office/infopath/2007/PartnerControls"/>
+    </InternalTagsTaxHTField0>
+    <CSXHash xmlns="4873beb7-5857-4685-be1f-d57550cc96cc" xsi:nil="true"/>
+    <VoteCount xmlns="4873beb7-5857-4685-be1f-d57550cc96cc" xsi:nil="true"/>
+    <AssetExpire xmlns="4873beb7-5857-4685-be1f-d57550cc96cc">2029-05-12T07:00:00+00:00</AssetExpire>
+    <DSATActionTaken xmlns="4873beb7-5857-4685-be1f-d57550cc96cc" xsi:nil="true"/>
+    <CSXSubmissionMarket xmlns="4873beb7-5857-4685-be1f-d57550cc96cc" xsi:nil="true"/>
+    <LocMarketGroupTiers2 xmlns="4873beb7-5857-4685-be1f-d57550cc96cc" xsi:nil="true"/>
+  </documentManagement>
+</p:properties>
+</file>
+
 <file path=customXml/itemProps1.xml><?xml version="1.0" encoding="utf-8"?>
 <ds:datastoreItem xmlns:ds="http://schemas.openxmlformats.org/officeDocument/2006/customXml" ds:itemID="{3836F65B-1B07-41EE-A0E8-BC6EF3855225}">
   <ds:schemaRefs>
@@ -14131,22 +14042,6 @@
 </file>
 
 <file path=customXml/itemProps2.xml><?xml version="1.0" encoding="utf-8"?>
-<ds:datastoreItem xmlns:ds="http://schemas.openxmlformats.org/officeDocument/2006/customXml" ds:itemID="{60C67BEE-D13F-4BD2-98A5-34D8A0977F68}">
-  <ds:schemaRefs>
-    <ds:schemaRef ds:uri="4873beb7-5857-4685-be1f-d57550cc96cc"/>
-    <ds:schemaRef ds:uri="http://schemas.openxmlformats.org/package/2006/metadata/core-properties"/>
-    <ds:schemaRef ds:uri="http://purl.org/dc/terms/"/>
-    <ds:schemaRef ds:uri="http://schemas.microsoft.com/office/2006/documentManagement/types"/>
-    <ds:schemaRef ds:uri="http://purl.org/dc/elements/1.1/"/>
-    <ds:schemaRef ds:uri="http://schemas.microsoft.com/office/2006/metadata/properties"/>
-    <ds:schemaRef ds:uri="http://schemas.microsoft.com/office/infopath/2007/PartnerControls"/>
-    <ds:schemaRef ds:uri="http://www.w3.org/XML/1998/namespace"/>
-    <ds:schemaRef ds:uri="http://purl.org/dc/dcmitype/"/>
-  </ds:schemaRefs>
-</ds:datastoreItem>
-</file>
-
-<file path=customXml/itemProps3.xml><?xml version="1.0" encoding="utf-8"?>
 <ds:datastoreItem xmlns:ds="http://schemas.openxmlformats.org/officeDocument/2006/customXml" ds:itemID="{A09BF4D4-EF60-4196-BFC3-9462D607978C}">
   <ds:schemaRefs>
     <ds:schemaRef ds:uri="http://schemas.microsoft.com/office/2006/metadata/contentType"/>
@@ -14162,4 +14057,20 @@
     <ds:schemaRef ds:uri="http://schemas.microsoft.com/internal/obd"/>
   </ds:schemaRefs>
 </ds:datastoreItem>
+</file>
+
+<file path=customXml/itemProps3.xml><?xml version="1.0" encoding="utf-8"?>
+<ds:datastoreItem xmlns:ds="http://schemas.openxmlformats.org/officeDocument/2006/customXml" ds:itemID="{60C67BEE-D13F-4BD2-98A5-34D8A0977F68}">
+  <ds:schemaRefs>
+    <ds:schemaRef ds:uri="4873beb7-5857-4685-be1f-d57550cc96cc"/>
+    <ds:schemaRef ds:uri="http://schemas.openxmlformats.org/package/2006/metadata/core-properties"/>
+    <ds:schemaRef ds:uri="http://purl.org/dc/terms/"/>
+    <ds:schemaRef ds:uri="http://schemas.microsoft.com/office/2006/documentManagement/types"/>
+    <ds:schemaRef ds:uri="http://purl.org/dc/elements/1.1/"/>
+    <ds:schemaRef ds:uri="http://schemas.microsoft.com/office/2006/metadata/properties"/>
+    <ds:schemaRef ds:uri="http://schemas.microsoft.com/office/infopath/2007/PartnerControls"/>
+    <ds:schemaRef ds:uri="http://www.w3.org/XML/1998/namespace"/>
+    <ds:schemaRef ds:uri="http://purl.org/dc/dcmitype/"/>
+  </ds:schemaRefs>
+</ds:datastoreItem>
 </file>
--- a/App POC/Documentacion/TestingLibrary-Presentacion.pptx
+++ b/App POC/Documentacion/TestingLibrary-Presentacion.pptx
@@ -5,10 +5,10 @@
     <p:sldMasterId id="2147483660" r:id="rId4"/>
   </p:sldMasterIdLst>
   <p:notesMasterIdLst>
-    <p:notesMasterId r:id="rId27"/>
+    <p:notesMasterId r:id="rId29"/>
   </p:notesMasterIdLst>
   <p:handoutMasterIdLst>
-    <p:handoutMasterId r:id="rId28"/>
+    <p:handoutMasterId r:id="rId30"/>
   </p:handoutMasterIdLst>
   <p:sldIdLst>
     <p:sldId id="257" r:id="rId5"/>
@@ -17,22 +17,24 @@
     <p:sldId id="288" r:id="rId8"/>
     <p:sldId id="279" r:id="rId9"/>
     <p:sldId id="290" r:id="rId10"/>
-    <p:sldId id="291" r:id="rId11"/>
-    <p:sldId id="292" r:id="rId12"/>
-    <p:sldId id="293" r:id="rId13"/>
-    <p:sldId id="294" r:id="rId14"/>
-    <p:sldId id="273" r:id="rId15"/>
-    <p:sldId id="280" r:id="rId16"/>
-    <p:sldId id="281" r:id="rId17"/>
-    <p:sldId id="286" r:id="rId18"/>
-    <p:sldId id="282" r:id="rId19"/>
-    <p:sldId id="283" r:id="rId20"/>
-    <p:sldId id="261" r:id="rId21"/>
-    <p:sldId id="263" r:id="rId22"/>
-    <p:sldId id="269" r:id="rId23"/>
-    <p:sldId id="271" r:id="rId24"/>
-    <p:sldId id="296" r:id="rId25"/>
-    <p:sldId id="284" r:id="rId26"/>
+    <p:sldId id="297" r:id="rId11"/>
+    <p:sldId id="291" r:id="rId12"/>
+    <p:sldId id="292" r:id="rId13"/>
+    <p:sldId id="293" r:id="rId14"/>
+    <p:sldId id="294" r:id="rId15"/>
+    <p:sldId id="298" r:id="rId16"/>
+    <p:sldId id="273" r:id="rId17"/>
+    <p:sldId id="280" r:id="rId18"/>
+    <p:sldId id="281" r:id="rId19"/>
+    <p:sldId id="286" r:id="rId20"/>
+    <p:sldId id="282" r:id="rId21"/>
+    <p:sldId id="283" r:id="rId22"/>
+    <p:sldId id="261" r:id="rId23"/>
+    <p:sldId id="263" r:id="rId24"/>
+    <p:sldId id="269" r:id="rId25"/>
+    <p:sldId id="271" r:id="rId26"/>
+    <p:sldId id="296" r:id="rId27"/>
+    <p:sldId id="284" r:id="rId28"/>
   </p:sldIdLst>
   <p:sldSz cx="12188825" cy="6858000"/>
   <p:notesSz cx="6858000" cy="9144000"/>
@@ -817,30 +819,26 @@
           <a:bodyPr/>
           <a:lstStyle/>
           <a:p>
-            <a:pPr marL="0" marR="0" lvl="0" indent="0" algn="l" defTabSz="1218987" rtl="0" eaLnBrk="1" fontAlgn="auto" latinLnBrk="0" hangingPunct="1">
-              <a:lnSpc>
-                <a:spcPct val="100000"/>
-              </a:lnSpc>
-              <a:spcBef>
-                <a:spcPts val="0"/>
-              </a:spcBef>
-              <a:spcAft>
-                <a:spcPts val="0"/>
-              </a:spcAft>
-              <a:buClrTx/>
-              <a:buSzTx/>
-              <a:buFontTx/>
-              <a:buNone/>
-              <a:tabLst/>
-              <a:defRPr/>
-            </a:pPr>
-            <a:r>
-              <a:rPr lang="es-ES" sz="1600" dirty="0"/>
-              <a:t>La librería nos indica con el mensaje que el formulario no cumple que el botón este deshabilitado cuando el input este vacío. Esto genera que el usuario pueda enviar un campo vacío.</a:t>
-            </a:r>
-          </a:p>
-          <a:p>
-            <a:endParaRPr lang="es-ES" dirty="0"/>
+            <a:r>
+              <a:rPr lang="es-ES" dirty="0"/>
+              <a:t>Datos </a:t>
+            </a:r>
+            <a:r>
+              <a:rPr lang="es-ES" dirty="0" err="1"/>
+              <a:t>mock</a:t>
+            </a:r>
+            <a:r>
+              <a:rPr lang="es-ES" dirty="0"/>
+              <a:t>: son datos falsos o simulados que se crean para probar el comportamiento de una aplicación o sistema sin depender de fuentes de datos reales, como bases de datos o </a:t>
+            </a:r>
+            <a:r>
+              <a:rPr lang="es-ES" dirty="0" err="1"/>
+              <a:t>APIs</a:t>
+            </a:r>
+            <a:r>
+              <a:rPr lang="es-ES" dirty="0"/>
+              <a:t> externas.</a:t>
+            </a:r>
           </a:p>
         </p:txBody>
       </p:sp>
@@ -851,7 +849,7 @@
             <a:spLocks noGrp="1"/>
           </p:cNvSpPr>
           <p:nvPr>
-            <p:ph type="sldNum" sz="quarter" idx="10"/>
+            <p:ph type="sldNum" sz="quarter" idx="5"/>
           </p:nvPr>
         </p:nvSpPr>
         <p:spPr/>
@@ -862,7 +860,7 @@
             <a:fld id="{3EBA5BD7-F043-4D1B-AA17-CD412FC534DE}" type="slidenum">
               <a:rPr lang="es-ES" noProof="0" smtClean="0"/>
               <a:pPr/>
-              <a:t>17</a:t>
+              <a:t>10</a:t>
             </a:fld>
             <a:endParaRPr lang="es-ES" noProof="0" dirty="0"/>
           </a:p>
@@ -871,7 +869,7 @@
     </p:spTree>
     <p:extLst>
       <p:ext uri="{BB962C8B-B14F-4D97-AF65-F5344CB8AC3E}">
-        <p14:creationId xmlns:p14="http://schemas.microsoft.com/office/powerpoint/2010/main" val="13358915"/>
+        <p14:creationId xmlns:p14="http://schemas.microsoft.com/office/powerpoint/2010/main" val="1480667310"/>
       </p:ext>
     </p:extLst>
   </p:cSld>
@@ -947,7 +945,7 @@
             <a:fld id="{3EBA5BD7-F043-4D1B-AA17-CD412FC534DE}" type="slidenum">
               <a:rPr lang="es-ES" noProof="0" smtClean="0"/>
               <a:pPr/>
-              <a:t>18</a:t>
+              <a:t>12</a:t>
             </a:fld>
             <a:endParaRPr lang="es-ES" noProof="0" dirty="0"/>
           </a:p>
@@ -956,7 +954,7 @@
     </p:spTree>
     <p:extLst>
       <p:ext uri="{BB962C8B-B14F-4D97-AF65-F5344CB8AC3E}">
-        <p14:creationId xmlns:p14="http://schemas.microsoft.com/office/powerpoint/2010/main" val="837636764"/>
+        <p14:creationId xmlns:p14="http://schemas.microsoft.com/office/powerpoint/2010/main" val="2561565353"/>
       </p:ext>
     </p:extLst>
   </p:cSld>
@@ -1010,78 +1008,40 @@
           <a:bodyPr/>
           <a:lstStyle/>
           <a:p>
-            <a:pPr marL="0" marR="0" lvl="0" indent="0" algn="l" defTabSz="1218987" rtl="0" eaLnBrk="1" fontAlgn="auto" latinLnBrk="0" hangingPunct="1">
-              <a:lnSpc>
-                <a:spcPct val="100000"/>
-              </a:lnSpc>
-              <a:spcBef>
-                <a:spcPts val="0"/>
-              </a:spcBef>
-              <a:spcAft>
-                <a:spcPts val="0"/>
-              </a:spcAft>
-              <a:buClrTx/>
-              <a:buSzTx/>
-              <a:buFontTx/>
-              <a:buNone/>
-              <a:tabLst/>
-              <a:defRPr/>
-            </a:pPr>
-            <a:r>
-              <a:rPr lang="es-ES" sz="1600" dirty="0"/>
-              <a:t>Vemos que la prueba “</a:t>
-            </a:r>
-            <a:r>
-              <a:rPr lang="es-ES" sz="1600" dirty="0" err="1"/>
-              <a:t>Button</a:t>
-            </a:r>
-            <a:r>
-              <a:rPr lang="es-ES" sz="1600" dirty="0"/>
+            <a:r>
+              <a:rPr lang="es-ES" dirty="0"/>
+              <a:t>Render: es una función que simula el montaje de un componente dentro de un entorno de pruebas. Esto permite realizar pruebas sobre el componente como si estuviera siendo visualizado por el usuario real, aunque el renderizado ocurre en un entorno de simulación sin necesidad de un navegador real. </a:t>
+            </a:r>
+          </a:p>
+          <a:p>
+            <a:endParaRPr lang="es-ES" dirty="0"/>
+          </a:p>
+          <a:p>
+            <a:r>
+              <a:rPr lang="es-ES" dirty="0" err="1"/>
+              <a:t>Document</a:t>
+            </a:r>
+            <a:r>
+              <a:rPr lang="es-ES" dirty="0"/>
               <a:t> </a:t>
             </a:r>
             <a:r>
-              <a:rPr lang="es-ES" sz="1600" dirty="0" err="1"/>
-              <a:t>is</a:t>
-            </a:r>
-            <a:r>
-              <a:rPr lang="es-ES" sz="1600" dirty="0"/>
+              <a:rPr lang="es-ES" dirty="0" err="1"/>
+              <a:t>Object</a:t>
+            </a:r>
+            <a:r>
+              <a:rPr lang="es-ES" dirty="0"/>
               <a:t> </a:t>
             </a:r>
             <a:r>
-              <a:rPr lang="es-ES" sz="1600" dirty="0" err="1"/>
-              <a:t>disabled</a:t>
-            </a:r>
-            <a:r>
-              <a:rPr lang="es-ES" sz="1600" dirty="0"/>
-              <a:t> </a:t>
-            </a:r>
-            <a:r>
-              <a:rPr lang="es-ES" sz="1600" dirty="0" err="1"/>
-              <a:t>when</a:t>
-            </a:r>
-            <a:r>
-              <a:rPr lang="es-ES" sz="1600" dirty="0"/>
-              <a:t> input </a:t>
-            </a:r>
-            <a:r>
-              <a:rPr lang="es-ES" sz="1600" dirty="0" err="1"/>
-              <a:t>is</a:t>
-            </a:r>
-            <a:r>
-              <a:rPr lang="es-ES" sz="1600" dirty="0"/>
-              <a:t> </a:t>
-            </a:r>
-            <a:r>
-              <a:rPr lang="es-ES" sz="1600" dirty="0" err="1"/>
-              <a:t>empty</a:t>
-            </a:r>
-            <a:r>
-              <a:rPr lang="es-ES" sz="1600" dirty="0"/>
-              <a:t>” pasó correctamente y ya no devuelve un error, por lo tanto, el test suite y sus 10 pruebas pasan el test. </a:t>
-            </a:r>
-          </a:p>
-          <a:p>
-            <a:endParaRPr lang="es-ES" dirty="0"/>
+              <a:rPr lang="es-ES" dirty="0" err="1"/>
+              <a:t>Model</a:t>
+            </a:r>
+            <a:r>
+              <a:rPr lang="es-ES" dirty="0"/>
+              <a:t> (DOM): es una interfaz de programación que representa la estructura de un documento HTML o XML como una jerarquía de nodos y objetos, permitiendo a los lenguajes de programación interactuar con él.</a:t>
+            </a:r>
+            <a:endParaRPr lang="es-AR" dirty="0"/>
           </a:p>
         </p:txBody>
       </p:sp>
@@ -1092,7 +1052,7 @@
             <a:spLocks noGrp="1"/>
           </p:cNvSpPr>
           <p:nvPr>
-            <p:ph type="sldNum" sz="quarter" idx="10"/>
+            <p:ph type="sldNum" sz="quarter" idx="5"/>
           </p:nvPr>
         </p:nvSpPr>
         <p:spPr/>
@@ -1103,7 +1063,7 @@
             <a:fld id="{3EBA5BD7-F043-4D1B-AA17-CD412FC534DE}" type="slidenum">
               <a:rPr lang="es-ES" noProof="0" smtClean="0"/>
               <a:pPr/>
-              <a:t>19</a:t>
+              <a:t>14</a:t>
             </a:fld>
             <a:endParaRPr lang="es-ES" noProof="0" dirty="0"/>
           </a:p>
@@ -1112,7 +1072,7 @@
     </p:spTree>
     <p:extLst>
       <p:ext uri="{BB962C8B-B14F-4D97-AF65-F5344CB8AC3E}">
-        <p14:creationId xmlns:p14="http://schemas.microsoft.com/office/powerpoint/2010/main" val="663388844"/>
+        <p14:creationId xmlns:p14="http://schemas.microsoft.com/office/powerpoint/2010/main" val="3053445860"/>
       </p:ext>
     </p:extLst>
   </p:cSld>
@@ -1166,7 +1126,19 @@
           <a:bodyPr/>
           <a:lstStyle/>
           <a:p>
-            <a:endParaRPr lang="es-ES" dirty="0"/>
+            <a:r>
+              <a:rPr lang="es-ES" dirty="0"/>
+              <a:t>Herramienta de aserción (o </a:t>
+            </a:r>
+            <a:r>
+              <a:rPr lang="es-ES" dirty="0" err="1"/>
+              <a:t>framework</a:t>
+            </a:r>
+            <a:r>
+              <a:rPr lang="es-ES" dirty="0"/>
+              <a:t> de aserción): es una biblioteca o conjunto de funciones que se utilizan en el contexto de pruebas automatizadas para verificar si un resultado esperado coincide con el resultado real producido por el código.</a:t>
+            </a:r>
+            <a:endParaRPr lang="es-AR" dirty="0"/>
           </a:p>
         </p:txBody>
       </p:sp>
@@ -1177,7 +1149,7 @@
             <a:spLocks noGrp="1"/>
           </p:cNvSpPr>
           <p:nvPr>
-            <p:ph type="sldNum" sz="quarter" idx="10"/>
+            <p:ph type="sldNum" sz="quarter" idx="5"/>
           </p:nvPr>
         </p:nvSpPr>
         <p:spPr/>
@@ -1188,7 +1160,7 @@
             <a:fld id="{3EBA5BD7-F043-4D1B-AA17-CD412FC534DE}" type="slidenum">
               <a:rPr lang="es-ES" noProof="0" smtClean="0"/>
               <a:pPr/>
-              <a:t>20</a:t>
+              <a:t>18</a:t>
             </a:fld>
             <a:endParaRPr lang="es-ES" noProof="0" dirty="0"/>
           </a:p>
@@ -1197,7 +1169,7 @@
     </p:spTree>
     <p:extLst>
       <p:ext uri="{BB962C8B-B14F-4D97-AF65-F5344CB8AC3E}">
-        <p14:creationId xmlns:p14="http://schemas.microsoft.com/office/powerpoint/2010/main" val="1510884271"/>
+        <p14:creationId xmlns:p14="http://schemas.microsoft.com/office/powerpoint/2010/main" val="2027200515"/>
       </p:ext>
     </p:extLst>
   </p:cSld>
@@ -1269,14 +1241,439 @@
               <a:defRPr/>
             </a:pPr>
             <a:r>
-              <a:rPr lang="es-AR" sz="1800" dirty="0" err="1">
-                <a:effectLst/>
-                <a:latin typeface="Arial" panose="020B0604020202020204" pitchFamily="34" charset="0"/>
-                <a:ea typeface="Calibri" panose="020F0502020204030204" pitchFamily="34" charset="0"/>
-                <a:cs typeface="Times New Roman" panose="02020603050405020304" pitchFamily="18" charset="0"/>
-              </a:rPr>
-              <a:t>Testing</a:t>
-            </a:r>
+              <a:rPr lang="es-ES" sz="1600" dirty="0"/>
+              <a:t>La librería nos indica con el mensaje que el formulario no cumple que el botón este deshabilitado cuando el input este vacío. Esto genera que el usuario pueda enviar un campo vacío.</a:t>
+            </a:r>
+          </a:p>
+          <a:p>
+            <a:endParaRPr lang="es-ES" dirty="0"/>
+          </a:p>
+        </p:txBody>
+      </p:sp>
+      <p:sp>
+        <p:nvSpPr>
+          <p:cNvPr id="4" name="Marcador de número de diapositiva 3"/>
+          <p:cNvSpPr>
+            <a:spLocks noGrp="1"/>
+          </p:cNvSpPr>
+          <p:nvPr>
+            <p:ph type="sldNum" sz="quarter" idx="10"/>
+          </p:nvPr>
+        </p:nvSpPr>
+        <p:spPr/>
+        <p:txBody>
+          <a:bodyPr/>
+          <a:lstStyle/>
+          <a:p>
+            <a:fld id="{3EBA5BD7-F043-4D1B-AA17-CD412FC534DE}" type="slidenum">
+              <a:rPr lang="es-ES" noProof="0" smtClean="0"/>
+              <a:pPr/>
+              <a:t>19</a:t>
+            </a:fld>
+            <a:endParaRPr lang="es-ES" noProof="0" dirty="0"/>
+          </a:p>
+        </p:txBody>
+      </p:sp>
+    </p:spTree>
+    <p:extLst>
+      <p:ext uri="{BB962C8B-B14F-4D97-AF65-F5344CB8AC3E}">
+        <p14:creationId xmlns:p14="http://schemas.microsoft.com/office/powerpoint/2010/main" val="13358915"/>
+      </p:ext>
+    </p:extLst>
+  </p:cSld>
+  <p:clrMapOvr>
+    <a:masterClrMapping/>
+  </p:clrMapOvr>
+</p:notes>
+</file>
+
+<file path=ppt/notesSlides/notesSlide15.xml><?xml version="1.0" encoding="utf-8"?>
+<p:notes xmlns:a="http://schemas.openxmlformats.org/drawingml/2006/main" xmlns:r="http://schemas.openxmlformats.org/officeDocument/2006/relationships" xmlns:p="http://schemas.openxmlformats.org/presentationml/2006/main">
+  <p:cSld>
+    <p:spTree>
+      <p:nvGrpSpPr>
+        <p:cNvPr id="1" name=""/>
+        <p:cNvGrpSpPr/>
+        <p:nvPr/>
+      </p:nvGrpSpPr>
+      <p:grpSpPr>
+        <a:xfrm>
+          <a:off x="0" y="0"/>
+          <a:ext cx="0" cy="0"/>
+          <a:chOff x="0" y="0"/>
+          <a:chExt cx="0" cy="0"/>
+        </a:xfrm>
+      </p:grpSpPr>
+      <p:sp>
+        <p:nvSpPr>
+          <p:cNvPr id="2" name="Marcador de imagen de diapositiva 1"/>
+          <p:cNvSpPr>
+            <a:spLocks noGrp="1" noRot="1" noChangeAspect="1"/>
+          </p:cNvSpPr>
+          <p:nvPr>
+            <p:ph type="sldImg"/>
+          </p:nvPr>
+        </p:nvSpPr>
+        <p:spPr/>
+      </p:sp>
+      <p:sp>
+        <p:nvSpPr>
+          <p:cNvPr id="3" name="Marcador de notas 2"/>
+          <p:cNvSpPr>
+            <a:spLocks noGrp="1"/>
+          </p:cNvSpPr>
+          <p:nvPr>
+            <p:ph type="body" idx="1"/>
+          </p:nvPr>
+        </p:nvSpPr>
+        <p:spPr/>
+        <p:txBody>
+          <a:bodyPr/>
+          <a:lstStyle/>
+          <a:p>
+            <a:endParaRPr lang="es-ES" dirty="0"/>
+          </a:p>
+        </p:txBody>
+      </p:sp>
+      <p:sp>
+        <p:nvSpPr>
+          <p:cNvPr id="4" name="Marcador de número de diapositiva 3"/>
+          <p:cNvSpPr>
+            <a:spLocks noGrp="1"/>
+          </p:cNvSpPr>
+          <p:nvPr>
+            <p:ph type="sldNum" sz="quarter" idx="10"/>
+          </p:nvPr>
+        </p:nvSpPr>
+        <p:spPr/>
+        <p:txBody>
+          <a:bodyPr/>
+          <a:lstStyle/>
+          <a:p>
+            <a:fld id="{3EBA5BD7-F043-4D1B-AA17-CD412FC534DE}" type="slidenum">
+              <a:rPr lang="es-ES" noProof="0" smtClean="0"/>
+              <a:pPr/>
+              <a:t>20</a:t>
+            </a:fld>
+            <a:endParaRPr lang="es-ES" noProof="0" dirty="0"/>
+          </a:p>
+        </p:txBody>
+      </p:sp>
+    </p:spTree>
+    <p:extLst>
+      <p:ext uri="{BB962C8B-B14F-4D97-AF65-F5344CB8AC3E}">
+        <p14:creationId xmlns:p14="http://schemas.microsoft.com/office/powerpoint/2010/main" val="837636764"/>
+      </p:ext>
+    </p:extLst>
+  </p:cSld>
+  <p:clrMapOvr>
+    <a:masterClrMapping/>
+  </p:clrMapOvr>
+</p:notes>
+</file>
+
+<file path=ppt/notesSlides/notesSlide16.xml><?xml version="1.0" encoding="utf-8"?>
+<p:notes xmlns:a="http://schemas.openxmlformats.org/drawingml/2006/main" xmlns:r="http://schemas.openxmlformats.org/officeDocument/2006/relationships" xmlns:p="http://schemas.openxmlformats.org/presentationml/2006/main">
+  <p:cSld>
+    <p:spTree>
+      <p:nvGrpSpPr>
+        <p:cNvPr id="1" name=""/>
+        <p:cNvGrpSpPr/>
+        <p:nvPr/>
+      </p:nvGrpSpPr>
+      <p:grpSpPr>
+        <a:xfrm>
+          <a:off x="0" y="0"/>
+          <a:ext cx="0" cy="0"/>
+          <a:chOff x="0" y="0"/>
+          <a:chExt cx="0" cy="0"/>
+        </a:xfrm>
+      </p:grpSpPr>
+      <p:sp>
+        <p:nvSpPr>
+          <p:cNvPr id="2" name="Marcador de imagen de diapositiva 1"/>
+          <p:cNvSpPr>
+            <a:spLocks noGrp="1" noRot="1" noChangeAspect="1"/>
+          </p:cNvSpPr>
+          <p:nvPr>
+            <p:ph type="sldImg"/>
+          </p:nvPr>
+        </p:nvSpPr>
+        <p:spPr/>
+      </p:sp>
+      <p:sp>
+        <p:nvSpPr>
+          <p:cNvPr id="3" name="Marcador de notas 2"/>
+          <p:cNvSpPr>
+            <a:spLocks noGrp="1"/>
+          </p:cNvSpPr>
+          <p:nvPr>
+            <p:ph type="body" idx="1"/>
+          </p:nvPr>
+        </p:nvSpPr>
+        <p:spPr/>
+        <p:txBody>
+          <a:bodyPr/>
+          <a:lstStyle/>
+          <a:p>
+            <a:pPr marL="0" marR="0" lvl="0" indent="0" algn="l" defTabSz="1218987" rtl="0" eaLnBrk="1" fontAlgn="auto" latinLnBrk="0" hangingPunct="1">
+              <a:lnSpc>
+                <a:spcPct val="100000"/>
+              </a:lnSpc>
+              <a:spcBef>
+                <a:spcPts val="0"/>
+              </a:spcBef>
+              <a:spcAft>
+                <a:spcPts val="0"/>
+              </a:spcAft>
+              <a:buClrTx/>
+              <a:buSzTx/>
+              <a:buFontTx/>
+              <a:buNone/>
+              <a:tabLst/>
+              <a:defRPr/>
+            </a:pPr>
+            <a:r>
+              <a:rPr lang="es-ES" sz="1600" dirty="0"/>
+              <a:t>Vemos que la prueba “</a:t>
+            </a:r>
+            <a:r>
+              <a:rPr lang="es-ES" sz="1600" dirty="0" err="1"/>
+              <a:t>Button</a:t>
+            </a:r>
+            <a:r>
+              <a:rPr lang="es-ES" sz="1600" dirty="0"/>
+              <a:t> </a:t>
+            </a:r>
+            <a:r>
+              <a:rPr lang="es-ES" sz="1600" dirty="0" err="1"/>
+              <a:t>is</a:t>
+            </a:r>
+            <a:r>
+              <a:rPr lang="es-ES" sz="1600" dirty="0"/>
+              <a:t> </a:t>
+            </a:r>
+            <a:r>
+              <a:rPr lang="es-ES" sz="1600" dirty="0" err="1"/>
+              <a:t>disabled</a:t>
+            </a:r>
+            <a:r>
+              <a:rPr lang="es-ES" sz="1600" dirty="0"/>
+              <a:t> </a:t>
+            </a:r>
+            <a:r>
+              <a:rPr lang="es-ES" sz="1600" dirty="0" err="1"/>
+              <a:t>when</a:t>
+            </a:r>
+            <a:r>
+              <a:rPr lang="es-ES" sz="1600" dirty="0"/>
+              <a:t> input </a:t>
+            </a:r>
+            <a:r>
+              <a:rPr lang="es-ES" sz="1600" dirty="0" err="1"/>
+              <a:t>is</a:t>
+            </a:r>
+            <a:r>
+              <a:rPr lang="es-ES" sz="1600" dirty="0"/>
+              <a:t> </a:t>
+            </a:r>
+            <a:r>
+              <a:rPr lang="es-ES" sz="1600" dirty="0" err="1"/>
+              <a:t>empty</a:t>
+            </a:r>
+            <a:r>
+              <a:rPr lang="es-ES" sz="1600" dirty="0"/>
+              <a:t>” pasó correctamente y ya no devuelve un error, por lo tanto, el test suite y sus 10 pruebas pasan el test. </a:t>
+            </a:r>
+          </a:p>
+          <a:p>
+            <a:endParaRPr lang="es-ES" dirty="0"/>
+          </a:p>
+        </p:txBody>
+      </p:sp>
+      <p:sp>
+        <p:nvSpPr>
+          <p:cNvPr id="4" name="Marcador de número de diapositiva 3"/>
+          <p:cNvSpPr>
+            <a:spLocks noGrp="1"/>
+          </p:cNvSpPr>
+          <p:nvPr>
+            <p:ph type="sldNum" sz="quarter" idx="10"/>
+          </p:nvPr>
+        </p:nvSpPr>
+        <p:spPr/>
+        <p:txBody>
+          <a:bodyPr/>
+          <a:lstStyle/>
+          <a:p>
+            <a:fld id="{3EBA5BD7-F043-4D1B-AA17-CD412FC534DE}" type="slidenum">
+              <a:rPr lang="es-ES" noProof="0" smtClean="0"/>
+              <a:pPr/>
+              <a:t>21</a:t>
+            </a:fld>
+            <a:endParaRPr lang="es-ES" noProof="0" dirty="0"/>
+          </a:p>
+        </p:txBody>
+      </p:sp>
+    </p:spTree>
+    <p:extLst>
+      <p:ext uri="{BB962C8B-B14F-4D97-AF65-F5344CB8AC3E}">
+        <p14:creationId xmlns:p14="http://schemas.microsoft.com/office/powerpoint/2010/main" val="663388844"/>
+      </p:ext>
+    </p:extLst>
+  </p:cSld>
+  <p:clrMapOvr>
+    <a:masterClrMapping/>
+  </p:clrMapOvr>
+</p:notes>
+</file>
+
+<file path=ppt/notesSlides/notesSlide17.xml><?xml version="1.0" encoding="utf-8"?>
+<p:notes xmlns:a="http://schemas.openxmlformats.org/drawingml/2006/main" xmlns:r="http://schemas.openxmlformats.org/officeDocument/2006/relationships" xmlns:p="http://schemas.openxmlformats.org/presentationml/2006/main">
+  <p:cSld>
+    <p:spTree>
+      <p:nvGrpSpPr>
+        <p:cNvPr id="1" name=""/>
+        <p:cNvGrpSpPr/>
+        <p:nvPr/>
+      </p:nvGrpSpPr>
+      <p:grpSpPr>
+        <a:xfrm>
+          <a:off x="0" y="0"/>
+          <a:ext cx="0" cy="0"/>
+          <a:chOff x="0" y="0"/>
+          <a:chExt cx="0" cy="0"/>
+        </a:xfrm>
+      </p:grpSpPr>
+      <p:sp>
+        <p:nvSpPr>
+          <p:cNvPr id="2" name="Marcador de imagen de diapositiva 1"/>
+          <p:cNvSpPr>
+            <a:spLocks noGrp="1" noRot="1" noChangeAspect="1"/>
+          </p:cNvSpPr>
+          <p:nvPr>
+            <p:ph type="sldImg"/>
+          </p:nvPr>
+        </p:nvSpPr>
+        <p:spPr/>
+      </p:sp>
+      <p:sp>
+        <p:nvSpPr>
+          <p:cNvPr id="3" name="Marcador de notas 2"/>
+          <p:cNvSpPr>
+            <a:spLocks noGrp="1"/>
+          </p:cNvSpPr>
+          <p:nvPr>
+            <p:ph type="body" idx="1"/>
+          </p:nvPr>
+        </p:nvSpPr>
+        <p:spPr/>
+        <p:txBody>
+          <a:bodyPr/>
+          <a:lstStyle/>
+          <a:p>
+            <a:endParaRPr lang="es-ES" dirty="0"/>
+          </a:p>
+        </p:txBody>
+      </p:sp>
+      <p:sp>
+        <p:nvSpPr>
+          <p:cNvPr id="4" name="Marcador de número de diapositiva 3"/>
+          <p:cNvSpPr>
+            <a:spLocks noGrp="1"/>
+          </p:cNvSpPr>
+          <p:nvPr>
+            <p:ph type="sldNum" sz="quarter" idx="10"/>
+          </p:nvPr>
+        </p:nvSpPr>
+        <p:spPr/>
+        <p:txBody>
+          <a:bodyPr/>
+          <a:lstStyle/>
+          <a:p>
+            <a:fld id="{3EBA5BD7-F043-4D1B-AA17-CD412FC534DE}" type="slidenum">
+              <a:rPr lang="es-ES" noProof="0" smtClean="0"/>
+              <a:pPr/>
+              <a:t>22</a:t>
+            </a:fld>
+            <a:endParaRPr lang="es-ES" noProof="0" dirty="0"/>
+          </a:p>
+        </p:txBody>
+      </p:sp>
+    </p:spTree>
+    <p:extLst>
+      <p:ext uri="{BB962C8B-B14F-4D97-AF65-F5344CB8AC3E}">
+        <p14:creationId xmlns:p14="http://schemas.microsoft.com/office/powerpoint/2010/main" val="1510884271"/>
+      </p:ext>
+    </p:extLst>
+  </p:cSld>
+  <p:clrMapOvr>
+    <a:masterClrMapping/>
+  </p:clrMapOvr>
+</p:notes>
+</file>
+
+<file path=ppt/notesSlides/notesSlide18.xml><?xml version="1.0" encoding="utf-8"?>
+<p:notes xmlns:a="http://schemas.openxmlformats.org/drawingml/2006/main" xmlns:r="http://schemas.openxmlformats.org/officeDocument/2006/relationships" xmlns:p="http://schemas.openxmlformats.org/presentationml/2006/main">
+  <p:cSld>
+    <p:spTree>
+      <p:nvGrpSpPr>
+        <p:cNvPr id="1" name=""/>
+        <p:cNvGrpSpPr/>
+        <p:nvPr/>
+      </p:nvGrpSpPr>
+      <p:grpSpPr>
+        <a:xfrm>
+          <a:off x="0" y="0"/>
+          <a:ext cx="0" cy="0"/>
+          <a:chOff x="0" y="0"/>
+          <a:chExt cx="0" cy="0"/>
+        </a:xfrm>
+      </p:grpSpPr>
+      <p:sp>
+        <p:nvSpPr>
+          <p:cNvPr id="2" name="Marcador de imagen de diapositiva 1"/>
+          <p:cNvSpPr>
+            <a:spLocks noGrp="1" noRot="1" noChangeAspect="1"/>
+          </p:cNvSpPr>
+          <p:nvPr>
+            <p:ph type="sldImg"/>
+          </p:nvPr>
+        </p:nvSpPr>
+        <p:spPr/>
+      </p:sp>
+      <p:sp>
+        <p:nvSpPr>
+          <p:cNvPr id="3" name="Marcador de notas 2"/>
+          <p:cNvSpPr>
+            <a:spLocks noGrp="1"/>
+          </p:cNvSpPr>
+          <p:nvPr>
+            <p:ph type="body" idx="1"/>
+          </p:nvPr>
+        </p:nvSpPr>
+        <p:spPr/>
+        <p:txBody>
+          <a:bodyPr/>
+          <a:lstStyle/>
+          <a:p>
+            <a:pPr marL="0" marR="0" lvl="0" indent="0" algn="l" defTabSz="1218987" rtl="0" eaLnBrk="1" fontAlgn="auto" latinLnBrk="0" hangingPunct="1">
+              <a:lnSpc>
+                <a:spcPct val="100000"/>
+              </a:lnSpc>
+              <a:spcBef>
+                <a:spcPts val="0"/>
+              </a:spcBef>
+              <a:spcAft>
+                <a:spcPts val="0"/>
+              </a:spcAft>
+              <a:buClrTx/>
+              <a:buSzTx/>
+              <a:buFontTx/>
+              <a:buNone/>
+              <a:tabLst/>
+              <a:defRPr/>
+            </a:pPr>
             <a:r>
               <a:rPr lang="es-AR" sz="1800" dirty="0">
                 <a:effectLst/>
@@ -1284,7 +1681,7 @@
                 <a:ea typeface="Calibri" panose="020F0502020204030204" pitchFamily="34" charset="0"/>
                 <a:cs typeface="Times New Roman" panose="02020603050405020304" pitchFamily="18" charset="0"/>
               </a:rPr>
-              <a:t> Library es una herramienta poderosa y flexible para garantizar que los componentes funcionen correctamente desde la perspectiva del usuario final, lo que resulta en una experiencia de usuario de alta calidad y accesible.</a:t>
+              <a:t>Testing Library es una herramienta poderosa y flexible para garantizar que los componentes funcionen correctamente desde la perspectiva del usuario final, lo que resulta en una experiencia de usuario de alta calidad y accesible.</a:t>
             </a:r>
           </a:p>
           <a:p>
@@ -1337,7 +1734,7 @@
                 <a:ea typeface="Calibri" panose="020F0502020204030204" pitchFamily="34" charset="0"/>
                 <a:cs typeface="Times New Roman" panose="02020603050405020304" pitchFamily="18" charset="0"/>
               </a:rPr>
-              <a:t>Cada una de estas tecnologías cumple un rol importante en el ecosistema de pruebas, no se puede decir que una tecnología es mejor que las demás sino que cada una tiene un enfoque y propósito específico, complementándose entre sí, y la elección entre ellas depende del tipo de pruebas y del entorno de desarrollo de cada proyecto.</a:t>
+              <a:t>Cada una de estas tecnologías cumple un rol importante en el ecosistema de pruebas, no se puede decir que una tecnología es mejor que las demás, sino que cada una tiene un enfoque y propósito específico, complementándose entre sí, y la elección entre ellas depende del tipo de pruebas y del entorno de desarrollo de cada proyecto.</a:t>
             </a:r>
           </a:p>
           <a:p>
@@ -1363,7 +1760,7 @@
             <a:fld id="{3EBA5BD7-F043-4D1B-AA17-CD412FC534DE}" type="slidenum">
               <a:rPr lang="es-ES" noProof="0" smtClean="0"/>
               <a:pPr/>
-              <a:t>22</a:t>
+              <a:t>24</a:t>
             </a:fld>
             <a:endParaRPr lang="es-ES" noProof="0" dirty="0"/>
           </a:p>
@@ -2085,7 +2482,18 @@
           <a:bodyPr/>
           <a:lstStyle/>
           <a:p>
-            <a:endParaRPr lang="es-ES" dirty="0"/>
+            <a:r>
+              <a:rPr lang="es-ES" dirty="0"/>
+              <a:t>Herramienta de aserción (o </a:t>
+            </a:r>
+            <a:r>
+              <a:rPr lang="es-ES" dirty="0" err="1"/>
+              <a:t>framework</a:t>
+            </a:r>
+            <a:r>
+              <a:rPr lang="es-ES" dirty="0"/>
+              <a:t> de aserción): es una biblioteca o conjunto de funciones que se utilizan en el contexto de pruebas automatizadas para verificar si un resultado esperado coincide con el resultado real producido por el código</a:t>
+            </a:r>
           </a:p>
         </p:txBody>
       </p:sp>
@@ -2116,7 +2524,7 @@
     </p:spTree>
     <p:extLst>
       <p:ext uri="{BB962C8B-B14F-4D97-AF65-F5344CB8AC3E}">
-        <p14:creationId xmlns:p14="http://schemas.microsoft.com/office/powerpoint/2010/main" val="3334207149"/>
+        <p14:creationId xmlns:p14="http://schemas.microsoft.com/office/powerpoint/2010/main" val="4190008647"/>
       </p:ext>
     </p:extLst>
   </p:cSld>
@@ -2201,7 +2609,7 @@
     </p:spTree>
     <p:extLst>
       <p:ext uri="{BB962C8B-B14F-4D97-AF65-F5344CB8AC3E}">
-        <p14:creationId xmlns:p14="http://schemas.microsoft.com/office/powerpoint/2010/main" val="3272552543"/>
+        <p14:creationId xmlns:p14="http://schemas.microsoft.com/office/powerpoint/2010/main" val="3334207149"/>
       </p:ext>
     </p:extLst>
   </p:cSld>
@@ -2255,7 +2663,26 @@
           <a:bodyPr/>
           <a:lstStyle/>
           <a:p>
-            <a:endParaRPr lang="es-ES" dirty="0"/>
+            <a:r>
+              <a:rPr lang="es-ES" dirty="0"/>
+              <a:t>Mocha es un </a:t>
+            </a:r>
+            <a:r>
+              <a:rPr lang="es-ES" dirty="0" err="1"/>
+              <a:t>framework</a:t>
+            </a:r>
+            <a:r>
+              <a:rPr lang="es-ES" dirty="0"/>
+              <a:t> de pruebas que te permite estructurar y ejecutar pruebas, pero no incluye herramientas de aserción (para verificar los resultados) ni de simulación (</a:t>
+            </a:r>
+            <a:r>
+              <a:rPr lang="es-ES" dirty="0" err="1"/>
+              <a:t>mocks</a:t>
+            </a:r>
+            <a:r>
+              <a:rPr lang="es-ES" dirty="0"/>
+              <a:t>) por defecto.</a:t>
+            </a:r>
           </a:p>
         </p:txBody>
       </p:sp>
@@ -2286,7 +2713,7 @@
     </p:spTree>
     <p:extLst>
       <p:ext uri="{BB962C8B-B14F-4D97-AF65-F5344CB8AC3E}">
-        <p14:creationId xmlns:p14="http://schemas.microsoft.com/office/powerpoint/2010/main" val="1480667310"/>
+        <p14:creationId xmlns:p14="http://schemas.microsoft.com/office/powerpoint/2010/main" val="3272552543"/>
       </p:ext>
     </p:extLst>
   </p:cSld>
@@ -6986,7 +7413,7 @@
           <p:cNvPr id="2" name="Título 1">
             <a:extLst>
               <a:ext uri="{FF2B5EF4-FFF2-40B4-BE49-F238E27FC236}">
-                <a16:creationId xmlns:a16="http://schemas.microsoft.com/office/drawing/2014/main" id="{8CDC4B96-3D2D-6FD0-7B82-DA229F2D83D2}"/>
+                <a16:creationId xmlns:a16="http://schemas.microsoft.com/office/drawing/2014/main" id="{A01AC393-36F2-2704-3150-48B52C6AB9F4}"/>
               </a:ext>
             </a:extLst>
           </p:cNvPr>
@@ -6999,22 +7426,40 @@
         </p:nvSpPr>
         <p:spPr>
           <a:xfrm>
-            <a:off x="-890364" y="188640"/>
-            <a:ext cx="8532948" cy="936104"/>
+            <a:off x="1218883" y="274637"/>
+            <a:ext cx="10360501" cy="1223963"/>
           </a:xfrm>
         </p:spPr>
         <p:txBody>
           <a:bodyPr anchor="b">
-            <a:noAutofit/>
+            <a:normAutofit/>
           </a:bodyPr>
           <a:lstStyle/>
           <a:p>
-            <a:pPr algn="ctr"/>
-            <a:r>
-              <a:rPr lang="es-ES" sz="5400" dirty="0"/>
-              <a:t>CASOS DE USO</a:t>
-            </a:r>
-            <a:endParaRPr lang="es-AR" sz="5400" dirty="0"/>
+            <a:r>
+              <a:rPr lang="es-AR" dirty="0" err="1"/>
+              <a:t>Mock</a:t>
+            </a:r>
+            <a:r>
+              <a:rPr lang="es-AR" dirty="0"/>
+              <a:t> </a:t>
+            </a:r>
+            <a:r>
+              <a:rPr lang="es-AR" dirty="0" err="1"/>
+              <a:t>Service</a:t>
+            </a:r>
+            <a:r>
+              <a:rPr lang="es-AR" dirty="0"/>
+              <a:t> </a:t>
+            </a:r>
+            <a:r>
+              <a:rPr lang="es-AR" dirty="0" err="1"/>
+              <a:t>Worker</a:t>
+            </a:r>
+            <a:r>
+              <a:rPr lang="es-AR" dirty="0"/>
+              <a:t> (MSW)</a:t>
+            </a:r>
           </a:p>
         </p:txBody>
       </p:sp>
@@ -7023,7 +7468,7 @@
           <p:cNvPr id="3" name="Marcador de contenido 2">
             <a:extLst>
               <a:ext uri="{FF2B5EF4-FFF2-40B4-BE49-F238E27FC236}">
-                <a16:creationId xmlns:a16="http://schemas.microsoft.com/office/drawing/2014/main" id="{E99241B6-04E8-4BA5-2B5F-C8E45018B336}"/>
+                <a16:creationId xmlns:a16="http://schemas.microsoft.com/office/drawing/2014/main" id="{8406340A-FAB4-346C-174E-6716AEA2A560}"/>
               </a:ext>
             </a:extLst>
           </p:cNvPr>
@@ -7036,7 +7481,7 @@
         </p:nvSpPr>
         <p:spPr>
           <a:xfrm>
-            <a:off x="914161" y="1197864"/>
+            <a:off x="1218883" y="1701797"/>
             <a:ext cx="10360501" cy="4462272"/>
           </a:xfrm>
         </p:spPr>
@@ -7055,7 +7500,21 @@
                 <a:effectLst/>
                 <a:latin typeface="inherit"/>
               </a:rPr>
-              <a:t>Verificación de la renderización de componentes.</a:t>
+              <a:t>Simula </a:t>
+            </a:r>
+            <a:r>
+              <a:rPr lang="es-ES" b="0" i="0" dirty="0" err="1">
+                <a:effectLst/>
+                <a:latin typeface="inherit"/>
+              </a:rPr>
+              <a:t>APIs</a:t>
+            </a:r>
+            <a:r>
+              <a:rPr lang="es-ES" b="0" i="0" dirty="0">
+                <a:effectLst/>
+                <a:latin typeface="inherit"/>
+              </a:rPr>
+              <a:t> en pruebas, interceptando solicitudes de red.</a:t>
             </a:r>
           </a:p>
           <a:p>
@@ -7068,7 +7527,7 @@
                 <a:effectLst/>
                 <a:latin typeface="inherit"/>
               </a:rPr>
-              <a:t>Simulación de interacciones del usuario.</a:t>
+              <a:t>Ideal para probar cómo las aplicaciones manejan respuestas de servidores sin usar servicios reales.</a:t>
             </a:r>
           </a:p>
           <a:p>
@@ -7081,34 +7540,35 @@
                 <a:effectLst/>
                 <a:latin typeface="inherit"/>
               </a:rPr>
-              <a:t>Verificación de formularios.</a:t>
-            </a:r>
-          </a:p>
-          <a:p>
-            <a:pPr algn="l" fontAlgn="base">
-              <a:buFont typeface="Arial" panose="020B0604020202020204" pitchFamily="34" charset="0"/>
-              <a:buChar char="•"/>
-            </a:pPr>
+              <a:t>Se enfoca en la simulación de redes y </a:t>
+            </a:r>
+            <a:r>
+              <a:rPr lang="es-ES" b="0" i="0" dirty="0" err="1">
+                <a:effectLst/>
+                <a:latin typeface="inherit"/>
+              </a:rPr>
+              <a:t>backend</a:t>
+            </a:r>
             <a:r>
               <a:rPr lang="es-ES" b="0" i="0" dirty="0">
                 <a:effectLst/>
                 <a:latin typeface="inherit"/>
               </a:rPr>
-              <a:t>Pruebas con integración de herramientas como </a:t>
+              <a:t>, complementando </a:t>
             </a:r>
             <a:r>
               <a:rPr lang="es-ES" b="0" i="0" dirty="0" err="1">
                 <a:effectLst/>
                 <a:latin typeface="inherit"/>
               </a:rPr>
-              <a:t>Jest</a:t>
+              <a:t>Testing</a:t>
             </a:r>
             <a:r>
               <a:rPr lang="es-ES" b="0" i="0" dirty="0">
                 <a:effectLst/>
                 <a:latin typeface="inherit"/>
               </a:rPr>
-              <a:t>.</a:t>
+              <a:t> Library para pruebas de UI.</a:t>
             </a:r>
           </a:p>
         </p:txBody>
@@ -7116,7 +7576,7 @@
     </p:spTree>
     <p:extLst>
       <p:ext uri="{BB962C8B-B14F-4D97-AF65-F5344CB8AC3E}">
-        <p14:creationId xmlns:p14="http://schemas.microsoft.com/office/powerpoint/2010/main" val="3302328051"/>
+        <p14:creationId xmlns:p14="http://schemas.microsoft.com/office/powerpoint/2010/main" val="1386491078"/>
       </p:ext>
     </p:extLst>
   </p:cSld>
@@ -7173,6 +7633,334 @@
         </p:nvSpPr>
         <p:spPr>
           <a:xfrm>
+            <a:off x="-890364" y="188640"/>
+            <a:ext cx="8532948" cy="936104"/>
+          </a:xfrm>
+        </p:spPr>
+        <p:txBody>
+          <a:bodyPr anchor="b">
+            <a:noAutofit/>
+          </a:bodyPr>
+          <a:lstStyle/>
+          <a:p>
+            <a:pPr algn="ctr"/>
+            <a:r>
+              <a:rPr lang="es-ES" sz="5400" dirty="0"/>
+              <a:t>CASOS DE USO</a:t>
+            </a:r>
+            <a:endParaRPr lang="es-AR" sz="5400" dirty="0"/>
+          </a:p>
+        </p:txBody>
+      </p:sp>
+      <p:sp>
+        <p:nvSpPr>
+          <p:cNvPr id="3" name="Marcador de contenido 2">
+            <a:extLst>
+              <a:ext uri="{FF2B5EF4-FFF2-40B4-BE49-F238E27FC236}">
+                <a16:creationId xmlns:a16="http://schemas.microsoft.com/office/drawing/2014/main" id="{E99241B6-04E8-4BA5-2B5F-C8E45018B336}"/>
+              </a:ext>
+            </a:extLst>
+          </p:cNvPr>
+          <p:cNvSpPr>
+            <a:spLocks noGrp="1"/>
+          </p:cNvSpPr>
+          <p:nvPr>
+            <p:ph idx="1"/>
+          </p:nvPr>
+        </p:nvSpPr>
+        <p:spPr>
+          <a:xfrm>
+            <a:off x="914161" y="1197864"/>
+            <a:ext cx="10360501" cy="4462272"/>
+          </a:xfrm>
+        </p:spPr>
+        <p:txBody>
+          <a:bodyPr>
+            <a:normAutofit/>
+          </a:bodyPr>
+          <a:lstStyle/>
+          <a:p>
+            <a:pPr algn="l" fontAlgn="base">
+              <a:buFont typeface="Arial" panose="020B0604020202020204" pitchFamily="34" charset="0"/>
+              <a:buChar char="•"/>
+            </a:pPr>
+            <a:r>
+              <a:rPr lang="es-ES" b="0" i="0" dirty="0">
+                <a:effectLst/>
+                <a:latin typeface="inherit"/>
+              </a:rPr>
+              <a:t>Verificación de la renderización de componentes.</a:t>
+            </a:r>
+          </a:p>
+          <a:p>
+            <a:pPr algn="l" fontAlgn="base">
+              <a:buFont typeface="Arial" panose="020B0604020202020204" pitchFamily="34" charset="0"/>
+              <a:buChar char="•"/>
+            </a:pPr>
+            <a:r>
+              <a:rPr lang="es-ES" b="0" i="0" dirty="0">
+                <a:effectLst/>
+                <a:latin typeface="inherit"/>
+              </a:rPr>
+              <a:t>Simulación de interacciones del usuario.</a:t>
+            </a:r>
+          </a:p>
+          <a:p>
+            <a:pPr algn="l" fontAlgn="base">
+              <a:buFont typeface="Arial" panose="020B0604020202020204" pitchFamily="34" charset="0"/>
+              <a:buChar char="•"/>
+            </a:pPr>
+            <a:r>
+              <a:rPr lang="es-ES" b="0" i="0" dirty="0">
+                <a:effectLst/>
+                <a:latin typeface="inherit"/>
+              </a:rPr>
+              <a:t>Verificación de formularios.</a:t>
+            </a:r>
+          </a:p>
+          <a:p>
+            <a:pPr algn="l" fontAlgn="base">
+              <a:buFont typeface="Arial" panose="020B0604020202020204" pitchFamily="34" charset="0"/>
+              <a:buChar char="•"/>
+            </a:pPr>
+            <a:r>
+              <a:rPr lang="es-ES" b="0" i="0" dirty="0">
+                <a:effectLst/>
+                <a:latin typeface="inherit"/>
+              </a:rPr>
+              <a:t>Pruebas con integración de herramientas como </a:t>
+            </a:r>
+            <a:r>
+              <a:rPr lang="es-ES" b="0" i="0" dirty="0" err="1">
+                <a:effectLst/>
+                <a:latin typeface="inherit"/>
+              </a:rPr>
+              <a:t>Jest</a:t>
+            </a:r>
+            <a:r>
+              <a:rPr lang="es-ES" b="0" i="0" dirty="0">
+                <a:effectLst/>
+                <a:latin typeface="inherit"/>
+              </a:rPr>
+              <a:t>.</a:t>
+            </a:r>
+          </a:p>
+        </p:txBody>
+      </p:sp>
+    </p:spTree>
+    <p:extLst>
+      <p:ext uri="{BB962C8B-B14F-4D97-AF65-F5344CB8AC3E}">
+        <p14:creationId xmlns:p14="http://schemas.microsoft.com/office/powerpoint/2010/main" val="3302328051"/>
+      </p:ext>
+    </p:extLst>
+  </p:cSld>
+  <p:clrMapOvr>
+    <a:masterClrMapping/>
+  </p:clrMapOvr>
+  <mc:AlternateContent xmlns:mc="http://schemas.openxmlformats.org/markup-compatibility/2006" xmlns:p14="http://schemas.microsoft.com/office/powerpoint/2010/main">
+    <mc:Choice Requires="p14">
+      <p:transition spd="med" p14:dur="700">
+        <p:fade/>
+      </p:transition>
+    </mc:Choice>
+    <mc:Fallback xmlns="">
+      <p:transition spd="med">
+        <p:fade/>
+      </p:transition>
+    </mc:Fallback>
+  </mc:AlternateContent>
+</p:sld>
+</file>
+
+<file path=ppt/slides/slide12.xml><?xml version="1.0" encoding="utf-8"?>
+<p:sld xmlns:a="http://schemas.openxmlformats.org/drawingml/2006/main" xmlns:r="http://schemas.openxmlformats.org/officeDocument/2006/relationships" xmlns:p="http://schemas.openxmlformats.org/presentationml/2006/main">
+  <p:cSld>
+    <p:spTree>
+      <p:nvGrpSpPr>
+        <p:cNvPr id="1" name=""/>
+        <p:cNvGrpSpPr/>
+        <p:nvPr/>
+      </p:nvGrpSpPr>
+      <p:grpSpPr>
+        <a:xfrm>
+          <a:off x="0" y="0"/>
+          <a:ext cx="0" cy="0"/>
+          <a:chOff x="0" y="0"/>
+          <a:chExt cx="0" cy="0"/>
+        </a:xfrm>
+      </p:grpSpPr>
+      <p:pic>
+        <p:nvPicPr>
+          <p:cNvPr id="2" name="Imagen 1">
+            <a:extLst>
+              <a:ext uri="{FF2B5EF4-FFF2-40B4-BE49-F238E27FC236}">
+                <a16:creationId xmlns:a16="http://schemas.microsoft.com/office/drawing/2014/main" id="{34D2DC3C-43BB-4DFD-991A-8FFD1F41749C}"/>
+              </a:ext>
+            </a:extLst>
+          </p:cNvPr>
+          <p:cNvPicPr>
+            <a:picLocks noChangeAspect="1"/>
+          </p:cNvPicPr>
+          <p:nvPr/>
+        </p:nvPicPr>
+        <p:blipFill>
+          <a:blip r:embed="rId3"/>
+          <a:stretch>
+            <a:fillRect/>
+          </a:stretch>
+        </p:blipFill>
+        <p:spPr>
+          <a:xfrm>
+            <a:off x="3365499" y="619125"/>
+            <a:ext cx="5457825" cy="5619750"/>
+          </a:xfrm>
+          <a:prstGeom prst="rect">
+            <a:avLst/>
+          </a:prstGeom>
+        </p:spPr>
+      </p:pic>
+      <p:sp>
+        <p:nvSpPr>
+          <p:cNvPr id="3" name="Rectángulo 2">
+            <a:extLst>
+              <a:ext uri="{FF2B5EF4-FFF2-40B4-BE49-F238E27FC236}">
+                <a16:creationId xmlns:a16="http://schemas.microsoft.com/office/drawing/2014/main" id="{9824C711-963C-4360-88EF-913D8CCE4DE1}"/>
+              </a:ext>
+            </a:extLst>
+          </p:cNvPr>
+          <p:cNvSpPr/>
+          <p:nvPr/>
+        </p:nvSpPr>
+        <p:spPr>
+          <a:xfrm>
+            <a:off x="4294212" y="3789040"/>
+            <a:ext cx="3528392" cy="360040"/>
+          </a:xfrm>
+          <a:prstGeom prst="rect">
+            <a:avLst/>
+          </a:prstGeom>
+          <a:noFill/>
+          <a:ln w="28575">
+            <a:solidFill>
+              <a:srgbClr val="FF0000"/>
+            </a:solidFill>
+          </a:ln>
+        </p:spPr>
+        <p:style>
+          <a:lnRef idx="2">
+            <a:schemeClr val="accent1">
+              <a:shade val="50000"/>
+            </a:schemeClr>
+          </a:lnRef>
+          <a:fillRef idx="1">
+            <a:schemeClr val="accent1"/>
+          </a:fillRef>
+          <a:effectRef idx="0">
+            <a:schemeClr val="accent1"/>
+          </a:effectRef>
+          <a:fontRef idx="minor">
+            <a:schemeClr val="lt1"/>
+          </a:fontRef>
+        </p:style>
+        <p:txBody>
+          <a:bodyPr rtlCol="0" anchor="ctr"/>
+          <a:lstStyle/>
+          <a:p>
+            <a:pPr algn="ctr"/>
+            <a:endParaRPr lang="es-ES" sz="2800" dirty="0"/>
+          </a:p>
+        </p:txBody>
+      </p:sp>
+      <p:pic>
+        <p:nvPicPr>
+          <p:cNvPr id="4" name="Imagen 3">
+            <a:extLst>
+              <a:ext uri="{FF2B5EF4-FFF2-40B4-BE49-F238E27FC236}">
+                <a16:creationId xmlns:a16="http://schemas.microsoft.com/office/drawing/2014/main" id="{35C669B8-951A-421F-81BF-D083FA38CF21}"/>
+              </a:ext>
+            </a:extLst>
+          </p:cNvPr>
+          <p:cNvPicPr>
+            <a:picLocks noChangeAspect="1"/>
+          </p:cNvPicPr>
+          <p:nvPr/>
+        </p:nvPicPr>
+        <p:blipFill>
+          <a:blip r:embed="rId4"/>
+          <a:stretch>
+            <a:fillRect/>
+          </a:stretch>
+        </p:blipFill>
+        <p:spPr>
+          <a:xfrm>
+            <a:off x="2764213" y="18356"/>
+            <a:ext cx="6642567" cy="6839643"/>
+          </a:xfrm>
+          <a:prstGeom prst="rect">
+            <a:avLst/>
+          </a:prstGeom>
+        </p:spPr>
+      </p:pic>
+    </p:spTree>
+    <p:extLst>
+      <p:ext uri="{BB962C8B-B14F-4D97-AF65-F5344CB8AC3E}">
+        <p14:creationId xmlns:p14="http://schemas.microsoft.com/office/powerpoint/2010/main" val="3718676715"/>
+      </p:ext>
+    </p:extLst>
+  </p:cSld>
+  <p:clrMapOvr>
+    <a:masterClrMapping/>
+  </p:clrMapOvr>
+  <mc:AlternateContent xmlns:mc="http://schemas.openxmlformats.org/markup-compatibility/2006" xmlns:p14="http://schemas.microsoft.com/office/powerpoint/2010/main">
+    <mc:Choice Requires="p14">
+      <p:transition spd="med" p14:dur="700">
+        <p:fade/>
+      </p:transition>
+    </mc:Choice>
+    <mc:Fallback xmlns="">
+      <p:transition spd="med">
+        <p:fade/>
+      </p:transition>
+    </mc:Fallback>
+  </mc:AlternateContent>
+</p:sld>
+</file>
+
+<file path=ppt/slides/slide13.xml><?xml version="1.0" encoding="utf-8"?>
+<p:sld xmlns:a="http://schemas.openxmlformats.org/drawingml/2006/main" xmlns:r="http://schemas.openxmlformats.org/officeDocument/2006/relationships" xmlns:p="http://schemas.openxmlformats.org/presentationml/2006/main">
+  <p:cSld>
+    <p:spTree>
+      <p:nvGrpSpPr>
+        <p:cNvPr id="1" name=""/>
+        <p:cNvGrpSpPr/>
+        <p:nvPr/>
+      </p:nvGrpSpPr>
+      <p:grpSpPr>
+        <a:xfrm>
+          <a:off x="0" y="0"/>
+          <a:ext cx="0" cy="0"/>
+          <a:chOff x="0" y="0"/>
+          <a:chExt cx="0" cy="0"/>
+        </a:xfrm>
+      </p:grpSpPr>
+      <p:sp>
+        <p:nvSpPr>
+          <p:cNvPr id="2" name="Título 1">
+            <a:extLst>
+              <a:ext uri="{FF2B5EF4-FFF2-40B4-BE49-F238E27FC236}">
+                <a16:creationId xmlns:a16="http://schemas.microsoft.com/office/drawing/2014/main" id="{8CDC4B96-3D2D-6FD0-7B82-DA229F2D83D2}"/>
+              </a:ext>
+            </a:extLst>
+          </p:cNvPr>
+          <p:cNvSpPr>
+            <a:spLocks noGrp="1"/>
+          </p:cNvSpPr>
+          <p:nvPr>
+            <p:ph type="title"/>
+          </p:nvPr>
+        </p:nvSpPr>
+        <p:spPr>
+          <a:xfrm>
             <a:off x="1827938" y="2708920"/>
             <a:ext cx="8532948" cy="1673938"/>
           </a:xfrm>
@@ -7225,7 +8013,7 @@
 </p:sld>
 </file>
 
-<file path=ppt/slides/slide12.xml><?xml version="1.0" encoding="utf-8"?>
+<file path=ppt/slides/slide14.xml><?xml version="1.0" encoding="utf-8"?>
 <p:sld xmlns:a="http://schemas.openxmlformats.org/drawingml/2006/main" xmlns:r="http://schemas.openxmlformats.org/officeDocument/2006/relationships" xmlns:p="http://schemas.openxmlformats.org/presentationml/2006/main">
   <p:cSld>
     <p:spTree>
@@ -7559,7 +8347,7 @@
           <p:nvPr/>
         </p:nvPicPr>
         <p:blipFill>
-          <a:blip r:embed="rId2"/>
+          <a:blip r:embed="rId3"/>
           <a:stretch>
             <a:fillRect/>
           </a:stretch>
@@ -7651,7 +8439,7 @@
 </p:sld>
 </file>
 
-<file path=ppt/slides/slide13.xml><?xml version="1.0" encoding="utf-8"?>
+<file path=ppt/slides/slide15.xml><?xml version="1.0" encoding="utf-8"?>
 <p:sld xmlns:a="http://schemas.openxmlformats.org/drawingml/2006/main" xmlns:r="http://schemas.openxmlformats.org/officeDocument/2006/relationships" xmlns:p="http://schemas.openxmlformats.org/presentationml/2006/main">
   <p:cSld>
     <p:spTree>
@@ -8096,7 +8884,7 @@
 </p:sld>
 </file>
 
-<file path=ppt/slides/slide14.xml><?xml version="1.0" encoding="utf-8"?>
+<file path=ppt/slides/slide16.xml><?xml version="1.0" encoding="utf-8"?>
 <p:sld xmlns:a="http://schemas.openxmlformats.org/drawingml/2006/main" xmlns:r="http://schemas.openxmlformats.org/officeDocument/2006/relationships" xmlns:p="http://schemas.openxmlformats.org/presentationml/2006/main">
   <p:cSld>
     <p:spTree>
@@ -8541,7 +9329,7 @@
 </p:sld>
 </file>
 
-<file path=ppt/slides/slide15.xml><?xml version="1.0" encoding="utf-8"?>
+<file path=ppt/slides/slide17.xml><?xml version="1.0" encoding="utf-8"?>
 <p:sld xmlns:a="http://schemas.openxmlformats.org/drawingml/2006/main" xmlns:r="http://schemas.openxmlformats.org/officeDocument/2006/relationships" xmlns:p="http://schemas.openxmlformats.org/presentationml/2006/main">
   <p:cSld>
     <p:spTree>
@@ -9299,7 +10087,7 @@
 </p:sld>
 </file>
 
-<file path=ppt/slides/slide16.xml><?xml version="1.0" encoding="utf-8"?>
+<file path=ppt/slides/slide18.xml><?xml version="1.0" encoding="utf-8"?>
 <p:sld xmlns:a="http://schemas.openxmlformats.org/drawingml/2006/main" xmlns:r="http://schemas.openxmlformats.org/officeDocument/2006/relationships" xmlns:p="http://schemas.openxmlformats.org/presentationml/2006/main">
   <p:cSld>
     <p:spTree>
@@ -9665,7 +10453,7 @@
           <p:nvPr/>
         </p:nvPicPr>
         <p:blipFill>
-          <a:blip r:embed="rId2">
+          <a:blip r:embed="rId3">
             <a:extLst>
               <a:ext uri="{28A0092B-C50C-407E-A947-70E740481C1C}">
                 <a14:useLocalDpi xmlns:a14="http://schemas.microsoft.com/office/drawing/2010/main" val="0"/>
@@ -9753,227 +10541,6 @@
     <p:extLst>
       <p:ext uri="{BB962C8B-B14F-4D97-AF65-F5344CB8AC3E}">
         <p14:creationId xmlns:p14="http://schemas.microsoft.com/office/powerpoint/2010/main" val="2993499768"/>
-      </p:ext>
-    </p:extLst>
-  </p:cSld>
-  <p:clrMapOvr>
-    <a:masterClrMapping/>
-  </p:clrMapOvr>
-  <mc:AlternateContent xmlns:mc="http://schemas.openxmlformats.org/markup-compatibility/2006" xmlns:p14="http://schemas.microsoft.com/office/powerpoint/2010/main">
-    <mc:Choice Requires="p14">
-      <p:transition spd="med" p14:dur="700">
-        <p:fade/>
-      </p:transition>
-    </mc:Choice>
-    <mc:Fallback xmlns="">
-      <p:transition spd="med">
-        <p:fade/>
-      </p:transition>
-    </mc:Fallback>
-  </mc:AlternateContent>
-</p:sld>
-</file>
-
-<file path=ppt/slides/slide17.xml><?xml version="1.0" encoding="utf-8"?>
-<p:sld xmlns:a="http://schemas.openxmlformats.org/drawingml/2006/main" xmlns:r="http://schemas.openxmlformats.org/officeDocument/2006/relationships" xmlns:p="http://schemas.openxmlformats.org/presentationml/2006/main">
-  <p:cSld>
-    <p:spTree>
-      <p:nvGrpSpPr>
-        <p:cNvPr id="1" name=""/>
-        <p:cNvGrpSpPr/>
-        <p:nvPr/>
-      </p:nvGrpSpPr>
-      <p:grpSpPr>
-        <a:xfrm>
-          <a:off x="0" y="0"/>
-          <a:ext cx="0" cy="0"/>
-          <a:chOff x="0" y="0"/>
-          <a:chExt cx="0" cy="0"/>
-        </a:xfrm>
-      </p:grpSpPr>
-      <p:sp>
-        <p:nvSpPr>
-          <p:cNvPr id="7" name="Título 6"/>
-          <p:cNvSpPr>
-            <a:spLocks noGrp="1"/>
-          </p:cNvSpPr>
-          <p:nvPr>
-            <p:ph type="title"/>
-          </p:nvPr>
-        </p:nvSpPr>
-        <p:spPr/>
-        <p:txBody>
-          <a:bodyPr rtlCol="0"/>
-          <a:lstStyle/>
-          <a:p>
-            <a:pPr rtl="0"/>
-            <a:r>
-              <a:rPr lang="es-ES" dirty="0"/>
-              <a:t>Error al momento de realizar la prueba</a:t>
-            </a:r>
-          </a:p>
-        </p:txBody>
-      </p:sp>
-      <p:pic>
-        <p:nvPicPr>
-          <p:cNvPr id="2" name="Marcador de contenido 1">
-            <a:extLst>
-              <a:ext uri="{FF2B5EF4-FFF2-40B4-BE49-F238E27FC236}">
-                <a16:creationId xmlns:a16="http://schemas.microsoft.com/office/drawing/2014/main" id="{F41A4891-2532-47DA-9CE9-3783C3A07863}"/>
-              </a:ext>
-            </a:extLst>
-          </p:cNvPr>
-          <p:cNvPicPr>
-            <a:picLocks noGrp="1" noChangeAspect="1"/>
-          </p:cNvPicPr>
-          <p:nvPr>
-            <p:ph sz="half" idx="2"/>
-          </p:nvPr>
-        </p:nvPicPr>
-        <p:blipFill>
-          <a:blip r:embed="rId3"/>
-          <a:stretch>
-            <a:fillRect/>
-          </a:stretch>
-        </p:blipFill>
-        <p:spPr>
-          <a:xfrm>
-            <a:off x="1218883" y="1498600"/>
-            <a:ext cx="10360501" cy="4810720"/>
-          </a:xfrm>
-          <a:prstGeom prst="rect">
-            <a:avLst/>
-          </a:prstGeom>
-        </p:spPr>
-      </p:pic>
-    </p:spTree>
-    <p:extLst>
-      <p:ext uri="{BB962C8B-B14F-4D97-AF65-F5344CB8AC3E}">
-        <p14:creationId xmlns:p14="http://schemas.microsoft.com/office/powerpoint/2010/main" val="2672039197"/>
-      </p:ext>
-    </p:extLst>
-  </p:cSld>
-  <p:clrMapOvr>
-    <a:masterClrMapping/>
-  </p:clrMapOvr>
-  <mc:AlternateContent xmlns:mc="http://schemas.openxmlformats.org/markup-compatibility/2006" xmlns:p14="http://schemas.microsoft.com/office/powerpoint/2010/main">
-    <mc:Choice Requires="p14">
-      <p:transition spd="med" p14:dur="700">
-        <p:fade/>
-      </p:transition>
-    </mc:Choice>
-    <mc:Fallback xmlns="">
-      <p:transition spd="med">
-        <p:fade/>
-      </p:transition>
-    </mc:Fallback>
-  </mc:AlternateContent>
-</p:sld>
-</file>
-
-<file path=ppt/slides/slide18.xml><?xml version="1.0" encoding="utf-8"?>
-<p:sld xmlns:a="http://schemas.openxmlformats.org/drawingml/2006/main" xmlns:r="http://schemas.openxmlformats.org/officeDocument/2006/relationships" xmlns:p="http://schemas.openxmlformats.org/presentationml/2006/main">
-  <p:cSld>
-    <p:spTree>
-      <p:nvGrpSpPr>
-        <p:cNvPr id="1" name=""/>
-        <p:cNvGrpSpPr/>
-        <p:nvPr/>
-      </p:nvGrpSpPr>
-      <p:grpSpPr>
-        <a:xfrm>
-          <a:off x="0" y="0"/>
-          <a:ext cx="0" cy="0"/>
-          <a:chOff x="0" y="0"/>
-          <a:chExt cx="0" cy="0"/>
-        </a:xfrm>
-      </p:grpSpPr>
-      <p:pic>
-        <p:nvPicPr>
-          <p:cNvPr id="2" name="Imagen 1">
-            <a:extLst>
-              <a:ext uri="{FF2B5EF4-FFF2-40B4-BE49-F238E27FC236}">
-                <a16:creationId xmlns:a16="http://schemas.microsoft.com/office/drawing/2014/main" id="{34D2DC3C-43BB-4DFD-991A-8FFD1F41749C}"/>
-              </a:ext>
-            </a:extLst>
-          </p:cNvPr>
-          <p:cNvPicPr>
-            <a:picLocks noChangeAspect="1"/>
-          </p:cNvPicPr>
-          <p:nvPr/>
-        </p:nvPicPr>
-        <p:blipFill>
-          <a:blip r:embed="rId3"/>
-          <a:stretch>
-            <a:fillRect/>
-          </a:stretch>
-        </p:blipFill>
-        <p:spPr>
-          <a:xfrm>
-            <a:off x="3365499" y="619125"/>
-            <a:ext cx="5457825" cy="5619750"/>
-          </a:xfrm>
-          <a:prstGeom prst="rect">
-            <a:avLst/>
-          </a:prstGeom>
-        </p:spPr>
-      </p:pic>
-      <p:sp>
-        <p:nvSpPr>
-          <p:cNvPr id="3" name="Rectángulo 2">
-            <a:extLst>
-              <a:ext uri="{FF2B5EF4-FFF2-40B4-BE49-F238E27FC236}">
-                <a16:creationId xmlns:a16="http://schemas.microsoft.com/office/drawing/2014/main" id="{9824C711-963C-4360-88EF-913D8CCE4DE1}"/>
-              </a:ext>
-            </a:extLst>
-          </p:cNvPr>
-          <p:cNvSpPr/>
-          <p:nvPr/>
-        </p:nvSpPr>
-        <p:spPr>
-          <a:xfrm>
-            <a:off x="4294212" y="3789040"/>
-            <a:ext cx="3528392" cy="360040"/>
-          </a:xfrm>
-          <a:prstGeom prst="rect">
-            <a:avLst/>
-          </a:prstGeom>
-          <a:noFill/>
-          <a:ln w="28575">
-            <a:solidFill>
-              <a:srgbClr val="FF0000"/>
-            </a:solidFill>
-          </a:ln>
-        </p:spPr>
-        <p:style>
-          <a:lnRef idx="2">
-            <a:schemeClr val="accent1">
-              <a:shade val="50000"/>
-            </a:schemeClr>
-          </a:lnRef>
-          <a:fillRef idx="1">
-            <a:schemeClr val="accent1"/>
-          </a:fillRef>
-          <a:effectRef idx="0">
-            <a:schemeClr val="accent1"/>
-          </a:effectRef>
-          <a:fontRef idx="minor">
-            <a:schemeClr val="lt1"/>
-          </a:fontRef>
-        </p:style>
-        <p:txBody>
-          <a:bodyPr rtlCol="0" anchor="ctr"/>
-          <a:lstStyle/>
-          <a:p>
-            <a:pPr algn="ctr"/>
-            <a:endParaRPr lang="es-ES" sz="2800" dirty="0"/>
-          </a:p>
-        </p:txBody>
-      </p:sp>
-    </p:spTree>
-    <p:extLst>
-      <p:ext uri="{BB962C8B-B14F-4D97-AF65-F5344CB8AC3E}">
-        <p14:creationId xmlns:p14="http://schemas.microsoft.com/office/powerpoint/2010/main" val="1405850135"/>
       </p:ext>
     </p:extLst>
   </p:cSld>
@@ -10030,24 +10597,26 @@
             <a:pPr rtl="0"/>
             <a:r>
               <a:rPr lang="es-ES" dirty="0"/>
-              <a:t>Una vez modificado el código</a:t>
+              <a:t>Error al momento de realizar la prueba</a:t>
             </a:r>
           </a:p>
         </p:txBody>
       </p:sp>
       <p:pic>
         <p:nvPicPr>
-          <p:cNvPr id="5" name="Imagen 4">
+          <p:cNvPr id="2" name="Marcador de contenido 1">
             <a:extLst>
               <a:ext uri="{FF2B5EF4-FFF2-40B4-BE49-F238E27FC236}">
-                <a16:creationId xmlns:a16="http://schemas.microsoft.com/office/drawing/2014/main" id="{BC764B28-6B12-470A-8C27-6B1A515094A2}"/>
+                <a16:creationId xmlns:a16="http://schemas.microsoft.com/office/drawing/2014/main" id="{F41A4891-2532-47DA-9CE9-3783C3A07863}"/>
               </a:ext>
             </a:extLst>
           </p:cNvPr>
           <p:cNvPicPr>
-            <a:picLocks noChangeAspect="1"/>
+            <a:picLocks noGrp="1" noChangeAspect="1"/>
           </p:cNvPicPr>
-          <p:nvPr/>
+          <p:nvPr>
+            <p:ph sz="half" idx="2"/>
+          </p:nvPr>
         </p:nvPicPr>
         <p:blipFill>
           <a:blip r:embed="rId3"/>
@@ -10057,8 +10626,8 @@
         </p:blipFill>
         <p:spPr>
           <a:xfrm>
-            <a:off x="1218883" y="1498601"/>
-            <a:ext cx="10360501" cy="4738711"/>
+            <a:off x="1218883" y="1498600"/>
+            <a:ext cx="10360501" cy="4810720"/>
           </a:xfrm>
           <a:prstGeom prst="rect">
             <a:avLst/>
@@ -10068,7 +10637,7 @@
     </p:spTree>
     <p:extLst>
       <p:ext uri="{BB962C8B-B14F-4D97-AF65-F5344CB8AC3E}">
-        <p14:creationId xmlns:p14="http://schemas.microsoft.com/office/powerpoint/2010/main" val="2645386564"/>
+        <p14:creationId xmlns:p14="http://schemas.microsoft.com/office/powerpoint/2010/main" val="2672039197"/>
       </p:ext>
     </p:extLst>
   </p:cSld>
@@ -10434,92 +11003,10 @@
           </a:p>
         </p:txBody>
       </p:sp>
-      <p:pic>
-        <p:nvPicPr>
-          <p:cNvPr id="4" name="Imagen 3">
-            <a:extLst>
-              <a:ext uri="{FF2B5EF4-FFF2-40B4-BE49-F238E27FC236}">
-                <a16:creationId xmlns:a16="http://schemas.microsoft.com/office/drawing/2014/main" id="{35C669B8-951A-421F-81BF-D083FA38CF21}"/>
-              </a:ext>
-            </a:extLst>
-          </p:cNvPr>
-          <p:cNvPicPr>
-            <a:picLocks noChangeAspect="1"/>
-          </p:cNvPicPr>
-          <p:nvPr/>
-        </p:nvPicPr>
-        <p:blipFill>
-          <a:blip r:embed="rId4"/>
-          <a:stretch>
-            <a:fillRect/>
-          </a:stretch>
-        </p:blipFill>
-        <p:spPr>
-          <a:xfrm>
-            <a:off x="3365499" y="619125"/>
-            <a:ext cx="5457824" cy="5619750"/>
-          </a:xfrm>
-          <a:prstGeom prst="rect">
-            <a:avLst/>
-          </a:prstGeom>
-        </p:spPr>
-      </p:pic>
-      <p:sp>
-        <p:nvSpPr>
-          <p:cNvPr id="5" name="Rectángulo 4">
-            <a:extLst>
-              <a:ext uri="{FF2B5EF4-FFF2-40B4-BE49-F238E27FC236}">
-                <a16:creationId xmlns:a16="http://schemas.microsoft.com/office/drawing/2014/main" id="{ABBD78BC-D401-4C45-AFEE-C4D4A53D8DE5}"/>
-              </a:ext>
-            </a:extLst>
-          </p:cNvPr>
-          <p:cNvSpPr/>
-          <p:nvPr/>
-        </p:nvSpPr>
-        <p:spPr>
-          <a:xfrm>
-            <a:off x="3970175" y="3753036"/>
-            <a:ext cx="4248472" cy="432048"/>
-          </a:xfrm>
-          <a:prstGeom prst="rect">
-            <a:avLst/>
-          </a:prstGeom>
-          <a:noFill/>
-          <a:ln>
-            <a:solidFill>
-              <a:srgbClr val="FF0000"/>
-            </a:solidFill>
-          </a:ln>
-        </p:spPr>
-        <p:style>
-          <a:lnRef idx="2">
-            <a:schemeClr val="accent1">
-              <a:shade val="50000"/>
-            </a:schemeClr>
-          </a:lnRef>
-          <a:fillRef idx="1">
-            <a:schemeClr val="accent1"/>
-          </a:fillRef>
-          <a:effectRef idx="0">
-            <a:schemeClr val="accent1"/>
-          </a:effectRef>
-          <a:fontRef idx="minor">
-            <a:schemeClr val="lt1"/>
-          </a:fontRef>
-        </p:style>
-        <p:txBody>
-          <a:bodyPr rtlCol="0" anchor="ctr"/>
-          <a:lstStyle/>
-          <a:p>
-            <a:pPr algn="ctr"/>
-            <a:endParaRPr lang="es-ES" sz="2800" dirty="0"/>
-          </a:p>
-        </p:txBody>
-      </p:sp>
     </p:spTree>
     <p:extLst>
       <p:ext uri="{BB962C8B-B14F-4D97-AF65-F5344CB8AC3E}">
-        <p14:creationId xmlns:p14="http://schemas.microsoft.com/office/powerpoint/2010/main" val="1810384548"/>
+        <p14:creationId xmlns:p14="http://schemas.microsoft.com/office/powerpoint/2010/main" val="1405850135"/>
       </p:ext>
     </p:extLst>
   </p:cSld>
@@ -10560,6 +11047,307 @@
       </p:grpSpPr>
       <p:sp>
         <p:nvSpPr>
+          <p:cNvPr id="7" name="Título 6"/>
+          <p:cNvSpPr>
+            <a:spLocks noGrp="1"/>
+          </p:cNvSpPr>
+          <p:nvPr>
+            <p:ph type="title"/>
+          </p:nvPr>
+        </p:nvSpPr>
+        <p:spPr/>
+        <p:txBody>
+          <a:bodyPr rtlCol="0"/>
+          <a:lstStyle/>
+          <a:p>
+            <a:pPr rtl="0"/>
+            <a:r>
+              <a:rPr lang="es-ES" dirty="0"/>
+              <a:t>Una vez modificado el código</a:t>
+            </a:r>
+          </a:p>
+        </p:txBody>
+      </p:sp>
+      <p:pic>
+        <p:nvPicPr>
+          <p:cNvPr id="5" name="Imagen 4">
+            <a:extLst>
+              <a:ext uri="{FF2B5EF4-FFF2-40B4-BE49-F238E27FC236}">
+                <a16:creationId xmlns:a16="http://schemas.microsoft.com/office/drawing/2014/main" id="{BC764B28-6B12-470A-8C27-6B1A515094A2}"/>
+              </a:ext>
+            </a:extLst>
+          </p:cNvPr>
+          <p:cNvPicPr>
+            <a:picLocks noChangeAspect="1"/>
+          </p:cNvPicPr>
+          <p:nvPr/>
+        </p:nvPicPr>
+        <p:blipFill>
+          <a:blip r:embed="rId3"/>
+          <a:stretch>
+            <a:fillRect/>
+          </a:stretch>
+        </p:blipFill>
+        <p:spPr>
+          <a:xfrm>
+            <a:off x="1218883" y="1498601"/>
+            <a:ext cx="10360501" cy="4738711"/>
+          </a:xfrm>
+          <a:prstGeom prst="rect">
+            <a:avLst/>
+          </a:prstGeom>
+        </p:spPr>
+      </p:pic>
+    </p:spTree>
+    <p:extLst>
+      <p:ext uri="{BB962C8B-B14F-4D97-AF65-F5344CB8AC3E}">
+        <p14:creationId xmlns:p14="http://schemas.microsoft.com/office/powerpoint/2010/main" val="2645386564"/>
+      </p:ext>
+    </p:extLst>
+  </p:cSld>
+  <p:clrMapOvr>
+    <a:masterClrMapping/>
+  </p:clrMapOvr>
+  <mc:AlternateContent xmlns:mc="http://schemas.openxmlformats.org/markup-compatibility/2006" xmlns:p14="http://schemas.microsoft.com/office/powerpoint/2010/main">
+    <mc:Choice Requires="p14">
+      <p:transition spd="med" p14:dur="700">
+        <p:fade/>
+      </p:transition>
+    </mc:Choice>
+    <mc:Fallback xmlns="">
+      <p:transition spd="med">
+        <p:fade/>
+      </p:transition>
+    </mc:Fallback>
+  </mc:AlternateContent>
+</p:sld>
+</file>
+
+<file path=ppt/slides/slide22.xml><?xml version="1.0" encoding="utf-8"?>
+<p:sld xmlns:a="http://schemas.openxmlformats.org/drawingml/2006/main" xmlns:r="http://schemas.openxmlformats.org/officeDocument/2006/relationships" xmlns:p="http://schemas.openxmlformats.org/presentationml/2006/main">
+  <p:cSld>
+    <p:spTree>
+      <p:nvGrpSpPr>
+        <p:cNvPr id="1" name=""/>
+        <p:cNvGrpSpPr/>
+        <p:nvPr/>
+      </p:nvGrpSpPr>
+      <p:grpSpPr>
+        <a:xfrm>
+          <a:off x="0" y="0"/>
+          <a:ext cx="0" cy="0"/>
+          <a:chOff x="0" y="0"/>
+          <a:chExt cx="0" cy="0"/>
+        </a:xfrm>
+      </p:grpSpPr>
+      <p:pic>
+        <p:nvPicPr>
+          <p:cNvPr id="2" name="Imagen 1">
+            <a:extLst>
+              <a:ext uri="{FF2B5EF4-FFF2-40B4-BE49-F238E27FC236}">
+                <a16:creationId xmlns:a16="http://schemas.microsoft.com/office/drawing/2014/main" id="{34D2DC3C-43BB-4DFD-991A-8FFD1F41749C}"/>
+              </a:ext>
+            </a:extLst>
+          </p:cNvPr>
+          <p:cNvPicPr>
+            <a:picLocks noChangeAspect="1"/>
+          </p:cNvPicPr>
+          <p:nvPr/>
+        </p:nvPicPr>
+        <p:blipFill>
+          <a:blip r:embed="rId3"/>
+          <a:stretch>
+            <a:fillRect/>
+          </a:stretch>
+        </p:blipFill>
+        <p:spPr>
+          <a:xfrm>
+            <a:off x="3365499" y="619125"/>
+            <a:ext cx="5457825" cy="5619750"/>
+          </a:xfrm>
+          <a:prstGeom prst="rect">
+            <a:avLst/>
+          </a:prstGeom>
+        </p:spPr>
+      </p:pic>
+      <p:sp>
+        <p:nvSpPr>
+          <p:cNvPr id="3" name="Rectángulo 2">
+            <a:extLst>
+              <a:ext uri="{FF2B5EF4-FFF2-40B4-BE49-F238E27FC236}">
+                <a16:creationId xmlns:a16="http://schemas.microsoft.com/office/drawing/2014/main" id="{9824C711-963C-4360-88EF-913D8CCE4DE1}"/>
+              </a:ext>
+            </a:extLst>
+          </p:cNvPr>
+          <p:cNvSpPr/>
+          <p:nvPr/>
+        </p:nvSpPr>
+        <p:spPr>
+          <a:xfrm>
+            <a:off x="4294212" y="3789040"/>
+            <a:ext cx="3528392" cy="360040"/>
+          </a:xfrm>
+          <a:prstGeom prst="rect">
+            <a:avLst/>
+          </a:prstGeom>
+          <a:noFill/>
+          <a:ln w="28575">
+            <a:solidFill>
+              <a:srgbClr val="FF0000"/>
+            </a:solidFill>
+          </a:ln>
+        </p:spPr>
+        <p:style>
+          <a:lnRef idx="2">
+            <a:schemeClr val="accent1">
+              <a:shade val="50000"/>
+            </a:schemeClr>
+          </a:lnRef>
+          <a:fillRef idx="1">
+            <a:schemeClr val="accent1"/>
+          </a:fillRef>
+          <a:effectRef idx="0">
+            <a:schemeClr val="accent1"/>
+          </a:effectRef>
+          <a:fontRef idx="minor">
+            <a:schemeClr val="lt1"/>
+          </a:fontRef>
+        </p:style>
+        <p:txBody>
+          <a:bodyPr rtlCol="0" anchor="ctr"/>
+          <a:lstStyle/>
+          <a:p>
+            <a:pPr algn="ctr"/>
+            <a:endParaRPr lang="es-ES" sz="2800" dirty="0"/>
+          </a:p>
+        </p:txBody>
+      </p:sp>
+      <p:pic>
+        <p:nvPicPr>
+          <p:cNvPr id="4" name="Imagen 3">
+            <a:extLst>
+              <a:ext uri="{FF2B5EF4-FFF2-40B4-BE49-F238E27FC236}">
+                <a16:creationId xmlns:a16="http://schemas.microsoft.com/office/drawing/2014/main" id="{35C669B8-951A-421F-81BF-D083FA38CF21}"/>
+              </a:ext>
+            </a:extLst>
+          </p:cNvPr>
+          <p:cNvPicPr>
+            <a:picLocks noChangeAspect="1"/>
+          </p:cNvPicPr>
+          <p:nvPr/>
+        </p:nvPicPr>
+        <p:blipFill>
+          <a:blip r:embed="rId4"/>
+          <a:stretch>
+            <a:fillRect/>
+          </a:stretch>
+        </p:blipFill>
+        <p:spPr>
+          <a:xfrm>
+            <a:off x="3365499" y="619125"/>
+            <a:ext cx="5457824" cy="5619750"/>
+          </a:xfrm>
+          <a:prstGeom prst="rect">
+            <a:avLst/>
+          </a:prstGeom>
+        </p:spPr>
+      </p:pic>
+      <p:sp>
+        <p:nvSpPr>
+          <p:cNvPr id="5" name="Rectángulo 4">
+            <a:extLst>
+              <a:ext uri="{FF2B5EF4-FFF2-40B4-BE49-F238E27FC236}">
+                <a16:creationId xmlns:a16="http://schemas.microsoft.com/office/drawing/2014/main" id="{ABBD78BC-D401-4C45-AFEE-C4D4A53D8DE5}"/>
+              </a:ext>
+            </a:extLst>
+          </p:cNvPr>
+          <p:cNvSpPr/>
+          <p:nvPr/>
+        </p:nvSpPr>
+        <p:spPr>
+          <a:xfrm>
+            <a:off x="3970175" y="3753036"/>
+            <a:ext cx="4248472" cy="432048"/>
+          </a:xfrm>
+          <a:prstGeom prst="rect">
+            <a:avLst/>
+          </a:prstGeom>
+          <a:noFill/>
+          <a:ln>
+            <a:solidFill>
+              <a:srgbClr val="FF0000"/>
+            </a:solidFill>
+          </a:ln>
+        </p:spPr>
+        <p:style>
+          <a:lnRef idx="2">
+            <a:schemeClr val="accent1">
+              <a:shade val="50000"/>
+            </a:schemeClr>
+          </a:lnRef>
+          <a:fillRef idx="1">
+            <a:schemeClr val="accent1"/>
+          </a:fillRef>
+          <a:effectRef idx="0">
+            <a:schemeClr val="accent1"/>
+          </a:effectRef>
+          <a:fontRef idx="minor">
+            <a:schemeClr val="lt1"/>
+          </a:fontRef>
+        </p:style>
+        <p:txBody>
+          <a:bodyPr rtlCol="0" anchor="ctr"/>
+          <a:lstStyle/>
+          <a:p>
+            <a:pPr algn="ctr"/>
+            <a:endParaRPr lang="es-ES" sz="2800" dirty="0"/>
+          </a:p>
+        </p:txBody>
+      </p:sp>
+    </p:spTree>
+    <p:extLst>
+      <p:ext uri="{BB962C8B-B14F-4D97-AF65-F5344CB8AC3E}">
+        <p14:creationId xmlns:p14="http://schemas.microsoft.com/office/powerpoint/2010/main" val="1810384548"/>
+      </p:ext>
+    </p:extLst>
+  </p:cSld>
+  <p:clrMapOvr>
+    <a:masterClrMapping/>
+  </p:clrMapOvr>
+  <mc:AlternateContent xmlns:mc="http://schemas.openxmlformats.org/markup-compatibility/2006" xmlns:p14="http://schemas.microsoft.com/office/powerpoint/2010/main">
+    <mc:Choice Requires="p14">
+      <p:transition spd="med" p14:dur="700">
+        <p:fade/>
+      </p:transition>
+    </mc:Choice>
+    <mc:Fallback xmlns="">
+      <p:transition spd="med">
+        <p:fade/>
+      </p:transition>
+    </mc:Fallback>
+  </mc:AlternateContent>
+</p:sld>
+</file>
+
+<file path=ppt/slides/slide23.xml><?xml version="1.0" encoding="utf-8"?>
+<p:sld xmlns:a="http://schemas.openxmlformats.org/drawingml/2006/main" xmlns:r="http://schemas.openxmlformats.org/officeDocument/2006/relationships" xmlns:p="http://schemas.openxmlformats.org/presentationml/2006/main">
+  <p:cSld>
+    <p:spTree>
+      <p:nvGrpSpPr>
+        <p:cNvPr id="1" name=""/>
+        <p:cNvGrpSpPr/>
+        <p:nvPr/>
+      </p:nvGrpSpPr>
+      <p:grpSpPr>
+        <a:xfrm>
+          <a:off x="0" y="0"/>
+          <a:ext cx="0" cy="0"/>
+          <a:chOff x="0" y="0"/>
+          <a:chExt cx="0" cy="0"/>
+        </a:xfrm>
+      </p:grpSpPr>
+      <p:sp>
+        <p:nvSpPr>
           <p:cNvPr id="2" name="Título 1">
             <a:extLst>
               <a:ext uri="{FF2B5EF4-FFF2-40B4-BE49-F238E27FC236}">
@@ -10699,7 +11487,7 @@
 </p:sld>
 </file>
 
-<file path=ppt/slides/slide22.xml><?xml version="1.0" encoding="utf-8"?>
+<file path=ppt/slides/slide24.xml><?xml version="1.0" encoding="utf-8"?>
 <p:sld xmlns:a="http://schemas.openxmlformats.org/drawingml/2006/main" xmlns:r="http://schemas.openxmlformats.org/officeDocument/2006/relationships" xmlns:p="http://schemas.openxmlformats.org/presentationml/2006/main">
   <p:cSld>
     <p:spTree>
@@ -11174,10 +11962,9 @@
           <a:lstStyle/>
           <a:p>
             <a:r>
-              <a:rPr lang="es-AR" dirty="0" err="1"/>
-              <a:t>Jest</a:t>
-            </a:r>
-            <a:endParaRPr lang="es-AR" dirty="0"/>
+              <a:rPr lang="es-AR" dirty="0"/>
+              <a:t>Testing Library</a:t>
+            </a:r>
           </a:p>
         </p:txBody>
       </p:sp>
@@ -11218,82 +12005,36 @@
                 <a:effectLst/>
                 <a:latin typeface="inherit"/>
               </a:rPr>
-              <a:t>Framework completo para pruebas de </a:t>
-            </a:r>
-            <a:r>
-              <a:rPr lang="es-ES" b="0" i="0" dirty="0" err="1">
-                <a:effectLst/>
+              <a:t>Se centra en la interacción del usuario con la UI.</a:t>
+            </a:r>
+          </a:p>
+          <a:p>
+            <a:pPr algn="l" fontAlgn="base">
+              <a:buFont typeface="Arial" panose="020B0604020202020204" pitchFamily="34" charset="0"/>
+              <a:buChar char="•"/>
+            </a:pPr>
+            <a:r>
+              <a:rPr lang="es-ES" dirty="0">
                 <a:latin typeface="inherit"/>
               </a:rPr>
-              <a:t>frontend</a:t>
-            </a:r>
+              <a:t>Genera testeos más robustos.</a:t>
+            </a:r>
+            <a:endParaRPr lang="es-ES" b="0" i="0" dirty="0">
+              <a:effectLst/>
+              <a:latin typeface="inherit"/>
+            </a:endParaRPr>
+          </a:p>
+          <a:p>
+            <a:pPr algn="l" fontAlgn="base">
+              <a:buFont typeface="Arial" panose="020B0604020202020204" pitchFamily="34" charset="0"/>
+              <a:buChar char="•"/>
+            </a:pPr>
             <a:r>
               <a:rPr lang="es-ES" b="0" i="0" dirty="0">
                 <a:effectLst/>
                 <a:latin typeface="inherit"/>
               </a:rPr>
-              <a:t> y </a:t>
-            </a:r>
-            <a:r>
-              <a:rPr lang="es-ES" b="0" i="0" dirty="0" err="1">
-                <a:effectLst/>
-                <a:latin typeface="inherit"/>
-              </a:rPr>
-              <a:t>backend</a:t>
-            </a:r>
-            <a:r>
-              <a:rPr lang="es-ES" b="0" i="0" dirty="0">
-                <a:effectLst/>
-                <a:latin typeface="inherit"/>
-              </a:rPr>
-              <a:t>.</a:t>
-            </a:r>
-          </a:p>
-          <a:p>
-            <a:pPr algn="l" fontAlgn="base">
-              <a:buFont typeface="Arial" panose="020B0604020202020204" pitchFamily="34" charset="0"/>
-              <a:buChar char="•"/>
-            </a:pPr>
-            <a:r>
-              <a:rPr lang="es-ES" b="0" i="0" dirty="0">
-                <a:effectLst/>
-                <a:latin typeface="inherit"/>
-              </a:rPr>
-              <a:t>Soporta pruebas unitarias, de integración y más complejas.</a:t>
-            </a:r>
-          </a:p>
-          <a:p>
-            <a:pPr algn="l" fontAlgn="base">
-              <a:buFont typeface="Arial" panose="020B0604020202020204" pitchFamily="34" charset="0"/>
-              <a:buChar char="•"/>
-            </a:pPr>
-            <a:r>
-              <a:rPr lang="es-ES" b="0" i="0" dirty="0" err="1">
-                <a:effectLst/>
-                <a:latin typeface="inherit"/>
-              </a:rPr>
-              <a:t>Testing</a:t>
-            </a:r>
-            <a:r>
-              <a:rPr lang="es-ES" b="0" i="0" dirty="0">
-                <a:effectLst/>
-                <a:latin typeface="inherit"/>
-              </a:rPr>
-              <a:t> Library utiliza </a:t>
-            </a:r>
-            <a:r>
-              <a:rPr lang="es-ES" b="0" i="0" dirty="0" err="1">
-                <a:effectLst/>
-                <a:latin typeface="inherit"/>
-              </a:rPr>
-              <a:t>Jest</a:t>
-            </a:r>
-            <a:r>
-              <a:rPr lang="es-ES" b="0" i="0" dirty="0">
-                <a:effectLst/>
-                <a:latin typeface="inherit"/>
-              </a:rPr>
-              <a:t> como herramienta de aserción.</a:t>
+              <a:t>Fomenta la simplicidad y claridad de las pruebas.</a:t>
             </a:r>
           </a:p>
         </p:txBody>
@@ -11370,7 +12111,7 @@
           <a:p>
             <a:r>
               <a:rPr lang="es-AR" dirty="0" err="1"/>
-              <a:t>Vitest</a:t>
+              <a:t>Jest</a:t>
             </a:r>
             <a:endParaRPr lang="es-AR" dirty="0"/>
           </a:p>
@@ -11413,7 +12154,35 @@
                 <a:effectLst/>
                 <a:latin typeface="inherit"/>
               </a:rPr>
-              <a:t>Framework optimizado para el ecosistema Vite, rápido y eficiente.</a:t>
+              <a:t>Framework completo para pruebas de </a:t>
+            </a:r>
+            <a:r>
+              <a:rPr lang="es-ES" b="0" i="0" dirty="0" err="1">
+                <a:effectLst/>
+                <a:latin typeface="inherit"/>
+              </a:rPr>
+              <a:t>frontend</a:t>
+            </a:r>
+            <a:r>
+              <a:rPr lang="es-ES" b="0" i="0" dirty="0">
+                <a:effectLst/>
+                <a:latin typeface="inherit"/>
+              </a:rPr>
+              <a:t> y </a:t>
+            </a:r>
+            <a:r>
+              <a:rPr lang="es-ES" b="0" i="0" dirty="0" err="1">
+                <a:effectLst/>
+                <a:latin typeface="inherit"/>
+              </a:rPr>
+              <a:t>backend</a:t>
+            </a:r>
+            <a:r>
+              <a:rPr lang="es-ES" b="0" i="0" dirty="0">
+                <a:effectLst/>
+                <a:latin typeface="inherit"/>
+              </a:rPr>
+              <a:t>.</a:t>
             </a:r>
           </a:p>
           <a:p>
@@ -11426,7 +12195,27 @@
                 <a:effectLst/>
                 <a:latin typeface="inherit"/>
               </a:rPr>
-              <a:t>Similar a </a:t>
+              <a:t>Soporta pruebas unitarias, de integración y más complejas.</a:t>
+            </a:r>
+          </a:p>
+          <a:p>
+            <a:pPr algn="l" fontAlgn="base">
+              <a:buFont typeface="Arial" panose="020B0604020202020204" pitchFamily="34" charset="0"/>
+              <a:buChar char="•"/>
+            </a:pPr>
+            <a:r>
+              <a:rPr lang="es-ES" b="0" i="0" dirty="0" err="1">
+                <a:effectLst/>
+                <a:latin typeface="inherit"/>
+              </a:rPr>
+              <a:t>Testing</a:t>
+            </a:r>
+            <a:r>
+              <a:rPr lang="es-ES" b="0" i="0" dirty="0">
+                <a:effectLst/>
+                <a:latin typeface="inherit"/>
+              </a:rPr>
+              <a:t> Library utiliza </a:t>
             </a:r>
             <a:r>
               <a:rPr lang="es-ES" b="0" i="0" dirty="0" err="1">
@@ -11440,48 +12229,7 @@
                 <a:effectLst/>
                 <a:latin typeface="inherit"/>
               </a:rPr>
-              <a:t>, pero más orientado a la velocidad en proyectos que usan Vite.</a:t>
-            </a:r>
-          </a:p>
-          <a:p>
-            <a:pPr algn="l" fontAlgn="base">
-              <a:buFont typeface="Arial" panose="020B0604020202020204" pitchFamily="34" charset="0"/>
-              <a:buChar char="•"/>
-            </a:pPr>
-            <a:r>
-              <a:rPr lang="es-ES" b="0" i="0" dirty="0">
-                <a:effectLst/>
-                <a:latin typeface="inherit"/>
-              </a:rPr>
-              <a:t>No se limita al </a:t>
-            </a:r>
-            <a:r>
-              <a:rPr lang="es-ES" b="0" i="0" dirty="0" err="1">
-                <a:effectLst/>
-                <a:latin typeface="inherit"/>
-              </a:rPr>
-              <a:t>frontend</a:t>
-            </a:r>
-            <a:r>
-              <a:rPr lang="es-ES" b="0" i="0" dirty="0">
-                <a:effectLst/>
-                <a:latin typeface="inherit"/>
-              </a:rPr>
-              <a:t>; también soporta pruebas de </a:t>
-            </a:r>
-            <a:r>
-              <a:rPr lang="es-ES" b="0" i="0" dirty="0" err="1">
-                <a:effectLst/>
-                <a:latin typeface="inherit"/>
-              </a:rPr>
-              <a:t>backend</a:t>
-            </a:r>
-            <a:r>
-              <a:rPr lang="es-ES" b="0" i="0" dirty="0">
-                <a:effectLst/>
-                <a:latin typeface="inherit"/>
-              </a:rPr>
-              <a:t>.</a:t>
+              <a:t> como herramienta de aserción.</a:t>
             </a:r>
           </a:p>
         </p:txBody>
@@ -11489,7 +12237,7 @@
     </p:spTree>
     <p:extLst>
       <p:ext uri="{BB962C8B-B14F-4D97-AF65-F5344CB8AC3E}">
-        <p14:creationId xmlns:p14="http://schemas.microsoft.com/office/powerpoint/2010/main" val="3461211232"/>
+        <p14:creationId xmlns:p14="http://schemas.microsoft.com/office/powerpoint/2010/main" val="610175417"/>
       </p:ext>
     </p:extLst>
   </p:cSld>
@@ -11557,9 +12305,10 @@
           <a:lstStyle/>
           <a:p>
             <a:r>
-              <a:rPr lang="es-AR" dirty="0"/>
-              <a:t>Mocha</a:t>
-            </a:r>
+              <a:rPr lang="es-AR" dirty="0" err="1"/>
+              <a:t>Vitest</a:t>
+            </a:r>
+            <a:endParaRPr lang="es-AR" dirty="0"/>
           </a:p>
         </p:txBody>
       </p:sp>
@@ -11600,7 +12349,47 @@
                 <a:effectLst/>
                 <a:latin typeface="inherit"/>
               </a:rPr>
-              <a:t>Framework flexible para pruebas en JavaScript (</a:t>
+              <a:t>Framework optimizado para el ecosistema Vite, rápido y eficiente.</a:t>
+            </a:r>
+          </a:p>
+          <a:p>
+            <a:pPr algn="l" fontAlgn="base">
+              <a:buFont typeface="Arial" panose="020B0604020202020204" pitchFamily="34" charset="0"/>
+              <a:buChar char="•"/>
+            </a:pPr>
+            <a:r>
+              <a:rPr lang="es-ES" b="0" i="0" dirty="0">
+                <a:effectLst/>
+                <a:latin typeface="inherit"/>
+              </a:rPr>
+              <a:t>Similar a </a:t>
+            </a:r>
+            <a:r>
+              <a:rPr lang="es-ES" b="0" i="0" dirty="0" err="1">
+                <a:effectLst/>
+                <a:latin typeface="inherit"/>
+              </a:rPr>
+              <a:t>Jest</a:t>
+            </a:r>
+            <a:r>
+              <a:rPr lang="es-ES" b="0" i="0" dirty="0">
+                <a:effectLst/>
+                <a:latin typeface="inherit"/>
+              </a:rPr>
+              <a:t>, pero más orientado a la velocidad en proyectos que usan Vite.</a:t>
+            </a:r>
+          </a:p>
+          <a:p>
+            <a:pPr algn="l" fontAlgn="base">
+              <a:buFont typeface="Arial" panose="020B0604020202020204" pitchFamily="34" charset="0"/>
+              <a:buChar char="•"/>
+            </a:pPr>
+            <a:r>
+              <a:rPr lang="es-ES" b="0" i="0" dirty="0">
+                <a:effectLst/>
+                <a:latin typeface="inherit"/>
+              </a:rPr>
+              <a:t>No se limita al </a:t>
             </a:r>
             <a:r>
               <a:rPr lang="es-ES" b="0" i="0" dirty="0" err="1">
@@ -11614,7 +12403,7 @@
                 <a:effectLst/>
                 <a:latin typeface="inherit"/>
               </a:rPr>
-              <a:t> y </a:t>
+              <a:t>; también soporta pruebas de </a:t>
             </a:r>
             <a:r>
               <a:rPr lang="es-ES" b="0" i="0" dirty="0" err="1">
@@ -11628,40 +12417,7 @@
                 <a:effectLst/>
                 <a:latin typeface="inherit"/>
               </a:rPr>
-              <a:t>).</a:t>
-            </a:r>
-          </a:p>
-          <a:p>
-            <a:pPr algn="l" fontAlgn="base">
-              <a:buFont typeface="Arial" panose="020B0604020202020204" pitchFamily="34" charset="0"/>
-              <a:buChar char="•"/>
-            </a:pPr>
-            <a:r>
-              <a:rPr lang="es-ES" b="0" i="0" dirty="0">
-                <a:effectLst/>
-                <a:latin typeface="inherit"/>
-              </a:rPr>
-              <a:t>Requiere herramientas adicionales para aserciones (Chai) y simulaciones (Sinon.js).</a:t>
-            </a:r>
-          </a:p>
-          <a:p>
-            <a:pPr algn="l" fontAlgn="base">
-              <a:buFont typeface="Arial" panose="020B0604020202020204" pitchFamily="34" charset="0"/>
-              <a:buChar char="•"/>
-            </a:pPr>
-            <a:r>
-              <a:rPr lang="es-ES" b="0" i="0" dirty="0" err="1">
-                <a:effectLst/>
-                <a:latin typeface="inherit"/>
-              </a:rPr>
-              <a:t>Testing</a:t>
-            </a:r>
-            <a:r>
-              <a:rPr lang="es-ES" b="0" i="0" dirty="0">
-                <a:effectLst/>
-                <a:latin typeface="inherit"/>
-              </a:rPr>
-              <a:t> Library puede ser usada con Mocha para validar interacciones de la UI.</a:t>
+              <a:t>.</a:t>
             </a:r>
           </a:p>
         </p:txBody>
@@ -11669,7 +12425,7 @@
     </p:spTree>
     <p:extLst>
       <p:ext uri="{BB962C8B-B14F-4D97-AF65-F5344CB8AC3E}">
-        <p14:creationId xmlns:p14="http://schemas.microsoft.com/office/powerpoint/2010/main" val="387358198"/>
+        <p14:creationId xmlns:p14="http://schemas.microsoft.com/office/powerpoint/2010/main" val="3461211232"/>
       </p:ext>
     </p:extLst>
   </p:cSld>
@@ -11737,28 +12493,8 @@
           <a:lstStyle/>
           <a:p>
             <a:r>
-              <a:rPr lang="es-AR" dirty="0" err="1"/>
-              <a:t>Mock</a:t>
-            </a:r>
-            <a:r>
               <a:rPr lang="es-AR" dirty="0"/>
-              <a:t> </a:t>
-            </a:r>
-            <a:r>
-              <a:rPr lang="es-AR" dirty="0" err="1"/>
-              <a:t>Service</a:t>
-            </a:r>
-            <a:r>
-              <a:rPr lang="es-AR" dirty="0"/>
-              <a:t> </a:t>
-            </a:r>
-            <a:r>
-              <a:rPr lang="es-AR" dirty="0" err="1"/>
-              <a:t>Worker</a:t>
-            </a:r>
-            <a:r>
-              <a:rPr lang="es-AR" dirty="0"/>
-              <a:t> (MSW)</a:t>
+              <a:t>Mocha</a:t>
             </a:r>
           </a:p>
         </p:txBody>
@@ -11800,47 +12536,21 @@
                 <a:effectLst/>
                 <a:latin typeface="inherit"/>
               </a:rPr>
-              <a:t>Simula </a:t>
+              <a:t>Framework flexible para pruebas en JavaScript (</a:t>
             </a:r>
             <a:r>
               <a:rPr lang="es-ES" b="0" i="0" dirty="0" err="1">
                 <a:effectLst/>
                 <a:latin typeface="inherit"/>
               </a:rPr>
-              <a:t>APIs</a:t>
+              <a:t>frontend</a:t>
             </a:r>
             <a:r>
               <a:rPr lang="es-ES" b="0" i="0" dirty="0">
                 <a:effectLst/>
                 <a:latin typeface="inherit"/>
               </a:rPr>
-              <a:t> en pruebas, interceptando solicitudes de red.</a:t>
-            </a:r>
-          </a:p>
-          <a:p>
-            <a:pPr algn="l" fontAlgn="base">
-              <a:buFont typeface="Arial" panose="020B0604020202020204" pitchFamily="34" charset="0"/>
-              <a:buChar char="•"/>
-            </a:pPr>
-            <a:r>
-              <a:rPr lang="es-ES" b="0" i="0" dirty="0">
-                <a:effectLst/>
-                <a:latin typeface="inherit"/>
-              </a:rPr>
-              <a:t>Ideal para probar cómo las aplicaciones manejan respuestas de servidores sin usar servicios reales.</a:t>
-            </a:r>
-          </a:p>
-          <a:p>
-            <a:pPr algn="l" fontAlgn="base">
-              <a:buFont typeface="Arial" panose="020B0604020202020204" pitchFamily="34" charset="0"/>
-              <a:buChar char="•"/>
-            </a:pPr>
-            <a:r>
-              <a:rPr lang="es-ES" b="0" i="0" dirty="0">
-                <a:effectLst/>
-                <a:latin typeface="inherit"/>
-              </a:rPr>
-              <a:t>Se enfoca en la simulación de redes y </a:t>
+              <a:t> y </a:t>
             </a:r>
             <a:r>
               <a:rPr lang="es-ES" b="0" i="0" dirty="0" err="1">
@@ -11854,8 +12564,27 @@
                 <a:effectLst/>
                 <a:latin typeface="inherit"/>
               </a:rPr>
-              <a:t>, complementando </a:t>
-            </a:r>
+              <a:t>).</a:t>
+            </a:r>
+          </a:p>
+          <a:p>
+            <a:pPr algn="l" fontAlgn="base">
+              <a:buFont typeface="Arial" panose="020B0604020202020204" pitchFamily="34" charset="0"/>
+              <a:buChar char="•"/>
+            </a:pPr>
+            <a:r>
+              <a:rPr lang="es-ES" b="0" i="0" dirty="0">
+                <a:effectLst/>
+                <a:latin typeface="inherit"/>
+              </a:rPr>
+              <a:t>Requiere herramientas adicionales para aserciones (Chai) y simulaciones (Sinon.js).</a:t>
+            </a:r>
+          </a:p>
+          <a:p>
+            <a:pPr algn="l" fontAlgn="base">
+              <a:buFont typeface="Arial" panose="020B0604020202020204" pitchFamily="34" charset="0"/>
+              <a:buChar char="•"/>
+            </a:pPr>
             <a:r>
               <a:rPr lang="es-ES" b="0" i="0" dirty="0" err="1">
                 <a:effectLst/>
@@ -11868,7 +12597,7 @@
                 <a:effectLst/>
                 <a:latin typeface="inherit"/>
               </a:rPr>
-              <a:t> Library para pruebas de UI.</a:t>
+              <a:t> Library puede ser usada con Mocha para validar interacciones de la UI.</a:t>
             </a:r>
           </a:p>
         </p:txBody>
@@ -11876,7 +12605,7 @@
     </p:spTree>
     <p:extLst>
       <p:ext uri="{BB962C8B-B14F-4D97-AF65-F5344CB8AC3E}">
-        <p14:creationId xmlns:p14="http://schemas.microsoft.com/office/powerpoint/2010/main" val="1386491078"/>
+        <p14:creationId xmlns:p14="http://schemas.microsoft.com/office/powerpoint/2010/main" val="387358198"/>
       </p:ext>
     </p:extLst>
   </p:cSld>
@@ -12849,15 +13578,6 @@
 </file>
 
 <file path=customXml/item1.xml><?xml version="1.0" encoding="utf-8"?>
-<?mso-contentType ?>
-<FormTemplates xmlns="http://schemas.microsoft.com/sharepoint/v3/contenttype/forms">
-  <Display>DocumentLibraryForm</Display>
-  <Edit>AssetEditForm</Edit>
-  <New>DocumentLibraryForm</New>
-</FormTemplates>
-</file>
-
-<file path=customXml/item2.xml><?xml version="1.0" encoding="utf-8"?>
 <ct:contentTypeSchema xmlns:ct="http://schemas.microsoft.com/office/2006/metadata/contentType" xmlns:ma="http://schemas.microsoft.com/office/2006/metadata/properties/metaAttributes" ct:_="" ma:_="" ma:contentTypeName="TemplateFile" ma:contentTypeID="0x0101006EDDDB5EE6D98C44930B742096920B300400F5B6D36B3EF94B4E9A635CDF2A18F5B8" ma:contentTypeVersion="72" ma:contentTypeDescription="Create a new document." ma:contentTypeScope="" ma:versionID="a23e56308344d904b51738559c3d67c9">
   <xsd:schema xmlns:xsd="http://www.w3.org/2001/XMLSchema" xmlns:xs="http://www.w3.org/2001/XMLSchema" xmlns:p="http://schemas.microsoft.com/office/2006/metadata/properties" xmlns:ns2="4873beb7-5857-4685-be1f-d57550cc96cc" targetNamespace="http://schemas.microsoft.com/office/2006/metadata/properties" ma:root="true" ma:fieldsID="cd0908cc4600e77bf5da051303e00c8d" ns2:_="">
     <xsd:import namespace="4873beb7-5857-4685-be1f-d57550cc96cc"/>
@@ -13897,6 +14617,15 @@
 </ct:contentTypeSchema>
 </file>
 
+<file path=customXml/item2.xml><?xml version="1.0" encoding="utf-8"?>
+<?mso-contentType ?>
+<FormTemplates xmlns="http://schemas.microsoft.com/sharepoint/v3/contenttype/forms">
+  <Display>DocumentLibraryForm</Display>
+  <Edit>AssetEditForm</Edit>
+  <New>DocumentLibraryForm</New>
+</FormTemplates>
+</file>
+
 <file path=customXml/item3.xml><?xml version="1.0" encoding="utf-8"?>
 <p:properties xmlns:p="http://schemas.microsoft.com/office/2006/metadata/properties" xmlns:xsi="http://www.w3.org/2001/XMLSchema-instance" xmlns:pc="http://schemas.microsoft.com/office/infopath/2007/PartnerControls">
   <documentManagement>
@@ -14034,14 +14763,6 @@
 </file>
 
 <file path=customXml/itemProps1.xml><?xml version="1.0" encoding="utf-8"?>
-<ds:datastoreItem xmlns:ds="http://schemas.openxmlformats.org/officeDocument/2006/customXml" ds:itemID="{3836F65B-1B07-41EE-A0E8-BC6EF3855225}">
-  <ds:schemaRefs>
-    <ds:schemaRef ds:uri="http://schemas.microsoft.com/sharepoint/v3/contenttype/forms"/>
-  </ds:schemaRefs>
-</ds:datastoreItem>
-</file>
-
-<file path=customXml/itemProps2.xml><?xml version="1.0" encoding="utf-8"?>
 <ds:datastoreItem xmlns:ds="http://schemas.openxmlformats.org/officeDocument/2006/customXml" ds:itemID="{A09BF4D4-EF60-4196-BFC3-9462D607978C}">
   <ds:schemaRefs>
     <ds:schemaRef ds:uri="http://schemas.microsoft.com/office/2006/metadata/contentType"/>
@@ -14055,6 +14776,14 @@
     <ds:schemaRef ds:uri="http://purl.org/dc/elements/1.1/"/>
     <ds:schemaRef ds:uri="http://purl.org/dc/terms/"/>
     <ds:schemaRef ds:uri="http://schemas.microsoft.com/internal/obd"/>
+  </ds:schemaRefs>
+</ds:datastoreItem>
+</file>
+
+<file path=customXml/itemProps2.xml><?xml version="1.0" encoding="utf-8"?>
+<ds:datastoreItem xmlns:ds="http://schemas.openxmlformats.org/officeDocument/2006/customXml" ds:itemID="{3836F65B-1B07-41EE-A0E8-BC6EF3855225}">
+  <ds:schemaRefs>
+    <ds:schemaRef ds:uri="http://schemas.microsoft.com/sharepoint/v3/contenttype/forms"/>
   </ds:schemaRefs>
 </ds:datastoreItem>
 </file>
